--- a/积极心理学探索.pptx
+++ b/积极心理学探索.pptx
@@ -5,10 +5,10 @@
     <p:sldMasterId id="2147483648" r:id="rId1"/>
   </p:sldMasterIdLst>
   <p:notesMasterIdLst>
-    <p:notesMasterId r:id="rId22"/>
+    <p:notesMasterId r:id="rId23"/>
   </p:notesMasterIdLst>
   <p:handoutMasterIdLst>
-    <p:handoutMasterId r:id="rId23"/>
+    <p:handoutMasterId r:id="rId24"/>
   </p:handoutMasterIdLst>
   <p:sldIdLst>
     <p:sldId id="256" r:id="rId2"/>
@@ -30,7 +30,8 @@
     <p:sldId id="374" r:id="rId18"/>
     <p:sldId id="359" r:id="rId19"/>
     <p:sldId id="381" r:id="rId20"/>
-    <p:sldId id="322" r:id="rId21"/>
+    <p:sldId id="382" r:id="rId21"/>
+    <p:sldId id="322" r:id="rId22"/>
   </p:sldIdLst>
   <p:sldSz cx="12190413" cy="6858000"/>
   <p:notesSz cx="6858000" cy="9144000"/>
@@ -244,7 +245,7 @@
           <a:p>
             <a:fld id="{FC7C3D7E-DECD-40A8-83A4-F76C1F255BF3}" type="datetimeFigureOut">
               <a:rPr lang="en-US" smtClean="0"/>
-              <a:t>5/12/20</a:t>
+              <a:t>5/13/2020</a:t>
             </a:fld>
             <a:endParaRPr lang="en-US"/>
           </a:p>
@@ -409,7 +410,7 @@
           <a:p>
             <a:fld id="{66FC44DC-17B1-4BD0-9959-2723B1C0D4AF}" type="datetimeFigureOut">
               <a:rPr lang="zh-CN" altLang="en-US" smtClean="0"/>
-              <a:t>2020/5/12</a:t>
+              <a:t>2020-05-13</a:t>
             </a:fld>
             <a:endParaRPr lang="zh-CN" altLang="en-US"/>
           </a:p>
@@ -1323,7 +1324,7 @@
           <a:p>
             <a:fld id="{530820CF-B880-4189-942D-D702A7CBA730}" type="datetimeFigureOut">
               <a:rPr lang="zh-CN" altLang="en-US" smtClean="0"/>
-              <a:t>2020/5/12</a:t>
+              <a:t>2020-05-13</a:t>
             </a:fld>
             <a:endParaRPr lang="zh-CN" altLang="en-US"/>
           </a:p>
@@ -1413,7 +1414,7 @@
           <a:p>
             <a:fld id="{530820CF-B880-4189-942D-D702A7CBA730}" type="datetimeFigureOut">
               <a:rPr lang="zh-CN" altLang="en-US" smtClean="0"/>
-              <a:t>2020/5/12</a:t>
+              <a:t>2020-05-13</a:t>
             </a:fld>
             <a:endParaRPr lang="zh-CN" altLang="en-US"/>
           </a:p>
@@ -1683,7 +1684,7 @@
           <a:p>
             <a:fld id="{530820CF-B880-4189-942D-D702A7CBA730}" type="datetimeFigureOut">
               <a:rPr lang="zh-CN" altLang="en-US" smtClean="0"/>
-              <a:t>2020/5/12</a:t>
+              <a:t>2020-05-13</a:t>
             </a:fld>
             <a:endParaRPr lang="zh-CN" altLang="en-US"/>
           </a:p>
@@ -1930,7 +1931,7 @@
           <a:p>
             <a:fld id="{530820CF-B880-4189-942D-D702A7CBA730}" type="datetimeFigureOut">
               <a:rPr lang="zh-CN" altLang="en-US" smtClean="0"/>
-              <a:t>2020/5/12</a:t>
+              <a:t>2020-05-13</a:t>
             </a:fld>
             <a:endParaRPr lang="zh-CN" altLang="en-US"/>
           </a:p>
@@ -2093,7 +2094,7 @@
           <a:p>
             <a:fld id="{530820CF-B880-4189-942D-D702A7CBA730}" type="datetimeFigureOut">
               <a:rPr lang="zh-CN" altLang="en-US" smtClean="0"/>
-              <a:t>2020/5/12</a:t>
+              <a:t>2020-05-13</a:t>
             </a:fld>
             <a:endParaRPr lang="zh-CN" altLang="en-US"/>
           </a:p>
@@ -2266,7 +2267,7 @@
           <a:p>
             <a:fld id="{530820CF-B880-4189-942D-D702A7CBA730}" type="datetimeFigureOut">
               <a:rPr lang="zh-CN" altLang="en-US" smtClean="0"/>
-              <a:t>2020/5/12</a:t>
+              <a:t>2020-05-13</a:t>
             </a:fld>
             <a:endParaRPr lang="zh-CN" altLang="en-US"/>
           </a:p>
@@ -8915,7 +8916,7 @@
           <a:p>
             <a:fld id="{530820CF-B880-4189-942D-D702A7CBA730}" type="datetimeFigureOut">
               <a:rPr lang="zh-CN" altLang="en-US" smtClean="0"/>
-              <a:t>2020/5/12</a:t>
+              <a:t>2020-05-13</a:t>
             </a:fld>
             <a:endParaRPr lang="zh-CN" altLang="en-US"/>
           </a:p>
@@ -9121,7 +9122,7 @@
           <a:p>
             <a:fld id="{530820CF-B880-4189-942D-D702A7CBA730}" type="datetimeFigureOut">
               <a:rPr lang="zh-CN" altLang="en-US" smtClean="0"/>
-              <a:t>2020/5/12</a:t>
+              <a:t>2020-05-13</a:t>
             </a:fld>
             <a:endParaRPr lang="zh-CN" altLang="en-US"/>
           </a:p>
@@ -10426,7 +10427,27 @@
                 <a:latin typeface="微软雅黑" pitchFamily="34" charset="-122"/>
                 <a:ea typeface="微软雅黑" pitchFamily="34" charset="-122"/>
               </a:rPr>
-              <a:t>心向阳光，幸福常在</a:t>
+              <a:t>心</a:t>
+            </a:r>
+            <a:r>
+              <a:rPr lang="zh-CN" altLang="en-US" sz="1600" i="1">
+                <a:solidFill>
+                  <a:srgbClr val="A6A6A6"/>
+                </a:solidFill>
+                <a:latin typeface="微软雅黑" pitchFamily="34" charset="-122"/>
+                <a:ea typeface="微软雅黑" pitchFamily="34" charset="-122"/>
+              </a:rPr>
+              <a:t>向阳光，幸福</a:t>
+            </a:r>
+            <a:r>
+              <a:rPr lang="zh-CN" altLang="en-US" sz="1600" i="1" dirty="0">
+                <a:solidFill>
+                  <a:srgbClr val="A6A6A6"/>
+                </a:solidFill>
+                <a:latin typeface="微软雅黑" pitchFamily="34" charset="-122"/>
+                <a:ea typeface="微软雅黑" pitchFamily="34" charset="-122"/>
+              </a:rPr>
+              <a:t>常在</a:t>
             </a:r>
             <a:r>
               <a:rPr lang="en-US" altLang="zh-CN" sz="1600" i="1" dirty="0">
@@ -10452,8 +10473,8 @@
         </p:nvSpPr>
         <p:spPr bwMode="auto">
           <a:xfrm>
-            <a:off x="3790950" y="3503444"/>
-            <a:ext cx="4241354" cy="584775"/>
+            <a:off x="2566814" y="3503444"/>
+            <a:ext cx="7200800" cy="1815882"/>
           </a:xfrm>
           <a:prstGeom prst="rect">
             <a:avLst/>
@@ -10661,6 +10682,17 @@
           </a:p>
           <a:p>
             <a:pPr eaLnBrk="1" hangingPunct="1"/>
+            <a:endParaRPr lang="en-US" altLang="zh-CN" sz="1600" dirty="0">
+              <a:solidFill>
+                <a:schemeClr val="accent6"/>
+              </a:solidFill>
+              <a:latin typeface="微软雅黑" pitchFamily="34" charset="-122"/>
+              <a:ea typeface="微软雅黑" pitchFamily="34" charset="-122"/>
+              <a:cs typeface="Tahoma" pitchFamily="34" charset="0"/>
+            </a:endParaRPr>
+          </a:p>
+          <a:p>
+            <a:pPr eaLnBrk="1" hangingPunct="1"/>
             <a:r>
               <a:rPr lang="zh-CN" altLang="en-US" sz="1600" dirty="0">
                 <a:solidFill>
@@ -10670,8 +10702,121 @@
                 <a:ea typeface="微软雅黑" pitchFamily="34" charset="-122"/>
                 <a:cs typeface="Tahoma" pitchFamily="34" charset="0"/>
               </a:rPr>
-              <a:t>观察员：代补</a:t>
+              <a:t>观察员： </a:t>
             </a:r>
+            <a:r>
+              <a:rPr lang="en-US" altLang="zh-CN" sz="1600" dirty="0">
+                <a:solidFill>
+                  <a:schemeClr val="accent6"/>
+                </a:solidFill>
+                <a:latin typeface="微软雅黑" pitchFamily="34" charset="-122"/>
+                <a:ea typeface="微软雅黑" pitchFamily="34" charset="-122"/>
+                <a:cs typeface="Tahoma" pitchFamily="34" charset="0"/>
+              </a:rPr>
+              <a:t>one-eye-Q</a:t>
+            </a:r>
+            <a:r>
+              <a:rPr lang="zh-CN" altLang="en-US" sz="1600" dirty="0">
+                <a:solidFill>
+                  <a:schemeClr val="accent6"/>
+                </a:solidFill>
+                <a:latin typeface="微软雅黑" pitchFamily="34" charset="-122"/>
+                <a:ea typeface="微软雅黑" pitchFamily="34" charset="-122"/>
+                <a:cs typeface="Tahoma" pitchFamily="34" charset="0"/>
+              </a:rPr>
+              <a:t>、</a:t>
+            </a:r>
+            <a:r>
+              <a:rPr lang="en-US" altLang="zh-CN" sz="1600" dirty="0">
+                <a:solidFill>
+                  <a:schemeClr val="accent6"/>
+                </a:solidFill>
+                <a:latin typeface="微软雅黑" pitchFamily="34" charset="-122"/>
+                <a:ea typeface="微软雅黑" pitchFamily="34" charset="-122"/>
+                <a:cs typeface="Tahoma" pitchFamily="34" charset="0"/>
+              </a:rPr>
+              <a:t>Jason</a:t>
+            </a:r>
+            <a:r>
+              <a:rPr lang="zh-CN" altLang="en-US" sz="1600" dirty="0">
+                <a:solidFill>
+                  <a:schemeClr val="accent6"/>
+                </a:solidFill>
+                <a:latin typeface="微软雅黑" pitchFamily="34" charset="-122"/>
+                <a:ea typeface="微软雅黑" pitchFamily="34" charset="-122"/>
+                <a:cs typeface="Tahoma" pitchFamily="34" charset="0"/>
+              </a:rPr>
+              <a:t>、刘熙</a:t>
+            </a:r>
+            <a:r>
+              <a:rPr lang="en-US" altLang="zh-CN" sz="1600" dirty="0" err="1">
+                <a:solidFill>
+                  <a:schemeClr val="accent6"/>
+                </a:solidFill>
+                <a:latin typeface="微软雅黑" pitchFamily="34" charset="-122"/>
+                <a:ea typeface="微软雅黑" pitchFamily="34" charset="-122"/>
+                <a:cs typeface="Tahoma" pitchFamily="34" charset="0"/>
+              </a:rPr>
+              <a:t>Lyusy</a:t>
+            </a:r>
+            <a:r>
+              <a:rPr lang="zh-CN" altLang="en-US" sz="1600" dirty="0">
+                <a:solidFill>
+                  <a:schemeClr val="accent6"/>
+                </a:solidFill>
+                <a:latin typeface="微软雅黑" pitchFamily="34" charset="-122"/>
+                <a:ea typeface="微软雅黑" pitchFamily="34" charset="-122"/>
+                <a:cs typeface="Tahoma" pitchFamily="34" charset="0"/>
+              </a:rPr>
+              <a:t>、常星心、列文、糖盐、东边闲人、无味无谓</a:t>
+            </a:r>
+            <a:endParaRPr lang="en-US" altLang="zh-CN" sz="1600" dirty="0">
+              <a:solidFill>
+                <a:schemeClr val="accent6"/>
+              </a:solidFill>
+              <a:latin typeface="微软雅黑" pitchFamily="34" charset="-122"/>
+              <a:ea typeface="微软雅黑" pitchFamily="34" charset="-122"/>
+              <a:cs typeface="Tahoma" pitchFamily="34" charset="0"/>
+            </a:endParaRPr>
+          </a:p>
+          <a:p>
+            <a:pPr eaLnBrk="1" hangingPunct="1"/>
+            <a:endParaRPr lang="en-US" altLang="zh-CN" sz="1600" dirty="0">
+              <a:solidFill>
+                <a:schemeClr val="accent6"/>
+              </a:solidFill>
+              <a:latin typeface="微软雅黑" pitchFamily="34" charset="-122"/>
+              <a:ea typeface="微软雅黑" pitchFamily="34" charset="-122"/>
+              <a:cs typeface="Tahoma" pitchFamily="34" charset="0"/>
+            </a:endParaRPr>
+          </a:p>
+          <a:p>
+            <a:pPr eaLnBrk="1" hangingPunct="1"/>
+            <a:r>
+              <a:rPr lang="zh-CN" altLang="en-US" sz="1600" dirty="0">
+                <a:solidFill>
+                  <a:schemeClr val="accent6"/>
+                </a:solidFill>
+                <a:latin typeface="微软雅黑" pitchFamily="34" charset="-122"/>
+                <a:ea typeface="微软雅黑" pitchFamily="34" charset="-122"/>
+                <a:cs typeface="Tahoma" pitchFamily="34" charset="0"/>
+              </a:rPr>
+              <a:t>特殊指导：王蒙、古严、生强、</a:t>
+            </a:r>
+            <a:r>
+              <a:rPr lang="en-US" altLang="zh-CN" sz="1600" dirty="0">
+                <a:solidFill>
+                  <a:schemeClr val="accent6"/>
+                </a:solidFill>
+                <a:latin typeface="微软雅黑" pitchFamily="34" charset="-122"/>
+                <a:ea typeface="微软雅黑" pitchFamily="34" charset="-122"/>
+                <a:cs typeface="Tahoma" pitchFamily="34" charset="0"/>
+              </a:rPr>
+              <a:t>Alex</a:t>
+            </a:r>
+          </a:p>
+          <a:p>
+            <a:pPr eaLnBrk="1" hangingPunct="1"/>
             <a:endParaRPr lang="en-US" altLang="zh-CN" sz="1600" dirty="0">
               <a:solidFill>
                 <a:schemeClr val="accent6"/>
@@ -11635,7 +11780,31 @@
           <a:p>
             <a:r>
               <a:rPr lang="zh-CN" altLang="en-US" dirty="0"/>
-              <a:t>愿上帝赐予我力量，去改变我所能改变的；赐予我勇气，去接受我不能改变的；并赐予我智慧，去分辨这两者。</a:t>
+              <a:t>愿上帝赐予</a:t>
+            </a:r>
+            <a:r>
+              <a:rPr lang="zh-CN" altLang="en-US"/>
+              <a:t>我力量，去</a:t>
+            </a:r>
+            <a:r>
+              <a:rPr lang="zh-CN" altLang="en-US" dirty="0"/>
+              <a:t>改变我所能改变的；赐予</a:t>
+            </a:r>
+            <a:r>
+              <a:rPr lang="zh-CN" altLang="en-US"/>
+              <a:t>我勇气，去</a:t>
+            </a:r>
+            <a:r>
+              <a:rPr lang="zh-CN" altLang="en-US" dirty="0"/>
+              <a:t>接受我不能改变的；并赐予</a:t>
+            </a:r>
+            <a:r>
+              <a:rPr lang="zh-CN" altLang="en-US"/>
+              <a:t>我智慧，去</a:t>
+            </a:r>
+            <a:r>
+              <a:rPr lang="zh-CN" altLang="en-US" dirty="0"/>
+              <a:t>分辨这两者。</a:t>
             </a:r>
             <a:endParaRPr lang="en-US" b="1" dirty="0">
               <a:solidFill>
@@ -17100,6 +17269,496 @@
       </p:grpSpPr>
       <p:sp>
         <p:nvSpPr>
+          <p:cNvPr id="2" name="TextBox 40">
+            <a:extLst>
+              <a:ext uri="{FF2B5EF4-FFF2-40B4-BE49-F238E27FC236}">
+                <a16:creationId xmlns:a16="http://schemas.microsoft.com/office/drawing/2014/main" id="{7E7DE16C-4E8C-4DB0-AF69-B4728EA80598}"/>
+              </a:ext>
+            </a:extLst>
+          </p:cNvPr>
+          <p:cNvSpPr txBox="1">
+            <a:spLocks noChangeArrowheads="1"/>
+          </p:cNvSpPr>
+          <p:nvPr/>
+        </p:nvSpPr>
+        <p:spPr bwMode="auto">
+          <a:xfrm>
+            <a:off x="2278782" y="3068960"/>
+            <a:ext cx="7200800" cy="1815882"/>
+          </a:xfrm>
+          <a:prstGeom prst="rect">
+            <a:avLst/>
+          </a:prstGeom>
+          <a:noFill/>
+          <a:ln>
+            <a:noFill/>
+          </a:ln>
+          <a:extLst>
+            <a:ext uri="{909E8E84-426E-40DD-AFC4-6F175D3DCCD1}">
+              <a14:hiddenFill xmlns:a14="http://schemas.microsoft.com/office/drawing/2010/main">
+                <a:solidFill>
+                  <a:srgbClr val="FFFFFF"/>
+                </a:solidFill>
+              </a14:hiddenFill>
+            </a:ext>
+            <a:ext uri="{91240B29-F687-4F45-9708-019B960494DF}">
+              <a14:hiddenLine xmlns:a14="http://schemas.microsoft.com/office/drawing/2010/main" w="9525">
+                <a:solidFill>
+                  <a:srgbClr val="000000"/>
+                </a:solidFill>
+                <a:miter lim="800000"/>
+                <a:headEnd/>
+                <a:tailEnd/>
+              </a14:hiddenLine>
+            </a:ext>
+          </a:extLst>
+        </p:spPr>
+        <p:txBody>
+          <a:bodyPr wrap="square">
+            <a:spAutoFit/>
+          </a:bodyPr>
+          <a:lstStyle>
+            <a:lvl1pPr eaLnBrk="0" hangingPunct="0">
+              <a:defRPr>
+                <a:solidFill>
+                  <a:schemeClr val="tx1"/>
+                </a:solidFill>
+                <a:latin typeface="Arial" pitchFamily="34" charset="0"/>
+                <a:ea typeface="宋体" pitchFamily="2" charset="-122"/>
+              </a:defRPr>
+            </a:lvl1pPr>
+            <a:lvl2pPr marL="742950" indent="-285750" eaLnBrk="0" hangingPunct="0">
+              <a:defRPr>
+                <a:solidFill>
+                  <a:schemeClr val="tx1"/>
+                </a:solidFill>
+                <a:latin typeface="Arial" pitchFamily="34" charset="0"/>
+                <a:ea typeface="宋体" pitchFamily="2" charset="-122"/>
+              </a:defRPr>
+            </a:lvl2pPr>
+            <a:lvl3pPr marL="1143000" indent="-228600" eaLnBrk="0" hangingPunct="0">
+              <a:defRPr>
+                <a:solidFill>
+                  <a:schemeClr val="tx1"/>
+                </a:solidFill>
+                <a:latin typeface="Arial" pitchFamily="34" charset="0"/>
+                <a:ea typeface="宋体" pitchFamily="2" charset="-122"/>
+              </a:defRPr>
+            </a:lvl3pPr>
+            <a:lvl4pPr marL="1600200" indent="-228600" eaLnBrk="0" hangingPunct="0">
+              <a:defRPr>
+                <a:solidFill>
+                  <a:schemeClr val="tx1"/>
+                </a:solidFill>
+                <a:latin typeface="Arial" pitchFamily="34" charset="0"/>
+                <a:ea typeface="宋体" pitchFamily="2" charset="-122"/>
+              </a:defRPr>
+            </a:lvl4pPr>
+            <a:lvl5pPr marL="2057400" indent="-228600" eaLnBrk="0" hangingPunct="0">
+              <a:defRPr>
+                <a:solidFill>
+                  <a:schemeClr val="tx1"/>
+                </a:solidFill>
+                <a:latin typeface="Arial" pitchFamily="34" charset="0"/>
+                <a:ea typeface="宋体" pitchFamily="2" charset="-122"/>
+              </a:defRPr>
+            </a:lvl5pPr>
+            <a:lvl6pPr marL="2514600" indent="-228600" eaLnBrk="0" fontAlgn="base" hangingPunct="0">
+              <a:spcBef>
+                <a:spcPct val="0"/>
+              </a:spcBef>
+              <a:spcAft>
+                <a:spcPct val="0"/>
+              </a:spcAft>
+              <a:defRPr>
+                <a:solidFill>
+                  <a:schemeClr val="tx1"/>
+                </a:solidFill>
+                <a:latin typeface="Arial" pitchFamily="34" charset="0"/>
+                <a:ea typeface="宋体" pitchFamily="2" charset="-122"/>
+              </a:defRPr>
+            </a:lvl6pPr>
+            <a:lvl7pPr marL="2971800" indent="-228600" eaLnBrk="0" fontAlgn="base" hangingPunct="0">
+              <a:spcBef>
+                <a:spcPct val="0"/>
+              </a:spcBef>
+              <a:spcAft>
+                <a:spcPct val="0"/>
+              </a:spcAft>
+              <a:defRPr>
+                <a:solidFill>
+                  <a:schemeClr val="tx1"/>
+                </a:solidFill>
+                <a:latin typeface="Arial" pitchFamily="34" charset="0"/>
+                <a:ea typeface="宋体" pitchFamily="2" charset="-122"/>
+              </a:defRPr>
+            </a:lvl7pPr>
+            <a:lvl8pPr marL="3429000" indent="-228600" eaLnBrk="0" fontAlgn="base" hangingPunct="0">
+              <a:spcBef>
+                <a:spcPct val="0"/>
+              </a:spcBef>
+              <a:spcAft>
+                <a:spcPct val="0"/>
+              </a:spcAft>
+              <a:defRPr>
+                <a:solidFill>
+                  <a:schemeClr val="tx1"/>
+                </a:solidFill>
+                <a:latin typeface="Arial" pitchFamily="34" charset="0"/>
+                <a:ea typeface="宋体" pitchFamily="2" charset="-122"/>
+              </a:defRPr>
+            </a:lvl8pPr>
+            <a:lvl9pPr marL="3886200" indent="-228600" eaLnBrk="0" fontAlgn="base" hangingPunct="0">
+              <a:spcBef>
+                <a:spcPct val="0"/>
+              </a:spcBef>
+              <a:spcAft>
+                <a:spcPct val="0"/>
+              </a:spcAft>
+              <a:defRPr>
+                <a:solidFill>
+                  <a:schemeClr val="tx1"/>
+                </a:solidFill>
+                <a:latin typeface="Arial" pitchFamily="34" charset="0"/>
+                <a:ea typeface="宋体" pitchFamily="2" charset="-122"/>
+              </a:defRPr>
+            </a:lvl9pPr>
+          </a:lstStyle>
+          <a:p>
+            <a:pPr eaLnBrk="1" hangingPunct="1"/>
+            <a:r>
+              <a:rPr lang="zh-CN" altLang="en-US" sz="1600" dirty="0">
+                <a:solidFill>
+                  <a:schemeClr val="accent6"/>
+                </a:solidFill>
+                <a:latin typeface="微软雅黑" pitchFamily="34" charset="-122"/>
+                <a:ea typeface="微软雅黑" pitchFamily="34" charset="-122"/>
+                <a:cs typeface="Tahoma" pitchFamily="34" charset="0"/>
+              </a:rPr>
+              <a:t>组员：俊俊、</a:t>
+            </a:r>
+            <a:r>
+              <a:rPr lang="en-US" altLang="zh-CN" sz="1600" dirty="0">
+                <a:solidFill>
+                  <a:schemeClr val="accent6"/>
+                </a:solidFill>
+                <a:latin typeface="微软雅黑" pitchFamily="34" charset="-122"/>
+                <a:ea typeface="微软雅黑" pitchFamily="34" charset="-122"/>
+                <a:cs typeface="Tahoma" pitchFamily="34" charset="0"/>
+              </a:rPr>
+              <a:t>echo</a:t>
+            </a:r>
+            <a:r>
+              <a:rPr lang="zh-CN" altLang="en-US" sz="1600" dirty="0">
+                <a:solidFill>
+                  <a:schemeClr val="accent6"/>
+                </a:solidFill>
+                <a:latin typeface="微软雅黑" pitchFamily="34" charset="-122"/>
+                <a:ea typeface="微软雅黑" pitchFamily="34" charset="-122"/>
+                <a:cs typeface="Tahoma" pitchFamily="34" charset="0"/>
+              </a:rPr>
+              <a:t>、</a:t>
+            </a:r>
+            <a:r>
+              <a:rPr lang="en-US" altLang="zh-CN" sz="1600" dirty="0">
+                <a:solidFill>
+                  <a:schemeClr val="accent6"/>
+                </a:solidFill>
+                <a:latin typeface="微软雅黑" pitchFamily="34" charset="-122"/>
+                <a:ea typeface="微软雅黑" pitchFamily="34" charset="-122"/>
+                <a:cs typeface="Tahoma" pitchFamily="34" charset="0"/>
+              </a:rPr>
+              <a:t>Cai</a:t>
+            </a:r>
+            <a:r>
+              <a:rPr lang="zh-CN" altLang="en-US" sz="1600" dirty="0">
+                <a:solidFill>
+                  <a:schemeClr val="accent6"/>
+                </a:solidFill>
+                <a:latin typeface="微软雅黑" pitchFamily="34" charset="-122"/>
+                <a:ea typeface="微软雅黑" pitchFamily="34" charset="-122"/>
+                <a:cs typeface="Tahoma" pitchFamily="34" charset="0"/>
+              </a:rPr>
+              <a:t>、颜如玉、鹿非</a:t>
+            </a:r>
+            <a:endParaRPr lang="en-US" altLang="zh-CN" sz="1600" dirty="0">
+              <a:solidFill>
+                <a:schemeClr val="accent6"/>
+              </a:solidFill>
+              <a:latin typeface="微软雅黑" pitchFamily="34" charset="-122"/>
+              <a:ea typeface="微软雅黑" pitchFamily="34" charset="-122"/>
+              <a:cs typeface="Tahoma" pitchFamily="34" charset="0"/>
+            </a:endParaRPr>
+          </a:p>
+          <a:p>
+            <a:pPr eaLnBrk="1" hangingPunct="1"/>
+            <a:endParaRPr lang="en-US" altLang="zh-CN" sz="1600" dirty="0">
+              <a:solidFill>
+                <a:schemeClr val="accent6"/>
+              </a:solidFill>
+              <a:latin typeface="微软雅黑" pitchFamily="34" charset="-122"/>
+              <a:ea typeface="微软雅黑" pitchFamily="34" charset="-122"/>
+              <a:cs typeface="Tahoma" pitchFamily="34" charset="0"/>
+            </a:endParaRPr>
+          </a:p>
+          <a:p>
+            <a:pPr eaLnBrk="1" hangingPunct="1"/>
+            <a:r>
+              <a:rPr lang="zh-CN" altLang="en-US" sz="1600" dirty="0">
+                <a:solidFill>
+                  <a:schemeClr val="accent6"/>
+                </a:solidFill>
+                <a:latin typeface="微软雅黑" pitchFamily="34" charset="-122"/>
+                <a:ea typeface="微软雅黑" pitchFamily="34" charset="-122"/>
+                <a:cs typeface="Tahoma" pitchFamily="34" charset="0"/>
+              </a:rPr>
+              <a:t>观察员： </a:t>
+            </a:r>
+            <a:r>
+              <a:rPr lang="en-US" altLang="zh-CN" sz="1600" dirty="0">
+                <a:solidFill>
+                  <a:schemeClr val="accent6"/>
+                </a:solidFill>
+                <a:latin typeface="微软雅黑" pitchFamily="34" charset="-122"/>
+                <a:ea typeface="微软雅黑" pitchFamily="34" charset="-122"/>
+                <a:cs typeface="Tahoma" pitchFamily="34" charset="0"/>
+              </a:rPr>
+              <a:t>one-eye-Q</a:t>
+            </a:r>
+            <a:r>
+              <a:rPr lang="zh-CN" altLang="en-US" sz="1600" dirty="0">
+                <a:solidFill>
+                  <a:schemeClr val="accent6"/>
+                </a:solidFill>
+                <a:latin typeface="微软雅黑" pitchFamily="34" charset="-122"/>
+                <a:ea typeface="微软雅黑" pitchFamily="34" charset="-122"/>
+                <a:cs typeface="Tahoma" pitchFamily="34" charset="0"/>
+              </a:rPr>
+              <a:t>、</a:t>
+            </a:r>
+            <a:r>
+              <a:rPr lang="en-US" altLang="zh-CN" sz="1600" dirty="0">
+                <a:solidFill>
+                  <a:schemeClr val="accent6"/>
+                </a:solidFill>
+                <a:latin typeface="微软雅黑" pitchFamily="34" charset="-122"/>
+                <a:ea typeface="微软雅黑" pitchFamily="34" charset="-122"/>
+                <a:cs typeface="Tahoma" pitchFamily="34" charset="0"/>
+              </a:rPr>
+              <a:t>Jason</a:t>
+            </a:r>
+            <a:r>
+              <a:rPr lang="zh-CN" altLang="en-US" sz="1600" dirty="0">
+                <a:solidFill>
+                  <a:schemeClr val="accent6"/>
+                </a:solidFill>
+                <a:latin typeface="微软雅黑" pitchFamily="34" charset="-122"/>
+                <a:ea typeface="微软雅黑" pitchFamily="34" charset="-122"/>
+                <a:cs typeface="Tahoma" pitchFamily="34" charset="0"/>
+              </a:rPr>
+              <a:t>、刘熙</a:t>
+            </a:r>
+            <a:r>
+              <a:rPr lang="en-US" altLang="zh-CN" sz="1600" dirty="0" err="1">
+                <a:solidFill>
+                  <a:schemeClr val="accent6"/>
+                </a:solidFill>
+                <a:latin typeface="微软雅黑" pitchFamily="34" charset="-122"/>
+                <a:ea typeface="微软雅黑" pitchFamily="34" charset="-122"/>
+                <a:cs typeface="Tahoma" pitchFamily="34" charset="0"/>
+              </a:rPr>
+              <a:t>Lyusy</a:t>
+            </a:r>
+            <a:r>
+              <a:rPr lang="zh-CN" altLang="en-US" sz="1600" dirty="0">
+                <a:solidFill>
+                  <a:schemeClr val="accent6"/>
+                </a:solidFill>
+                <a:latin typeface="微软雅黑" pitchFamily="34" charset="-122"/>
+                <a:ea typeface="微软雅黑" pitchFamily="34" charset="-122"/>
+                <a:cs typeface="Tahoma" pitchFamily="34" charset="0"/>
+              </a:rPr>
+              <a:t>、常星心、列文、糖盐、东边闲人、无味无谓</a:t>
+            </a:r>
+            <a:endParaRPr lang="en-US" altLang="zh-CN" sz="1600" dirty="0">
+              <a:solidFill>
+                <a:schemeClr val="accent6"/>
+              </a:solidFill>
+              <a:latin typeface="微软雅黑" pitchFamily="34" charset="-122"/>
+              <a:ea typeface="微软雅黑" pitchFamily="34" charset="-122"/>
+              <a:cs typeface="Tahoma" pitchFamily="34" charset="0"/>
+            </a:endParaRPr>
+          </a:p>
+          <a:p>
+            <a:pPr eaLnBrk="1" hangingPunct="1"/>
+            <a:endParaRPr lang="en-US" altLang="zh-CN" sz="1600" dirty="0">
+              <a:solidFill>
+                <a:schemeClr val="accent6"/>
+              </a:solidFill>
+              <a:latin typeface="微软雅黑" pitchFamily="34" charset="-122"/>
+              <a:ea typeface="微软雅黑" pitchFamily="34" charset="-122"/>
+              <a:cs typeface="Tahoma" pitchFamily="34" charset="0"/>
+            </a:endParaRPr>
+          </a:p>
+          <a:p>
+            <a:pPr eaLnBrk="1" hangingPunct="1"/>
+            <a:r>
+              <a:rPr lang="zh-CN" altLang="en-US" sz="1600" dirty="0">
+                <a:solidFill>
+                  <a:schemeClr val="accent6"/>
+                </a:solidFill>
+                <a:latin typeface="微软雅黑" pitchFamily="34" charset="-122"/>
+                <a:ea typeface="微软雅黑" pitchFamily="34" charset="-122"/>
+                <a:cs typeface="Tahoma" pitchFamily="34" charset="0"/>
+              </a:rPr>
+              <a:t>特殊指导：王蒙、古严、生强、</a:t>
+            </a:r>
+            <a:r>
+              <a:rPr lang="en-US" altLang="zh-CN" sz="1600" dirty="0">
+                <a:solidFill>
+                  <a:schemeClr val="accent6"/>
+                </a:solidFill>
+                <a:latin typeface="微软雅黑" pitchFamily="34" charset="-122"/>
+                <a:ea typeface="微软雅黑" pitchFamily="34" charset="-122"/>
+                <a:cs typeface="Tahoma" pitchFamily="34" charset="0"/>
+              </a:rPr>
+              <a:t>Alex</a:t>
+            </a:r>
+          </a:p>
+          <a:p>
+            <a:pPr eaLnBrk="1" hangingPunct="1"/>
+            <a:endParaRPr lang="en-US" altLang="zh-CN" sz="1600" dirty="0">
+              <a:solidFill>
+                <a:schemeClr val="accent6"/>
+              </a:solidFill>
+              <a:latin typeface="微软雅黑" pitchFamily="34" charset="-122"/>
+              <a:ea typeface="微软雅黑" pitchFamily="34" charset="-122"/>
+              <a:cs typeface="Tahoma" pitchFamily="34" charset="0"/>
+            </a:endParaRPr>
+          </a:p>
+        </p:txBody>
+      </p:sp>
+    </p:spTree>
+    <p:extLst>
+      <p:ext uri="{BB962C8B-B14F-4D97-AF65-F5344CB8AC3E}">
+        <p14:creationId xmlns:p14="http://schemas.microsoft.com/office/powerpoint/2010/main" val="3565154816"/>
+      </p:ext>
+    </p:extLst>
+  </p:cSld>
+  <p:clrMapOvr>
+    <a:masterClrMapping/>
+  </p:clrMapOvr>
+  <p:timing>
+    <p:tnLst>
+      <p:par>
+        <p:cTn id="1" dur="indefinite" restart="never" nodeType="tmRoot">
+          <p:childTnLst>
+            <p:seq concurrent="1" nextAc="seek">
+              <p:cTn id="2" dur="indefinite" nodeType="mainSeq">
+                <p:childTnLst>
+                  <p:par>
+                    <p:cTn id="3" fill="hold">
+                      <p:stCondLst>
+                        <p:cond delay="indefinite"/>
+                        <p:cond evt="onBegin" delay="0">
+                          <p:tn val="2"/>
+                        </p:cond>
+                      </p:stCondLst>
+                      <p:childTnLst>
+                        <p:par>
+                          <p:cTn id="4" fill="hold">
+                            <p:stCondLst>
+                              <p:cond delay="0"/>
+                            </p:stCondLst>
+                            <p:childTnLst>
+                              <p:par>
+                                <p:cTn id="5" presetID="12" presetClass="entr" presetSubtype="4" fill="hold" grpId="0" nodeType="afterEffect">
+                                  <p:stCondLst>
+                                    <p:cond delay="0"/>
+                                  </p:stCondLst>
+                                  <p:childTnLst>
+                                    <p:set>
+                                      <p:cBhvr>
+                                        <p:cTn id="6" dur="1" fill="hold">
+                                          <p:stCondLst>
+                                            <p:cond delay="0"/>
+                                          </p:stCondLst>
+                                        </p:cTn>
+                                        <p:tgtEl>
+                                          <p:spTgt spid="2"/>
+                                        </p:tgtEl>
+                                        <p:attrNameLst>
+                                          <p:attrName>style.visibility</p:attrName>
+                                        </p:attrNameLst>
+                                      </p:cBhvr>
+                                      <p:to>
+                                        <p:strVal val="visible"/>
+                                      </p:to>
+                                    </p:set>
+                                    <p:animEffect transition="in" filter="slide(fromBottom)">
+                                      <p:cBhvr>
+                                        <p:cTn id="7" dur="500"/>
+                                        <p:tgtEl>
+                                          <p:spTgt spid="2"/>
+                                        </p:tgtEl>
+                                      </p:cBhvr>
+                                    </p:animEffect>
+                                  </p:childTnLst>
+                                </p:cTn>
+                              </p:par>
+                            </p:childTnLst>
+                          </p:cTn>
+                        </p:par>
+                      </p:childTnLst>
+                    </p:cTn>
+                  </p:par>
+                </p:childTnLst>
+              </p:cTn>
+              <p:prevCondLst>
+                <p:cond evt="onPrev" delay="0">
+                  <p:tgtEl>
+                    <p:sldTgt/>
+                  </p:tgtEl>
+                </p:cond>
+              </p:prevCondLst>
+              <p:nextCondLst>
+                <p:cond evt="onNext" delay="0">
+                  <p:tgtEl>
+                    <p:sldTgt/>
+                  </p:tgtEl>
+                </p:cond>
+              </p:nextCondLst>
+            </p:seq>
+          </p:childTnLst>
+        </p:cTn>
+      </p:par>
+    </p:tnLst>
+    <p:bldLst>
+      <p:bldP spid="2" grpId="0"/>
+    </p:bldLst>
+  </p:timing>
+</p:sld>
+</file>
+
+<file path=ppt/slides/slide21.xml><?xml version="1.0" encoding="utf-8"?>
+<p:sld xmlns:a="http://schemas.openxmlformats.org/drawingml/2006/main" xmlns:r="http://schemas.openxmlformats.org/officeDocument/2006/relationships" xmlns:p="http://schemas.openxmlformats.org/presentationml/2006/main">
+  <p:cSld>
+    <p:spTree>
+      <p:nvGrpSpPr>
+        <p:cNvPr id="1" name=""/>
+        <p:cNvGrpSpPr/>
+        <p:nvPr/>
+      </p:nvGrpSpPr>
+      <p:grpSpPr>
+        <a:xfrm>
+          <a:off x="0" y="0"/>
+          <a:ext cx="0" cy="0"/>
+          <a:chOff x="0" y="0"/>
+          <a:chExt cx="0" cy="0"/>
+        </a:xfrm>
+      </p:grpSpPr>
+      <p:sp>
+        <p:nvSpPr>
           <p:cNvPr id="2" name="矩形 1"/>
           <p:cNvSpPr/>
           <p:nvPr/>
@@ -18412,11 +19071,23 @@
                   <a:srgbClr val="F26A40"/>
                 </a:solidFill>
               </a:rPr>
-              <a:t>研究人的优势与幸福</a:t>
+              <a:t>研究人的优势</a:t>
+            </a:r>
+            <a:r>
+              <a:rPr lang="zh-CN" altLang="en-US">
+                <a:solidFill>
+                  <a:srgbClr val="F26A40"/>
+                </a:solidFill>
+              </a:rPr>
+              <a:t>与幸福</a:t>
+            </a:r>
+            <a:r>
+              <a:rPr lang="zh-CN" altLang="en-US"/>
+              <a:t>，把握</a:t>
             </a:r>
             <a:r>
               <a:rPr lang="zh-CN" altLang="en-US" dirty="0"/>
-              <a:t>，把握人生的科学</a:t>
+              <a:t>人生的科学</a:t>
             </a:r>
           </a:p>
           <a:p>
@@ -18890,7 +19561,15 @@
           <a:p>
             <a:r>
               <a:rPr lang="zh-CN" altLang="en-US" dirty="0"/>
-              <a:t>此处使用时间线流程图，待画图</a:t>
+              <a:t>此处使用</a:t>
+            </a:r>
+            <a:r>
+              <a:rPr lang="zh-CN" altLang="en-US"/>
+              <a:t>时间线流程图，待</a:t>
+            </a:r>
+            <a:r>
+              <a:rPr lang="zh-CN" altLang="en-US" dirty="0"/>
+              <a:t>画图</a:t>
             </a:r>
             <a:endParaRPr lang="en-US" dirty="0"/>
           </a:p>
@@ -18954,7 +19633,7 @@
         <p:spPr>
           <a:xfrm>
             <a:off x="3070870" y="2924944"/>
-            <a:ext cx="1800200" cy="792088"/>
+            <a:ext cx="1512168" cy="504056"/>
           </a:xfrm>
           <a:prstGeom prst="roundRect">
             <a:avLst/>
@@ -19044,6 +19723,47 @@
           </a:p>
         </p:txBody>
       </p:sp>
+      <p:cxnSp>
+        <p:nvCxnSpPr>
+          <p:cNvPr id="7" name="直接箭头连接符 6">
+            <a:extLst>
+              <a:ext uri="{FF2B5EF4-FFF2-40B4-BE49-F238E27FC236}">
+                <a16:creationId xmlns:a16="http://schemas.microsoft.com/office/drawing/2014/main" id="{0874C4AD-7C7D-4DFD-9E2B-E717DE8FAED3}"/>
+              </a:ext>
+            </a:extLst>
+          </p:cNvPr>
+          <p:cNvCxnSpPr>
+            <a:stCxn id="3" idx="3"/>
+          </p:cNvCxnSpPr>
+          <p:nvPr/>
+        </p:nvCxnSpPr>
+        <p:spPr>
+          <a:xfrm flipV="1">
+            <a:off x="4583038" y="3164541"/>
+            <a:ext cx="720080" cy="12431"/>
+          </a:xfrm>
+          <a:prstGeom prst="straightConnector1">
+            <a:avLst/>
+          </a:prstGeom>
+          <a:ln>
+            <a:tailEnd type="triangle"/>
+          </a:ln>
+        </p:spPr>
+        <p:style>
+          <a:lnRef idx="1">
+            <a:schemeClr val="accent1"/>
+          </a:lnRef>
+          <a:fillRef idx="0">
+            <a:schemeClr val="accent1"/>
+          </a:fillRef>
+          <a:effectRef idx="0">
+            <a:schemeClr val="accent1"/>
+          </a:effectRef>
+          <a:fontRef idx="minor">
+            <a:schemeClr val="tx1"/>
+          </a:fontRef>
+        </p:style>
+      </p:cxnSp>
     </p:spTree>
     <p:extLst>
       <p:ext uri="{BB962C8B-B14F-4D97-AF65-F5344CB8AC3E}">

--- a/积极心理学探索.pptx
+++ b/积极心理学探索.pptx
@@ -5,10 +5,10 @@
     <p:sldMasterId id="2147483648" r:id="rId1"/>
   </p:sldMasterIdLst>
   <p:notesMasterIdLst>
-    <p:notesMasterId r:id="rId23"/>
+    <p:notesMasterId r:id="rId25"/>
   </p:notesMasterIdLst>
   <p:handoutMasterIdLst>
-    <p:handoutMasterId r:id="rId24"/>
+    <p:handoutMasterId r:id="rId26"/>
   </p:handoutMasterIdLst>
   <p:sldIdLst>
     <p:sldId id="256" r:id="rId2"/>
@@ -19,19 +19,21 @@
     <p:sldId id="324" r:id="rId7"/>
     <p:sldId id="325" r:id="rId8"/>
     <p:sldId id="373" r:id="rId9"/>
-    <p:sldId id="339" r:id="rId10"/>
-    <p:sldId id="340" r:id="rId11"/>
-    <p:sldId id="342" r:id="rId12"/>
-    <p:sldId id="380" r:id="rId13"/>
-    <p:sldId id="378" r:id="rId14"/>
-    <p:sldId id="379" r:id="rId15"/>
-    <p:sldId id="377" r:id="rId16"/>
-    <p:sldId id="376" r:id="rId17"/>
-    <p:sldId id="374" r:id="rId18"/>
-    <p:sldId id="359" r:id="rId19"/>
-    <p:sldId id="381" r:id="rId20"/>
-    <p:sldId id="382" r:id="rId21"/>
-    <p:sldId id="322" r:id="rId22"/>
+    <p:sldId id="383" r:id="rId10"/>
+    <p:sldId id="339" r:id="rId11"/>
+    <p:sldId id="340" r:id="rId12"/>
+    <p:sldId id="342" r:id="rId13"/>
+    <p:sldId id="380" r:id="rId14"/>
+    <p:sldId id="378" r:id="rId15"/>
+    <p:sldId id="379" r:id="rId16"/>
+    <p:sldId id="377" r:id="rId17"/>
+    <p:sldId id="376" r:id="rId18"/>
+    <p:sldId id="374" r:id="rId19"/>
+    <p:sldId id="359" r:id="rId20"/>
+    <p:sldId id="381" r:id="rId21"/>
+    <p:sldId id="382" r:id="rId22"/>
+    <p:sldId id="384" r:id="rId23"/>
+    <p:sldId id="322" r:id="rId24"/>
   </p:sldIdLst>
   <p:sldSz cx="12190413" cy="6858000"/>
   <p:notesSz cx="6858000" cy="9144000"/>
@@ -245,7 +247,7 @@
           <a:p>
             <a:fld id="{FC7C3D7E-DECD-40A8-83A4-F76C1F255BF3}" type="datetimeFigureOut">
               <a:rPr lang="en-US" smtClean="0"/>
-              <a:t>5/13/2020</a:t>
+              <a:t>5/13/20</a:t>
             </a:fld>
             <a:endParaRPr lang="en-US"/>
           </a:p>
@@ -410,7 +412,7 @@
           <a:p>
             <a:fld id="{66FC44DC-17B1-4BD0-9959-2723B1C0D4AF}" type="datetimeFigureOut">
               <a:rPr lang="zh-CN" altLang="en-US" smtClean="0"/>
-              <a:t>2020-05-13</a:t>
+              <a:t>2020/5/13</a:t>
             </a:fld>
             <a:endParaRPr lang="zh-CN" altLang="en-US"/>
           </a:p>
@@ -702,8 +704,8 @@
         </p:nvSpPr>
         <p:spPr>
           <a:xfrm>
-            <a:off x="827583" y="323364"/>
-            <a:ext cx="896441" cy="369332"/>
+            <a:off x="694611" y="323364"/>
+            <a:ext cx="1440155" cy="369332"/>
           </a:xfrm>
           <a:prstGeom prst="rect">
             <a:avLst/>
@@ -721,7 +723,7 @@
           <a:p>
             <a:pPr marL="0" algn="l" defTabSz="914400" rtl="0" eaLnBrk="1" latinLnBrk="0" hangingPunct="1"/>
             <a:r>
-              <a:rPr lang="en-US" altLang="zh-CN" sz="1800" kern="1200" dirty="0">
+              <a:rPr lang="zh-CN" altLang="en-US" sz="1800" kern="1200" dirty="0">
                 <a:solidFill>
                   <a:srgbClr val="F05425"/>
                 </a:solidFill>
@@ -732,19 +734,8 @@
                 <a:ea typeface="楷体" pitchFamily="49" charset="-122"/>
                 <a:cs typeface="经典繁仿黑" pitchFamily="49" charset="-122"/>
               </a:rPr>
-              <a:t>LOGO</a:t>
+              <a:t>积极心理学</a:t>
             </a:r>
-            <a:endParaRPr lang="zh-CN" altLang="en-US" sz="1800" kern="1200" dirty="0">
-              <a:solidFill>
-                <a:srgbClr val="F05425"/>
-              </a:solidFill>
-              <a:effectLst>
-                <a:reflection blurRad="6350" stA="55000" endA="300" endPos="45500" dir="5400000" sy="-100000" algn="bl" rotWithShape="0"/>
-              </a:effectLst>
-              <a:latin typeface="Broadway" pitchFamily="82" charset="0"/>
-              <a:ea typeface="楷体" pitchFamily="49" charset="-122"/>
-              <a:cs typeface="经典繁仿黑" pitchFamily="49" charset="-122"/>
-            </a:endParaRPr>
           </a:p>
         </p:txBody>
       </p:sp>
@@ -756,7 +747,7 @@
         </p:nvCxnSpPr>
         <p:spPr>
           <a:xfrm>
-            <a:off x="1724025" y="377062"/>
+            <a:off x="2134766" y="400102"/>
             <a:ext cx="0" cy="261937"/>
           </a:xfrm>
           <a:prstGeom prst="line">
@@ -793,8 +784,8 @@
         </p:nvSpPr>
         <p:spPr>
           <a:xfrm>
-            <a:off x="1846734" y="354519"/>
-            <a:ext cx="2984673" cy="338554"/>
+            <a:off x="2206774" y="354142"/>
+            <a:ext cx="2408609" cy="338554"/>
           </a:xfrm>
           <a:prstGeom prst="rect">
             <a:avLst/>
@@ -1324,7 +1315,7 @@
           <a:p>
             <a:fld id="{530820CF-B880-4189-942D-D702A7CBA730}" type="datetimeFigureOut">
               <a:rPr lang="zh-CN" altLang="en-US" smtClean="0"/>
-              <a:t>2020-05-13</a:t>
+              <a:t>2020/5/13</a:t>
             </a:fld>
             <a:endParaRPr lang="zh-CN" altLang="en-US"/>
           </a:p>
@@ -1414,7 +1405,7 @@
           <a:p>
             <a:fld id="{530820CF-B880-4189-942D-D702A7CBA730}" type="datetimeFigureOut">
               <a:rPr lang="zh-CN" altLang="en-US" smtClean="0"/>
-              <a:t>2020-05-13</a:t>
+              <a:t>2020/5/13</a:t>
             </a:fld>
             <a:endParaRPr lang="zh-CN" altLang="en-US"/>
           </a:p>
@@ -1684,7 +1675,7 @@
           <a:p>
             <a:fld id="{530820CF-B880-4189-942D-D702A7CBA730}" type="datetimeFigureOut">
               <a:rPr lang="zh-CN" altLang="en-US" smtClean="0"/>
-              <a:t>2020-05-13</a:t>
+              <a:t>2020/5/13</a:t>
             </a:fld>
             <a:endParaRPr lang="zh-CN" altLang="en-US"/>
           </a:p>
@@ -1931,7 +1922,7 @@
           <a:p>
             <a:fld id="{530820CF-B880-4189-942D-D702A7CBA730}" type="datetimeFigureOut">
               <a:rPr lang="zh-CN" altLang="en-US" smtClean="0"/>
-              <a:t>2020-05-13</a:t>
+              <a:t>2020/5/13</a:t>
             </a:fld>
             <a:endParaRPr lang="zh-CN" altLang="en-US"/>
           </a:p>
@@ -2094,7 +2085,7 @@
           <a:p>
             <a:fld id="{530820CF-B880-4189-942D-D702A7CBA730}" type="datetimeFigureOut">
               <a:rPr lang="zh-CN" altLang="en-US" smtClean="0"/>
-              <a:t>2020-05-13</a:t>
+              <a:t>2020/5/13</a:t>
             </a:fld>
             <a:endParaRPr lang="zh-CN" altLang="en-US"/>
           </a:p>
@@ -2267,7 +2258,7 @@
           <a:p>
             <a:fld id="{530820CF-B880-4189-942D-D702A7CBA730}" type="datetimeFigureOut">
               <a:rPr lang="zh-CN" altLang="en-US" smtClean="0"/>
-              <a:t>2020-05-13</a:t>
+              <a:t>2020/5/13</a:t>
             </a:fld>
             <a:endParaRPr lang="zh-CN" altLang="en-US"/>
           </a:p>
@@ -2370,137 +2361,6 @@
           <a:chExt cx="0" cy="0"/>
         </a:xfrm>
       </p:grpSpPr>
-      <p:sp>
-        <p:nvSpPr>
-          <p:cNvPr id="8" name="TextBox 7"/>
-          <p:cNvSpPr txBox="1"/>
-          <p:nvPr userDrawn="1"/>
-        </p:nvSpPr>
-        <p:spPr>
-          <a:xfrm>
-            <a:off x="827583" y="323364"/>
-            <a:ext cx="896441" cy="369332"/>
-          </a:xfrm>
-          <a:prstGeom prst="rect">
-            <a:avLst/>
-          </a:prstGeom>
-          <a:noFill/>
-          <a:effectLst>
-            <a:reflection blurRad="6350" stA="50000" endA="300" endPos="38500" dist="50800" dir="5400000" sy="-100000" algn="bl" rotWithShape="0"/>
-          </a:effectLst>
-        </p:spPr>
-        <p:txBody>
-          <a:bodyPr wrap="square" rtlCol="0">
-            <a:spAutoFit/>
-          </a:bodyPr>
-          <a:lstStyle/>
-          <a:p>
-            <a:pPr marL="0" algn="l" defTabSz="914400" rtl="0" eaLnBrk="1" latinLnBrk="0" hangingPunct="1"/>
-            <a:r>
-              <a:rPr lang="en-US" altLang="zh-CN" sz="1800" kern="1200" dirty="0">
-                <a:solidFill>
-                  <a:srgbClr val="F05425"/>
-                </a:solidFill>
-                <a:effectLst>
-                  <a:reflection blurRad="6350" stA="55000" endA="300" endPos="45500" dir="5400000" sy="-100000" algn="bl" rotWithShape="0"/>
-                </a:effectLst>
-                <a:latin typeface="Broadway" pitchFamily="82" charset="0"/>
-                <a:ea typeface="楷体" pitchFamily="49" charset="-122"/>
-                <a:cs typeface="经典繁仿黑" pitchFamily="49" charset="-122"/>
-              </a:rPr>
-              <a:t>LOGO</a:t>
-            </a:r>
-            <a:endParaRPr lang="zh-CN" altLang="en-US" sz="1800" kern="1200" dirty="0">
-              <a:solidFill>
-                <a:srgbClr val="F05425"/>
-              </a:solidFill>
-              <a:effectLst>
-                <a:reflection blurRad="6350" stA="55000" endA="300" endPos="45500" dir="5400000" sy="-100000" algn="bl" rotWithShape="0"/>
-              </a:effectLst>
-              <a:latin typeface="Broadway" pitchFamily="82" charset="0"/>
-              <a:ea typeface="楷体" pitchFamily="49" charset="-122"/>
-              <a:cs typeface="经典繁仿黑" pitchFamily="49" charset="-122"/>
-            </a:endParaRPr>
-          </a:p>
-        </p:txBody>
-      </p:sp>
-      <p:cxnSp>
-        <p:nvCxnSpPr>
-          <p:cNvPr id="10" name="直接连接符 9"/>
-          <p:cNvCxnSpPr/>
-          <p:nvPr userDrawn="1"/>
-        </p:nvCxnSpPr>
-        <p:spPr>
-          <a:xfrm>
-            <a:off x="1724025" y="377062"/>
-            <a:ext cx="0" cy="261937"/>
-          </a:xfrm>
-          <a:prstGeom prst="line">
-            <a:avLst/>
-          </a:prstGeom>
-          <a:ln>
-            <a:solidFill>
-              <a:schemeClr val="bg1">
-                <a:lumMod val="75000"/>
-              </a:schemeClr>
-            </a:solidFill>
-          </a:ln>
-        </p:spPr>
-        <p:style>
-          <a:lnRef idx="1">
-            <a:schemeClr val="accent1"/>
-          </a:lnRef>
-          <a:fillRef idx="0">
-            <a:schemeClr val="accent1"/>
-          </a:fillRef>
-          <a:effectRef idx="0">
-            <a:schemeClr val="accent1"/>
-          </a:effectRef>
-          <a:fontRef idx="minor">
-            <a:schemeClr val="tx1"/>
-          </a:fontRef>
-        </p:style>
-      </p:cxnSp>
-      <p:sp>
-        <p:nvSpPr>
-          <p:cNvPr id="11" name="TextBox 10"/>
-          <p:cNvSpPr txBox="1"/>
-          <p:nvPr userDrawn="1"/>
-        </p:nvSpPr>
-        <p:spPr>
-          <a:xfrm>
-            <a:off x="1846734" y="354519"/>
-            <a:ext cx="2984673" cy="338554"/>
-          </a:xfrm>
-          <a:prstGeom prst="rect">
-            <a:avLst/>
-          </a:prstGeom>
-          <a:noFill/>
-          <a:effectLst>
-            <a:reflection blurRad="6350" stA="50000" endA="300" endPos="38500" dist="50800" dir="5400000" sy="-100000" algn="bl" rotWithShape="0"/>
-          </a:effectLst>
-        </p:spPr>
-        <p:txBody>
-          <a:bodyPr wrap="square" rtlCol="0">
-            <a:spAutoFit/>
-          </a:bodyPr>
-          <a:lstStyle/>
-          <a:p>
-            <a:pPr marL="0" algn="l" defTabSz="914400" rtl="0" eaLnBrk="1" latinLnBrk="0" hangingPunct="1"/>
-            <a:r>
-              <a:rPr lang="zh-CN" altLang="en-US" sz="1600" kern="1200" dirty="0">
-                <a:solidFill>
-                  <a:srgbClr val="F05425"/>
-                </a:solidFill>
-                <a:latin typeface="微软雅黑" pitchFamily="34" charset="-122"/>
-                <a:ea typeface="微软雅黑" pitchFamily="34" charset="-122"/>
-                <a:cs typeface="+mn-cs"/>
-              </a:rPr>
-              <a:t>过渡页</a:t>
-            </a:r>
-          </a:p>
-        </p:txBody>
-      </p:sp>
       <p:sp>
         <p:nvSpPr>
           <p:cNvPr id="12" name="燕尾形 11"/>
@@ -2936,6 +2796,144 @@
           </a:p>
         </p:txBody>
       </p:sp>
+      <p:sp>
+        <p:nvSpPr>
+          <p:cNvPr id="22" name="TextBox 7">
+            <a:extLst>
+              <a:ext uri="{FF2B5EF4-FFF2-40B4-BE49-F238E27FC236}">
+                <a16:creationId xmlns:a16="http://schemas.microsoft.com/office/drawing/2014/main" id="{948C9CDA-8F15-F146-A51E-68AC320B104D}"/>
+              </a:ext>
+            </a:extLst>
+          </p:cNvPr>
+          <p:cNvSpPr txBox="1"/>
+          <p:nvPr userDrawn="1"/>
+        </p:nvSpPr>
+        <p:spPr>
+          <a:xfrm>
+            <a:off x="694611" y="323364"/>
+            <a:ext cx="1440155" cy="369332"/>
+          </a:xfrm>
+          <a:prstGeom prst="rect">
+            <a:avLst/>
+          </a:prstGeom>
+          <a:noFill/>
+          <a:effectLst>
+            <a:reflection blurRad="6350" stA="50000" endA="300" endPos="38500" dist="50800" dir="5400000" sy="-100000" algn="bl" rotWithShape="0"/>
+          </a:effectLst>
+        </p:spPr>
+        <p:txBody>
+          <a:bodyPr wrap="square" rtlCol="0">
+            <a:spAutoFit/>
+          </a:bodyPr>
+          <a:lstStyle/>
+          <a:p>
+            <a:pPr marL="0" algn="l" defTabSz="914400" rtl="0" eaLnBrk="1" latinLnBrk="0" hangingPunct="1"/>
+            <a:r>
+              <a:rPr lang="zh-CN" altLang="en-US" sz="1800" kern="1200" dirty="0">
+                <a:solidFill>
+                  <a:srgbClr val="F05425"/>
+                </a:solidFill>
+                <a:effectLst>
+                  <a:reflection blurRad="6350" stA="55000" endA="300" endPos="45500" dir="5400000" sy="-100000" algn="bl" rotWithShape="0"/>
+                </a:effectLst>
+                <a:latin typeface="Broadway" pitchFamily="82" charset="0"/>
+                <a:ea typeface="楷体" pitchFamily="49" charset="-122"/>
+                <a:cs typeface="经典繁仿黑" pitchFamily="49" charset="-122"/>
+              </a:rPr>
+              <a:t>积极心理学</a:t>
+            </a:r>
+          </a:p>
+        </p:txBody>
+      </p:sp>
+      <p:cxnSp>
+        <p:nvCxnSpPr>
+          <p:cNvPr id="23" name="直接连接符 9">
+            <a:extLst>
+              <a:ext uri="{FF2B5EF4-FFF2-40B4-BE49-F238E27FC236}">
+                <a16:creationId xmlns:a16="http://schemas.microsoft.com/office/drawing/2014/main" id="{E29F6128-6369-8E4C-A275-0A7BA8C761B9}"/>
+              </a:ext>
+            </a:extLst>
+          </p:cNvPr>
+          <p:cNvCxnSpPr/>
+          <p:nvPr userDrawn="1"/>
+        </p:nvCxnSpPr>
+        <p:spPr>
+          <a:xfrm>
+            <a:off x="2134766" y="400102"/>
+            <a:ext cx="0" cy="261937"/>
+          </a:xfrm>
+          <a:prstGeom prst="line">
+            <a:avLst/>
+          </a:prstGeom>
+          <a:ln>
+            <a:solidFill>
+              <a:schemeClr val="bg1">
+                <a:lumMod val="75000"/>
+              </a:schemeClr>
+            </a:solidFill>
+          </a:ln>
+        </p:spPr>
+        <p:style>
+          <a:lnRef idx="1">
+            <a:schemeClr val="accent1"/>
+          </a:lnRef>
+          <a:fillRef idx="0">
+            <a:schemeClr val="accent1"/>
+          </a:fillRef>
+          <a:effectRef idx="0">
+            <a:schemeClr val="accent1"/>
+          </a:effectRef>
+          <a:fontRef idx="minor">
+            <a:schemeClr val="tx1"/>
+          </a:fontRef>
+        </p:style>
+      </p:cxnSp>
+      <p:sp>
+        <p:nvSpPr>
+          <p:cNvPr id="24" name="TextBox 10">
+            <a:extLst>
+              <a:ext uri="{FF2B5EF4-FFF2-40B4-BE49-F238E27FC236}">
+                <a16:creationId xmlns:a16="http://schemas.microsoft.com/office/drawing/2014/main" id="{11CC652B-D9C6-2D46-B127-0BC599AF2515}"/>
+              </a:ext>
+            </a:extLst>
+          </p:cNvPr>
+          <p:cNvSpPr txBox="1"/>
+          <p:nvPr userDrawn="1"/>
+        </p:nvSpPr>
+        <p:spPr>
+          <a:xfrm>
+            <a:off x="2206774" y="354142"/>
+            <a:ext cx="2408609" cy="338554"/>
+          </a:xfrm>
+          <a:prstGeom prst="rect">
+            <a:avLst/>
+          </a:prstGeom>
+          <a:noFill/>
+          <a:effectLst>
+            <a:reflection blurRad="6350" stA="50000" endA="300" endPos="38500" dist="50800" dir="5400000" sy="-100000" algn="bl" rotWithShape="0"/>
+          </a:effectLst>
+        </p:spPr>
+        <p:txBody>
+          <a:bodyPr wrap="square" rtlCol="0">
+            <a:spAutoFit/>
+          </a:bodyPr>
+          <a:lstStyle/>
+          <a:p>
+            <a:pPr marL="0" algn="l" defTabSz="914400" rtl="0" eaLnBrk="1" latinLnBrk="0" hangingPunct="1"/>
+            <a:r>
+              <a:rPr lang="zh-CN" altLang="en-US" sz="1600" kern="1200" dirty="0">
+                <a:solidFill>
+                  <a:srgbClr val="F05425"/>
+                </a:solidFill>
+                <a:latin typeface="微软雅黑" pitchFamily="34" charset="-122"/>
+                <a:ea typeface="微软雅黑" pitchFamily="34" charset="-122"/>
+                <a:cs typeface="+mn-cs"/>
+              </a:rPr>
+              <a:t>过渡页</a:t>
+            </a:r>
+          </a:p>
+        </p:txBody>
+      </p:sp>
     </p:spTree>
     <p:extLst>
       <p:ext uri="{BB962C8B-B14F-4D97-AF65-F5344CB8AC3E}">
@@ -3023,8 +3021,8 @@
         </p:nvSpPr>
         <p:spPr>
           <a:xfrm>
-            <a:off x="827583" y="323364"/>
-            <a:ext cx="896441" cy="369332"/>
+            <a:off x="528289" y="327958"/>
+            <a:ext cx="1451287" cy="369332"/>
           </a:xfrm>
           <a:prstGeom prst="rect">
             <a:avLst/>
@@ -3042,7 +3040,7 @@
           <a:p>
             <a:pPr marL="0" algn="l" defTabSz="914400" rtl="0" eaLnBrk="1" latinLnBrk="0" hangingPunct="1"/>
             <a:r>
-              <a:rPr lang="en-US" altLang="zh-CN" sz="1800" kern="1200" dirty="0">
+              <a:rPr lang="zh-CN" altLang="en-US" sz="1800" kern="1200" dirty="0">
                 <a:solidFill>
                   <a:srgbClr val="F05425"/>
                 </a:solidFill>
@@ -3053,19 +3051,8 @@
                 <a:ea typeface="楷体" pitchFamily="49" charset="-122"/>
                 <a:cs typeface="经典繁仿黑" pitchFamily="49" charset="-122"/>
               </a:rPr>
-              <a:t>LOGO</a:t>
+              <a:t>积极心理学</a:t>
             </a:r>
-            <a:endParaRPr lang="zh-CN" altLang="en-US" sz="1800" kern="1200" dirty="0">
-              <a:solidFill>
-                <a:srgbClr val="F05425"/>
-              </a:solidFill>
-              <a:effectLst>
-                <a:reflection blurRad="6350" stA="55000" endA="300" endPos="45500" dir="5400000" sy="-100000" algn="bl" rotWithShape="0"/>
-              </a:effectLst>
-              <a:latin typeface="Broadway" pitchFamily="82" charset="0"/>
-              <a:ea typeface="楷体" pitchFamily="49" charset="-122"/>
-              <a:cs typeface="经典繁仿黑" pitchFamily="49" charset="-122"/>
-            </a:endParaRPr>
           </a:p>
         </p:txBody>
       </p:sp>
@@ -3077,7 +3064,7 @@
         </p:nvCxnSpPr>
         <p:spPr>
           <a:xfrm>
-            <a:off x="1724025" y="377062"/>
+            <a:off x="1846734" y="407670"/>
             <a:ext cx="0" cy="261937"/>
           </a:xfrm>
           <a:prstGeom prst="line">
@@ -3114,7 +3101,7 @@
         </p:nvSpPr>
         <p:spPr>
           <a:xfrm>
-            <a:off x="1846734" y="354519"/>
+            <a:off x="1846734" y="354142"/>
             <a:ext cx="2984673" cy="338554"/>
           </a:xfrm>
           <a:prstGeom prst="rect">
@@ -3884,6 +3871,22 @@
   <p:clrMapOvr>
     <a:masterClrMapping/>
   </p:clrMapOvr>
+  <p:extLst>
+    <p:ext uri="{DCECCB84-F9BA-43D5-87BE-67443E8EF086}">
+      <p15:sldGuideLst xmlns:p15="http://schemas.microsoft.com/office/powerpoint/2012/main">
+        <p15:guide id="1" orient="horz" pos="2160" userDrawn="1">
+          <p15:clr>
+            <a:srgbClr val="FBAE40"/>
+          </p15:clr>
+        </p15:guide>
+        <p15:guide id="2" pos="3839" userDrawn="1">
+          <p15:clr>
+            <a:srgbClr val="FBAE40"/>
+          </p15:clr>
+        </p15:guide>
+      </p15:sldGuideLst>
+    </p:ext>
+  </p:extLst>
 </p:sldLayout>
 </file>
 
@@ -3949,145 +3952,6 @@
               <a:solidFill>
                 <a:srgbClr val="F05425"/>
               </a:solidFill>
-            </a:endParaRPr>
-          </a:p>
-        </p:txBody>
-      </p:sp>
-      <p:sp>
-        <p:nvSpPr>
-          <p:cNvPr id="19" name="TextBox 18"/>
-          <p:cNvSpPr txBox="1"/>
-          <p:nvPr userDrawn="1"/>
-        </p:nvSpPr>
-        <p:spPr>
-          <a:xfrm>
-            <a:off x="827583" y="323364"/>
-            <a:ext cx="896441" cy="369332"/>
-          </a:xfrm>
-          <a:prstGeom prst="rect">
-            <a:avLst/>
-          </a:prstGeom>
-          <a:noFill/>
-          <a:effectLst>
-            <a:reflection blurRad="6350" stA="50000" endA="300" endPos="38500" dist="50800" dir="5400000" sy="-100000" algn="bl" rotWithShape="0"/>
-          </a:effectLst>
-        </p:spPr>
-        <p:txBody>
-          <a:bodyPr wrap="square" rtlCol="0">
-            <a:spAutoFit/>
-          </a:bodyPr>
-          <a:lstStyle/>
-          <a:p>
-            <a:pPr marL="0" algn="l" defTabSz="914400" rtl="0" eaLnBrk="1" latinLnBrk="0" hangingPunct="1"/>
-            <a:r>
-              <a:rPr lang="en-US" altLang="zh-CN" sz="1800" kern="1200" dirty="0">
-                <a:solidFill>
-                  <a:srgbClr val="F05425"/>
-                </a:solidFill>
-                <a:effectLst>
-                  <a:reflection blurRad="6350" stA="55000" endA="300" endPos="45500" dir="5400000" sy="-100000" algn="bl" rotWithShape="0"/>
-                </a:effectLst>
-                <a:latin typeface="Broadway" pitchFamily="82" charset="0"/>
-                <a:ea typeface="楷体" pitchFamily="49" charset="-122"/>
-                <a:cs typeface="经典繁仿黑" pitchFamily="49" charset="-122"/>
-              </a:rPr>
-              <a:t>LOGO</a:t>
-            </a:r>
-            <a:endParaRPr lang="zh-CN" altLang="en-US" sz="1800" kern="1200" dirty="0">
-              <a:solidFill>
-                <a:srgbClr val="F05425"/>
-              </a:solidFill>
-              <a:effectLst>
-                <a:reflection blurRad="6350" stA="55000" endA="300" endPos="45500" dir="5400000" sy="-100000" algn="bl" rotWithShape="0"/>
-              </a:effectLst>
-              <a:latin typeface="Broadway" pitchFamily="82" charset="0"/>
-              <a:ea typeface="楷体" pitchFamily="49" charset="-122"/>
-              <a:cs typeface="经典繁仿黑" pitchFamily="49" charset="-122"/>
-            </a:endParaRPr>
-          </a:p>
-        </p:txBody>
-      </p:sp>
-      <p:cxnSp>
-        <p:nvCxnSpPr>
-          <p:cNvPr id="20" name="直接连接符 19"/>
-          <p:cNvCxnSpPr/>
-          <p:nvPr userDrawn="1"/>
-        </p:nvCxnSpPr>
-        <p:spPr>
-          <a:xfrm>
-            <a:off x="1724025" y="377062"/>
-            <a:ext cx="0" cy="261937"/>
-          </a:xfrm>
-          <a:prstGeom prst="line">
-            <a:avLst/>
-          </a:prstGeom>
-          <a:ln>
-            <a:solidFill>
-              <a:schemeClr val="bg1">
-                <a:lumMod val="75000"/>
-              </a:schemeClr>
-            </a:solidFill>
-          </a:ln>
-        </p:spPr>
-        <p:style>
-          <a:lnRef idx="1">
-            <a:schemeClr val="accent1"/>
-          </a:lnRef>
-          <a:fillRef idx="0">
-            <a:schemeClr val="accent1"/>
-          </a:fillRef>
-          <a:effectRef idx="0">
-            <a:schemeClr val="accent1"/>
-          </a:effectRef>
-          <a:fontRef idx="minor">
-            <a:schemeClr val="tx1"/>
-          </a:fontRef>
-        </p:style>
-      </p:cxnSp>
-      <p:sp>
-        <p:nvSpPr>
-          <p:cNvPr id="21" name="TextBox 20"/>
-          <p:cNvSpPr txBox="1"/>
-          <p:nvPr userDrawn="1"/>
-        </p:nvSpPr>
-        <p:spPr>
-          <a:xfrm>
-            <a:off x="1846734" y="354519"/>
-            <a:ext cx="2984673" cy="338554"/>
-          </a:xfrm>
-          <a:prstGeom prst="rect">
-            <a:avLst/>
-          </a:prstGeom>
-          <a:noFill/>
-          <a:effectLst>
-            <a:reflection blurRad="6350" stA="50000" endA="300" endPos="38500" dist="50800" dir="5400000" sy="-100000" algn="bl" rotWithShape="0"/>
-          </a:effectLst>
-        </p:spPr>
-        <p:txBody>
-          <a:bodyPr wrap="square" rtlCol="0">
-            <a:spAutoFit/>
-          </a:bodyPr>
-          <a:lstStyle/>
-          <a:p>
-            <a:pPr marL="0" algn="l" defTabSz="914400" rtl="0" eaLnBrk="1" latinLnBrk="0" hangingPunct="1"/>
-            <a:r>
-              <a:rPr lang="zh-CN" altLang="en-US" sz="1600" kern="1200" baseline="0" dirty="0">
-                <a:solidFill>
-                  <a:srgbClr val="F05425"/>
-                </a:solidFill>
-                <a:latin typeface="微软雅黑" pitchFamily="34" charset="-122"/>
-                <a:ea typeface="微软雅黑" pitchFamily="34" charset="-122"/>
-                <a:cs typeface="+mn-cs"/>
-              </a:rPr>
-              <a:t>第二章</a:t>
-            </a:r>
-            <a:endParaRPr lang="zh-CN" altLang="en-US" sz="1600" kern="1200" dirty="0">
-              <a:solidFill>
-                <a:srgbClr val="F05425"/>
-              </a:solidFill>
-              <a:latin typeface="微软雅黑" pitchFamily="34" charset="-122"/>
-              <a:ea typeface="微软雅黑" pitchFamily="34" charset="-122"/>
-              <a:cs typeface="+mn-cs"/>
             </a:endParaRPr>
           </a:p>
         </p:txBody>
@@ -4797,6 +4661,152 @@
           </a:p>
         </p:txBody>
       </p:sp>
+      <p:sp>
+        <p:nvSpPr>
+          <p:cNvPr id="37" name="TextBox 18">
+            <a:extLst>
+              <a:ext uri="{FF2B5EF4-FFF2-40B4-BE49-F238E27FC236}">
+                <a16:creationId xmlns:a16="http://schemas.microsoft.com/office/drawing/2014/main" id="{AC4825D1-716B-C145-9F2E-692361922822}"/>
+              </a:ext>
+            </a:extLst>
+          </p:cNvPr>
+          <p:cNvSpPr txBox="1"/>
+          <p:nvPr userDrawn="1"/>
+        </p:nvSpPr>
+        <p:spPr>
+          <a:xfrm>
+            <a:off x="528289" y="327958"/>
+            <a:ext cx="1451287" cy="369332"/>
+          </a:xfrm>
+          <a:prstGeom prst="rect">
+            <a:avLst/>
+          </a:prstGeom>
+          <a:noFill/>
+          <a:effectLst>
+            <a:reflection blurRad="6350" stA="50000" endA="300" endPos="38500" dist="50800" dir="5400000" sy="-100000" algn="bl" rotWithShape="0"/>
+          </a:effectLst>
+        </p:spPr>
+        <p:txBody>
+          <a:bodyPr wrap="square" rtlCol="0">
+            <a:spAutoFit/>
+          </a:bodyPr>
+          <a:lstStyle/>
+          <a:p>
+            <a:pPr marL="0" algn="l" defTabSz="914400" rtl="0" eaLnBrk="1" latinLnBrk="0" hangingPunct="1"/>
+            <a:r>
+              <a:rPr lang="zh-CN" altLang="en-US" sz="1800" kern="1200" dirty="0">
+                <a:solidFill>
+                  <a:srgbClr val="F05425"/>
+                </a:solidFill>
+                <a:effectLst>
+                  <a:reflection blurRad="6350" stA="55000" endA="300" endPos="45500" dir="5400000" sy="-100000" algn="bl" rotWithShape="0"/>
+                </a:effectLst>
+                <a:latin typeface="Broadway" pitchFamily="82" charset="0"/>
+                <a:ea typeface="楷体" pitchFamily="49" charset="-122"/>
+                <a:cs typeface="经典繁仿黑" pitchFamily="49" charset="-122"/>
+              </a:rPr>
+              <a:t>积极心理学</a:t>
+            </a:r>
+          </a:p>
+        </p:txBody>
+      </p:sp>
+      <p:sp>
+        <p:nvSpPr>
+          <p:cNvPr id="38" name="TextBox 20">
+            <a:extLst>
+              <a:ext uri="{FF2B5EF4-FFF2-40B4-BE49-F238E27FC236}">
+                <a16:creationId xmlns:a16="http://schemas.microsoft.com/office/drawing/2014/main" id="{8F7F66E7-C2C4-6E42-96CE-EE11FADE7FC7}"/>
+              </a:ext>
+            </a:extLst>
+          </p:cNvPr>
+          <p:cNvSpPr txBox="1"/>
+          <p:nvPr userDrawn="1"/>
+        </p:nvSpPr>
+        <p:spPr>
+          <a:xfrm>
+            <a:off x="1846734" y="354142"/>
+            <a:ext cx="2984673" cy="338554"/>
+          </a:xfrm>
+          <a:prstGeom prst="rect">
+            <a:avLst/>
+          </a:prstGeom>
+          <a:noFill/>
+          <a:effectLst>
+            <a:reflection blurRad="6350" stA="50000" endA="300" endPos="38500" dist="50800" dir="5400000" sy="-100000" algn="bl" rotWithShape="0"/>
+          </a:effectLst>
+        </p:spPr>
+        <p:txBody>
+          <a:bodyPr wrap="square" rtlCol="0">
+            <a:spAutoFit/>
+          </a:bodyPr>
+          <a:lstStyle/>
+          <a:p>
+            <a:pPr marL="0" algn="l" defTabSz="914400" rtl="0" eaLnBrk="1" latinLnBrk="0" hangingPunct="1"/>
+            <a:r>
+              <a:rPr lang="zh-CN" altLang="en-US" sz="1600" kern="1200" baseline="0" dirty="0">
+                <a:solidFill>
+                  <a:srgbClr val="F05425"/>
+                </a:solidFill>
+                <a:latin typeface="微软雅黑" pitchFamily="34" charset="-122"/>
+                <a:ea typeface="微软雅黑" pitchFamily="34" charset="-122"/>
+                <a:cs typeface="+mn-cs"/>
+              </a:rPr>
+              <a:t>第二章</a:t>
+            </a:r>
+            <a:endParaRPr lang="zh-CN" altLang="en-US" sz="1600" kern="1200" dirty="0">
+              <a:solidFill>
+                <a:srgbClr val="F05425"/>
+              </a:solidFill>
+              <a:latin typeface="微软雅黑" pitchFamily="34" charset="-122"/>
+              <a:ea typeface="微软雅黑" pitchFamily="34" charset="-122"/>
+              <a:cs typeface="+mn-cs"/>
+            </a:endParaRPr>
+          </a:p>
+        </p:txBody>
+      </p:sp>
+      <p:cxnSp>
+        <p:nvCxnSpPr>
+          <p:cNvPr id="39" name="直接连接符 19">
+            <a:extLst>
+              <a:ext uri="{FF2B5EF4-FFF2-40B4-BE49-F238E27FC236}">
+                <a16:creationId xmlns:a16="http://schemas.microsoft.com/office/drawing/2014/main" id="{E2FAF8D2-B957-6D43-AB72-893257F469CD}"/>
+              </a:ext>
+            </a:extLst>
+          </p:cNvPr>
+          <p:cNvCxnSpPr/>
+          <p:nvPr userDrawn="1"/>
+        </p:nvCxnSpPr>
+        <p:spPr>
+          <a:xfrm>
+            <a:off x="1846734" y="407670"/>
+            <a:ext cx="0" cy="261937"/>
+          </a:xfrm>
+          <a:prstGeom prst="line">
+            <a:avLst/>
+          </a:prstGeom>
+          <a:ln>
+            <a:solidFill>
+              <a:schemeClr val="bg1">
+                <a:lumMod val="75000"/>
+              </a:schemeClr>
+            </a:solidFill>
+          </a:ln>
+        </p:spPr>
+        <p:style>
+          <a:lnRef idx="1">
+            <a:schemeClr val="accent1"/>
+          </a:lnRef>
+          <a:fillRef idx="0">
+            <a:schemeClr val="accent1"/>
+          </a:fillRef>
+          <a:effectRef idx="0">
+            <a:schemeClr val="accent1"/>
+          </a:effectRef>
+          <a:fontRef idx="minor">
+            <a:schemeClr val="tx1"/>
+          </a:fontRef>
+        </p:style>
+      </p:cxnSp>
     </p:spTree>
     <p:extLst>
       <p:ext uri="{BB962C8B-B14F-4D97-AF65-F5344CB8AC3E}">
@@ -4872,145 +4882,6 @@
               <a:solidFill>
                 <a:srgbClr val="F05425"/>
               </a:solidFill>
-            </a:endParaRPr>
-          </a:p>
-        </p:txBody>
-      </p:sp>
-      <p:sp>
-        <p:nvSpPr>
-          <p:cNvPr id="13" name="TextBox 12"/>
-          <p:cNvSpPr txBox="1"/>
-          <p:nvPr userDrawn="1"/>
-        </p:nvSpPr>
-        <p:spPr>
-          <a:xfrm>
-            <a:off x="827583" y="323364"/>
-            <a:ext cx="896441" cy="369332"/>
-          </a:xfrm>
-          <a:prstGeom prst="rect">
-            <a:avLst/>
-          </a:prstGeom>
-          <a:noFill/>
-          <a:effectLst>
-            <a:reflection blurRad="6350" stA="50000" endA="300" endPos="38500" dist="50800" dir="5400000" sy="-100000" algn="bl" rotWithShape="0"/>
-          </a:effectLst>
-        </p:spPr>
-        <p:txBody>
-          <a:bodyPr wrap="square" rtlCol="0">
-            <a:spAutoFit/>
-          </a:bodyPr>
-          <a:lstStyle/>
-          <a:p>
-            <a:pPr marL="0" algn="l" defTabSz="914400" rtl="0" eaLnBrk="1" latinLnBrk="0" hangingPunct="1"/>
-            <a:r>
-              <a:rPr lang="en-US" altLang="zh-CN" sz="1800" kern="1200" dirty="0">
-                <a:solidFill>
-                  <a:srgbClr val="F05425"/>
-                </a:solidFill>
-                <a:effectLst>
-                  <a:reflection blurRad="6350" stA="55000" endA="300" endPos="45500" dir="5400000" sy="-100000" algn="bl" rotWithShape="0"/>
-                </a:effectLst>
-                <a:latin typeface="Broadway" pitchFamily="82" charset="0"/>
-                <a:ea typeface="楷体" pitchFamily="49" charset="-122"/>
-                <a:cs typeface="经典繁仿黑" pitchFamily="49" charset="-122"/>
-              </a:rPr>
-              <a:t>LOGO</a:t>
-            </a:r>
-            <a:endParaRPr lang="zh-CN" altLang="en-US" sz="1800" kern="1200" dirty="0">
-              <a:solidFill>
-                <a:srgbClr val="F05425"/>
-              </a:solidFill>
-              <a:effectLst>
-                <a:reflection blurRad="6350" stA="55000" endA="300" endPos="45500" dir="5400000" sy="-100000" algn="bl" rotWithShape="0"/>
-              </a:effectLst>
-              <a:latin typeface="Broadway" pitchFamily="82" charset="0"/>
-              <a:ea typeface="楷体" pitchFamily="49" charset="-122"/>
-              <a:cs typeface="经典繁仿黑" pitchFamily="49" charset="-122"/>
-            </a:endParaRPr>
-          </a:p>
-        </p:txBody>
-      </p:sp>
-      <p:cxnSp>
-        <p:nvCxnSpPr>
-          <p:cNvPr id="14" name="直接连接符 13"/>
-          <p:cNvCxnSpPr/>
-          <p:nvPr userDrawn="1"/>
-        </p:nvCxnSpPr>
-        <p:spPr>
-          <a:xfrm>
-            <a:off x="1724025" y="377062"/>
-            <a:ext cx="0" cy="261937"/>
-          </a:xfrm>
-          <a:prstGeom prst="line">
-            <a:avLst/>
-          </a:prstGeom>
-          <a:ln>
-            <a:solidFill>
-              <a:schemeClr val="bg1">
-                <a:lumMod val="75000"/>
-              </a:schemeClr>
-            </a:solidFill>
-          </a:ln>
-        </p:spPr>
-        <p:style>
-          <a:lnRef idx="1">
-            <a:schemeClr val="accent1"/>
-          </a:lnRef>
-          <a:fillRef idx="0">
-            <a:schemeClr val="accent1"/>
-          </a:fillRef>
-          <a:effectRef idx="0">
-            <a:schemeClr val="accent1"/>
-          </a:effectRef>
-          <a:fontRef idx="minor">
-            <a:schemeClr val="tx1"/>
-          </a:fontRef>
-        </p:style>
-      </p:cxnSp>
-      <p:sp>
-        <p:nvSpPr>
-          <p:cNvPr id="15" name="TextBox 14"/>
-          <p:cNvSpPr txBox="1"/>
-          <p:nvPr userDrawn="1"/>
-        </p:nvSpPr>
-        <p:spPr>
-          <a:xfrm>
-            <a:off x="1846734" y="354519"/>
-            <a:ext cx="2984673" cy="338554"/>
-          </a:xfrm>
-          <a:prstGeom prst="rect">
-            <a:avLst/>
-          </a:prstGeom>
-          <a:noFill/>
-          <a:effectLst>
-            <a:reflection blurRad="6350" stA="50000" endA="300" endPos="38500" dist="50800" dir="5400000" sy="-100000" algn="bl" rotWithShape="0"/>
-          </a:effectLst>
-        </p:spPr>
-        <p:txBody>
-          <a:bodyPr wrap="square" rtlCol="0">
-            <a:spAutoFit/>
-          </a:bodyPr>
-          <a:lstStyle/>
-          <a:p>
-            <a:pPr marL="0" algn="l" defTabSz="914400" rtl="0" eaLnBrk="1" latinLnBrk="0" hangingPunct="1"/>
-            <a:r>
-              <a:rPr lang="zh-CN" altLang="en-US" sz="1600" kern="1200" baseline="0" dirty="0">
-                <a:solidFill>
-                  <a:srgbClr val="F05425"/>
-                </a:solidFill>
-                <a:latin typeface="微软雅黑" pitchFamily="34" charset="-122"/>
-                <a:ea typeface="微软雅黑" pitchFamily="34" charset="-122"/>
-                <a:cs typeface="+mn-cs"/>
-              </a:rPr>
-              <a:t>第三章</a:t>
-            </a:r>
-            <a:endParaRPr lang="zh-CN" altLang="en-US" sz="1600" kern="1200" dirty="0">
-              <a:solidFill>
-                <a:srgbClr val="F05425"/>
-              </a:solidFill>
-              <a:latin typeface="微软雅黑" pitchFamily="34" charset="-122"/>
-              <a:ea typeface="微软雅黑" pitchFamily="34" charset="-122"/>
-              <a:cs typeface="+mn-cs"/>
             </a:endParaRPr>
           </a:p>
         </p:txBody>
@@ -5742,6 +5613,152 @@
           </a:p>
         </p:txBody>
       </p:sp>
+      <p:sp>
+        <p:nvSpPr>
+          <p:cNvPr id="18" name="TextBox 18">
+            <a:extLst>
+              <a:ext uri="{FF2B5EF4-FFF2-40B4-BE49-F238E27FC236}">
+                <a16:creationId xmlns:a16="http://schemas.microsoft.com/office/drawing/2014/main" id="{9F97860C-8961-B843-8870-53F6CE356884}"/>
+              </a:ext>
+            </a:extLst>
+          </p:cNvPr>
+          <p:cNvSpPr txBox="1"/>
+          <p:nvPr userDrawn="1"/>
+        </p:nvSpPr>
+        <p:spPr>
+          <a:xfrm>
+            <a:off x="528289" y="327958"/>
+            <a:ext cx="1451287" cy="369332"/>
+          </a:xfrm>
+          <a:prstGeom prst="rect">
+            <a:avLst/>
+          </a:prstGeom>
+          <a:noFill/>
+          <a:effectLst>
+            <a:reflection blurRad="6350" stA="50000" endA="300" endPos="38500" dist="50800" dir="5400000" sy="-100000" algn="bl" rotWithShape="0"/>
+          </a:effectLst>
+        </p:spPr>
+        <p:txBody>
+          <a:bodyPr wrap="square" rtlCol="0">
+            <a:spAutoFit/>
+          </a:bodyPr>
+          <a:lstStyle/>
+          <a:p>
+            <a:pPr marL="0" algn="l" defTabSz="914400" rtl="0" eaLnBrk="1" latinLnBrk="0" hangingPunct="1"/>
+            <a:r>
+              <a:rPr lang="zh-CN" altLang="en-US" sz="1800" kern="1200" dirty="0">
+                <a:solidFill>
+                  <a:srgbClr val="F05425"/>
+                </a:solidFill>
+                <a:effectLst>
+                  <a:reflection blurRad="6350" stA="55000" endA="300" endPos="45500" dir="5400000" sy="-100000" algn="bl" rotWithShape="0"/>
+                </a:effectLst>
+                <a:latin typeface="Broadway" pitchFamily="82" charset="0"/>
+                <a:ea typeface="楷体" pitchFamily="49" charset="-122"/>
+                <a:cs typeface="经典繁仿黑" pitchFamily="49" charset="-122"/>
+              </a:rPr>
+              <a:t>积极心理学</a:t>
+            </a:r>
+          </a:p>
+        </p:txBody>
+      </p:sp>
+      <p:cxnSp>
+        <p:nvCxnSpPr>
+          <p:cNvPr id="19" name="直接连接符 19">
+            <a:extLst>
+              <a:ext uri="{FF2B5EF4-FFF2-40B4-BE49-F238E27FC236}">
+                <a16:creationId xmlns:a16="http://schemas.microsoft.com/office/drawing/2014/main" id="{480ABAF9-DF0A-DB41-BF14-F1D48E670CAD}"/>
+              </a:ext>
+            </a:extLst>
+          </p:cNvPr>
+          <p:cNvCxnSpPr/>
+          <p:nvPr userDrawn="1"/>
+        </p:nvCxnSpPr>
+        <p:spPr>
+          <a:xfrm>
+            <a:off x="1846734" y="407670"/>
+            <a:ext cx="0" cy="261937"/>
+          </a:xfrm>
+          <a:prstGeom prst="line">
+            <a:avLst/>
+          </a:prstGeom>
+          <a:ln>
+            <a:solidFill>
+              <a:schemeClr val="bg1">
+                <a:lumMod val="75000"/>
+              </a:schemeClr>
+            </a:solidFill>
+          </a:ln>
+        </p:spPr>
+        <p:style>
+          <a:lnRef idx="1">
+            <a:schemeClr val="accent1"/>
+          </a:lnRef>
+          <a:fillRef idx="0">
+            <a:schemeClr val="accent1"/>
+          </a:fillRef>
+          <a:effectRef idx="0">
+            <a:schemeClr val="accent1"/>
+          </a:effectRef>
+          <a:fontRef idx="minor">
+            <a:schemeClr val="tx1"/>
+          </a:fontRef>
+        </p:style>
+      </p:cxnSp>
+      <p:sp>
+        <p:nvSpPr>
+          <p:cNvPr id="29" name="TextBox 20">
+            <a:extLst>
+              <a:ext uri="{FF2B5EF4-FFF2-40B4-BE49-F238E27FC236}">
+                <a16:creationId xmlns:a16="http://schemas.microsoft.com/office/drawing/2014/main" id="{0D9C9D96-5F89-F343-B130-ED884BA507A2}"/>
+              </a:ext>
+            </a:extLst>
+          </p:cNvPr>
+          <p:cNvSpPr txBox="1"/>
+          <p:nvPr userDrawn="1"/>
+        </p:nvSpPr>
+        <p:spPr>
+          <a:xfrm>
+            <a:off x="1846734" y="354142"/>
+            <a:ext cx="2984673" cy="338554"/>
+          </a:xfrm>
+          <a:prstGeom prst="rect">
+            <a:avLst/>
+          </a:prstGeom>
+          <a:noFill/>
+          <a:effectLst>
+            <a:reflection blurRad="6350" stA="50000" endA="300" endPos="38500" dist="50800" dir="5400000" sy="-100000" algn="bl" rotWithShape="0"/>
+          </a:effectLst>
+        </p:spPr>
+        <p:txBody>
+          <a:bodyPr wrap="square" rtlCol="0">
+            <a:spAutoFit/>
+          </a:bodyPr>
+          <a:lstStyle/>
+          <a:p>
+            <a:pPr marL="0" algn="l" defTabSz="914400" rtl="0" eaLnBrk="1" latinLnBrk="0" hangingPunct="1"/>
+            <a:r>
+              <a:rPr lang="zh-CN" altLang="en-US" sz="1600" kern="1200" baseline="0" dirty="0">
+                <a:solidFill>
+                  <a:srgbClr val="F05425"/>
+                </a:solidFill>
+                <a:latin typeface="微软雅黑" pitchFamily="34" charset="-122"/>
+                <a:ea typeface="微软雅黑" pitchFamily="34" charset="-122"/>
+                <a:cs typeface="+mn-cs"/>
+              </a:rPr>
+              <a:t>第三章</a:t>
+            </a:r>
+            <a:endParaRPr lang="zh-CN" altLang="en-US" sz="1600" kern="1200" dirty="0">
+              <a:solidFill>
+                <a:srgbClr val="F05425"/>
+              </a:solidFill>
+              <a:latin typeface="微软雅黑" pitchFamily="34" charset="-122"/>
+              <a:ea typeface="微软雅黑" pitchFamily="34" charset="-122"/>
+              <a:cs typeface="+mn-cs"/>
+            </a:endParaRPr>
+          </a:p>
+        </p:txBody>
+      </p:sp>
     </p:spTree>
   </p:cSld>
   <p:clrMapOvr>
@@ -5812,145 +5829,6 @@
               <a:solidFill>
                 <a:srgbClr val="F05425"/>
               </a:solidFill>
-            </a:endParaRPr>
-          </a:p>
-        </p:txBody>
-      </p:sp>
-      <p:sp>
-        <p:nvSpPr>
-          <p:cNvPr id="13" name="TextBox 12"/>
-          <p:cNvSpPr txBox="1"/>
-          <p:nvPr userDrawn="1"/>
-        </p:nvSpPr>
-        <p:spPr>
-          <a:xfrm>
-            <a:off x="827583" y="323364"/>
-            <a:ext cx="896441" cy="369332"/>
-          </a:xfrm>
-          <a:prstGeom prst="rect">
-            <a:avLst/>
-          </a:prstGeom>
-          <a:noFill/>
-          <a:effectLst>
-            <a:reflection blurRad="6350" stA="50000" endA="300" endPos="38500" dist="50800" dir="5400000" sy="-100000" algn="bl" rotWithShape="0"/>
-          </a:effectLst>
-        </p:spPr>
-        <p:txBody>
-          <a:bodyPr wrap="square" rtlCol="0">
-            <a:spAutoFit/>
-          </a:bodyPr>
-          <a:lstStyle/>
-          <a:p>
-            <a:pPr marL="0" algn="l" defTabSz="914400" rtl="0" eaLnBrk="1" latinLnBrk="0" hangingPunct="1"/>
-            <a:r>
-              <a:rPr lang="en-US" altLang="zh-CN" sz="1800" kern="1200" dirty="0">
-                <a:solidFill>
-                  <a:srgbClr val="F05425"/>
-                </a:solidFill>
-                <a:effectLst>
-                  <a:reflection blurRad="6350" stA="55000" endA="300" endPos="45500" dir="5400000" sy="-100000" algn="bl" rotWithShape="0"/>
-                </a:effectLst>
-                <a:latin typeface="Broadway" pitchFamily="82" charset="0"/>
-                <a:ea typeface="楷体" pitchFamily="49" charset="-122"/>
-                <a:cs typeface="经典繁仿黑" pitchFamily="49" charset="-122"/>
-              </a:rPr>
-              <a:t>LOGO</a:t>
-            </a:r>
-            <a:endParaRPr lang="zh-CN" altLang="en-US" sz="1800" kern="1200" dirty="0">
-              <a:solidFill>
-                <a:srgbClr val="F05425"/>
-              </a:solidFill>
-              <a:effectLst>
-                <a:reflection blurRad="6350" stA="55000" endA="300" endPos="45500" dir="5400000" sy="-100000" algn="bl" rotWithShape="0"/>
-              </a:effectLst>
-              <a:latin typeface="Broadway" pitchFamily="82" charset="0"/>
-              <a:ea typeface="楷体" pitchFamily="49" charset="-122"/>
-              <a:cs typeface="经典繁仿黑" pitchFamily="49" charset="-122"/>
-            </a:endParaRPr>
-          </a:p>
-        </p:txBody>
-      </p:sp>
-      <p:cxnSp>
-        <p:nvCxnSpPr>
-          <p:cNvPr id="14" name="直接连接符 13"/>
-          <p:cNvCxnSpPr/>
-          <p:nvPr userDrawn="1"/>
-        </p:nvCxnSpPr>
-        <p:spPr>
-          <a:xfrm>
-            <a:off x="1724025" y="377062"/>
-            <a:ext cx="0" cy="261937"/>
-          </a:xfrm>
-          <a:prstGeom prst="line">
-            <a:avLst/>
-          </a:prstGeom>
-          <a:ln>
-            <a:solidFill>
-              <a:schemeClr val="bg1">
-                <a:lumMod val="75000"/>
-              </a:schemeClr>
-            </a:solidFill>
-          </a:ln>
-        </p:spPr>
-        <p:style>
-          <a:lnRef idx="1">
-            <a:schemeClr val="accent1"/>
-          </a:lnRef>
-          <a:fillRef idx="0">
-            <a:schemeClr val="accent1"/>
-          </a:fillRef>
-          <a:effectRef idx="0">
-            <a:schemeClr val="accent1"/>
-          </a:effectRef>
-          <a:fontRef idx="minor">
-            <a:schemeClr val="tx1"/>
-          </a:fontRef>
-        </p:style>
-      </p:cxnSp>
-      <p:sp>
-        <p:nvSpPr>
-          <p:cNvPr id="15" name="TextBox 14"/>
-          <p:cNvSpPr txBox="1"/>
-          <p:nvPr userDrawn="1"/>
-        </p:nvSpPr>
-        <p:spPr>
-          <a:xfrm>
-            <a:off x="1846734" y="354519"/>
-            <a:ext cx="2984673" cy="338554"/>
-          </a:xfrm>
-          <a:prstGeom prst="rect">
-            <a:avLst/>
-          </a:prstGeom>
-          <a:noFill/>
-          <a:effectLst>
-            <a:reflection blurRad="6350" stA="50000" endA="300" endPos="38500" dist="50800" dir="5400000" sy="-100000" algn="bl" rotWithShape="0"/>
-          </a:effectLst>
-        </p:spPr>
-        <p:txBody>
-          <a:bodyPr wrap="square" rtlCol="0">
-            <a:spAutoFit/>
-          </a:bodyPr>
-          <a:lstStyle/>
-          <a:p>
-            <a:pPr marL="0" algn="l" defTabSz="914400" rtl="0" eaLnBrk="1" latinLnBrk="0" hangingPunct="1"/>
-            <a:r>
-              <a:rPr lang="zh-CN" altLang="en-US" sz="1600" kern="1200" baseline="0" dirty="0">
-                <a:solidFill>
-                  <a:srgbClr val="F05425"/>
-                </a:solidFill>
-                <a:latin typeface="微软雅黑" pitchFamily="34" charset="-122"/>
-                <a:ea typeface="微软雅黑" pitchFamily="34" charset="-122"/>
-                <a:cs typeface="+mn-cs"/>
-              </a:rPr>
-              <a:t>第三章</a:t>
-            </a:r>
-            <a:endParaRPr lang="zh-CN" altLang="en-US" sz="1600" kern="1200" dirty="0">
-              <a:solidFill>
-                <a:srgbClr val="F05425"/>
-              </a:solidFill>
-              <a:latin typeface="微软雅黑" pitchFamily="34" charset="-122"/>
-              <a:ea typeface="微软雅黑" pitchFamily="34" charset="-122"/>
-              <a:cs typeface="+mn-cs"/>
             </a:endParaRPr>
           </a:p>
         </p:txBody>
@@ -6682,6 +6560,152 @@
           </a:p>
         </p:txBody>
       </p:sp>
+      <p:sp>
+        <p:nvSpPr>
+          <p:cNvPr id="18" name="TextBox 18">
+            <a:extLst>
+              <a:ext uri="{FF2B5EF4-FFF2-40B4-BE49-F238E27FC236}">
+                <a16:creationId xmlns:a16="http://schemas.microsoft.com/office/drawing/2014/main" id="{3E5F8211-0171-D948-9931-B8B96A12F348}"/>
+              </a:ext>
+            </a:extLst>
+          </p:cNvPr>
+          <p:cNvSpPr txBox="1"/>
+          <p:nvPr userDrawn="1"/>
+        </p:nvSpPr>
+        <p:spPr>
+          <a:xfrm>
+            <a:off x="528289" y="327958"/>
+            <a:ext cx="1451287" cy="369332"/>
+          </a:xfrm>
+          <a:prstGeom prst="rect">
+            <a:avLst/>
+          </a:prstGeom>
+          <a:noFill/>
+          <a:effectLst>
+            <a:reflection blurRad="6350" stA="50000" endA="300" endPos="38500" dist="50800" dir="5400000" sy="-100000" algn="bl" rotWithShape="0"/>
+          </a:effectLst>
+        </p:spPr>
+        <p:txBody>
+          <a:bodyPr wrap="square" rtlCol="0">
+            <a:spAutoFit/>
+          </a:bodyPr>
+          <a:lstStyle/>
+          <a:p>
+            <a:pPr marL="0" algn="l" defTabSz="914400" rtl="0" eaLnBrk="1" latinLnBrk="0" hangingPunct="1"/>
+            <a:r>
+              <a:rPr lang="zh-CN" altLang="en-US" sz="1800" kern="1200" dirty="0">
+                <a:solidFill>
+                  <a:srgbClr val="F05425"/>
+                </a:solidFill>
+                <a:effectLst>
+                  <a:reflection blurRad="6350" stA="55000" endA="300" endPos="45500" dir="5400000" sy="-100000" algn="bl" rotWithShape="0"/>
+                </a:effectLst>
+                <a:latin typeface="Broadway" pitchFamily="82" charset="0"/>
+                <a:ea typeface="楷体" pitchFamily="49" charset="-122"/>
+                <a:cs typeface="经典繁仿黑" pitchFamily="49" charset="-122"/>
+              </a:rPr>
+              <a:t>积极心理学</a:t>
+            </a:r>
+          </a:p>
+        </p:txBody>
+      </p:sp>
+      <p:cxnSp>
+        <p:nvCxnSpPr>
+          <p:cNvPr id="19" name="直接连接符 19">
+            <a:extLst>
+              <a:ext uri="{FF2B5EF4-FFF2-40B4-BE49-F238E27FC236}">
+                <a16:creationId xmlns:a16="http://schemas.microsoft.com/office/drawing/2014/main" id="{28281E8C-7FF0-204E-A5BC-7FFC8A528D26}"/>
+              </a:ext>
+            </a:extLst>
+          </p:cNvPr>
+          <p:cNvCxnSpPr/>
+          <p:nvPr userDrawn="1"/>
+        </p:nvCxnSpPr>
+        <p:spPr>
+          <a:xfrm>
+            <a:off x="1846734" y="407670"/>
+            <a:ext cx="0" cy="261937"/>
+          </a:xfrm>
+          <a:prstGeom prst="line">
+            <a:avLst/>
+          </a:prstGeom>
+          <a:ln>
+            <a:solidFill>
+              <a:schemeClr val="bg1">
+                <a:lumMod val="75000"/>
+              </a:schemeClr>
+            </a:solidFill>
+          </a:ln>
+        </p:spPr>
+        <p:style>
+          <a:lnRef idx="1">
+            <a:schemeClr val="accent1"/>
+          </a:lnRef>
+          <a:fillRef idx="0">
+            <a:schemeClr val="accent1"/>
+          </a:fillRef>
+          <a:effectRef idx="0">
+            <a:schemeClr val="accent1"/>
+          </a:effectRef>
+          <a:fontRef idx="minor">
+            <a:schemeClr val="tx1"/>
+          </a:fontRef>
+        </p:style>
+      </p:cxnSp>
+      <p:sp>
+        <p:nvSpPr>
+          <p:cNvPr id="29" name="TextBox 20">
+            <a:extLst>
+              <a:ext uri="{FF2B5EF4-FFF2-40B4-BE49-F238E27FC236}">
+                <a16:creationId xmlns:a16="http://schemas.microsoft.com/office/drawing/2014/main" id="{FF9E24E4-5EC3-0844-BC55-782DA7892D0B}"/>
+              </a:ext>
+            </a:extLst>
+          </p:cNvPr>
+          <p:cNvSpPr txBox="1"/>
+          <p:nvPr userDrawn="1"/>
+        </p:nvSpPr>
+        <p:spPr>
+          <a:xfrm>
+            <a:off x="1846734" y="354142"/>
+            <a:ext cx="2984673" cy="338554"/>
+          </a:xfrm>
+          <a:prstGeom prst="rect">
+            <a:avLst/>
+          </a:prstGeom>
+          <a:noFill/>
+          <a:effectLst>
+            <a:reflection blurRad="6350" stA="50000" endA="300" endPos="38500" dist="50800" dir="5400000" sy="-100000" algn="bl" rotWithShape="0"/>
+          </a:effectLst>
+        </p:spPr>
+        <p:txBody>
+          <a:bodyPr wrap="square" rtlCol="0">
+            <a:spAutoFit/>
+          </a:bodyPr>
+          <a:lstStyle/>
+          <a:p>
+            <a:pPr marL="0" algn="l" defTabSz="914400" rtl="0" eaLnBrk="1" latinLnBrk="0" hangingPunct="1"/>
+            <a:r>
+              <a:rPr lang="zh-CN" altLang="en-US" sz="1600" kern="1200" baseline="0" dirty="0">
+                <a:solidFill>
+                  <a:srgbClr val="F05425"/>
+                </a:solidFill>
+                <a:latin typeface="微软雅黑" pitchFamily="34" charset="-122"/>
+                <a:ea typeface="微软雅黑" pitchFamily="34" charset="-122"/>
+                <a:cs typeface="+mn-cs"/>
+              </a:rPr>
+              <a:t>第三章</a:t>
+            </a:r>
+            <a:endParaRPr lang="zh-CN" altLang="en-US" sz="1600" kern="1200" dirty="0">
+              <a:solidFill>
+                <a:srgbClr val="F05425"/>
+              </a:solidFill>
+              <a:latin typeface="微软雅黑" pitchFamily="34" charset="-122"/>
+              <a:ea typeface="微软雅黑" pitchFamily="34" charset="-122"/>
+              <a:cs typeface="+mn-cs"/>
+            </a:endParaRPr>
+          </a:p>
+        </p:txBody>
+      </p:sp>
     </p:spTree>
     <p:extLst>
       <p:ext uri="{BB962C8B-B14F-4D97-AF65-F5344CB8AC3E}">
@@ -6757,145 +6781,6 @@
               <a:solidFill>
                 <a:srgbClr val="F05425"/>
               </a:solidFill>
-            </a:endParaRPr>
-          </a:p>
-        </p:txBody>
-      </p:sp>
-      <p:sp>
-        <p:nvSpPr>
-          <p:cNvPr id="13" name="TextBox 12"/>
-          <p:cNvSpPr txBox="1"/>
-          <p:nvPr userDrawn="1"/>
-        </p:nvSpPr>
-        <p:spPr>
-          <a:xfrm>
-            <a:off x="827583" y="323364"/>
-            <a:ext cx="896441" cy="369332"/>
-          </a:xfrm>
-          <a:prstGeom prst="rect">
-            <a:avLst/>
-          </a:prstGeom>
-          <a:noFill/>
-          <a:effectLst>
-            <a:reflection blurRad="6350" stA="50000" endA="300" endPos="38500" dist="50800" dir="5400000" sy="-100000" algn="bl" rotWithShape="0"/>
-          </a:effectLst>
-        </p:spPr>
-        <p:txBody>
-          <a:bodyPr wrap="square" rtlCol="0">
-            <a:spAutoFit/>
-          </a:bodyPr>
-          <a:lstStyle/>
-          <a:p>
-            <a:pPr marL="0" algn="l" defTabSz="914400" rtl="0" eaLnBrk="1" latinLnBrk="0" hangingPunct="1"/>
-            <a:r>
-              <a:rPr lang="en-US" altLang="zh-CN" sz="1800" kern="1200" dirty="0">
-                <a:solidFill>
-                  <a:srgbClr val="F05425"/>
-                </a:solidFill>
-                <a:effectLst>
-                  <a:reflection blurRad="6350" stA="55000" endA="300" endPos="45500" dir="5400000" sy="-100000" algn="bl" rotWithShape="0"/>
-                </a:effectLst>
-                <a:latin typeface="Broadway" pitchFamily="82" charset="0"/>
-                <a:ea typeface="楷体" pitchFamily="49" charset="-122"/>
-                <a:cs typeface="经典繁仿黑" pitchFamily="49" charset="-122"/>
-              </a:rPr>
-              <a:t>LOGO</a:t>
-            </a:r>
-            <a:endParaRPr lang="zh-CN" altLang="en-US" sz="1800" kern="1200" dirty="0">
-              <a:solidFill>
-                <a:srgbClr val="F05425"/>
-              </a:solidFill>
-              <a:effectLst>
-                <a:reflection blurRad="6350" stA="55000" endA="300" endPos="45500" dir="5400000" sy="-100000" algn="bl" rotWithShape="0"/>
-              </a:effectLst>
-              <a:latin typeface="Broadway" pitchFamily="82" charset="0"/>
-              <a:ea typeface="楷体" pitchFamily="49" charset="-122"/>
-              <a:cs typeface="经典繁仿黑" pitchFamily="49" charset="-122"/>
-            </a:endParaRPr>
-          </a:p>
-        </p:txBody>
-      </p:sp>
-      <p:cxnSp>
-        <p:nvCxnSpPr>
-          <p:cNvPr id="14" name="直接连接符 13"/>
-          <p:cNvCxnSpPr/>
-          <p:nvPr userDrawn="1"/>
-        </p:nvCxnSpPr>
-        <p:spPr>
-          <a:xfrm>
-            <a:off x="1724025" y="377062"/>
-            <a:ext cx="0" cy="261937"/>
-          </a:xfrm>
-          <a:prstGeom prst="line">
-            <a:avLst/>
-          </a:prstGeom>
-          <a:ln>
-            <a:solidFill>
-              <a:schemeClr val="bg1">
-                <a:lumMod val="75000"/>
-              </a:schemeClr>
-            </a:solidFill>
-          </a:ln>
-        </p:spPr>
-        <p:style>
-          <a:lnRef idx="1">
-            <a:schemeClr val="accent1"/>
-          </a:lnRef>
-          <a:fillRef idx="0">
-            <a:schemeClr val="accent1"/>
-          </a:fillRef>
-          <a:effectRef idx="0">
-            <a:schemeClr val="accent1"/>
-          </a:effectRef>
-          <a:fontRef idx="minor">
-            <a:schemeClr val="tx1"/>
-          </a:fontRef>
-        </p:style>
-      </p:cxnSp>
-      <p:sp>
-        <p:nvSpPr>
-          <p:cNvPr id="15" name="TextBox 14"/>
-          <p:cNvSpPr txBox="1"/>
-          <p:nvPr userDrawn="1"/>
-        </p:nvSpPr>
-        <p:spPr>
-          <a:xfrm>
-            <a:off x="1846734" y="354519"/>
-            <a:ext cx="2984673" cy="338554"/>
-          </a:xfrm>
-          <a:prstGeom prst="rect">
-            <a:avLst/>
-          </a:prstGeom>
-          <a:noFill/>
-          <a:effectLst>
-            <a:reflection blurRad="6350" stA="50000" endA="300" endPos="38500" dist="50800" dir="5400000" sy="-100000" algn="bl" rotWithShape="0"/>
-          </a:effectLst>
-        </p:spPr>
-        <p:txBody>
-          <a:bodyPr wrap="square" rtlCol="0">
-            <a:spAutoFit/>
-          </a:bodyPr>
-          <a:lstStyle/>
-          <a:p>
-            <a:pPr marL="0" algn="l" defTabSz="914400" rtl="0" eaLnBrk="1" latinLnBrk="0" hangingPunct="1"/>
-            <a:r>
-              <a:rPr lang="zh-CN" altLang="en-US" sz="1600" kern="1200" baseline="0" dirty="0">
-                <a:solidFill>
-                  <a:srgbClr val="F05425"/>
-                </a:solidFill>
-                <a:latin typeface="微软雅黑" pitchFamily="34" charset="-122"/>
-                <a:ea typeface="微软雅黑" pitchFamily="34" charset="-122"/>
-                <a:cs typeface="+mn-cs"/>
-              </a:rPr>
-              <a:t>第三章</a:t>
-            </a:r>
-            <a:endParaRPr lang="zh-CN" altLang="en-US" sz="1600" kern="1200" dirty="0">
-              <a:solidFill>
-                <a:srgbClr val="F05425"/>
-              </a:solidFill>
-              <a:latin typeface="微软雅黑" pitchFamily="34" charset="-122"/>
-              <a:ea typeface="微软雅黑" pitchFamily="34" charset="-122"/>
-              <a:cs typeface="+mn-cs"/>
             </a:endParaRPr>
           </a:p>
         </p:txBody>
@@ -7627,6 +7512,152 @@
           </a:p>
         </p:txBody>
       </p:sp>
+      <p:sp>
+        <p:nvSpPr>
+          <p:cNvPr id="18" name="TextBox 18">
+            <a:extLst>
+              <a:ext uri="{FF2B5EF4-FFF2-40B4-BE49-F238E27FC236}">
+                <a16:creationId xmlns:a16="http://schemas.microsoft.com/office/drawing/2014/main" id="{4217A1C7-92C2-C446-B203-1B63640BE4D5}"/>
+              </a:ext>
+            </a:extLst>
+          </p:cNvPr>
+          <p:cNvSpPr txBox="1"/>
+          <p:nvPr userDrawn="1"/>
+        </p:nvSpPr>
+        <p:spPr>
+          <a:xfrm>
+            <a:off x="528289" y="327958"/>
+            <a:ext cx="1451287" cy="369332"/>
+          </a:xfrm>
+          <a:prstGeom prst="rect">
+            <a:avLst/>
+          </a:prstGeom>
+          <a:noFill/>
+          <a:effectLst>
+            <a:reflection blurRad="6350" stA="50000" endA="300" endPos="38500" dist="50800" dir="5400000" sy="-100000" algn="bl" rotWithShape="0"/>
+          </a:effectLst>
+        </p:spPr>
+        <p:txBody>
+          <a:bodyPr wrap="square" rtlCol="0">
+            <a:spAutoFit/>
+          </a:bodyPr>
+          <a:lstStyle/>
+          <a:p>
+            <a:pPr marL="0" algn="l" defTabSz="914400" rtl="0" eaLnBrk="1" latinLnBrk="0" hangingPunct="1"/>
+            <a:r>
+              <a:rPr lang="zh-CN" altLang="en-US" sz="1800" kern="1200" dirty="0">
+                <a:solidFill>
+                  <a:srgbClr val="F05425"/>
+                </a:solidFill>
+                <a:effectLst>
+                  <a:reflection blurRad="6350" stA="55000" endA="300" endPos="45500" dir="5400000" sy="-100000" algn="bl" rotWithShape="0"/>
+                </a:effectLst>
+                <a:latin typeface="Broadway" pitchFamily="82" charset="0"/>
+                <a:ea typeface="楷体" pitchFamily="49" charset="-122"/>
+                <a:cs typeface="经典繁仿黑" pitchFamily="49" charset="-122"/>
+              </a:rPr>
+              <a:t>积极心理学</a:t>
+            </a:r>
+          </a:p>
+        </p:txBody>
+      </p:sp>
+      <p:cxnSp>
+        <p:nvCxnSpPr>
+          <p:cNvPr id="19" name="直接连接符 19">
+            <a:extLst>
+              <a:ext uri="{FF2B5EF4-FFF2-40B4-BE49-F238E27FC236}">
+                <a16:creationId xmlns:a16="http://schemas.microsoft.com/office/drawing/2014/main" id="{D46516AF-8E4C-3D40-8AF9-6BBD6AACEA4F}"/>
+              </a:ext>
+            </a:extLst>
+          </p:cNvPr>
+          <p:cNvCxnSpPr/>
+          <p:nvPr userDrawn="1"/>
+        </p:nvCxnSpPr>
+        <p:spPr>
+          <a:xfrm>
+            <a:off x="1846734" y="407670"/>
+            <a:ext cx="0" cy="261937"/>
+          </a:xfrm>
+          <a:prstGeom prst="line">
+            <a:avLst/>
+          </a:prstGeom>
+          <a:ln>
+            <a:solidFill>
+              <a:schemeClr val="bg1">
+                <a:lumMod val="75000"/>
+              </a:schemeClr>
+            </a:solidFill>
+          </a:ln>
+        </p:spPr>
+        <p:style>
+          <a:lnRef idx="1">
+            <a:schemeClr val="accent1"/>
+          </a:lnRef>
+          <a:fillRef idx="0">
+            <a:schemeClr val="accent1"/>
+          </a:fillRef>
+          <a:effectRef idx="0">
+            <a:schemeClr val="accent1"/>
+          </a:effectRef>
+          <a:fontRef idx="minor">
+            <a:schemeClr val="tx1"/>
+          </a:fontRef>
+        </p:style>
+      </p:cxnSp>
+      <p:sp>
+        <p:nvSpPr>
+          <p:cNvPr id="29" name="TextBox 20">
+            <a:extLst>
+              <a:ext uri="{FF2B5EF4-FFF2-40B4-BE49-F238E27FC236}">
+                <a16:creationId xmlns:a16="http://schemas.microsoft.com/office/drawing/2014/main" id="{73D76E5F-727E-E043-BEC6-270C4E88DF68}"/>
+              </a:ext>
+            </a:extLst>
+          </p:cNvPr>
+          <p:cNvSpPr txBox="1"/>
+          <p:nvPr userDrawn="1"/>
+        </p:nvSpPr>
+        <p:spPr>
+          <a:xfrm>
+            <a:off x="1846734" y="354142"/>
+            <a:ext cx="2984673" cy="338554"/>
+          </a:xfrm>
+          <a:prstGeom prst="rect">
+            <a:avLst/>
+          </a:prstGeom>
+          <a:noFill/>
+          <a:effectLst>
+            <a:reflection blurRad="6350" stA="50000" endA="300" endPos="38500" dist="50800" dir="5400000" sy="-100000" algn="bl" rotWithShape="0"/>
+          </a:effectLst>
+        </p:spPr>
+        <p:txBody>
+          <a:bodyPr wrap="square" rtlCol="0">
+            <a:spAutoFit/>
+          </a:bodyPr>
+          <a:lstStyle/>
+          <a:p>
+            <a:pPr marL="0" algn="l" defTabSz="914400" rtl="0" eaLnBrk="1" latinLnBrk="0" hangingPunct="1"/>
+            <a:r>
+              <a:rPr lang="zh-CN" altLang="en-US" sz="1600" kern="1200" baseline="0" dirty="0">
+                <a:solidFill>
+                  <a:srgbClr val="F05425"/>
+                </a:solidFill>
+                <a:latin typeface="微软雅黑" pitchFamily="34" charset="-122"/>
+                <a:ea typeface="微软雅黑" pitchFamily="34" charset="-122"/>
+                <a:cs typeface="+mn-cs"/>
+              </a:rPr>
+              <a:t>第三章</a:t>
+            </a:r>
+            <a:endParaRPr lang="zh-CN" altLang="en-US" sz="1600" kern="1200" dirty="0">
+              <a:solidFill>
+                <a:srgbClr val="F05425"/>
+              </a:solidFill>
+              <a:latin typeface="微软雅黑" pitchFamily="34" charset="-122"/>
+              <a:ea typeface="微软雅黑" pitchFamily="34" charset="-122"/>
+              <a:cs typeface="+mn-cs"/>
+            </a:endParaRPr>
+          </a:p>
+        </p:txBody>
+      </p:sp>
     </p:spTree>
     <p:extLst>
       <p:ext uri="{BB962C8B-B14F-4D97-AF65-F5344CB8AC3E}">
@@ -7702,145 +7733,6 @@
               <a:solidFill>
                 <a:srgbClr val="F05425"/>
               </a:solidFill>
-            </a:endParaRPr>
-          </a:p>
-        </p:txBody>
-      </p:sp>
-      <p:sp>
-        <p:nvSpPr>
-          <p:cNvPr id="19" name="TextBox 18"/>
-          <p:cNvSpPr txBox="1"/>
-          <p:nvPr userDrawn="1"/>
-        </p:nvSpPr>
-        <p:spPr>
-          <a:xfrm>
-            <a:off x="827583" y="323364"/>
-            <a:ext cx="896441" cy="369332"/>
-          </a:xfrm>
-          <a:prstGeom prst="rect">
-            <a:avLst/>
-          </a:prstGeom>
-          <a:noFill/>
-          <a:effectLst>
-            <a:reflection blurRad="6350" stA="50000" endA="300" endPos="38500" dist="50800" dir="5400000" sy="-100000" algn="bl" rotWithShape="0"/>
-          </a:effectLst>
-        </p:spPr>
-        <p:txBody>
-          <a:bodyPr wrap="square" rtlCol="0">
-            <a:spAutoFit/>
-          </a:bodyPr>
-          <a:lstStyle/>
-          <a:p>
-            <a:pPr marL="0" algn="l" defTabSz="914400" rtl="0" eaLnBrk="1" latinLnBrk="0" hangingPunct="1"/>
-            <a:r>
-              <a:rPr lang="en-US" altLang="zh-CN" sz="1800" kern="1200" dirty="0">
-                <a:solidFill>
-                  <a:srgbClr val="F05425"/>
-                </a:solidFill>
-                <a:effectLst>
-                  <a:reflection blurRad="6350" stA="55000" endA="300" endPos="45500" dir="5400000" sy="-100000" algn="bl" rotWithShape="0"/>
-                </a:effectLst>
-                <a:latin typeface="Broadway" pitchFamily="82" charset="0"/>
-                <a:ea typeface="楷体" pitchFamily="49" charset="-122"/>
-                <a:cs typeface="经典繁仿黑" pitchFamily="49" charset="-122"/>
-              </a:rPr>
-              <a:t>LOGO</a:t>
-            </a:r>
-            <a:endParaRPr lang="zh-CN" altLang="en-US" sz="1800" kern="1200" dirty="0">
-              <a:solidFill>
-                <a:srgbClr val="F05425"/>
-              </a:solidFill>
-              <a:effectLst>
-                <a:reflection blurRad="6350" stA="55000" endA="300" endPos="45500" dir="5400000" sy="-100000" algn="bl" rotWithShape="0"/>
-              </a:effectLst>
-              <a:latin typeface="Broadway" pitchFamily="82" charset="0"/>
-              <a:ea typeface="楷体" pitchFamily="49" charset="-122"/>
-              <a:cs typeface="经典繁仿黑" pitchFamily="49" charset="-122"/>
-            </a:endParaRPr>
-          </a:p>
-        </p:txBody>
-      </p:sp>
-      <p:cxnSp>
-        <p:nvCxnSpPr>
-          <p:cNvPr id="20" name="直接连接符 19"/>
-          <p:cNvCxnSpPr/>
-          <p:nvPr userDrawn="1"/>
-        </p:nvCxnSpPr>
-        <p:spPr>
-          <a:xfrm>
-            <a:off x="1724025" y="377062"/>
-            <a:ext cx="0" cy="261937"/>
-          </a:xfrm>
-          <a:prstGeom prst="line">
-            <a:avLst/>
-          </a:prstGeom>
-          <a:ln>
-            <a:solidFill>
-              <a:schemeClr val="bg1">
-                <a:lumMod val="75000"/>
-              </a:schemeClr>
-            </a:solidFill>
-          </a:ln>
-        </p:spPr>
-        <p:style>
-          <a:lnRef idx="1">
-            <a:schemeClr val="accent1"/>
-          </a:lnRef>
-          <a:fillRef idx="0">
-            <a:schemeClr val="accent1"/>
-          </a:fillRef>
-          <a:effectRef idx="0">
-            <a:schemeClr val="accent1"/>
-          </a:effectRef>
-          <a:fontRef idx="minor">
-            <a:schemeClr val="tx1"/>
-          </a:fontRef>
-        </p:style>
-      </p:cxnSp>
-      <p:sp>
-        <p:nvSpPr>
-          <p:cNvPr id="21" name="TextBox 20"/>
-          <p:cNvSpPr txBox="1"/>
-          <p:nvPr userDrawn="1"/>
-        </p:nvSpPr>
-        <p:spPr>
-          <a:xfrm>
-            <a:off x="1846734" y="354519"/>
-            <a:ext cx="2984673" cy="338554"/>
-          </a:xfrm>
-          <a:prstGeom prst="rect">
-            <a:avLst/>
-          </a:prstGeom>
-          <a:noFill/>
-          <a:effectLst>
-            <a:reflection blurRad="6350" stA="50000" endA="300" endPos="38500" dist="50800" dir="5400000" sy="-100000" algn="bl" rotWithShape="0"/>
-          </a:effectLst>
-        </p:spPr>
-        <p:txBody>
-          <a:bodyPr wrap="square" rtlCol="0">
-            <a:spAutoFit/>
-          </a:bodyPr>
-          <a:lstStyle/>
-          <a:p>
-            <a:pPr marL="0" algn="l" defTabSz="914400" rtl="0" eaLnBrk="1" latinLnBrk="0" hangingPunct="1"/>
-            <a:r>
-              <a:rPr lang="zh-CN" altLang="en-US" sz="1600" kern="1200" baseline="0" dirty="0">
-                <a:solidFill>
-                  <a:srgbClr val="F05425"/>
-                </a:solidFill>
-                <a:latin typeface="微软雅黑" pitchFamily="34" charset="-122"/>
-                <a:ea typeface="微软雅黑" pitchFamily="34" charset="-122"/>
-                <a:cs typeface="+mn-cs"/>
-              </a:rPr>
-              <a:t>第四章</a:t>
-            </a:r>
-            <a:endParaRPr lang="zh-CN" altLang="en-US" sz="1600" kern="1200" dirty="0">
-              <a:solidFill>
-                <a:srgbClr val="F05425"/>
-              </a:solidFill>
-              <a:latin typeface="微软雅黑" pitchFamily="34" charset="-122"/>
-              <a:ea typeface="微软雅黑" pitchFamily="34" charset="-122"/>
-              <a:cs typeface="+mn-cs"/>
             </a:endParaRPr>
           </a:p>
         </p:txBody>
@@ -8550,6 +8442,152 @@
           </a:p>
         </p:txBody>
       </p:sp>
+      <p:sp>
+        <p:nvSpPr>
+          <p:cNvPr id="17" name="TextBox 18">
+            <a:extLst>
+              <a:ext uri="{FF2B5EF4-FFF2-40B4-BE49-F238E27FC236}">
+                <a16:creationId xmlns:a16="http://schemas.microsoft.com/office/drawing/2014/main" id="{45F6962C-47AA-7940-9FC1-9EC4F00753D1}"/>
+              </a:ext>
+            </a:extLst>
+          </p:cNvPr>
+          <p:cNvSpPr txBox="1"/>
+          <p:nvPr userDrawn="1"/>
+        </p:nvSpPr>
+        <p:spPr>
+          <a:xfrm>
+            <a:off x="528289" y="327958"/>
+            <a:ext cx="1451287" cy="369332"/>
+          </a:xfrm>
+          <a:prstGeom prst="rect">
+            <a:avLst/>
+          </a:prstGeom>
+          <a:noFill/>
+          <a:effectLst>
+            <a:reflection blurRad="6350" stA="50000" endA="300" endPos="38500" dist="50800" dir="5400000" sy="-100000" algn="bl" rotWithShape="0"/>
+          </a:effectLst>
+        </p:spPr>
+        <p:txBody>
+          <a:bodyPr wrap="square" rtlCol="0">
+            <a:spAutoFit/>
+          </a:bodyPr>
+          <a:lstStyle/>
+          <a:p>
+            <a:pPr marL="0" algn="l" defTabSz="914400" rtl="0" eaLnBrk="1" latinLnBrk="0" hangingPunct="1"/>
+            <a:r>
+              <a:rPr lang="zh-CN" altLang="en-US" sz="1800" kern="1200" dirty="0">
+                <a:solidFill>
+                  <a:srgbClr val="F05425"/>
+                </a:solidFill>
+                <a:effectLst>
+                  <a:reflection blurRad="6350" stA="55000" endA="300" endPos="45500" dir="5400000" sy="-100000" algn="bl" rotWithShape="0"/>
+                </a:effectLst>
+                <a:latin typeface="Broadway" pitchFamily="82" charset="0"/>
+                <a:ea typeface="楷体" pitchFamily="49" charset="-122"/>
+                <a:cs typeface="经典繁仿黑" pitchFamily="49" charset="-122"/>
+              </a:rPr>
+              <a:t>积极心理学</a:t>
+            </a:r>
+          </a:p>
+        </p:txBody>
+      </p:sp>
+      <p:cxnSp>
+        <p:nvCxnSpPr>
+          <p:cNvPr id="33" name="直接连接符 19">
+            <a:extLst>
+              <a:ext uri="{FF2B5EF4-FFF2-40B4-BE49-F238E27FC236}">
+                <a16:creationId xmlns:a16="http://schemas.microsoft.com/office/drawing/2014/main" id="{622EB85E-1F4C-E440-8259-E217417048F7}"/>
+              </a:ext>
+            </a:extLst>
+          </p:cNvPr>
+          <p:cNvCxnSpPr/>
+          <p:nvPr userDrawn="1"/>
+        </p:nvCxnSpPr>
+        <p:spPr>
+          <a:xfrm>
+            <a:off x="1846734" y="407670"/>
+            <a:ext cx="0" cy="261937"/>
+          </a:xfrm>
+          <a:prstGeom prst="line">
+            <a:avLst/>
+          </a:prstGeom>
+          <a:ln>
+            <a:solidFill>
+              <a:schemeClr val="bg1">
+                <a:lumMod val="75000"/>
+              </a:schemeClr>
+            </a:solidFill>
+          </a:ln>
+        </p:spPr>
+        <p:style>
+          <a:lnRef idx="1">
+            <a:schemeClr val="accent1"/>
+          </a:lnRef>
+          <a:fillRef idx="0">
+            <a:schemeClr val="accent1"/>
+          </a:fillRef>
+          <a:effectRef idx="0">
+            <a:schemeClr val="accent1"/>
+          </a:effectRef>
+          <a:fontRef idx="minor">
+            <a:schemeClr val="tx1"/>
+          </a:fontRef>
+        </p:style>
+      </p:cxnSp>
+      <p:sp>
+        <p:nvSpPr>
+          <p:cNvPr id="34" name="TextBox 20">
+            <a:extLst>
+              <a:ext uri="{FF2B5EF4-FFF2-40B4-BE49-F238E27FC236}">
+                <a16:creationId xmlns:a16="http://schemas.microsoft.com/office/drawing/2014/main" id="{6B23F48C-30E1-CB49-B5F3-81DA4C77362E}"/>
+              </a:ext>
+            </a:extLst>
+          </p:cNvPr>
+          <p:cNvSpPr txBox="1"/>
+          <p:nvPr userDrawn="1"/>
+        </p:nvSpPr>
+        <p:spPr>
+          <a:xfrm>
+            <a:off x="1846734" y="354142"/>
+            <a:ext cx="2984673" cy="338554"/>
+          </a:xfrm>
+          <a:prstGeom prst="rect">
+            <a:avLst/>
+          </a:prstGeom>
+          <a:noFill/>
+          <a:effectLst>
+            <a:reflection blurRad="6350" stA="50000" endA="300" endPos="38500" dist="50800" dir="5400000" sy="-100000" algn="bl" rotWithShape="0"/>
+          </a:effectLst>
+        </p:spPr>
+        <p:txBody>
+          <a:bodyPr wrap="square" rtlCol="0">
+            <a:spAutoFit/>
+          </a:bodyPr>
+          <a:lstStyle/>
+          <a:p>
+            <a:pPr marL="0" algn="l" defTabSz="914400" rtl="0" eaLnBrk="1" latinLnBrk="0" hangingPunct="1"/>
+            <a:r>
+              <a:rPr lang="zh-CN" altLang="en-US" sz="1600" kern="1200" baseline="0" dirty="0">
+                <a:solidFill>
+                  <a:srgbClr val="F05425"/>
+                </a:solidFill>
+                <a:latin typeface="微软雅黑" pitchFamily="34" charset="-122"/>
+                <a:ea typeface="微软雅黑" pitchFamily="34" charset="-122"/>
+                <a:cs typeface="+mn-cs"/>
+              </a:rPr>
+              <a:t>第四章</a:t>
+            </a:r>
+            <a:endParaRPr lang="zh-CN" altLang="en-US" sz="1600" kern="1200" dirty="0">
+              <a:solidFill>
+                <a:srgbClr val="F05425"/>
+              </a:solidFill>
+              <a:latin typeface="微软雅黑" pitchFamily="34" charset="-122"/>
+              <a:ea typeface="微软雅黑" pitchFamily="34" charset="-122"/>
+              <a:cs typeface="+mn-cs"/>
+            </a:endParaRPr>
+          </a:p>
+        </p:txBody>
+      </p:sp>
     </p:spTree>
   </p:cSld>
   <p:clrMapOvr>
@@ -8916,7 +8954,7 @@
           <a:p>
             <a:fld id="{530820CF-B880-4189-942D-D702A7CBA730}" type="datetimeFigureOut">
               <a:rPr lang="zh-CN" altLang="en-US" smtClean="0"/>
-              <a:t>2020-05-13</a:t>
+              <a:t>2020/5/13</a:t>
             </a:fld>
             <a:endParaRPr lang="zh-CN" altLang="en-US"/>
           </a:p>
@@ -9122,7 +9160,7 @@
           <a:p>
             <a:fld id="{530820CF-B880-4189-942D-D702A7CBA730}" type="datetimeFigureOut">
               <a:rPr lang="zh-CN" altLang="en-US" smtClean="0"/>
-              <a:t>2020-05-13</a:t>
+              <a:t>2020/5/13</a:t>
             </a:fld>
             <a:endParaRPr lang="zh-CN" altLang="en-US"/>
           </a:p>
@@ -10237,59 +10275,6 @@
       </p:sp>
       <p:sp>
         <p:nvSpPr>
-          <p:cNvPr id="38" name="TextBox 37"/>
-          <p:cNvSpPr txBox="1"/>
-          <p:nvPr/>
-        </p:nvSpPr>
-        <p:spPr>
-          <a:xfrm>
-            <a:off x="10991750" y="393692"/>
-            <a:ext cx="896441" cy="369332"/>
-          </a:xfrm>
-          <a:prstGeom prst="rect">
-            <a:avLst/>
-          </a:prstGeom>
-          <a:noFill/>
-          <a:effectLst>
-            <a:reflection blurRad="6350" stA="50000" endA="300" endPos="38500" dist="50800" dir="5400000" sy="-100000" algn="bl" rotWithShape="0"/>
-          </a:effectLst>
-        </p:spPr>
-        <p:txBody>
-          <a:bodyPr wrap="square" rtlCol="0">
-            <a:spAutoFit/>
-          </a:bodyPr>
-          <a:lstStyle/>
-          <a:p>
-            <a:r>
-              <a:rPr lang="en-US" altLang="zh-CN" dirty="0">
-                <a:solidFill>
-                  <a:srgbClr val="F05425"/>
-                </a:solidFill>
-                <a:effectLst>
-                  <a:reflection blurRad="6350" stA="55000" endA="300" endPos="45500" dir="5400000" sy="-100000" algn="bl" rotWithShape="0"/>
-                </a:effectLst>
-                <a:latin typeface="Broadway" pitchFamily="82" charset="0"/>
-                <a:ea typeface="楷体" pitchFamily="49" charset="-122"/>
-                <a:cs typeface="经典繁仿黑" pitchFamily="49" charset="-122"/>
-              </a:rPr>
-              <a:t>LOGO</a:t>
-            </a:r>
-            <a:endParaRPr lang="zh-CN" altLang="en-US" dirty="0">
-              <a:solidFill>
-                <a:srgbClr val="F05425"/>
-              </a:solidFill>
-              <a:effectLst>
-                <a:reflection blurRad="6350" stA="55000" endA="300" endPos="45500" dir="5400000" sy="-100000" algn="bl" rotWithShape="0"/>
-              </a:effectLst>
-              <a:latin typeface="Broadway" pitchFamily="82" charset="0"/>
-              <a:ea typeface="楷体" pitchFamily="49" charset="-122"/>
-              <a:cs typeface="经典繁仿黑" pitchFamily="49" charset="-122"/>
-            </a:endParaRPr>
-          </a:p>
-        </p:txBody>
-      </p:sp>
-      <p:sp>
-        <p:nvSpPr>
           <p:cNvPr id="39" name="TextBox 38"/>
           <p:cNvSpPr txBox="1"/>
           <p:nvPr/>
@@ -10460,371 +10445,6 @@
               <a:t>——</a:t>
             </a:r>
             <a:endParaRPr lang="zh-CN" altLang="en-US" sz="1600" i="1" dirty="0"/>
-          </a:p>
-        </p:txBody>
-      </p:sp>
-      <p:sp>
-        <p:nvSpPr>
-          <p:cNvPr id="41" name="TextBox 40"/>
-          <p:cNvSpPr txBox="1">
-            <a:spLocks noChangeArrowheads="1"/>
-          </p:cNvSpPr>
-          <p:nvPr/>
-        </p:nvSpPr>
-        <p:spPr bwMode="auto">
-          <a:xfrm>
-            <a:off x="2566814" y="3503444"/>
-            <a:ext cx="7200800" cy="1815882"/>
-          </a:xfrm>
-          <a:prstGeom prst="rect">
-            <a:avLst/>
-          </a:prstGeom>
-          <a:noFill/>
-          <a:ln>
-            <a:noFill/>
-          </a:ln>
-          <a:extLst>
-            <a:ext uri="{909E8E84-426E-40DD-AFC4-6F175D3DCCD1}">
-              <a14:hiddenFill xmlns:a14="http://schemas.microsoft.com/office/drawing/2010/main">
-                <a:solidFill>
-                  <a:srgbClr val="FFFFFF"/>
-                </a:solidFill>
-              </a14:hiddenFill>
-            </a:ext>
-            <a:ext uri="{91240B29-F687-4F45-9708-019B960494DF}">
-              <a14:hiddenLine xmlns:a14="http://schemas.microsoft.com/office/drawing/2010/main" w="9525">
-                <a:solidFill>
-                  <a:srgbClr val="000000"/>
-                </a:solidFill>
-                <a:miter lim="800000"/>
-                <a:headEnd/>
-                <a:tailEnd/>
-              </a14:hiddenLine>
-            </a:ext>
-          </a:extLst>
-        </p:spPr>
-        <p:txBody>
-          <a:bodyPr wrap="square">
-            <a:spAutoFit/>
-          </a:bodyPr>
-          <a:lstStyle>
-            <a:lvl1pPr eaLnBrk="0" hangingPunct="0">
-              <a:defRPr>
-                <a:solidFill>
-                  <a:schemeClr val="tx1"/>
-                </a:solidFill>
-                <a:latin typeface="Arial" pitchFamily="34" charset="0"/>
-                <a:ea typeface="宋体" pitchFamily="2" charset="-122"/>
-              </a:defRPr>
-            </a:lvl1pPr>
-            <a:lvl2pPr marL="742950" indent="-285750" eaLnBrk="0" hangingPunct="0">
-              <a:defRPr>
-                <a:solidFill>
-                  <a:schemeClr val="tx1"/>
-                </a:solidFill>
-                <a:latin typeface="Arial" pitchFamily="34" charset="0"/>
-                <a:ea typeface="宋体" pitchFamily="2" charset="-122"/>
-              </a:defRPr>
-            </a:lvl2pPr>
-            <a:lvl3pPr marL="1143000" indent="-228600" eaLnBrk="0" hangingPunct="0">
-              <a:defRPr>
-                <a:solidFill>
-                  <a:schemeClr val="tx1"/>
-                </a:solidFill>
-                <a:latin typeface="Arial" pitchFamily="34" charset="0"/>
-                <a:ea typeface="宋体" pitchFamily="2" charset="-122"/>
-              </a:defRPr>
-            </a:lvl3pPr>
-            <a:lvl4pPr marL="1600200" indent="-228600" eaLnBrk="0" hangingPunct="0">
-              <a:defRPr>
-                <a:solidFill>
-                  <a:schemeClr val="tx1"/>
-                </a:solidFill>
-                <a:latin typeface="Arial" pitchFamily="34" charset="0"/>
-                <a:ea typeface="宋体" pitchFamily="2" charset="-122"/>
-              </a:defRPr>
-            </a:lvl4pPr>
-            <a:lvl5pPr marL="2057400" indent="-228600" eaLnBrk="0" hangingPunct="0">
-              <a:defRPr>
-                <a:solidFill>
-                  <a:schemeClr val="tx1"/>
-                </a:solidFill>
-                <a:latin typeface="Arial" pitchFamily="34" charset="0"/>
-                <a:ea typeface="宋体" pitchFamily="2" charset="-122"/>
-              </a:defRPr>
-            </a:lvl5pPr>
-            <a:lvl6pPr marL="2514600" indent="-228600" eaLnBrk="0" fontAlgn="base" hangingPunct="0">
-              <a:spcBef>
-                <a:spcPct val="0"/>
-              </a:spcBef>
-              <a:spcAft>
-                <a:spcPct val="0"/>
-              </a:spcAft>
-              <a:defRPr>
-                <a:solidFill>
-                  <a:schemeClr val="tx1"/>
-                </a:solidFill>
-                <a:latin typeface="Arial" pitchFamily="34" charset="0"/>
-                <a:ea typeface="宋体" pitchFamily="2" charset="-122"/>
-              </a:defRPr>
-            </a:lvl6pPr>
-            <a:lvl7pPr marL="2971800" indent="-228600" eaLnBrk="0" fontAlgn="base" hangingPunct="0">
-              <a:spcBef>
-                <a:spcPct val="0"/>
-              </a:spcBef>
-              <a:spcAft>
-                <a:spcPct val="0"/>
-              </a:spcAft>
-              <a:defRPr>
-                <a:solidFill>
-                  <a:schemeClr val="tx1"/>
-                </a:solidFill>
-                <a:latin typeface="Arial" pitchFamily="34" charset="0"/>
-                <a:ea typeface="宋体" pitchFamily="2" charset="-122"/>
-              </a:defRPr>
-            </a:lvl7pPr>
-            <a:lvl8pPr marL="3429000" indent="-228600" eaLnBrk="0" fontAlgn="base" hangingPunct="0">
-              <a:spcBef>
-                <a:spcPct val="0"/>
-              </a:spcBef>
-              <a:spcAft>
-                <a:spcPct val="0"/>
-              </a:spcAft>
-              <a:defRPr>
-                <a:solidFill>
-                  <a:schemeClr val="tx1"/>
-                </a:solidFill>
-                <a:latin typeface="Arial" pitchFamily="34" charset="0"/>
-                <a:ea typeface="宋体" pitchFamily="2" charset="-122"/>
-              </a:defRPr>
-            </a:lvl8pPr>
-            <a:lvl9pPr marL="3886200" indent="-228600" eaLnBrk="0" fontAlgn="base" hangingPunct="0">
-              <a:spcBef>
-                <a:spcPct val="0"/>
-              </a:spcBef>
-              <a:spcAft>
-                <a:spcPct val="0"/>
-              </a:spcAft>
-              <a:defRPr>
-                <a:solidFill>
-                  <a:schemeClr val="tx1"/>
-                </a:solidFill>
-                <a:latin typeface="Arial" pitchFamily="34" charset="0"/>
-                <a:ea typeface="宋体" pitchFamily="2" charset="-122"/>
-              </a:defRPr>
-            </a:lvl9pPr>
-          </a:lstStyle>
-          <a:p>
-            <a:pPr eaLnBrk="1" hangingPunct="1"/>
-            <a:r>
-              <a:rPr lang="zh-CN" altLang="en-US" sz="1600" dirty="0">
-                <a:solidFill>
-                  <a:schemeClr val="accent6"/>
-                </a:solidFill>
-                <a:latin typeface="微软雅黑" pitchFamily="34" charset="-122"/>
-                <a:ea typeface="微软雅黑" pitchFamily="34" charset="-122"/>
-                <a:cs typeface="Tahoma" pitchFamily="34" charset="0"/>
-              </a:rPr>
-              <a:t>组员：俊俊、</a:t>
-            </a:r>
-            <a:r>
-              <a:rPr lang="en-US" altLang="zh-CN" sz="1600" dirty="0">
-                <a:solidFill>
-                  <a:schemeClr val="accent6"/>
-                </a:solidFill>
-                <a:latin typeface="微软雅黑" pitchFamily="34" charset="-122"/>
-                <a:ea typeface="微软雅黑" pitchFamily="34" charset="-122"/>
-                <a:cs typeface="Tahoma" pitchFamily="34" charset="0"/>
-              </a:rPr>
-              <a:t>echo</a:t>
-            </a:r>
-            <a:r>
-              <a:rPr lang="zh-CN" altLang="en-US" sz="1600" dirty="0">
-                <a:solidFill>
-                  <a:schemeClr val="accent6"/>
-                </a:solidFill>
-                <a:latin typeface="微软雅黑" pitchFamily="34" charset="-122"/>
-                <a:ea typeface="微软雅黑" pitchFamily="34" charset="-122"/>
-                <a:cs typeface="Tahoma" pitchFamily="34" charset="0"/>
-              </a:rPr>
-              <a:t>、</a:t>
-            </a:r>
-            <a:r>
-              <a:rPr lang="en-US" altLang="zh-CN" sz="1600" dirty="0">
-                <a:solidFill>
-                  <a:schemeClr val="accent6"/>
-                </a:solidFill>
-                <a:latin typeface="微软雅黑" pitchFamily="34" charset="-122"/>
-                <a:ea typeface="微软雅黑" pitchFamily="34" charset="-122"/>
-                <a:cs typeface="Tahoma" pitchFamily="34" charset="0"/>
-              </a:rPr>
-              <a:t>Cai</a:t>
-            </a:r>
-            <a:r>
-              <a:rPr lang="zh-CN" altLang="en-US" sz="1600" dirty="0">
-                <a:solidFill>
-                  <a:schemeClr val="accent6"/>
-                </a:solidFill>
-                <a:latin typeface="微软雅黑" pitchFamily="34" charset="-122"/>
-                <a:ea typeface="微软雅黑" pitchFamily="34" charset="-122"/>
-                <a:cs typeface="Tahoma" pitchFamily="34" charset="0"/>
-              </a:rPr>
-              <a:t>、颜如玉、鹿非</a:t>
-            </a:r>
-            <a:endParaRPr lang="en-US" altLang="zh-CN" sz="1600" dirty="0">
-              <a:solidFill>
-                <a:schemeClr val="accent6"/>
-              </a:solidFill>
-              <a:latin typeface="微软雅黑" pitchFamily="34" charset="-122"/>
-              <a:ea typeface="微软雅黑" pitchFamily="34" charset="-122"/>
-              <a:cs typeface="Tahoma" pitchFamily="34" charset="0"/>
-            </a:endParaRPr>
-          </a:p>
-          <a:p>
-            <a:pPr eaLnBrk="1" hangingPunct="1"/>
-            <a:endParaRPr lang="en-US" altLang="zh-CN" sz="1600" dirty="0">
-              <a:solidFill>
-                <a:schemeClr val="accent6"/>
-              </a:solidFill>
-              <a:latin typeface="微软雅黑" pitchFamily="34" charset="-122"/>
-              <a:ea typeface="微软雅黑" pitchFamily="34" charset="-122"/>
-              <a:cs typeface="Tahoma" pitchFamily="34" charset="0"/>
-            </a:endParaRPr>
-          </a:p>
-          <a:p>
-            <a:pPr eaLnBrk="1" hangingPunct="1"/>
-            <a:r>
-              <a:rPr lang="zh-CN" altLang="en-US" sz="1600" dirty="0">
-                <a:solidFill>
-                  <a:schemeClr val="accent6"/>
-                </a:solidFill>
-                <a:latin typeface="微软雅黑" pitchFamily="34" charset="-122"/>
-                <a:ea typeface="微软雅黑" pitchFamily="34" charset="-122"/>
-                <a:cs typeface="Tahoma" pitchFamily="34" charset="0"/>
-              </a:rPr>
-              <a:t>观察员： </a:t>
-            </a:r>
-            <a:r>
-              <a:rPr lang="en-US" altLang="zh-CN" sz="1600" dirty="0">
-                <a:solidFill>
-                  <a:schemeClr val="accent6"/>
-                </a:solidFill>
-                <a:latin typeface="微软雅黑" pitchFamily="34" charset="-122"/>
-                <a:ea typeface="微软雅黑" pitchFamily="34" charset="-122"/>
-                <a:cs typeface="Tahoma" pitchFamily="34" charset="0"/>
-              </a:rPr>
-              <a:t>one-eye-Q</a:t>
-            </a:r>
-            <a:r>
-              <a:rPr lang="zh-CN" altLang="en-US" sz="1600" dirty="0">
-                <a:solidFill>
-                  <a:schemeClr val="accent6"/>
-                </a:solidFill>
-                <a:latin typeface="微软雅黑" pitchFamily="34" charset="-122"/>
-                <a:ea typeface="微软雅黑" pitchFamily="34" charset="-122"/>
-                <a:cs typeface="Tahoma" pitchFamily="34" charset="0"/>
-              </a:rPr>
-              <a:t>、</a:t>
-            </a:r>
-            <a:r>
-              <a:rPr lang="en-US" altLang="zh-CN" sz="1600" dirty="0">
-                <a:solidFill>
-                  <a:schemeClr val="accent6"/>
-                </a:solidFill>
-                <a:latin typeface="微软雅黑" pitchFamily="34" charset="-122"/>
-                <a:ea typeface="微软雅黑" pitchFamily="34" charset="-122"/>
-                <a:cs typeface="Tahoma" pitchFamily="34" charset="0"/>
-              </a:rPr>
-              <a:t>Jason</a:t>
-            </a:r>
-            <a:r>
-              <a:rPr lang="zh-CN" altLang="en-US" sz="1600" dirty="0">
-                <a:solidFill>
-                  <a:schemeClr val="accent6"/>
-                </a:solidFill>
-                <a:latin typeface="微软雅黑" pitchFamily="34" charset="-122"/>
-                <a:ea typeface="微软雅黑" pitchFamily="34" charset="-122"/>
-                <a:cs typeface="Tahoma" pitchFamily="34" charset="0"/>
-              </a:rPr>
-              <a:t>、刘熙</a:t>
-            </a:r>
-            <a:r>
-              <a:rPr lang="en-US" altLang="zh-CN" sz="1600" dirty="0" err="1">
-                <a:solidFill>
-                  <a:schemeClr val="accent6"/>
-                </a:solidFill>
-                <a:latin typeface="微软雅黑" pitchFamily="34" charset="-122"/>
-                <a:ea typeface="微软雅黑" pitchFamily="34" charset="-122"/>
-                <a:cs typeface="Tahoma" pitchFamily="34" charset="0"/>
-              </a:rPr>
-              <a:t>Lyusy</a:t>
-            </a:r>
-            <a:r>
-              <a:rPr lang="zh-CN" altLang="en-US" sz="1600" dirty="0">
-                <a:solidFill>
-                  <a:schemeClr val="accent6"/>
-                </a:solidFill>
-                <a:latin typeface="微软雅黑" pitchFamily="34" charset="-122"/>
-                <a:ea typeface="微软雅黑" pitchFamily="34" charset="-122"/>
-                <a:cs typeface="Tahoma" pitchFamily="34" charset="0"/>
-              </a:rPr>
-              <a:t>、常星心、列文、糖盐、东边闲人、无味无谓</a:t>
-            </a:r>
-            <a:endParaRPr lang="en-US" altLang="zh-CN" sz="1600" dirty="0">
-              <a:solidFill>
-                <a:schemeClr val="accent6"/>
-              </a:solidFill>
-              <a:latin typeface="微软雅黑" pitchFamily="34" charset="-122"/>
-              <a:ea typeface="微软雅黑" pitchFamily="34" charset="-122"/>
-              <a:cs typeface="Tahoma" pitchFamily="34" charset="0"/>
-            </a:endParaRPr>
-          </a:p>
-          <a:p>
-            <a:pPr eaLnBrk="1" hangingPunct="1"/>
-            <a:endParaRPr lang="en-US" altLang="zh-CN" sz="1600" dirty="0">
-              <a:solidFill>
-                <a:schemeClr val="accent6"/>
-              </a:solidFill>
-              <a:latin typeface="微软雅黑" pitchFamily="34" charset="-122"/>
-              <a:ea typeface="微软雅黑" pitchFamily="34" charset="-122"/>
-              <a:cs typeface="Tahoma" pitchFamily="34" charset="0"/>
-            </a:endParaRPr>
-          </a:p>
-          <a:p>
-            <a:pPr eaLnBrk="1" hangingPunct="1"/>
-            <a:r>
-              <a:rPr lang="zh-CN" altLang="en-US" sz="1600" dirty="0">
-                <a:solidFill>
-                  <a:schemeClr val="accent6"/>
-                </a:solidFill>
-                <a:latin typeface="微软雅黑" pitchFamily="34" charset="-122"/>
-                <a:ea typeface="微软雅黑" pitchFamily="34" charset="-122"/>
-                <a:cs typeface="Tahoma" pitchFamily="34" charset="0"/>
-              </a:rPr>
-              <a:t>特殊指导：王蒙、古严、生强、</a:t>
-            </a:r>
-            <a:r>
-              <a:rPr lang="en-US" altLang="zh-CN" sz="1600" dirty="0">
-                <a:solidFill>
-                  <a:schemeClr val="accent6"/>
-                </a:solidFill>
-                <a:latin typeface="微软雅黑" pitchFamily="34" charset="-122"/>
-                <a:ea typeface="微软雅黑" pitchFamily="34" charset="-122"/>
-                <a:cs typeface="Tahoma" pitchFamily="34" charset="0"/>
-              </a:rPr>
-              <a:t>Alex</a:t>
-            </a:r>
-          </a:p>
-          <a:p>
-            <a:pPr eaLnBrk="1" hangingPunct="1"/>
-            <a:endParaRPr lang="en-US" altLang="zh-CN" sz="1600" dirty="0">
-              <a:solidFill>
-                <a:schemeClr val="accent6"/>
-              </a:solidFill>
-              <a:latin typeface="微软雅黑" pitchFamily="34" charset="-122"/>
-              <a:ea typeface="微软雅黑" pitchFamily="34" charset="-122"/>
-              <a:cs typeface="Tahoma" pitchFamily="34" charset="0"/>
-            </a:endParaRPr>
           </a:p>
         </p:txBody>
       </p:sp>
@@ -11260,7 +10880,7 @@
                             </p:stCondLst>
                             <p:childTnLst>
                               <p:par>
-                                <p:cTn id="21" presetID="12" presetClass="entr" presetSubtype="4" fill="hold" grpId="0" nodeType="afterEffect">
+                                <p:cTn id="21" presetID="25" presetClass="entr" presetSubtype="0" fill="hold" nodeType="afterEffect">
                                   <p:stCondLst>
                                     <p:cond delay="0"/>
                                   </p:stCondLst>
@@ -11268,50 +10888,6 @@
                                     <p:set>
                                       <p:cBhvr>
                                         <p:cTn id="22" dur="1" fill="hold">
-                                          <p:stCondLst>
-                                            <p:cond delay="0"/>
-                                          </p:stCondLst>
-                                        </p:cTn>
-                                        <p:tgtEl>
-                                          <p:spTgt spid="41"/>
-                                        </p:tgtEl>
-                                        <p:attrNameLst>
-                                          <p:attrName>style.visibility</p:attrName>
-                                        </p:attrNameLst>
-                                      </p:cBhvr>
-                                      <p:to>
-                                        <p:strVal val="visible"/>
-                                      </p:to>
-                                    </p:set>
-                                    <p:animEffect transition="in" filter="slide(fromBottom)">
-                                      <p:cBhvr>
-                                        <p:cTn id="23" dur="500"/>
-                                        <p:tgtEl>
-                                          <p:spTgt spid="41"/>
-                                        </p:tgtEl>
-                                      </p:cBhvr>
-                                    </p:animEffect>
-                                  </p:childTnLst>
-                                </p:cTn>
-                              </p:par>
-                            </p:childTnLst>
-                          </p:cTn>
-                        </p:par>
-                        <p:par>
-                          <p:cTn id="24" fill="hold">
-                            <p:stCondLst>
-                              <p:cond delay="2600"/>
-                            </p:stCondLst>
-                            <p:childTnLst>
-                              <p:par>
-                                <p:cTn id="25" presetID="25" presetClass="entr" presetSubtype="0" fill="hold" nodeType="afterEffect">
-                                  <p:stCondLst>
-                                    <p:cond delay="0"/>
-                                  </p:stCondLst>
-                                  <p:childTnLst>
-                                    <p:set>
-                                      <p:cBhvr>
-                                        <p:cTn id="26" dur="1" fill="hold">
                                           <p:stCondLst>
                                             <p:cond delay="0"/>
                                           </p:stCondLst>
@@ -11329,7 +10905,7 @@
                                     </p:set>
                                     <p:anim calcmode="lin" valueType="num">
                                       <p:cBhvr>
-                                        <p:cTn id="27" dur="250" decel="50000" fill="hold">
+                                        <p:cTn id="23" dur="250" decel="50000" fill="hold">
                                           <p:stCondLst>
                                             <p:cond delay="0"/>
                                           </p:stCondLst>
@@ -11356,7 +10932,7 @@
                                     </p:anim>
                                     <p:anim calcmode="lin" valueType="num">
                                       <p:cBhvr>
-                                        <p:cTn id="28" dur="250" decel="50000" fill="hold">
+                                        <p:cTn id="24" dur="250" decel="50000" fill="hold">
                                           <p:stCondLst>
                                             <p:cond delay="0"/>
                                           </p:stCondLst>
@@ -11383,7 +10959,7 @@
                                     </p:anim>
                                     <p:anim calcmode="lin" valueType="num">
                                       <p:cBhvr>
-                                        <p:cTn id="29" dur="250" accel="50000" fill="hold">
+                                        <p:cTn id="25" dur="250" accel="50000" fill="hold">
                                           <p:stCondLst>
                                             <p:cond delay="250"/>
                                           </p:stCondLst>
@@ -11410,7 +10986,7 @@
                                     </p:anim>
                                     <p:anim calcmode="lin" valueType="num">
                                       <p:cBhvr>
-                                        <p:cTn id="30" dur="500" fill="hold"/>
+                                        <p:cTn id="26" dur="500" fill="hold"/>
                                         <p:tgtEl>
                                           <p:spTgt spid="43"/>
                                         </p:tgtEl>
@@ -11433,7 +11009,7 @@
                                     </p:anim>
                                     <p:anim calcmode="lin" valueType="num">
                                       <p:cBhvr>
-                                        <p:cTn id="31" dur="250" decel="50000" fill="hold">
+                                        <p:cTn id="27" dur="250" decel="50000" fill="hold">
                                           <p:stCondLst>
                                             <p:cond delay="0"/>
                                           </p:stCondLst>
@@ -11460,7 +11036,7 @@
                                     </p:anim>
                                     <p:anim calcmode="lin" valueType="num">
                                       <p:cBhvr>
-                                        <p:cTn id="32" dur="250" decel="50000" fill="hold">
+                                        <p:cTn id="28" dur="250" decel="50000" fill="hold">
                                           <p:stCondLst>
                                             <p:cond delay="0"/>
                                           </p:stCondLst>
@@ -11487,7 +11063,7 @@
                                     </p:anim>
                                     <p:anim calcmode="lin" valueType="num">
                                       <p:cBhvr>
-                                        <p:cTn id="33" dur="250" accel="50000" fill="hold">
+                                        <p:cTn id="29" dur="250" accel="50000" fill="hold">
                                           <p:stCondLst>
                                             <p:cond delay="250"/>
                                           </p:stCondLst>
@@ -11514,7 +11090,7 @@
                                     </p:anim>
                                     <p:animEffect transition="in" filter="fade">
                                       <p:cBhvr>
-                                        <p:cTn id="34" dur="500" decel="50000">
+                                        <p:cTn id="30" dur="500" decel="50000">
                                           <p:stCondLst>
                                             <p:cond delay="0"/>
                                           </p:stCondLst>
@@ -11557,13 +11133,725 @@
     <p:bldLst>
       <p:bldP spid="39" grpId="0"/>
       <p:bldP spid="40" grpId="0"/>
-      <p:bldP spid="41" grpId="0"/>
     </p:bldLst>
   </p:timing>
 </p:sld>
 </file>
 
 <file path=ppt/slides/slide10.xml><?xml version="1.0" encoding="utf-8"?>
+<p:sld xmlns:a="http://schemas.openxmlformats.org/drawingml/2006/main" xmlns:r="http://schemas.openxmlformats.org/officeDocument/2006/relationships" xmlns:p="http://schemas.openxmlformats.org/presentationml/2006/main">
+  <p:cSld>
+    <p:spTree>
+      <p:nvGrpSpPr>
+        <p:cNvPr id="1" name=""/>
+        <p:cNvGrpSpPr/>
+        <p:nvPr/>
+      </p:nvGrpSpPr>
+      <p:grpSpPr>
+        <a:xfrm>
+          <a:off x="0" y="0"/>
+          <a:ext cx="0" cy="0"/>
+          <a:chOff x="0" y="0"/>
+          <a:chExt cx="0" cy="0"/>
+        </a:xfrm>
+      </p:grpSpPr>
+      <p:pic>
+        <p:nvPicPr>
+          <p:cNvPr id="7" name="Picture 4" descr="C:\Documents and Settings\huxiya\桌面\未标题-2.png"/>
+          <p:cNvPicPr>
+            <a:picLocks noChangeAspect="1" noChangeArrowheads="1"/>
+          </p:cNvPicPr>
+          <p:nvPr/>
+        </p:nvPicPr>
+        <p:blipFill rotWithShape="1">
+          <a:blip r:embed="rId2" cstate="screen">
+            <a:extLst>
+              <a:ext uri="{28A0092B-C50C-407E-A947-70E740481C1C}">
+                <a14:useLocalDpi xmlns:a14="http://schemas.microsoft.com/office/drawing/2010/main"/>
+              </a:ext>
+            </a:extLst>
+          </a:blip>
+          <a:srcRect t="-1" b="505"/>
+          <a:stretch/>
+        </p:blipFill>
+        <p:spPr bwMode="auto">
+          <a:xfrm>
+            <a:off x="7391069" y="2702618"/>
+            <a:ext cx="4799344" cy="4155382"/>
+          </a:xfrm>
+          <a:prstGeom prst="rect">
+            <a:avLst/>
+          </a:prstGeom>
+          <a:noFill/>
+          <a:extLst>
+            <a:ext uri="{909E8E84-426E-40DD-AFC4-6F175D3DCCD1}">
+              <a14:hiddenFill xmlns:a14="http://schemas.microsoft.com/office/drawing/2010/main">
+                <a:solidFill>
+                  <a:srgbClr val="FFFFFF"/>
+                </a:solidFill>
+              </a14:hiddenFill>
+            </a:ext>
+          </a:extLst>
+        </p:spPr>
+      </p:pic>
+      <p:sp>
+        <p:nvSpPr>
+          <p:cNvPr id="27" name="文本占位符 3"/>
+          <p:cNvSpPr txBox="1">
+            <a:spLocks/>
+          </p:cNvSpPr>
+          <p:nvPr/>
+        </p:nvSpPr>
+        <p:spPr>
+          <a:xfrm>
+            <a:off x="3563888" y="2780928"/>
+            <a:ext cx="4187502" cy="432047"/>
+          </a:xfrm>
+          <a:prstGeom prst="rect">
+            <a:avLst/>
+          </a:prstGeom>
+        </p:spPr>
+        <p:txBody>
+          <a:bodyPr vert="horz" lIns="91440" tIns="45720" rIns="91440" bIns="45720" rtlCol="0" anchor="ctr">
+            <a:noAutofit/>
+          </a:bodyPr>
+          <a:lstStyle>
+            <a:lvl1pPr marL="0" indent="0" algn="l" defTabSz="914400" rtl="0" eaLnBrk="1" latinLnBrk="0" hangingPunct="1">
+              <a:spcBef>
+                <a:spcPct val="20000"/>
+              </a:spcBef>
+              <a:buFont typeface="Arial" pitchFamily="34" charset="0"/>
+              <a:buNone/>
+              <a:defRPr sz="2800" b="1" kern="1200">
+                <a:solidFill>
+                  <a:srgbClr val="56762C"/>
+                </a:solidFill>
+                <a:latin typeface="+mn-lt"/>
+                <a:ea typeface="+mn-ea"/>
+                <a:cs typeface="+mn-cs"/>
+              </a:defRPr>
+            </a:lvl1pPr>
+            <a:lvl2pPr marL="457200" indent="0" algn="l" defTabSz="914400" rtl="0" eaLnBrk="1" latinLnBrk="0" hangingPunct="1">
+              <a:spcBef>
+                <a:spcPct val="20000"/>
+              </a:spcBef>
+              <a:buFont typeface="Arial" pitchFamily="34" charset="0"/>
+              <a:buNone/>
+              <a:defRPr sz="1800" kern="1200">
+                <a:solidFill>
+                  <a:schemeClr val="tx1">
+                    <a:tint val="75000"/>
+                  </a:schemeClr>
+                </a:solidFill>
+                <a:latin typeface="+mn-lt"/>
+                <a:ea typeface="+mn-ea"/>
+                <a:cs typeface="+mn-cs"/>
+              </a:defRPr>
+            </a:lvl2pPr>
+            <a:lvl3pPr marL="914400" indent="0" algn="l" defTabSz="914400" rtl="0" eaLnBrk="1" latinLnBrk="0" hangingPunct="1">
+              <a:spcBef>
+                <a:spcPct val="20000"/>
+              </a:spcBef>
+              <a:buFont typeface="Arial" pitchFamily="34" charset="0"/>
+              <a:buNone/>
+              <a:defRPr sz="1600" kern="1200">
+                <a:solidFill>
+                  <a:schemeClr val="tx1">
+                    <a:tint val="75000"/>
+                  </a:schemeClr>
+                </a:solidFill>
+                <a:latin typeface="+mn-lt"/>
+                <a:ea typeface="+mn-ea"/>
+                <a:cs typeface="+mn-cs"/>
+              </a:defRPr>
+            </a:lvl3pPr>
+            <a:lvl4pPr marL="1371600" indent="0" algn="l" defTabSz="914400" rtl="0" eaLnBrk="1" latinLnBrk="0" hangingPunct="1">
+              <a:spcBef>
+                <a:spcPct val="20000"/>
+              </a:spcBef>
+              <a:buFont typeface="Arial" pitchFamily="34" charset="0"/>
+              <a:buNone/>
+              <a:defRPr sz="1400" kern="1200">
+                <a:solidFill>
+                  <a:schemeClr val="tx1">
+                    <a:tint val="75000"/>
+                  </a:schemeClr>
+                </a:solidFill>
+                <a:latin typeface="+mn-lt"/>
+                <a:ea typeface="+mn-ea"/>
+                <a:cs typeface="+mn-cs"/>
+              </a:defRPr>
+            </a:lvl4pPr>
+            <a:lvl5pPr marL="1828800" indent="0" algn="l" defTabSz="914400" rtl="0" eaLnBrk="1" latinLnBrk="0" hangingPunct="1">
+              <a:spcBef>
+                <a:spcPct val="20000"/>
+              </a:spcBef>
+              <a:buFont typeface="Arial" pitchFamily="34" charset="0"/>
+              <a:buNone/>
+              <a:defRPr sz="1400" kern="1200">
+                <a:solidFill>
+                  <a:schemeClr val="tx1">
+                    <a:tint val="75000"/>
+                  </a:schemeClr>
+                </a:solidFill>
+                <a:latin typeface="+mn-lt"/>
+                <a:ea typeface="+mn-ea"/>
+                <a:cs typeface="+mn-cs"/>
+              </a:defRPr>
+            </a:lvl5pPr>
+            <a:lvl6pPr marL="2286000" indent="0" algn="l" defTabSz="914400" rtl="0" eaLnBrk="1" latinLnBrk="0" hangingPunct="1">
+              <a:spcBef>
+                <a:spcPct val="20000"/>
+              </a:spcBef>
+              <a:buFont typeface="Arial" pitchFamily="34" charset="0"/>
+              <a:buNone/>
+              <a:defRPr sz="1400" kern="1200">
+                <a:solidFill>
+                  <a:schemeClr val="tx1">
+                    <a:tint val="75000"/>
+                  </a:schemeClr>
+                </a:solidFill>
+                <a:latin typeface="+mn-lt"/>
+                <a:ea typeface="+mn-ea"/>
+                <a:cs typeface="+mn-cs"/>
+              </a:defRPr>
+            </a:lvl6pPr>
+            <a:lvl7pPr marL="2743200" indent="0" algn="l" defTabSz="914400" rtl="0" eaLnBrk="1" latinLnBrk="0" hangingPunct="1">
+              <a:spcBef>
+                <a:spcPct val="20000"/>
+              </a:spcBef>
+              <a:buFont typeface="Arial" pitchFamily="34" charset="0"/>
+              <a:buNone/>
+              <a:defRPr sz="1400" kern="1200">
+                <a:solidFill>
+                  <a:schemeClr val="tx1">
+                    <a:tint val="75000"/>
+                  </a:schemeClr>
+                </a:solidFill>
+                <a:latin typeface="+mn-lt"/>
+                <a:ea typeface="+mn-ea"/>
+                <a:cs typeface="+mn-cs"/>
+              </a:defRPr>
+            </a:lvl7pPr>
+            <a:lvl8pPr marL="3200400" indent="0" algn="l" defTabSz="914400" rtl="0" eaLnBrk="1" latinLnBrk="0" hangingPunct="1">
+              <a:spcBef>
+                <a:spcPct val="20000"/>
+              </a:spcBef>
+              <a:buFont typeface="Arial" pitchFamily="34" charset="0"/>
+              <a:buNone/>
+              <a:defRPr sz="1400" kern="1200">
+                <a:solidFill>
+                  <a:schemeClr val="tx1">
+                    <a:tint val="75000"/>
+                  </a:schemeClr>
+                </a:solidFill>
+                <a:latin typeface="+mn-lt"/>
+                <a:ea typeface="+mn-ea"/>
+                <a:cs typeface="+mn-cs"/>
+              </a:defRPr>
+            </a:lvl8pPr>
+            <a:lvl9pPr marL="3657600" indent="0" algn="l" defTabSz="914400" rtl="0" eaLnBrk="1" latinLnBrk="0" hangingPunct="1">
+              <a:spcBef>
+                <a:spcPct val="20000"/>
+              </a:spcBef>
+              <a:buFont typeface="Arial" pitchFamily="34" charset="0"/>
+              <a:buNone/>
+              <a:defRPr sz="1400" kern="1200">
+                <a:solidFill>
+                  <a:schemeClr val="tx1">
+                    <a:tint val="75000"/>
+                  </a:schemeClr>
+                </a:solidFill>
+                <a:latin typeface="+mn-lt"/>
+                <a:ea typeface="+mn-ea"/>
+                <a:cs typeface="+mn-cs"/>
+              </a:defRPr>
+            </a:lvl9pPr>
+          </a:lstStyle>
+          <a:p>
+            <a:r>
+              <a:rPr lang="zh-CN" altLang="en-US" sz="3200" b="0" dirty="0">
+                <a:solidFill>
+                  <a:srgbClr val="F05425"/>
+                </a:solidFill>
+                <a:ea typeface="微软雅黑" pitchFamily="34" charset="-122"/>
+              </a:rPr>
+              <a:t>积极心理学主要内容</a:t>
+            </a:r>
+          </a:p>
+        </p:txBody>
+      </p:sp>
+      <p:sp>
+        <p:nvSpPr>
+          <p:cNvPr id="28" name="文本占位符 4"/>
+          <p:cNvSpPr txBox="1">
+            <a:spLocks/>
+          </p:cNvSpPr>
+          <p:nvPr/>
+        </p:nvSpPr>
+        <p:spPr>
+          <a:xfrm>
+            <a:off x="2255095" y="2564904"/>
+            <a:ext cx="2100881" cy="1584176"/>
+          </a:xfrm>
+          <a:prstGeom prst="rect">
+            <a:avLst/>
+          </a:prstGeom>
+        </p:spPr>
+        <p:txBody>
+          <a:bodyPr vert="horz" lIns="91440" tIns="45720" rIns="91440" bIns="45720" rtlCol="0" anchor="ctr">
+            <a:normAutofit fontScale="55000" lnSpcReduction="20000"/>
+          </a:bodyPr>
+          <a:lstStyle>
+            <a:lvl1pPr marL="0" indent="0" algn="l" defTabSz="914400" rtl="0" eaLnBrk="1" latinLnBrk="0" hangingPunct="1">
+              <a:spcBef>
+                <a:spcPct val="20000"/>
+              </a:spcBef>
+              <a:buFont typeface="Arial" pitchFamily="34" charset="0"/>
+              <a:buNone/>
+              <a:defRPr sz="11500" b="1" kern="1200">
+                <a:solidFill>
+                  <a:srgbClr val="56762C"/>
+                </a:solidFill>
+                <a:latin typeface="Bell MT" pitchFamily="18" charset="0"/>
+                <a:ea typeface="+mn-ea"/>
+                <a:cs typeface="+mn-cs"/>
+              </a:defRPr>
+            </a:lvl1pPr>
+            <a:lvl2pPr marL="457200" indent="0" algn="l" defTabSz="914400" rtl="0" eaLnBrk="1" latinLnBrk="0" hangingPunct="1">
+              <a:spcBef>
+                <a:spcPct val="20000"/>
+              </a:spcBef>
+              <a:buFont typeface="Arial" pitchFamily="34" charset="0"/>
+              <a:buNone/>
+              <a:defRPr sz="1800" kern="1200">
+                <a:solidFill>
+                  <a:schemeClr val="tx1">
+                    <a:tint val="75000"/>
+                  </a:schemeClr>
+                </a:solidFill>
+                <a:latin typeface="+mn-lt"/>
+                <a:ea typeface="+mn-ea"/>
+                <a:cs typeface="+mn-cs"/>
+              </a:defRPr>
+            </a:lvl2pPr>
+            <a:lvl3pPr marL="914400" indent="0" algn="l" defTabSz="914400" rtl="0" eaLnBrk="1" latinLnBrk="0" hangingPunct="1">
+              <a:spcBef>
+                <a:spcPct val="20000"/>
+              </a:spcBef>
+              <a:buFont typeface="Arial" pitchFamily="34" charset="0"/>
+              <a:buNone/>
+              <a:defRPr sz="1600" kern="1200">
+                <a:solidFill>
+                  <a:schemeClr val="tx1">
+                    <a:tint val="75000"/>
+                  </a:schemeClr>
+                </a:solidFill>
+                <a:latin typeface="+mn-lt"/>
+                <a:ea typeface="+mn-ea"/>
+                <a:cs typeface="+mn-cs"/>
+              </a:defRPr>
+            </a:lvl3pPr>
+            <a:lvl4pPr marL="1371600" indent="0" algn="l" defTabSz="914400" rtl="0" eaLnBrk="1" latinLnBrk="0" hangingPunct="1">
+              <a:spcBef>
+                <a:spcPct val="20000"/>
+              </a:spcBef>
+              <a:buFont typeface="Arial" pitchFamily="34" charset="0"/>
+              <a:buNone/>
+              <a:defRPr sz="1400" kern="1200">
+                <a:solidFill>
+                  <a:schemeClr val="tx1">
+                    <a:tint val="75000"/>
+                  </a:schemeClr>
+                </a:solidFill>
+                <a:latin typeface="+mn-lt"/>
+                <a:ea typeface="+mn-ea"/>
+                <a:cs typeface="+mn-cs"/>
+              </a:defRPr>
+            </a:lvl4pPr>
+            <a:lvl5pPr marL="1828800" indent="0" algn="l" defTabSz="914400" rtl="0" eaLnBrk="1" latinLnBrk="0" hangingPunct="1">
+              <a:spcBef>
+                <a:spcPct val="20000"/>
+              </a:spcBef>
+              <a:buFont typeface="Arial" pitchFamily="34" charset="0"/>
+              <a:buNone/>
+              <a:defRPr sz="1400" kern="1200">
+                <a:solidFill>
+                  <a:schemeClr val="tx1">
+                    <a:tint val="75000"/>
+                  </a:schemeClr>
+                </a:solidFill>
+                <a:latin typeface="+mn-lt"/>
+                <a:ea typeface="+mn-ea"/>
+                <a:cs typeface="+mn-cs"/>
+              </a:defRPr>
+            </a:lvl5pPr>
+            <a:lvl6pPr marL="2286000" indent="0" algn="l" defTabSz="914400" rtl="0" eaLnBrk="1" latinLnBrk="0" hangingPunct="1">
+              <a:spcBef>
+                <a:spcPct val="20000"/>
+              </a:spcBef>
+              <a:buFont typeface="Arial" pitchFamily="34" charset="0"/>
+              <a:buNone/>
+              <a:defRPr sz="1400" kern="1200">
+                <a:solidFill>
+                  <a:schemeClr val="tx1">
+                    <a:tint val="75000"/>
+                  </a:schemeClr>
+                </a:solidFill>
+                <a:latin typeface="+mn-lt"/>
+                <a:ea typeface="+mn-ea"/>
+                <a:cs typeface="+mn-cs"/>
+              </a:defRPr>
+            </a:lvl6pPr>
+            <a:lvl7pPr marL="2743200" indent="0" algn="l" defTabSz="914400" rtl="0" eaLnBrk="1" latinLnBrk="0" hangingPunct="1">
+              <a:spcBef>
+                <a:spcPct val="20000"/>
+              </a:spcBef>
+              <a:buFont typeface="Arial" pitchFamily="34" charset="0"/>
+              <a:buNone/>
+              <a:defRPr sz="1400" kern="1200">
+                <a:solidFill>
+                  <a:schemeClr val="tx1">
+                    <a:tint val="75000"/>
+                  </a:schemeClr>
+                </a:solidFill>
+                <a:latin typeface="+mn-lt"/>
+                <a:ea typeface="+mn-ea"/>
+                <a:cs typeface="+mn-cs"/>
+              </a:defRPr>
+            </a:lvl7pPr>
+            <a:lvl8pPr marL="3200400" indent="0" algn="l" defTabSz="914400" rtl="0" eaLnBrk="1" latinLnBrk="0" hangingPunct="1">
+              <a:spcBef>
+                <a:spcPct val="20000"/>
+              </a:spcBef>
+              <a:buFont typeface="Arial" pitchFamily="34" charset="0"/>
+              <a:buNone/>
+              <a:defRPr sz="1400" kern="1200">
+                <a:solidFill>
+                  <a:schemeClr val="tx1">
+                    <a:tint val="75000"/>
+                  </a:schemeClr>
+                </a:solidFill>
+                <a:latin typeface="+mn-lt"/>
+                <a:ea typeface="+mn-ea"/>
+                <a:cs typeface="+mn-cs"/>
+              </a:defRPr>
+            </a:lvl8pPr>
+            <a:lvl9pPr marL="3657600" indent="0" algn="l" defTabSz="914400" rtl="0" eaLnBrk="1" latinLnBrk="0" hangingPunct="1">
+              <a:spcBef>
+                <a:spcPct val="20000"/>
+              </a:spcBef>
+              <a:buFont typeface="Arial" pitchFamily="34" charset="0"/>
+              <a:buNone/>
+              <a:defRPr sz="1400" kern="1200">
+                <a:solidFill>
+                  <a:schemeClr val="tx1">
+                    <a:tint val="75000"/>
+                  </a:schemeClr>
+                </a:solidFill>
+                <a:latin typeface="+mn-lt"/>
+                <a:ea typeface="+mn-ea"/>
+                <a:cs typeface="+mn-cs"/>
+              </a:defRPr>
+            </a:lvl9pPr>
+          </a:lstStyle>
+          <a:p>
+            <a:pPr marL="0" marR="0" lvl="0" indent="0" algn="l" defTabSz="914400" rtl="0" eaLnBrk="1" fontAlgn="auto" latinLnBrk="0" hangingPunct="1">
+              <a:lnSpc>
+                <a:spcPct val="100000"/>
+              </a:lnSpc>
+              <a:spcBef>
+                <a:spcPct val="20000"/>
+              </a:spcBef>
+              <a:spcAft>
+                <a:spcPts val="0"/>
+              </a:spcAft>
+              <a:buClrTx/>
+              <a:buSzTx/>
+              <a:buFont typeface="Arial" pitchFamily="34" charset="0"/>
+              <a:buNone/>
+              <a:tabLst/>
+              <a:defRPr/>
+            </a:pPr>
+            <a:r>
+              <a:rPr lang="en-US" altLang="zh-CN" sz="20200" noProof="0" dirty="0">
+                <a:solidFill>
+                  <a:srgbClr val="F05425"/>
+                </a:solidFill>
+                <a:latin typeface="Broadway" pitchFamily="82" charset="0"/>
+                <a:ea typeface="微软雅黑"/>
+              </a:rPr>
+              <a:t>3</a:t>
+            </a:r>
+            <a:endParaRPr kumimoji="0" lang="zh-CN" altLang="en-US" sz="20200" b="1" i="0" u="none" strike="noStrike" kern="1200" cap="none" spc="0" normalizeH="0" baseline="0" noProof="0" dirty="0">
+              <a:ln>
+                <a:noFill/>
+              </a:ln>
+              <a:solidFill>
+                <a:srgbClr val="F05425"/>
+              </a:solidFill>
+              <a:effectLst/>
+              <a:uLnTx/>
+              <a:uFillTx/>
+              <a:latin typeface="Broadway" pitchFamily="82" charset="0"/>
+              <a:ea typeface="微软雅黑"/>
+            </a:endParaRPr>
+          </a:p>
+        </p:txBody>
+      </p:sp>
+      <p:sp>
+        <p:nvSpPr>
+          <p:cNvPr id="29" name="文本占位符 5"/>
+          <p:cNvSpPr txBox="1">
+            <a:spLocks/>
+          </p:cNvSpPr>
+          <p:nvPr/>
+        </p:nvSpPr>
+        <p:spPr>
+          <a:xfrm>
+            <a:off x="3563888" y="3501009"/>
+            <a:ext cx="4979590" cy="432047"/>
+          </a:xfrm>
+          <a:prstGeom prst="rect">
+            <a:avLst/>
+          </a:prstGeom>
+        </p:spPr>
+        <p:txBody>
+          <a:bodyPr vert="horz" lIns="91440" tIns="45720" rIns="91440" bIns="45720" rtlCol="0" anchor="ctr">
+            <a:noAutofit/>
+          </a:bodyPr>
+          <a:lstStyle>
+            <a:lvl1pPr marL="0" indent="0" algn="l" defTabSz="914400" rtl="0" eaLnBrk="1" latinLnBrk="0" hangingPunct="1">
+              <a:spcBef>
+                <a:spcPct val="20000"/>
+              </a:spcBef>
+              <a:buFont typeface="Arial" pitchFamily="34" charset="0"/>
+              <a:buNone/>
+              <a:defRPr sz="1400" b="1" kern="1200">
+                <a:solidFill>
+                  <a:srgbClr val="56762C"/>
+                </a:solidFill>
+                <a:latin typeface="+mn-lt"/>
+                <a:ea typeface="+mn-ea"/>
+                <a:cs typeface="+mn-cs"/>
+              </a:defRPr>
+            </a:lvl1pPr>
+            <a:lvl2pPr marL="457200" indent="0" algn="l" defTabSz="914400" rtl="0" eaLnBrk="1" latinLnBrk="0" hangingPunct="1">
+              <a:spcBef>
+                <a:spcPct val="20000"/>
+              </a:spcBef>
+              <a:buFont typeface="Arial" pitchFamily="34" charset="0"/>
+              <a:buNone/>
+              <a:defRPr sz="1800" kern="1200">
+                <a:solidFill>
+                  <a:schemeClr val="tx1">
+                    <a:tint val="75000"/>
+                  </a:schemeClr>
+                </a:solidFill>
+                <a:latin typeface="+mn-lt"/>
+                <a:ea typeface="+mn-ea"/>
+                <a:cs typeface="+mn-cs"/>
+              </a:defRPr>
+            </a:lvl2pPr>
+            <a:lvl3pPr marL="914400" indent="0" algn="l" defTabSz="914400" rtl="0" eaLnBrk="1" latinLnBrk="0" hangingPunct="1">
+              <a:spcBef>
+                <a:spcPct val="20000"/>
+              </a:spcBef>
+              <a:buFont typeface="Arial" pitchFamily="34" charset="0"/>
+              <a:buNone/>
+              <a:defRPr sz="1600" kern="1200">
+                <a:solidFill>
+                  <a:schemeClr val="tx1">
+                    <a:tint val="75000"/>
+                  </a:schemeClr>
+                </a:solidFill>
+                <a:latin typeface="+mn-lt"/>
+                <a:ea typeface="+mn-ea"/>
+                <a:cs typeface="+mn-cs"/>
+              </a:defRPr>
+            </a:lvl3pPr>
+            <a:lvl4pPr marL="1371600" indent="0" algn="l" defTabSz="914400" rtl="0" eaLnBrk="1" latinLnBrk="0" hangingPunct="1">
+              <a:spcBef>
+                <a:spcPct val="20000"/>
+              </a:spcBef>
+              <a:buFont typeface="Arial" pitchFamily="34" charset="0"/>
+              <a:buNone/>
+              <a:defRPr sz="1400" kern="1200">
+                <a:solidFill>
+                  <a:schemeClr val="tx1">
+                    <a:tint val="75000"/>
+                  </a:schemeClr>
+                </a:solidFill>
+                <a:latin typeface="+mn-lt"/>
+                <a:ea typeface="+mn-ea"/>
+                <a:cs typeface="+mn-cs"/>
+              </a:defRPr>
+            </a:lvl4pPr>
+            <a:lvl5pPr marL="1828800" indent="0" algn="l" defTabSz="914400" rtl="0" eaLnBrk="1" latinLnBrk="0" hangingPunct="1">
+              <a:spcBef>
+                <a:spcPct val="20000"/>
+              </a:spcBef>
+              <a:buFont typeface="Arial" pitchFamily="34" charset="0"/>
+              <a:buNone/>
+              <a:defRPr sz="1400" kern="1200">
+                <a:solidFill>
+                  <a:schemeClr val="tx1">
+                    <a:tint val="75000"/>
+                  </a:schemeClr>
+                </a:solidFill>
+                <a:latin typeface="+mn-lt"/>
+                <a:ea typeface="+mn-ea"/>
+                <a:cs typeface="+mn-cs"/>
+              </a:defRPr>
+            </a:lvl5pPr>
+            <a:lvl6pPr marL="2286000" indent="0" algn="l" defTabSz="914400" rtl="0" eaLnBrk="1" latinLnBrk="0" hangingPunct="1">
+              <a:spcBef>
+                <a:spcPct val="20000"/>
+              </a:spcBef>
+              <a:buFont typeface="Arial" pitchFamily="34" charset="0"/>
+              <a:buNone/>
+              <a:defRPr sz="1400" kern="1200">
+                <a:solidFill>
+                  <a:schemeClr val="tx1">
+                    <a:tint val="75000"/>
+                  </a:schemeClr>
+                </a:solidFill>
+                <a:latin typeface="+mn-lt"/>
+                <a:ea typeface="+mn-ea"/>
+                <a:cs typeface="+mn-cs"/>
+              </a:defRPr>
+            </a:lvl6pPr>
+            <a:lvl7pPr marL="2743200" indent="0" algn="l" defTabSz="914400" rtl="0" eaLnBrk="1" latinLnBrk="0" hangingPunct="1">
+              <a:spcBef>
+                <a:spcPct val="20000"/>
+              </a:spcBef>
+              <a:buFont typeface="Arial" pitchFamily="34" charset="0"/>
+              <a:buNone/>
+              <a:defRPr sz="1400" kern="1200">
+                <a:solidFill>
+                  <a:schemeClr val="tx1">
+                    <a:tint val="75000"/>
+                  </a:schemeClr>
+                </a:solidFill>
+                <a:latin typeface="+mn-lt"/>
+                <a:ea typeface="+mn-ea"/>
+                <a:cs typeface="+mn-cs"/>
+              </a:defRPr>
+            </a:lvl7pPr>
+            <a:lvl8pPr marL="3200400" indent="0" algn="l" defTabSz="914400" rtl="0" eaLnBrk="1" latinLnBrk="0" hangingPunct="1">
+              <a:spcBef>
+                <a:spcPct val="20000"/>
+              </a:spcBef>
+              <a:buFont typeface="Arial" pitchFamily="34" charset="0"/>
+              <a:buNone/>
+              <a:defRPr sz="1400" kern="1200">
+                <a:solidFill>
+                  <a:schemeClr val="tx1">
+                    <a:tint val="75000"/>
+                  </a:schemeClr>
+                </a:solidFill>
+                <a:latin typeface="+mn-lt"/>
+                <a:ea typeface="+mn-ea"/>
+                <a:cs typeface="+mn-cs"/>
+              </a:defRPr>
+            </a:lvl8pPr>
+            <a:lvl9pPr marL="3657600" indent="0" algn="l" defTabSz="914400" rtl="0" eaLnBrk="1" latinLnBrk="0" hangingPunct="1">
+              <a:spcBef>
+                <a:spcPct val="20000"/>
+              </a:spcBef>
+              <a:buFont typeface="Arial" pitchFamily="34" charset="0"/>
+              <a:buNone/>
+              <a:defRPr sz="1400" kern="1200">
+                <a:solidFill>
+                  <a:schemeClr val="tx1">
+                    <a:tint val="75000"/>
+                  </a:schemeClr>
+                </a:solidFill>
+                <a:latin typeface="+mn-lt"/>
+                <a:ea typeface="+mn-ea"/>
+                <a:cs typeface="+mn-cs"/>
+              </a:defRPr>
+            </a:lvl9pPr>
+          </a:lstStyle>
+          <a:p>
+            <a:r>
+              <a:rPr lang="zh-CN" altLang="en-US" sz="1600" b="0" dirty="0">
+                <a:solidFill>
+                  <a:schemeClr val="bg1">
+                    <a:lumMod val="50000"/>
+                  </a:schemeClr>
+                </a:solidFill>
+                <a:ea typeface="微软雅黑" pitchFamily="34" charset="-122"/>
+              </a:rPr>
+              <a:t>内容框架</a:t>
+            </a:r>
+            <a:endParaRPr lang="en-US" altLang="zh-CN" sz="1600" b="0" dirty="0">
+              <a:solidFill>
+                <a:schemeClr val="bg1">
+                  <a:lumMod val="50000"/>
+                </a:schemeClr>
+              </a:solidFill>
+              <a:ea typeface="微软雅黑" pitchFamily="34" charset="-122"/>
+            </a:endParaRPr>
+          </a:p>
+        </p:txBody>
+      </p:sp>
+      <p:sp>
+        <p:nvSpPr>
+          <p:cNvPr id="30" name="矩形 29"/>
+          <p:cNvSpPr/>
+          <p:nvPr/>
+        </p:nvSpPr>
+        <p:spPr>
+          <a:xfrm>
+            <a:off x="3563888" y="3406140"/>
+            <a:ext cx="4536504" cy="21600"/>
+          </a:xfrm>
+          <a:prstGeom prst="rect">
+            <a:avLst/>
+          </a:prstGeom>
+          <a:effectLst/>
+        </p:spPr>
+        <p:style>
+          <a:lnRef idx="1">
+            <a:schemeClr val="accent6"/>
+          </a:lnRef>
+          <a:fillRef idx="3">
+            <a:schemeClr val="accent6"/>
+          </a:fillRef>
+          <a:effectRef idx="2">
+            <a:schemeClr val="accent6"/>
+          </a:effectRef>
+          <a:fontRef idx="minor">
+            <a:schemeClr val="lt1"/>
+          </a:fontRef>
+        </p:style>
+        <p:txBody>
+          <a:bodyPr rtlCol="0" anchor="ctr"/>
+          <a:lstStyle/>
+          <a:p>
+            <a:pPr algn="ctr"/>
+            <a:endParaRPr lang="en-US"/>
+          </a:p>
+        </p:txBody>
+      </p:sp>
+    </p:spTree>
+    <p:extLst>
+      <p:ext uri="{BB962C8B-B14F-4D97-AF65-F5344CB8AC3E}">
+        <p14:creationId xmlns:p14="http://schemas.microsoft.com/office/powerpoint/2010/main" val="4141350557"/>
+      </p:ext>
+    </p:extLst>
+  </p:cSld>
+  <p:clrMapOvr>
+    <a:masterClrMapping/>
+  </p:clrMapOvr>
+  <p:transition spd="slow">
+    <p:pull/>
+  </p:transition>
+</p:sld>
+</file>
+
+<file path=ppt/slides/slide11.xml><?xml version="1.0" encoding="utf-8"?>
 <p:sld xmlns:a="http://schemas.openxmlformats.org/drawingml/2006/main" xmlns:r="http://schemas.openxmlformats.org/officeDocument/2006/relationships" xmlns:p="http://schemas.openxmlformats.org/presentationml/2006/main">
   <p:cSld>
     <p:spTree>
@@ -11780,31 +12068,7 @@
           <a:p>
             <a:r>
               <a:rPr lang="zh-CN" altLang="en-US" dirty="0"/>
-              <a:t>愿上帝赐予</a:t>
-            </a:r>
-            <a:r>
-              <a:rPr lang="zh-CN" altLang="en-US"/>
-              <a:t>我力量，去</a:t>
-            </a:r>
-            <a:r>
-              <a:rPr lang="zh-CN" altLang="en-US" dirty="0"/>
-              <a:t>改变我所能改变的；赐予</a:t>
-            </a:r>
-            <a:r>
-              <a:rPr lang="zh-CN" altLang="en-US"/>
-              <a:t>我勇气，去</a:t>
-            </a:r>
-            <a:r>
-              <a:rPr lang="zh-CN" altLang="en-US" dirty="0"/>
-              <a:t>接受我不能改变的；并赐予</a:t>
-            </a:r>
-            <a:r>
-              <a:rPr lang="zh-CN" altLang="en-US"/>
-              <a:t>我智慧，去</a:t>
-            </a:r>
-            <a:r>
-              <a:rPr lang="zh-CN" altLang="en-US" dirty="0"/>
-              <a:t>分辨这两者。</a:t>
+              <a:t>愿上帝赐予我力量，去改变我所能改变的；赐予我勇气，去接受我不能改变的；并赐予我智慧，去分辨这两者。</a:t>
             </a:r>
             <a:endParaRPr lang="en-US" b="1" dirty="0">
               <a:solidFill>
@@ -12207,7 +12471,7 @@
 </p:sld>
 </file>
 
-<file path=ppt/slides/slide11.xml><?xml version="1.0" encoding="utf-8"?>
+<file path=ppt/slides/slide12.xml><?xml version="1.0" encoding="utf-8"?>
 <p:sld xmlns:a="http://schemas.openxmlformats.org/drawingml/2006/main" xmlns:r="http://schemas.openxmlformats.org/officeDocument/2006/relationships" xmlns:p="http://schemas.openxmlformats.org/presentationml/2006/main">
   <p:cSld>
     <p:spTree>
@@ -12490,49 +12754,6 @@
             <a:r>
               <a:rPr lang="zh-CN" altLang="en-US" dirty="0"/>
               <a:t>意志活动</a:t>
-            </a:r>
-          </a:p>
-        </p:txBody>
-      </p:sp>
-      <p:sp>
-        <p:nvSpPr>
-          <p:cNvPr id="2" name="TextBox 1"/>
-          <p:cNvSpPr txBox="1"/>
-          <p:nvPr/>
-        </p:nvSpPr>
-        <p:spPr>
-          <a:xfrm>
-            <a:off x="9727138" y="548680"/>
-            <a:ext cx="450764" cy="584775"/>
-          </a:xfrm>
-          <a:prstGeom prst="rect">
-            <a:avLst/>
-          </a:prstGeom>
-          <a:noFill/>
-        </p:spPr>
-        <p:txBody>
-          <a:bodyPr wrap="none" rtlCol="0">
-            <a:spAutoFit/>
-          </a:bodyPr>
-          <a:lstStyle/>
-          <a:p>
-            <a:pPr fontAlgn="auto">
-              <a:spcBef>
-                <a:spcPts val="0"/>
-              </a:spcBef>
-              <a:spcAft>
-                <a:spcPts val="0"/>
-              </a:spcAft>
-            </a:pPr>
-            <a:r>
-              <a:rPr lang="en-US" sz="3200" dirty="0">
-                <a:solidFill>
-                  <a:srgbClr val="FC6204"/>
-                </a:solidFill>
-                <a:latin typeface="Broadway" pitchFamily="82" charset="0"/>
-                <a:ea typeface="DFPYeaSong-B5" pitchFamily="18" charset="-120"/>
-              </a:rPr>
-              <a:t>1</a:t>
             </a:r>
           </a:p>
         </p:txBody>
@@ -12897,7 +13118,7 @@
 </p:sld>
 </file>
 
-<file path=ppt/slides/slide12.xml><?xml version="1.0" encoding="utf-8"?>
+<file path=ppt/slides/slide13.xml><?xml version="1.0" encoding="utf-8"?>
 <p:sld xmlns:a="http://schemas.openxmlformats.org/drawingml/2006/main" xmlns:r="http://schemas.openxmlformats.org/officeDocument/2006/relationships" xmlns:p="http://schemas.openxmlformats.org/presentationml/2006/main">
   <p:cSld>
     <p:spTree>
@@ -13373,7 +13594,7 @@
                         </a:spcAft>
                       </a:pPr>
                       <a:r>
-                        <a:rPr lang="zh-CN" altLang="en-US" sz="1100" b="1">
+                        <a:rPr lang="zh-CN" altLang="en-US" sz="1100" b="1" dirty="0">
                           <a:solidFill>
                             <a:srgbClr val="494949"/>
                           </a:solidFill>
@@ -13735,7 +13956,7 @@
 </p:sld>
 </file>
 
-<file path=ppt/slides/slide13.xml><?xml version="1.0" encoding="utf-8"?>
+<file path=ppt/slides/slide14.xml><?xml version="1.0" encoding="utf-8"?>
 <p:sld xmlns:a="http://schemas.openxmlformats.org/drawingml/2006/main" xmlns:r="http://schemas.openxmlformats.org/officeDocument/2006/relationships" xmlns:p="http://schemas.openxmlformats.org/presentationml/2006/main">
   <p:cSld>
     <p:spTree>
@@ -13845,7 +14066,7 @@
         </p:blipFill>
         <p:spPr>
           <a:xfrm>
-            <a:off x="2710830" y="1916832"/>
+            <a:off x="2888281" y="2564904"/>
             <a:ext cx="5270500" cy="4102100"/>
           </a:xfrm>
           <a:prstGeom prst="rect">
@@ -13853,6 +14074,276 @@
           </a:prstGeom>
         </p:spPr>
       </p:pic>
+      <p:sp>
+        <p:nvSpPr>
+          <p:cNvPr id="5" name="Text Box 44">
+            <a:extLst>
+              <a:ext uri="{FF2B5EF4-FFF2-40B4-BE49-F238E27FC236}">
+                <a16:creationId xmlns:a16="http://schemas.microsoft.com/office/drawing/2014/main" id="{A82E9260-ED44-434F-B909-E8C2218B0372}"/>
+              </a:ext>
+            </a:extLst>
+          </p:cNvPr>
+          <p:cNvSpPr txBox="1">
+            <a:spLocks noChangeArrowheads="1"/>
+          </p:cNvSpPr>
+          <p:nvPr/>
+        </p:nvSpPr>
+        <p:spPr bwMode="auto">
+          <a:xfrm>
+            <a:off x="2854846" y="1418370"/>
+            <a:ext cx="6048672" cy="1077218"/>
+          </a:xfrm>
+          <a:prstGeom prst="rect">
+            <a:avLst/>
+          </a:prstGeom>
+          <a:noFill/>
+          <a:ln>
+            <a:noFill/>
+          </a:ln>
+          <a:effectLst/>
+          <a:extLst>
+            <a:ext uri="{909E8E84-426E-40DD-AFC4-6F175D3DCCD1}">
+              <a14:hiddenFill xmlns:a14="http://schemas.microsoft.com/office/drawing/2010/main">
+                <a:solidFill>
+                  <a:srgbClr val="FFFFFF">
+                    <a:alpha val="30000"/>
+                  </a:srgbClr>
+                </a:solidFill>
+              </a14:hiddenFill>
+            </a:ext>
+            <a:ext uri="{91240B29-F687-4F45-9708-019B960494DF}">
+              <a14:hiddenLine xmlns:a14="http://schemas.microsoft.com/office/drawing/2010/main" w="9525">
+                <a:solidFill>
+                  <a:schemeClr val="tx1"/>
+                </a:solidFill>
+                <a:miter lim="800000"/>
+                <a:headEnd/>
+                <a:tailEnd/>
+              </a14:hiddenLine>
+            </a:ext>
+            <a:ext uri="{AF507438-7753-43E0-B8FC-AC1667EBCBE1}">
+              <a14:hiddenEffects xmlns:a14="http://schemas.microsoft.com/office/drawing/2010/main">
+                <a:effectLst>
+                  <a:outerShdw dist="35921" dir="2700000" algn="ctr" rotWithShape="0">
+                    <a:schemeClr val="bg2"/>
+                  </a:outerShdw>
+                </a:effectLst>
+              </a14:hiddenEffects>
+            </a:ext>
+          </a:extLst>
+        </p:spPr>
+        <p:txBody>
+          <a:bodyPr wrap="square" anchor="ctr">
+            <a:spAutoFit/>
+          </a:bodyPr>
+          <a:lstStyle>
+            <a:defPPr>
+              <a:defRPr lang="en-US"/>
+            </a:defPPr>
+            <a:lvl1pPr indent="457200" defTabSz="720725">
+              <a:lnSpc>
+                <a:spcPct val="135000"/>
+              </a:lnSpc>
+              <a:defRPr sz="1600">
+                <a:solidFill>
+                  <a:schemeClr val="bg1">
+                    <a:lumMod val="50000"/>
+                  </a:schemeClr>
+                </a:solidFill>
+                <a:latin typeface="微软雅黑" pitchFamily="34" charset="-122"/>
+                <a:ea typeface="微软雅黑" pitchFamily="34" charset="-122"/>
+              </a:defRPr>
+            </a:lvl1pPr>
+            <a:lvl2pPr defTabSz="720725" eaLnBrk="0" hangingPunct="0">
+              <a:defRPr sz="1600">
+                <a:latin typeface="Arial" pitchFamily="34" charset="0"/>
+                <a:ea typeface="宋体" pitchFamily="2" charset="-122"/>
+              </a:defRPr>
+            </a:lvl2pPr>
+            <a:lvl3pPr defTabSz="720725" eaLnBrk="0" hangingPunct="0">
+              <a:defRPr sz="1600">
+                <a:latin typeface="Arial" pitchFamily="34" charset="0"/>
+                <a:ea typeface="宋体" pitchFamily="2" charset="-122"/>
+              </a:defRPr>
+            </a:lvl3pPr>
+            <a:lvl4pPr defTabSz="720725" eaLnBrk="0" hangingPunct="0">
+              <a:defRPr sz="1600">
+                <a:latin typeface="Arial" pitchFamily="34" charset="0"/>
+                <a:ea typeface="宋体" pitchFamily="2" charset="-122"/>
+              </a:defRPr>
+            </a:lvl4pPr>
+            <a:lvl5pPr defTabSz="720725" eaLnBrk="0" hangingPunct="0">
+              <a:defRPr sz="1600">
+                <a:latin typeface="Arial" pitchFamily="34" charset="0"/>
+                <a:ea typeface="宋体" pitchFamily="2" charset="-122"/>
+              </a:defRPr>
+            </a:lvl5pPr>
+            <a:lvl6pPr defTabSz="720725" eaLnBrk="0" fontAlgn="base" hangingPunct="0">
+              <a:spcBef>
+                <a:spcPct val="0"/>
+              </a:spcBef>
+              <a:spcAft>
+                <a:spcPct val="0"/>
+              </a:spcAft>
+              <a:defRPr sz="1600">
+                <a:latin typeface="Arial" pitchFamily="34" charset="0"/>
+                <a:ea typeface="宋体" pitchFamily="2" charset="-122"/>
+              </a:defRPr>
+            </a:lvl6pPr>
+            <a:lvl7pPr defTabSz="720725" eaLnBrk="0" fontAlgn="base" hangingPunct="0">
+              <a:spcBef>
+                <a:spcPct val="0"/>
+              </a:spcBef>
+              <a:spcAft>
+                <a:spcPct val="0"/>
+              </a:spcAft>
+              <a:defRPr sz="1600">
+                <a:latin typeface="Arial" pitchFamily="34" charset="0"/>
+                <a:ea typeface="宋体" pitchFamily="2" charset="-122"/>
+              </a:defRPr>
+            </a:lvl7pPr>
+            <a:lvl8pPr defTabSz="720725" eaLnBrk="0" fontAlgn="base" hangingPunct="0">
+              <a:spcBef>
+                <a:spcPct val="0"/>
+              </a:spcBef>
+              <a:spcAft>
+                <a:spcPct val="0"/>
+              </a:spcAft>
+              <a:defRPr sz="1600">
+                <a:latin typeface="Arial" pitchFamily="34" charset="0"/>
+                <a:ea typeface="宋体" pitchFamily="2" charset="-122"/>
+              </a:defRPr>
+            </a:lvl8pPr>
+            <a:lvl9pPr defTabSz="720725" eaLnBrk="0" fontAlgn="base" hangingPunct="0">
+              <a:spcBef>
+                <a:spcPct val="0"/>
+              </a:spcBef>
+              <a:spcAft>
+                <a:spcPct val="0"/>
+              </a:spcAft>
+              <a:defRPr sz="1600">
+                <a:latin typeface="Arial" pitchFamily="34" charset="0"/>
+                <a:ea typeface="宋体" pitchFamily="2" charset="-122"/>
+              </a:defRPr>
+            </a:lvl9pPr>
+          </a:lstStyle>
+          <a:p>
+            <a:pPr lvl="1"/>
+            <a:r>
+              <a:rPr lang="zh-CN" altLang="en-US" dirty="0">
+                <a:solidFill>
+                  <a:schemeClr val="bg1">
+                    <a:lumMod val="50000"/>
+                  </a:schemeClr>
+                </a:solidFill>
+                <a:latin typeface="微软雅黑" pitchFamily="34" charset="-122"/>
+                <a:ea typeface="微软雅黑" pitchFamily="34" charset="-122"/>
+              </a:rPr>
+              <a:t>提出者：</a:t>
+            </a:r>
+            <a:r>
+              <a:rPr lang="zh-CN" altLang="en-US" dirty="0">
+                <a:solidFill>
+                  <a:srgbClr val="F05425"/>
+                </a:solidFill>
+                <a:latin typeface="微软雅黑" pitchFamily="34" charset="-122"/>
+                <a:ea typeface="微软雅黑" pitchFamily="34" charset="-122"/>
+              </a:rPr>
+              <a:t>米哈里</a:t>
+            </a:r>
+            <a:r>
+              <a:rPr lang="en-US" altLang="zh-CN" dirty="0">
+                <a:solidFill>
+                  <a:srgbClr val="F05425"/>
+                </a:solidFill>
+                <a:latin typeface="微软雅黑" pitchFamily="34" charset="-122"/>
+                <a:ea typeface="微软雅黑" pitchFamily="34" charset="-122"/>
+              </a:rPr>
+              <a:t>·</a:t>
+            </a:r>
+            <a:r>
+              <a:rPr lang="zh-CN" altLang="en-US" dirty="0">
+                <a:solidFill>
+                  <a:srgbClr val="F05425"/>
+                </a:solidFill>
+                <a:latin typeface="微软雅黑" pitchFamily="34" charset="-122"/>
+                <a:ea typeface="微软雅黑" pitchFamily="34" charset="-122"/>
+              </a:rPr>
+              <a:t>契克森米哈赖 </a:t>
+            </a:r>
+            <a:r>
+              <a:rPr lang="en-US" altLang="zh-CN" dirty="0">
+                <a:solidFill>
+                  <a:schemeClr val="bg1">
+                    <a:lumMod val="50000"/>
+                  </a:schemeClr>
+                </a:solidFill>
+                <a:latin typeface="微软雅黑" pitchFamily="34" charset="-122"/>
+                <a:ea typeface="微软雅黑" pitchFamily="34" charset="-122"/>
+              </a:rPr>
+              <a:t>(Mihaly Csikszentmihalyi)</a:t>
+            </a:r>
+          </a:p>
+          <a:p>
+            <a:pPr lvl="1"/>
+            <a:endParaRPr lang="en-US" altLang="zh-CN" dirty="0">
+              <a:solidFill>
+                <a:schemeClr val="bg1">
+                  <a:lumMod val="50000"/>
+                </a:schemeClr>
+              </a:solidFill>
+              <a:latin typeface="微软雅黑" pitchFamily="34" charset="-122"/>
+              <a:ea typeface="微软雅黑" pitchFamily="34" charset="-122"/>
+            </a:endParaRPr>
+          </a:p>
+          <a:p>
+            <a:pPr lvl="1"/>
+            <a:r>
+              <a:rPr lang="zh-CN" altLang="en-US" dirty="0">
+                <a:solidFill>
+                  <a:schemeClr val="bg1">
+                    <a:lumMod val="50000"/>
+                  </a:schemeClr>
+                </a:solidFill>
+                <a:latin typeface="微软雅黑" pitchFamily="34" charset="-122"/>
+                <a:ea typeface="微软雅黑" pitchFamily="34" charset="-122"/>
+              </a:rPr>
+              <a:t>定义：一种将个人精神力</a:t>
+            </a:r>
+            <a:r>
+              <a:rPr lang="zh-CN" altLang="en-US" dirty="0">
+                <a:solidFill>
+                  <a:srgbClr val="F05425"/>
+                </a:solidFill>
+                <a:latin typeface="微软雅黑" pitchFamily="34" charset="-122"/>
+                <a:ea typeface="微软雅黑" pitchFamily="34" charset="-122"/>
+              </a:rPr>
+              <a:t>完全投注</a:t>
+            </a:r>
+            <a:r>
+              <a:rPr lang="zh-CN" altLang="en-US" dirty="0">
+                <a:solidFill>
+                  <a:schemeClr val="bg1">
+                    <a:lumMod val="50000"/>
+                  </a:schemeClr>
+                </a:solidFill>
+                <a:latin typeface="微软雅黑" pitchFamily="34" charset="-122"/>
+                <a:ea typeface="微软雅黑" pitchFamily="34" charset="-122"/>
+              </a:rPr>
+              <a:t>在某种活动上的感觉；心流产生时同时会有高度的兴奋及充实感。</a:t>
+            </a:r>
+            <a:endParaRPr lang="en-US" dirty="0">
+              <a:solidFill>
+                <a:schemeClr val="bg1">
+                  <a:lumMod val="50000"/>
+                </a:schemeClr>
+              </a:solidFill>
+              <a:latin typeface="微软雅黑" pitchFamily="34" charset="-122"/>
+              <a:ea typeface="微软雅黑" pitchFamily="34" charset="-122"/>
+            </a:endParaRPr>
+          </a:p>
+        </p:txBody>
+      </p:sp>
     </p:spTree>
     <p:extLst>
       <p:ext uri="{BB962C8B-B14F-4D97-AF65-F5344CB8AC3E}">
@@ -13987,6 +14478,87 @@
                                   </p:childTnLst>
                                 </p:cTn>
                               </p:par>
+                              <p:par>
+                                <p:cTn id="12" presetID="47" presetClass="entr" presetSubtype="0" fill="hold" grpId="0" nodeType="withEffect">
+                                  <p:stCondLst>
+                                    <p:cond delay="0"/>
+                                  </p:stCondLst>
+                                  <p:childTnLst>
+                                    <p:set>
+                                      <p:cBhvr>
+                                        <p:cTn id="13" dur="1" fill="hold">
+                                          <p:stCondLst>
+                                            <p:cond delay="0"/>
+                                          </p:stCondLst>
+                                        </p:cTn>
+                                        <p:tgtEl>
+                                          <p:spTgt spid="5"/>
+                                        </p:tgtEl>
+                                        <p:attrNameLst>
+                                          <p:attrName>style.visibility</p:attrName>
+                                        </p:attrNameLst>
+                                      </p:cBhvr>
+                                      <p:to>
+                                        <p:strVal val="visible"/>
+                                      </p:to>
+                                    </p:set>
+                                    <p:animEffect transition="in" filter="fade">
+                                      <p:cBhvr>
+                                        <p:cTn id="14" dur="1000"/>
+                                        <p:tgtEl>
+                                          <p:spTgt spid="5"/>
+                                        </p:tgtEl>
+                                      </p:cBhvr>
+                                    </p:animEffect>
+                                    <p:anim calcmode="lin" valueType="num">
+                                      <p:cBhvr>
+                                        <p:cTn id="15" dur="1000" fill="hold"/>
+                                        <p:tgtEl>
+                                          <p:spTgt spid="5"/>
+                                        </p:tgtEl>
+                                        <p:attrNameLst>
+                                          <p:attrName>ppt_x</p:attrName>
+                                        </p:attrNameLst>
+                                      </p:cBhvr>
+                                      <p:tavLst>
+                                        <p:tav tm="0">
+                                          <p:val>
+                                            <p:strVal val="#ppt_x"/>
+                                          </p:val>
+                                        </p:tav>
+                                        <p:tav tm="100000">
+                                          <p:val>
+                                            <p:strVal val="#ppt_x"/>
+                                          </p:val>
+                                        </p:tav>
+                                      </p:tavLst>
+                                    </p:anim>
+                                    <p:anim calcmode="lin" valueType="num">
+                                      <p:cBhvr>
+                                        <p:cTn id="16" dur="1000" fill="hold"/>
+                                        <p:tgtEl>
+                                          <p:spTgt spid="5"/>
+                                        </p:tgtEl>
+                                        <p:attrNameLst>
+                                          <p:attrName>ppt_y</p:attrName>
+                                        </p:attrNameLst>
+                                      </p:cBhvr>
+                                      <p:tavLst>
+                                        <p:tav tm="0">
+                                          <p:val>
+                                            <p:strVal val="#ppt_y-.1"/>
+                                          </p:val>
+                                        </p:tav>
+                                        <p:tav tm="100000">
+                                          <p:val>
+                                            <p:strVal val="#ppt_y"/>
+                                          </p:val>
+                                        </p:tav>
+                                      </p:tavLst>
+                                    </p:anim>
+                                  </p:childTnLst>
+                                </p:cTn>
+                              </p:par>
                             </p:childTnLst>
                           </p:cTn>
                         </p:par>
@@ -14017,12 +14589,13 @@
     <p:bldLst>
       <p:bldP spid="2" grpId="0"/>
       <p:bldP spid="2" grpId="1"/>
+      <p:bldP spid="5" grpId="0"/>
     </p:bldLst>
   </p:timing>
 </p:sld>
 </file>
 
-<file path=ppt/slides/slide14.xml><?xml version="1.0" encoding="utf-8"?>
+<file path=ppt/slides/slide15.xml><?xml version="1.0" encoding="utf-8"?>
 <p:sld xmlns:a="http://schemas.openxmlformats.org/drawingml/2006/main" xmlns:r="http://schemas.openxmlformats.org/officeDocument/2006/relationships" xmlns:p="http://schemas.openxmlformats.org/presentationml/2006/main">
   <p:cSld>
     <p:spTree>
@@ -14260,12 +14833,72 @@
           <a:p>
             <a:r>
               <a:rPr lang="zh-CN" altLang="en-US" dirty="0"/>
-              <a:t>待填充内容</a:t>
+              <a:t>相信</a:t>
             </a:r>
-            <a:endParaRPr lang="en-US" dirty="0"/>
+            <a:r>
+              <a:rPr lang="zh-CN" altLang="en-US" dirty="0">
+                <a:solidFill>
+                  <a:srgbClr val="F05425"/>
+                </a:solidFill>
+              </a:rPr>
+              <a:t>好事</a:t>
+            </a:r>
+            <a:r>
+              <a:rPr lang="zh-CN" altLang="en-US" dirty="0"/>
+              <a:t>而不是坏事将会发生的</a:t>
+            </a:r>
+            <a:r>
+              <a:rPr lang="zh-CN" altLang="en-US" dirty="0">
+                <a:solidFill>
+                  <a:srgbClr val="F05425"/>
+                </a:solidFill>
+              </a:rPr>
+              <a:t>稳定倾向</a:t>
+            </a:r>
+            <a:endParaRPr lang="en-US" dirty="0">
+              <a:solidFill>
+                <a:srgbClr val="F05425"/>
+              </a:solidFill>
+            </a:endParaRPr>
           </a:p>
         </p:txBody>
       </p:sp>
+      <p:pic>
+        <p:nvPicPr>
+          <p:cNvPr id="4" name="图片 3">
+            <a:extLst>
+              <a:ext uri="{FF2B5EF4-FFF2-40B4-BE49-F238E27FC236}">
+                <a16:creationId xmlns:a16="http://schemas.microsoft.com/office/drawing/2014/main" id="{8818385D-968F-BE4A-B17D-4780F5C1FB5F}"/>
+              </a:ext>
+            </a:extLst>
+          </p:cNvPr>
+          <p:cNvPicPr>
+            <a:picLocks noChangeAspect="1"/>
+          </p:cNvPicPr>
+          <p:nvPr/>
+        </p:nvPicPr>
+        <p:blipFill>
+          <a:blip r:embed="rId2">
+            <a:extLst>
+              <a:ext uri="{28A0092B-C50C-407E-A947-70E740481C1C}">
+                <a14:useLocalDpi xmlns:a14="http://schemas.microsoft.com/office/drawing/2010/main" val="0"/>
+              </a:ext>
+            </a:extLst>
+          </a:blip>
+          <a:stretch>
+            <a:fillRect/>
+          </a:stretch>
+        </p:blipFill>
+        <p:spPr>
+          <a:xfrm>
+            <a:off x="2638822" y="2564904"/>
+            <a:ext cx="6383239" cy="3433003"/>
+          </a:xfrm>
+          <a:prstGeom prst="rect">
+            <a:avLst/>
+          </a:prstGeom>
+        </p:spPr>
+      </p:pic>
     </p:spTree>
     <p:extLst>
       <p:ext uri="{BB962C8B-B14F-4D97-AF65-F5344CB8AC3E}">
@@ -14526,7 +15159,7 @@
 </p:sld>
 </file>
 
-<file path=ppt/slides/slide15.xml><?xml version="1.0" encoding="utf-8"?>
+<file path=ppt/slides/slide16.xml><?xml version="1.0" encoding="utf-8"?>
 <p:sld xmlns:a="http://schemas.openxmlformats.org/drawingml/2006/main" xmlns:r="http://schemas.openxmlformats.org/officeDocument/2006/relationships" xmlns:p="http://schemas.openxmlformats.org/presentationml/2006/main">
   <p:cSld>
     <p:spTree>
@@ -14829,7 +15462,7 @@
 </p:sld>
 </file>
 
-<file path=ppt/slides/slide16.xml><?xml version="1.0" encoding="utf-8"?>
+<file path=ppt/slides/slide17.xml><?xml version="1.0" encoding="utf-8"?>
 <p:sld xmlns:a="http://schemas.openxmlformats.org/drawingml/2006/main" xmlns:r="http://schemas.openxmlformats.org/officeDocument/2006/relationships" xmlns:p="http://schemas.openxmlformats.org/presentationml/2006/main">
   <p:cSld>
     <p:spTree>
@@ -14940,7 +15573,7 @@
 </p:sld>
 </file>
 
-<file path=ppt/slides/slide17.xml><?xml version="1.0" encoding="utf-8"?>
+<file path=ppt/slides/slide18.xml><?xml version="1.0" encoding="utf-8"?>
 <p:sld xmlns:a="http://schemas.openxmlformats.org/drawingml/2006/main" xmlns:r="http://schemas.openxmlformats.org/officeDocument/2006/relationships" xmlns:p="http://schemas.openxmlformats.org/presentationml/2006/main">
   <p:cSld>
     <p:spTree>
@@ -15051,7 +15684,7 @@
 </p:sld>
 </file>
 
-<file path=ppt/slides/slide18.xml><?xml version="1.0" encoding="utf-8"?>
+<file path=ppt/slides/slide19.xml><?xml version="1.0" encoding="utf-8"?>
 <p:sld xmlns:a="http://schemas.openxmlformats.org/drawingml/2006/main" xmlns:r="http://schemas.openxmlformats.org/officeDocument/2006/relationships" xmlns:p="http://schemas.openxmlformats.org/presentationml/2006/main">
   <p:cSld>
     <p:spTree>
@@ -15717,7 +16350,1017 @@
 </p:sld>
 </file>
 
-<file path=ppt/slides/slide19.xml><?xml version="1.0" encoding="utf-8"?>
+<file path=ppt/slides/slide2.xml><?xml version="1.0" encoding="utf-8"?>
+<p:sld xmlns:a="http://schemas.openxmlformats.org/drawingml/2006/main" xmlns:r="http://schemas.openxmlformats.org/officeDocument/2006/relationships" xmlns:p="http://schemas.openxmlformats.org/presentationml/2006/main">
+  <p:cSld>
+    <p:spTree>
+      <p:nvGrpSpPr>
+        <p:cNvPr id="1" name=""/>
+        <p:cNvGrpSpPr/>
+        <p:nvPr/>
+      </p:nvGrpSpPr>
+      <p:grpSpPr>
+        <a:xfrm>
+          <a:off x="0" y="0"/>
+          <a:ext cx="0" cy="0"/>
+          <a:chOff x="0" y="0"/>
+          <a:chExt cx="0" cy="0"/>
+        </a:xfrm>
+      </p:grpSpPr>
+      <p:sp>
+        <p:nvSpPr>
+          <p:cNvPr id="11" name="矩形 10"/>
+          <p:cNvSpPr/>
+          <p:nvPr/>
+        </p:nvSpPr>
+        <p:spPr>
+          <a:xfrm rot="1655153">
+            <a:off x="7756784" y="1813358"/>
+            <a:ext cx="2781854" cy="1872208"/>
+          </a:xfrm>
+          <a:prstGeom prst="rect">
+            <a:avLst/>
+          </a:prstGeom>
+          <a:blipFill dpi="0" rotWithShape="1">
+            <a:blip r:embed="rId2">
+              <a:extLst>
+                <a:ext uri="{28A0092B-C50C-407E-A947-70E740481C1C}">
+                  <a14:useLocalDpi xmlns:a14="http://schemas.microsoft.com/office/drawing/2010/main"/>
+                </a:ext>
+              </a:extLst>
+            </a:blip>
+            <a:srcRect/>
+            <a:stretch>
+              <a:fillRect/>
+            </a:stretch>
+          </a:blipFill>
+          <a:ln>
+            <a:solidFill>
+              <a:schemeClr val="bg1"/>
+            </a:solidFill>
+          </a:ln>
+          <a:effectLst>
+            <a:outerShdw blurRad="63500" sx="102000" sy="102000" algn="ctr" rotWithShape="0">
+              <a:prstClr val="black">
+                <a:alpha val="40000"/>
+              </a:prstClr>
+            </a:outerShdw>
+          </a:effectLst>
+        </p:spPr>
+        <p:style>
+          <a:lnRef idx="2">
+            <a:schemeClr val="accent1">
+              <a:shade val="50000"/>
+            </a:schemeClr>
+          </a:lnRef>
+          <a:fillRef idx="1">
+            <a:schemeClr val="accent1"/>
+          </a:fillRef>
+          <a:effectRef idx="0">
+            <a:schemeClr val="accent1"/>
+          </a:effectRef>
+          <a:fontRef idx="minor">
+            <a:schemeClr val="lt1"/>
+          </a:fontRef>
+        </p:style>
+        <p:txBody>
+          <a:bodyPr rot="0" spcFirstLastPara="0" vertOverflow="overflow" horzOverflow="overflow" vert="horz" wrap="square" lIns="91440" tIns="45720" rIns="91440" bIns="45720" numCol="1" spcCol="0" rtlCol="0" fromWordArt="0" anchor="ctr" anchorCtr="0" forceAA="0" compatLnSpc="1">
+            <a:prstTxWarp prst="textNoShape">
+              <a:avLst/>
+            </a:prstTxWarp>
+            <a:noAutofit/>
+          </a:bodyPr>
+          <a:lstStyle/>
+          <a:p>
+            <a:pPr algn="ctr"/>
+            <a:endParaRPr lang="zh-CN" altLang="en-US"/>
+          </a:p>
+        </p:txBody>
+      </p:sp>
+      <p:sp>
+        <p:nvSpPr>
+          <p:cNvPr id="13" name="矩形 12"/>
+          <p:cNvSpPr/>
+          <p:nvPr/>
+        </p:nvSpPr>
+        <p:spPr>
+          <a:xfrm rot="20132716">
+            <a:off x="7914568" y="3873275"/>
+            <a:ext cx="2781854" cy="1872208"/>
+          </a:xfrm>
+          <a:prstGeom prst="rect">
+            <a:avLst/>
+          </a:prstGeom>
+          <a:blipFill dpi="0" rotWithShape="1">
+            <a:blip r:embed="rId3">
+              <a:extLst>
+                <a:ext uri="{28A0092B-C50C-407E-A947-70E740481C1C}">
+                  <a14:useLocalDpi xmlns:a14="http://schemas.microsoft.com/office/drawing/2010/main"/>
+                </a:ext>
+              </a:extLst>
+            </a:blip>
+            <a:srcRect/>
+            <a:stretch>
+              <a:fillRect/>
+            </a:stretch>
+          </a:blipFill>
+          <a:ln>
+            <a:solidFill>
+              <a:schemeClr val="bg1"/>
+            </a:solidFill>
+          </a:ln>
+          <a:effectLst>
+            <a:outerShdw blurRad="63500" sx="102000" sy="102000" algn="ctr" rotWithShape="0">
+              <a:prstClr val="black">
+                <a:alpha val="40000"/>
+              </a:prstClr>
+            </a:outerShdw>
+          </a:effectLst>
+        </p:spPr>
+        <p:style>
+          <a:lnRef idx="2">
+            <a:schemeClr val="accent1">
+              <a:shade val="50000"/>
+            </a:schemeClr>
+          </a:lnRef>
+          <a:fillRef idx="1">
+            <a:schemeClr val="accent1"/>
+          </a:fillRef>
+          <a:effectRef idx="0">
+            <a:schemeClr val="accent1"/>
+          </a:effectRef>
+          <a:fontRef idx="minor">
+            <a:schemeClr val="lt1"/>
+          </a:fontRef>
+        </p:style>
+        <p:txBody>
+          <a:bodyPr rot="0" spcFirstLastPara="0" vertOverflow="overflow" horzOverflow="overflow" vert="horz" wrap="square" lIns="91440" tIns="45720" rIns="91440" bIns="45720" numCol="1" spcCol="0" rtlCol="0" fromWordArt="0" anchor="ctr" anchorCtr="0" forceAA="0" compatLnSpc="1">
+            <a:prstTxWarp prst="textNoShape">
+              <a:avLst/>
+            </a:prstTxWarp>
+            <a:noAutofit/>
+          </a:bodyPr>
+          <a:lstStyle/>
+          <a:p>
+            <a:pPr algn="ctr"/>
+            <a:endParaRPr lang="zh-CN" altLang="en-US"/>
+          </a:p>
+        </p:txBody>
+      </p:sp>
+      <p:grpSp>
+        <p:nvGrpSpPr>
+          <p:cNvPr id="35" name="组合 34"/>
+          <p:cNvGrpSpPr/>
+          <p:nvPr/>
+        </p:nvGrpSpPr>
+        <p:grpSpPr>
+          <a:xfrm>
+            <a:off x="1774726" y="2096368"/>
+            <a:ext cx="4896544" cy="432048"/>
+            <a:chOff x="3779912" y="1777380"/>
+            <a:chExt cx="4896544" cy="432048"/>
+          </a:xfrm>
+        </p:grpSpPr>
+        <p:sp>
+          <p:nvSpPr>
+            <p:cNvPr id="36" name="矩形 35"/>
+            <p:cNvSpPr/>
+            <p:nvPr/>
+          </p:nvSpPr>
+          <p:spPr>
+            <a:xfrm>
+              <a:off x="3779912" y="1777380"/>
+              <a:ext cx="4896544" cy="432048"/>
+            </a:xfrm>
+            <a:prstGeom prst="rect">
+              <a:avLst/>
+            </a:prstGeom>
+            <a:noFill/>
+            <a:ln w="12700" cap="flat" cmpd="sng" algn="ctr">
+              <a:solidFill>
+                <a:srgbClr val="F05425"/>
+              </a:solidFill>
+              <a:prstDash val="solid"/>
+            </a:ln>
+            <a:effectLst>
+              <a:outerShdw blurRad="50800" dist="38100" dir="5400000" algn="t" rotWithShape="0">
+                <a:prstClr val="black">
+                  <a:alpha val="40000"/>
+                </a:prstClr>
+              </a:outerShdw>
+            </a:effectLst>
+          </p:spPr>
+          <p:txBody>
+            <a:bodyPr rtlCol="0" anchor="ctr"/>
+            <a:lstStyle/>
+            <a:p>
+              <a:pPr marL="0" marR="0" lvl="0" indent="0" algn="ctr" defTabSz="914400" eaLnBrk="1" fontAlgn="auto" latinLnBrk="0" hangingPunct="1">
+                <a:lnSpc>
+                  <a:spcPct val="100000"/>
+                </a:lnSpc>
+                <a:spcBef>
+                  <a:spcPts val="0"/>
+                </a:spcBef>
+                <a:spcAft>
+                  <a:spcPts val="0"/>
+                </a:spcAft>
+                <a:buClrTx/>
+                <a:buSzTx/>
+                <a:buFontTx/>
+                <a:buNone/>
+                <a:tabLst/>
+                <a:defRPr/>
+              </a:pPr>
+              <a:endParaRPr kumimoji="0" lang="zh-CN" altLang="en-US" sz="1800" b="0" i="0" u="none" strike="noStrike" kern="0" cap="none" spc="0" normalizeH="0" baseline="0" noProof="0">
+                <a:ln>
+                  <a:noFill/>
+                </a:ln>
+                <a:solidFill>
+                  <a:sysClr val="window" lastClr="FFFFFF"/>
+                </a:solidFill>
+                <a:effectLst/>
+                <a:uLnTx/>
+                <a:uFillTx/>
+                <a:latin typeface="Calibri"/>
+                <a:ea typeface="微软雅黑"/>
+                <a:cs typeface="+mn-cs"/>
+              </a:endParaRPr>
+            </a:p>
+          </p:txBody>
+        </p:sp>
+        <p:sp>
+          <p:nvSpPr>
+            <p:cNvPr id="37" name="矩形 36"/>
+            <p:cNvSpPr/>
+            <p:nvPr/>
+          </p:nvSpPr>
+          <p:spPr>
+            <a:xfrm>
+              <a:off x="3779912" y="1777380"/>
+              <a:ext cx="432048" cy="432048"/>
+            </a:xfrm>
+            <a:prstGeom prst="rect">
+              <a:avLst/>
+            </a:prstGeom>
+            <a:solidFill>
+              <a:srgbClr val="F05425"/>
+            </a:solidFill>
+            <a:ln w="12700" cap="flat" cmpd="sng" algn="ctr">
+              <a:solidFill>
+                <a:srgbClr val="F05425"/>
+              </a:solidFill>
+              <a:prstDash val="solid"/>
+            </a:ln>
+            <a:effectLst/>
+          </p:spPr>
+          <p:txBody>
+            <a:bodyPr rtlCol="0" anchor="ctr"/>
+            <a:lstStyle/>
+            <a:p>
+              <a:pPr marL="0" marR="0" lvl="0" indent="0" algn="ctr" defTabSz="914400" eaLnBrk="1" fontAlgn="auto" latinLnBrk="0" hangingPunct="1">
+                <a:lnSpc>
+                  <a:spcPct val="100000"/>
+                </a:lnSpc>
+                <a:spcBef>
+                  <a:spcPts val="0"/>
+                </a:spcBef>
+                <a:spcAft>
+                  <a:spcPts val="0"/>
+                </a:spcAft>
+                <a:buClrTx/>
+                <a:buSzTx/>
+                <a:buFontTx/>
+                <a:buNone/>
+                <a:tabLst/>
+                <a:defRPr/>
+              </a:pPr>
+              <a:r>
+                <a:rPr kumimoji="0" lang="en-US" altLang="zh-CN" sz="2400" b="0" i="0" u="none" strike="noStrike" kern="0" cap="none" spc="0" normalizeH="0" baseline="0" noProof="0" dirty="0">
+                  <a:ln>
+                    <a:noFill/>
+                  </a:ln>
+                  <a:solidFill>
+                    <a:sysClr val="window" lastClr="FFFFFF"/>
+                  </a:solidFill>
+                  <a:effectLst/>
+                  <a:uLnTx/>
+                  <a:uFillTx/>
+                  <a:latin typeface="Broadway" pitchFamily="82" charset="0"/>
+                  <a:ea typeface="微软雅黑"/>
+                </a:rPr>
+                <a:t>1</a:t>
+              </a:r>
+              <a:endParaRPr kumimoji="0" lang="zh-CN" altLang="en-US" sz="2400" b="0" i="0" u="none" strike="noStrike" kern="0" cap="none" spc="0" normalizeH="0" baseline="0" noProof="0" dirty="0">
+                <a:ln>
+                  <a:noFill/>
+                </a:ln>
+                <a:solidFill>
+                  <a:sysClr val="window" lastClr="FFFFFF"/>
+                </a:solidFill>
+                <a:effectLst/>
+                <a:uLnTx/>
+                <a:uFillTx/>
+                <a:latin typeface="Broadway" pitchFamily="82" charset="0"/>
+                <a:ea typeface="微软雅黑"/>
+              </a:endParaRPr>
+            </a:p>
+          </p:txBody>
+        </p:sp>
+        <p:sp>
+          <p:nvSpPr>
+            <p:cNvPr id="38" name="TextBox 37"/>
+            <p:cNvSpPr txBox="1"/>
+            <p:nvPr/>
+          </p:nvSpPr>
+          <p:spPr>
+            <a:xfrm>
+              <a:off x="4382368" y="1824127"/>
+              <a:ext cx="4078064" cy="369332"/>
+            </a:xfrm>
+            <a:prstGeom prst="rect">
+              <a:avLst/>
+            </a:prstGeom>
+            <a:noFill/>
+          </p:spPr>
+          <p:txBody>
+            <a:bodyPr wrap="square" rtlCol="0">
+              <a:spAutoFit/>
+            </a:bodyPr>
+            <a:lstStyle/>
+            <a:p>
+              <a:pPr marL="0" marR="0" lvl="0" indent="0" algn="ctr" defTabSz="914400" eaLnBrk="1" fontAlgn="auto" latinLnBrk="0" hangingPunct="1">
+                <a:lnSpc>
+                  <a:spcPct val="100000"/>
+                </a:lnSpc>
+                <a:spcBef>
+                  <a:spcPts val="0"/>
+                </a:spcBef>
+                <a:spcAft>
+                  <a:spcPts val="0"/>
+                </a:spcAft>
+                <a:buClrTx/>
+                <a:buSzTx/>
+                <a:buFontTx/>
+                <a:buNone/>
+                <a:tabLst/>
+                <a:defRPr/>
+              </a:pPr>
+              <a:r>
+                <a:rPr kumimoji="0" lang="zh-CN" altLang="en-US" b="0" i="0" u="none" strike="noStrike" kern="0" cap="none" spc="0" normalizeH="0" baseline="0" noProof="0" dirty="0">
+                  <a:ln>
+                    <a:noFill/>
+                  </a:ln>
+                  <a:solidFill>
+                    <a:schemeClr val="bg1">
+                      <a:lumMod val="50000"/>
+                    </a:schemeClr>
+                  </a:solidFill>
+                  <a:effectLst/>
+                  <a:uLnTx/>
+                  <a:uFillTx/>
+                  <a:latin typeface="微软雅黑" pitchFamily="34" charset="-122"/>
+                  <a:ea typeface="微软雅黑" pitchFamily="34" charset="-122"/>
+                </a:rPr>
+                <a:t>积极心理学发展</a:t>
+              </a:r>
+            </a:p>
+          </p:txBody>
+        </p:sp>
+      </p:grpSp>
+      <p:grpSp>
+        <p:nvGrpSpPr>
+          <p:cNvPr id="39" name="组合 38"/>
+          <p:cNvGrpSpPr/>
+          <p:nvPr/>
+        </p:nvGrpSpPr>
+        <p:grpSpPr>
+          <a:xfrm>
+            <a:off x="1774726" y="2900619"/>
+            <a:ext cx="4896544" cy="432048"/>
+            <a:chOff x="3779912" y="1777380"/>
+            <a:chExt cx="4896544" cy="432048"/>
+          </a:xfrm>
+        </p:grpSpPr>
+        <p:sp>
+          <p:nvSpPr>
+            <p:cNvPr id="40" name="矩形 39"/>
+            <p:cNvSpPr/>
+            <p:nvPr/>
+          </p:nvSpPr>
+          <p:spPr>
+            <a:xfrm>
+              <a:off x="3779912" y="1777380"/>
+              <a:ext cx="4896544" cy="432048"/>
+            </a:xfrm>
+            <a:prstGeom prst="rect">
+              <a:avLst/>
+            </a:prstGeom>
+            <a:noFill/>
+            <a:ln w="12700" cap="flat" cmpd="sng" algn="ctr">
+              <a:solidFill>
+                <a:srgbClr val="F05425"/>
+              </a:solidFill>
+              <a:prstDash val="solid"/>
+            </a:ln>
+            <a:effectLst>
+              <a:outerShdw blurRad="50800" dist="38100" dir="5400000" algn="t" rotWithShape="0">
+                <a:prstClr val="black">
+                  <a:alpha val="40000"/>
+                </a:prstClr>
+              </a:outerShdw>
+            </a:effectLst>
+          </p:spPr>
+          <p:txBody>
+            <a:bodyPr rtlCol="0" anchor="ctr"/>
+            <a:lstStyle/>
+            <a:p>
+              <a:pPr marL="0" marR="0" lvl="0" indent="0" algn="ctr" defTabSz="914400" eaLnBrk="1" fontAlgn="auto" latinLnBrk="0" hangingPunct="1">
+                <a:lnSpc>
+                  <a:spcPct val="100000"/>
+                </a:lnSpc>
+                <a:spcBef>
+                  <a:spcPts val="0"/>
+                </a:spcBef>
+                <a:spcAft>
+                  <a:spcPts val="0"/>
+                </a:spcAft>
+                <a:buClrTx/>
+                <a:buSzTx/>
+                <a:buFontTx/>
+                <a:buNone/>
+                <a:tabLst/>
+                <a:defRPr/>
+              </a:pPr>
+              <a:endParaRPr kumimoji="0" lang="zh-CN" altLang="en-US" sz="1800" b="0" i="0" u="none" strike="noStrike" kern="0" cap="none" spc="0" normalizeH="0" baseline="0" noProof="0">
+                <a:ln>
+                  <a:noFill/>
+                </a:ln>
+                <a:solidFill>
+                  <a:sysClr val="window" lastClr="FFFFFF"/>
+                </a:solidFill>
+                <a:effectLst/>
+                <a:uLnTx/>
+                <a:uFillTx/>
+                <a:latin typeface="Calibri"/>
+                <a:ea typeface="微软雅黑"/>
+                <a:cs typeface="+mn-cs"/>
+              </a:endParaRPr>
+            </a:p>
+          </p:txBody>
+        </p:sp>
+        <p:sp>
+          <p:nvSpPr>
+            <p:cNvPr id="41" name="矩形 40"/>
+            <p:cNvSpPr/>
+            <p:nvPr/>
+          </p:nvSpPr>
+          <p:spPr>
+            <a:xfrm>
+              <a:off x="3779912" y="1777380"/>
+              <a:ext cx="432048" cy="432048"/>
+            </a:xfrm>
+            <a:prstGeom prst="rect">
+              <a:avLst/>
+            </a:prstGeom>
+            <a:solidFill>
+              <a:srgbClr val="F05425"/>
+            </a:solidFill>
+            <a:ln w="12700" cap="flat" cmpd="sng" algn="ctr">
+              <a:solidFill>
+                <a:srgbClr val="F05425"/>
+              </a:solidFill>
+              <a:prstDash val="solid"/>
+            </a:ln>
+            <a:effectLst/>
+          </p:spPr>
+          <p:txBody>
+            <a:bodyPr rtlCol="0" anchor="ctr"/>
+            <a:lstStyle/>
+            <a:p>
+              <a:pPr algn="ctr"/>
+              <a:r>
+                <a:rPr lang="en-US" altLang="zh-CN" sz="2400" kern="0" dirty="0">
+                  <a:solidFill>
+                    <a:sysClr val="window" lastClr="FFFFFF"/>
+                  </a:solidFill>
+                  <a:latin typeface="Broadway" pitchFamily="82" charset="0"/>
+                  <a:ea typeface="微软雅黑"/>
+                </a:rPr>
+                <a:t>2</a:t>
+              </a:r>
+              <a:endParaRPr lang="zh-CN" altLang="en-US" sz="2400" kern="0" dirty="0">
+                <a:solidFill>
+                  <a:sysClr val="window" lastClr="FFFFFF"/>
+                </a:solidFill>
+                <a:latin typeface="Broadway" pitchFamily="82" charset="0"/>
+                <a:ea typeface="微软雅黑"/>
+              </a:endParaRPr>
+            </a:p>
+          </p:txBody>
+        </p:sp>
+        <p:sp>
+          <p:nvSpPr>
+            <p:cNvPr id="42" name="TextBox 41"/>
+            <p:cNvSpPr txBox="1"/>
+            <p:nvPr/>
+          </p:nvSpPr>
+          <p:spPr>
+            <a:xfrm>
+              <a:off x="4382368" y="1824127"/>
+              <a:ext cx="4078064" cy="369332"/>
+            </a:xfrm>
+            <a:prstGeom prst="rect">
+              <a:avLst/>
+            </a:prstGeom>
+            <a:noFill/>
+          </p:spPr>
+          <p:txBody>
+            <a:bodyPr wrap="square" rtlCol="0">
+              <a:spAutoFit/>
+            </a:bodyPr>
+            <a:lstStyle/>
+            <a:p>
+              <a:pPr marL="0" marR="0" lvl="0" indent="0" algn="ctr" defTabSz="914400" eaLnBrk="1" fontAlgn="auto" latinLnBrk="0" hangingPunct="1">
+                <a:lnSpc>
+                  <a:spcPct val="100000"/>
+                </a:lnSpc>
+                <a:spcBef>
+                  <a:spcPts val="0"/>
+                </a:spcBef>
+                <a:spcAft>
+                  <a:spcPts val="0"/>
+                </a:spcAft>
+                <a:buClrTx/>
+                <a:buSzTx/>
+                <a:buFontTx/>
+                <a:buNone/>
+                <a:tabLst/>
+                <a:defRPr/>
+              </a:pPr>
+              <a:r>
+                <a:rPr kumimoji="0" lang="zh-CN" altLang="en-US" b="0" i="0" u="none" strike="noStrike" kern="0" cap="none" spc="0" normalizeH="0" baseline="0" noProof="0" dirty="0">
+                  <a:ln>
+                    <a:noFill/>
+                  </a:ln>
+                  <a:solidFill>
+                    <a:schemeClr val="bg1">
+                      <a:lumMod val="50000"/>
+                    </a:schemeClr>
+                  </a:solidFill>
+                  <a:effectLst/>
+                  <a:uLnTx/>
+                  <a:uFillTx/>
+                  <a:latin typeface="微软雅黑" pitchFamily="34" charset="-122"/>
+                  <a:ea typeface="微软雅黑" pitchFamily="34" charset="-122"/>
+                </a:rPr>
+                <a:t>国内外积极心理学研究</a:t>
+              </a:r>
+            </a:p>
+          </p:txBody>
+        </p:sp>
+      </p:grpSp>
+      <p:grpSp>
+        <p:nvGrpSpPr>
+          <p:cNvPr id="43" name="组合 42"/>
+          <p:cNvGrpSpPr/>
+          <p:nvPr/>
+        </p:nvGrpSpPr>
+        <p:grpSpPr>
+          <a:xfrm>
+            <a:off x="1774726" y="3704870"/>
+            <a:ext cx="4896544" cy="432048"/>
+            <a:chOff x="3779912" y="1777380"/>
+            <a:chExt cx="4896544" cy="432048"/>
+          </a:xfrm>
+        </p:grpSpPr>
+        <p:sp>
+          <p:nvSpPr>
+            <p:cNvPr id="44" name="矩形 43"/>
+            <p:cNvSpPr/>
+            <p:nvPr/>
+          </p:nvSpPr>
+          <p:spPr>
+            <a:xfrm>
+              <a:off x="3779912" y="1777380"/>
+              <a:ext cx="4896544" cy="432048"/>
+            </a:xfrm>
+            <a:prstGeom prst="rect">
+              <a:avLst/>
+            </a:prstGeom>
+            <a:noFill/>
+            <a:ln w="12700" cap="flat" cmpd="sng" algn="ctr">
+              <a:solidFill>
+                <a:srgbClr val="F05425"/>
+              </a:solidFill>
+              <a:prstDash val="solid"/>
+            </a:ln>
+            <a:effectLst>
+              <a:outerShdw blurRad="50800" dist="38100" dir="5400000" algn="t" rotWithShape="0">
+                <a:prstClr val="black">
+                  <a:alpha val="40000"/>
+                </a:prstClr>
+              </a:outerShdw>
+            </a:effectLst>
+          </p:spPr>
+          <p:txBody>
+            <a:bodyPr rtlCol="0" anchor="ctr"/>
+            <a:lstStyle/>
+            <a:p>
+              <a:pPr marL="0" marR="0" lvl="0" indent="0" algn="ctr" defTabSz="914400" eaLnBrk="1" fontAlgn="auto" latinLnBrk="0" hangingPunct="1">
+                <a:lnSpc>
+                  <a:spcPct val="100000"/>
+                </a:lnSpc>
+                <a:spcBef>
+                  <a:spcPts val="0"/>
+                </a:spcBef>
+                <a:spcAft>
+                  <a:spcPts val="0"/>
+                </a:spcAft>
+                <a:buClrTx/>
+                <a:buSzTx/>
+                <a:buFontTx/>
+                <a:buNone/>
+                <a:tabLst/>
+                <a:defRPr/>
+              </a:pPr>
+              <a:endParaRPr kumimoji="0" lang="zh-CN" altLang="en-US" sz="1800" b="0" i="0" u="none" strike="noStrike" kern="0" cap="none" spc="0" normalizeH="0" baseline="0" noProof="0">
+                <a:ln>
+                  <a:noFill/>
+                </a:ln>
+                <a:solidFill>
+                  <a:sysClr val="window" lastClr="FFFFFF"/>
+                </a:solidFill>
+                <a:effectLst/>
+                <a:uLnTx/>
+                <a:uFillTx/>
+                <a:latin typeface="Calibri"/>
+                <a:ea typeface="微软雅黑"/>
+                <a:cs typeface="+mn-cs"/>
+              </a:endParaRPr>
+            </a:p>
+          </p:txBody>
+        </p:sp>
+        <p:sp>
+          <p:nvSpPr>
+            <p:cNvPr id="45" name="矩形 44"/>
+            <p:cNvSpPr/>
+            <p:nvPr/>
+          </p:nvSpPr>
+          <p:spPr>
+            <a:xfrm>
+              <a:off x="3779912" y="1777380"/>
+              <a:ext cx="432048" cy="432048"/>
+            </a:xfrm>
+            <a:prstGeom prst="rect">
+              <a:avLst/>
+            </a:prstGeom>
+            <a:solidFill>
+              <a:srgbClr val="F05425"/>
+            </a:solidFill>
+            <a:ln w="12700" cap="flat" cmpd="sng" algn="ctr">
+              <a:solidFill>
+                <a:srgbClr val="F05425"/>
+              </a:solidFill>
+              <a:prstDash val="solid"/>
+            </a:ln>
+            <a:effectLst/>
+          </p:spPr>
+          <p:txBody>
+            <a:bodyPr rtlCol="0" anchor="ctr"/>
+            <a:lstStyle/>
+            <a:p>
+              <a:pPr marR="0" lvl="0" indent="0" algn="ctr" fontAlgn="auto">
+                <a:lnSpc>
+                  <a:spcPct val="100000"/>
+                </a:lnSpc>
+                <a:spcBef>
+                  <a:spcPts val="0"/>
+                </a:spcBef>
+                <a:spcAft>
+                  <a:spcPts val="0"/>
+                </a:spcAft>
+                <a:buClrTx/>
+                <a:buSzTx/>
+                <a:buFontTx/>
+                <a:buNone/>
+                <a:tabLst/>
+                <a:defRPr/>
+              </a:pPr>
+              <a:r>
+                <a:rPr lang="en-US" altLang="zh-CN" sz="2400" kern="0" dirty="0">
+                  <a:solidFill>
+                    <a:sysClr val="window" lastClr="FFFFFF"/>
+                  </a:solidFill>
+                  <a:latin typeface="Broadway" pitchFamily="82" charset="0"/>
+                  <a:ea typeface="微软雅黑"/>
+                </a:rPr>
+                <a:t>3</a:t>
+              </a:r>
+              <a:endParaRPr lang="zh-CN" altLang="en-US" sz="2400" kern="0" dirty="0">
+                <a:solidFill>
+                  <a:sysClr val="window" lastClr="FFFFFF"/>
+                </a:solidFill>
+                <a:latin typeface="Broadway" pitchFamily="82" charset="0"/>
+                <a:ea typeface="微软雅黑"/>
+              </a:endParaRPr>
+            </a:p>
+          </p:txBody>
+        </p:sp>
+        <p:sp>
+          <p:nvSpPr>
+            <p:cNvPr id="46" name="TextBox 45"/>
+            <p:cNvSpPr txBox="1"/>
+            <p:nvPr/>
+          </p:nvSpPr>
+          <p:spPr>
+            <a:xfrm>
+              <a:off x="4382368" y="1824127"/>
+              <a:ext cx="4078064" cy="369332"/>
+            </a:xfrm>
+            <a:prstGeom prst="rect">
+              <a:avLst/>
+            </a:prstGeom>
+            <a:noFill/>
+          </p:spPr>
+          <p:txBody>
+            <a:bodyPr wrap="square" rtlCol="0">
+              <a:spAutoFit/>
+            </a:bodyPr>
+            <a:lstStyle/>
+            <a:p>
+              <a:pPr marL="0" marR="0" lvl="0" indent="0" algn="ctr" defTabSz="914400" eaLnBrk="1" fontAlgn="auto" latinLnBrk="0" hangingPunct="1">
+                <a:lnSpc>
+                  <a:spcPct val="100000"/>
+                </a:lnSpc>
+                <a:spcBef>
+                  <a:spcPts val="0"/>
+                </a:spcBef>
+                <a:spcAft>
+                  <a:spcPts val="0"/>
+                </a:spcAft>
+                <a:buClrTx/>
+                <a:buSzTx/>
+                <a:buFontTx/>
+                <a:buNone/>
+                <a:tabLst/>
+                <a:defRPr/>
+              </a:pPr>
+              <a:r>
+                <a:rPr kumimoji="0" lang="zh-CN" altLang="en-US" b="0" i="0" u="none" strike="noStrike" kern="0" cap="none" spc="0" normalizeH="0" baseline="0" noProof="0" dirty="0">
+                  <a:ln>
+                    <a:noFill/>
+                  </a:ln>
+                  <a:solidFill>
+                    <a:schemeClr val="bg1">
+                      <a:lumMod val="50000"/>
+                    </a:schemeClr>
+                  </a:solidFill>
+                  <a:effectLst/>
+                  <a:uLnTx/>
+                  <a:uFillTx/>
+                  <a:latin typeface="微软雅黑" pitchFamily="34" charset="-122"/>
+                  <a:ea typeface="微软雅黑" pitchFamily="34" charset="-122"/>
+                </a:rPr>
+                <a:t>积极心理学主要内容</a:t>
+              </a:r>
+            </a:p>
+          </p:txBody>
+        </p:sp>
+      </p:grpSp>
+      <p:grpSp>
+        <p:nvGrpSpPr>
+          <p:cNvPr id="49" name="组合 48"/>
+          <p:cNvGrpSpPr/>
+          <p:nvPr/>
+        </p:nvGrpSpPr>
+        <p:grpSpPr>
+          <a:xfrm>
+            <a:off x="1774726" y="4509120"/>
+            <a:ext cx="4896544" cy="432048"/>
+            <a:chOff x="3779912" y="1777380"/>
+            <a:chExt cx="4896544" cy="432048"/>
+          </a:xfrm>
+        </p:grpSpPr>
+        <p:sp>
+          <p:nvSpPr>
+            <p:cNvPr id="50" name="矩形 49"/>
+            <p:cNvSpPr/>
+            <p:nvPr/>
+          </p:nvSpPr>
+          <p:spPr>
+            <a:xfrm>
+              <a:off x="3779912" y="1777380"/>
+              <a:ext cx="4896544" cy="432048"/>
+            </a:xfrm>
+            <a:prstGeom prst="rect">
+              <a:avLst/>
+            </a:prstGeom>
+            <a:noFill/>
+            <a:ln w="12700" cap="flat" cmpd="sng" algn="ctr">
+              <a:solidFill>
+                <a:srgbClr val="F05425"/>
+              </a:solidFill>
+              <a:prstDash val="solid"/>
+            </a:ln>
+            <a:effectLst>
+              <a:outerShdw blurRad="50800" dist="38100" dir="5400000" algn="t" rotWithShape="0">
+                <a:prstClr val="black">
+                  <a:alpha val="40000"/>
+                </a:prstClr>
+              </a:outerShdw>
+            </a:effectLst>
+          </p:spPr>
+          <p:txBody>
+            <a:bodyPr rtlCol="0" anchor="ctr"/>
+            <a:lstStyle/>
+            <a:p>
+              <a:pPr marL="0" marR="0" lvl="0" indent="0" algn="ctr" defTabSz="914400" eaLnBrk="1" fontAlgn="auto" latinLnBrk="0" hangingPunct="1">
+                <a:lnSpc>
+                  <a:spcPct val="100000"/>
+                </a:lnSpc>
+                <a:spcBef>
+                  <a:spcPts val="0"/>
+                </a:spcBef>
+                <a:spcAft>
+                  <a:spcPts val="0"/>
+                </a:spcAft>
+                <a:buClrTx/>
+                <a:buSzTx/>
+                <a:buFontTx/>
+                <a:buNone/>
+                <a:tabLst/>
+                <a:defRPr/>
+              </a:pPr>
+              <a:endParaRPr kumimoji="0" lang="zh-CN" altLang="en-US" sz="1800" b="0" i="0" u="none" strike="noStrike" kern="0" cap="none" spc="0" normalizeH="0" baseline="0" noProof="0">
+                <a:ln>
+                  <a:noFill/>
+                </a:ln>
+                <a:solidFill>
+                  <a:sysClr val="window" lastClr="FFFFFF"/>
+                </a:solidFill>
+                <a:effectLst/>
+                <a:uLnTx/>
+                <a:uFillTx/>
+                <a:latin typeface="Calibri"/>
+                <a:ea typeface="微软雅黑"/>
+                <a:cs typeface="+mn-cs"/>
+              </a:endParaRPr>
+            </a:p>
+          </p:txBody>
+        </p:sp>
+        <p:sp>
+          <p:nvSpPr>
+            <p:cNvPr id="51" name="矩形 50"/>
+            <p:cNvSpPr/>
+            <p:nvPr/>
+          </p:nvSpPr>
+          <p:spPr>
+            <a:xfrm>
+              <a:off x="3779912" y="1777380"/>
+              <a:ext cx="432048" cy="432048"/>
+            </a:xfrm>
+            <a:prstGeom prst="rect">
+              <a:avLst/>
+            </a:prstGeom>
+            <a:solidFill>
+              <a:srgbClr val="F05425"/>
+            </a:solidFill>
+            <a:ln w="12700" cap="flat" cmpd="sng" algn="ctr">
+              <a:solidFill>
+                <a:srgbClr val="F05425"/>
+              </a:solidFill>
+              <a:prstDash val="solid"/>
+            </a:ln>
+            <a:effectLst/>
+          </p:spPr>
+          <p:txBody>
+            <a:bodyPr rtlCol="0" anchor="ctr"/>
+            <a:lstStyle/>
+            <a:p>
+              <a:pPr marR="0" lvl="0" indent="0" algn="ctr" fontAlgn="auto">
+                <a:lnSpc>
+                  <a:spcPct val="100000"/>
+                </a:lnSpc>
+                <a:spcBef>
+                  <a:spcPts val="0"/>
+                </a:spcBef>
+                <a:spcAft>
+                  <a:spcPts val="0"/>
+                </a:spcAft>
+                <a:buClrTx/>
+                <a:buSzTx/>
+                <a:buFontTx/>
+                <a:buNone/>
+                <a:tabLst/>
+                <a:defRPr/>
+              </a:pPr>
+              <a:r>
+                <a:rPr lang="en-US" altLang="zh-CN" sz="2400" kern="0" dirty="0">
+                  <a:solidFill>
+                    <a:sysClr val="window" lastClr="FFFFFF"/>
+                  </a:solidFill>
+                  <a:latin typeface="Broadway" pitchFamily="82" charset="0"/>
+                  <a:ea typeface="微软雅黑"/>
+                </a:rPr>
+                <a:t>4</a:t>
+              </a:r>
+              <a:endParaRPr lang="zh-CN" altLang="en-US" sz="2400" kern="0" dirty="0">
+                <a:solidFill>
+                  <a:sysClr val="window" lastClr="FFFFFF"/>
+                </a:solidFill>
+                <a:latin typeface="Broadway" pitchFamily="82" charset="0"/>
+                <a:ea typeface="微软雅黑"/>
+              </a:endParaRPr>
+            </a:p>
+          </p:txBody>
+        </p:sp>
+        <p:sp>
+          <p:nvSpPr>
+            <p:cNvPr id="52" name="TextBox 51"/>
+            <p:cNvSpPr txBox="1"/>
+            <p:nvPr/>
+          </p:nvSpPr>
+          <p:spPr>
+            <a:xfrm>
+              <a:off x="4382368" y="1824127"/>
+              <a:ext cx="4078064" cy="338554"/>
+            </a:xfrm>
+            <a:prstGeom prst="rect">
+              <a:avLst/>
+            </a:prstGeom>
+            <a:noFill/>
+          </p:spPr>
+          <p:txBody>
+            <a:bodyPr wrap="square" rtlCol="0">
+              <a:spAutoFit/>
+            </a:bodyPr>
+            <a:lstStyle/>
+            <a:p>
+              <a:pPr marL="0" marR="0" lvl="0" indent="0" algn="ctr" defTabSz="914400" eaLnBrk="1" fontAlgn="auto" latinLnBrk="0" hangingPunct="1">
+                <a:lnSpc>
+                  <a:spcPct val="100000"/>
+                </a:lnSpc>
+                <a:spcBef>
+                  <a:spcPts val="0"/>
+                </a:spcBef>
+                <a:spcAft>
+                  <a:spcPts val="0"/>
+                </a:spcAft>
+                <a:buClrTx/>
+                <a:buSzTx/>
+                <a:buFontTx/>
+                <a:buNone/>
+                <a:tabLst/>
+                <a:defRPr/>
+              </a:pPr>
+              <a:r>
+                <a:rPr kumimoji="0" lang="zh-CN" altLang="en-US" sz="1600" b="0" i="0" u="none" strike="noStrike" kern="0" cap="none" spc="0" normalizeH="0" baseline="0" noProof="0" dirty="0">
+                  <a:ln>
+                    <a:noFill/>
+                  </a:ln>
+                  <a:solidFill>
+                    <a:schemeClr val="bg1">
+                      <a:lumMod val="50000"/>
+                    </a:schemeClr>
+                  </a:solidFill>
+                  <a:effectLst/>
+                  <a:uLnTx/>
+                  <a:uFillTx/>
+                  <a:latin typeface="微软雅黑" pitchFamily="34" charset="-122"/>
+                  <a:ea typeface="微软雅黑" pitchFamily="34" charset="-122"/>
+                </a:rPr>
+                <a:t>运用场景探索</a:t>
+              </a:r>
+            </a:p>
+          </p:txBody>
+        </p:sp>
+      </p:grpSp>
+    </p:spTree>
+    <p:extLst>
+      <p:ext uri="{BB962C8B-B14F-4D97-AF65-F5344CB8AC3E}">
+        <p14:creationId xmlns:p14="http://schemas.microsoft.com/office/powerpoint/2010/main" val="114511685"/>
+      </p:ext>
+    </p:extLst>
+  </p:cSld>
+  <p:clrMapOvr>
+    <a:masterClrMapping/>
+  </p:clrMapOvr>
+  <mc:AlternateContent xmlns:mc="http://schemas.openxmlformats.org/markup-compatibility/2006" xmlns:p14="http://schemas.microsoft.com/office/powerpoint/2010/main">
+    <mc:Choice Requires="p14">
+      <p:transition spd="slow" p14:dur="900">
+        <p14:flythrough hasBounce="1"/>
+      </p:transition>
+    </mc:Choice>
+    <mc:Fallback xmlns="">
+      <p:transition spd="slow">
+        <p:fade/>
+      </p:transition>
+    </mc:Fallback>
+  </mc:AlternateContent>
+</p:sld>
+</file>
+
+<file path=ppt/slides/slide20.xml><?xml version="1.0" encoding="utf-8"?>
 <p:sld xmlns:a="http://schemas.openxmlformats.org/drawingml/2006/main" xmlns:r="http://schemas.openxmlformats.org/officeDocument/2006/relationships" xmlns:p="http://schemas.openxmlformats.org/presentationml/2006/main">
   <p:cSld>
     <p:spTree>
@@ -16240,7 +17883,7 @@
 </p:sld>
 </file>
 
-<file path=ppt/slides/slide2.xml><?xml version="1.0" encoding="utf-8"?>
+<file path=ppt/slides/slide21.xml><?xml version="1.0" encoding="utf-8"?>
 <p:sld xmlns:a="http://schemas.openxmlformats.org/drawingml/2006/main" xmlns:r="http://schemas.openxmlformats.org/officeDocument/2006/relationships" xmlns:p="http://schemas.openxmlformats.org/presentationml/2006/main">
   <p:cSld>
     <p:spTree>
@@ -16257,1000 +17900,20 @@
           <a:chExt cx="0" cy="0"/>
         </a:xfrm>
       </p:grpSpPr>
-      <p:sp>
-        <p:nvSpPr>
-          <p:cNvPr id="11" name="矩形 10"/>
-          <p:cNvSpPr/>
-          <p:nvPr/>
-        </p:nvSpPr>
-        <p:spPr>
-          <a:xfrm rot="1655153">
-            <a:off x="7756784" y="1813358"/>
-            <a:ext cx="2781854" cy="1872208"/>
-          </a:xfrm>
-          <a:prstGeom prst="rect">
-            <a:avLst/>
-          </a:prstGeom>
-          <a:blipFill dpi="0" rotWithShape="1">
-            <a:blip r:embed="rId2">
-              <a:extLst>
-                <a:ext uri="{28A0092B-C50C-407E-A947-70E740481C1C}">
-                  <a14:useLocalDpi xmlns:a14="http://schemas.microsoft.com/office/drawing/2010/main"/>
-                </a:ext>
-              </a:extLst>
-            </a:blip>
-            <a:srcRect/>
-            <a:stretch>
-              <a:fillRect/>
-            </a:stretch>
-          </a:blipFill>
-          <a:ln>
-            <a:solidFill>
-              <a:schemeClr val="bg1"/>
-            </a:solidFill>
-          </a:ln>
-          <a:effectLst>
-            <a:outerShdw blurRad="63500" sx="102000" sy="102000" algn="ctr" rotWithShape="0">
-              <a:prstClr val="black">
-                <a:alpha val="40000"/>
-              </a:prstClr>
-            </a:outerShdw>
-          </a:effectLst>
-        </p:spPr>
-        <p:style>
-          <a:lnRef idx="2">
-            <a:schemeClr val="accent1">
-              <a:shade val="50000"/>
-            </a:schemeClr>
-          </a:lnRef>
-          <a:fillRef idx="1">
-            <a:schemeClr val="accent1"/>
-          </a:fillRef>
-          <a:effectRef idx="0">
-            <a:schemeClr val="accent1"/>
-          </a:effectRef>
-          <a:fontRef idx="minor">
-            <a:schemeClr val="lt1"/>
-          </a:fontRef>
-        </p:style>
-        <p:txBody>
-          <a:bodyPr rot="0" spcFirstLastPara="0" vertOverflow="overflow" horzOverflow="overflow" vert="horz" wrap="square" lIns="91440" tIns="45720" rIns="91440" bIns="45720" numCol="1" spcCol="0" rtlCol="0" fromWordArt="0" anchor="ctr" anchorCtr="0" forceAA="0" compatLnSpc="1">
-            <a:prstTxWarp prst="textNoShape">
-              <a:avLst/>
-            </a:prstTxWarp>
-            <a:noAutofit/>
-          </a:bodyPr>
-          <a:lstStyle/>
-          <a:p>
-            <a:pPr algn="ctr"/>
-            <a:endParaRPr lang="zh-CN" altLang="en-US"/>
-          </a:p>
-        </p:txBody>
-      </p:sp>
-      <p:sp>
-        <p:nvSpPr>
-          <p:cNvPr id="13" name="矩形 12"/>
-          <p:cNvSpPr/>
-          <p:nvPr/>
-        </p:nvSpPr>
-        <p:spPr>
-          <a:xfrm rot="20132716">
-            <a:off x="7914568" y="3873275"/>
-            <a:ext cx="2781854" cy="1872208"/>
-          </a:xfrm>
-          <a:prstGeom prst="rect">
-            <a:avLst/>
-          </a:prstGeom>
-          <a:blipFill dpi="0" rotWithShape="1">
-            <a:blip r:embed="rId3">
-              <a:extLst>
-                <a:ext uri="{28A0092B-C50C-407E-A947-70E740481C1C}">
-                  <a14:useLocalDpi xmlns:a14="http://schemas.microsoft.com/office/drawing/2010/main"/>
-                </a:ext>
-              </a:extLst>
-            </a:blip>
-            <a:srcRect/>
-            <a:stretch>
-              <a:fillRect/>
-            </a:stretch>
-          </a:blipFill>
-          <a:ln>
-            <a:solidFill>
-              <a:schemeClr val="bg1"/>
-            </a:solidFill>
-          </a:ln>
-          <a:effectLst>
-            <a:outerShdw blurRad="63500" sx="102000" sy="102000" algn="ctr" rotWithShape="0">
-              <a:prstClr val="black">
-                <a:alpha val="40000"/>
-              </a:prstClr>
-            </a:outerShdw>
-          </a:effectLst>
-        </p:spPr>
-        <p:style>
-          <a:lnRef idx="2">
-            <a:schemeClr val="accent1">
-              <a:shade val="50000"/>
-            </a:schemeClr>
-          </a:lnRef>
-          <a:fillRef idx="1">
-            <a:schemeClr val="accent1"/>
-          </a:fillRef>
-          <a:effectRef idx="0">
-            <a:schemeClr val="accent1"/>
-          </a:effectRef>
-          <a:fontRef idx="minor">
-            <a:schemeClr val="lt1"/>
-          </a:fontRef>
-        </p:style>
-        <p:txBody>
-          <a:bodyPr rot="0" spcFirstLastPara="0" vertOverflow="overflow" horzOverflow="overflow" vert="horz" wrap="square" lIns="91440" tIns="45720" rIns="91440" bIns="45720" numCol="1" spcCol="0" rtlCol="0" fromWordArt="0" anchor="ctr" anchorCtr="0" forceAA="0" compatLnSpc="1">
-            <a:prstTxWarp prst="textNoShape">
-              <a:avLst/>
-            </a:prstTxWarp>
-            <a:noAutofit/>
-          </a:bodyPr>
-          <a:lstStyle/>
-          <a:p>
-            <a:pPr algn="ctr"/>
-            <a:endParaRPr lang="zh-CN" altLang="en-US"/>
-          </a:p>
-        </p:txBody>
-      </p:sp>
-      <p:grpSp>
-        <p:nvGrpSpPr>
-          <p:cNvPr id="35" name="组合 34"/>
-          <p:cNvGrpSpPr/>
-          <p:nvPr/>
-        </p:nvGrpSpPr>
-        <p:grpSpPr>
-          <a:xfrm>
-            <a:off x="1774726" y="2096368"/>
-            <a:ext cx="4896544" cy="432048"/>
-            <a:chOff x="3779912" y="1777380"/>
-            <a:chExt cx="4896544" cy="432048"/>
-          </a:xfrm>
-        </p:grpSpPr>
-        <p:sp>
-          <p:nvSpPr>
-            <p:cNvPr id="36" name="矩形 35"/>
-            <p:cNvSpPr/>
-            <p:nvPr/>
-          </p:nvSpPr>
-          <p:spPr>
-            <a:xfrm>
-              <a:off x="3779912" y="1777380"/>
-              <a:ext cx="4896544" cy="432048"/>
-            </a:xfrm>
-            <a:prstGeom prst="rect">
-              <a:avLst/>
-            </a:prstGeom>
-            <a:noFill/>
-            <a:ln w="12700" cap="flat" cmpd="sng" algn="ctr">
-              <a:solidFill>
-                <a:srgbClr val="F05425"/>
-              </a:solidFill>
-              <a:prstDash val="solid"/>
-            </a:ln>
-            <a:effectLst>
-              <a:outerShdw blurRad="50800" dist="38100" dir="5400000" algn="t" rotWithShape="0">
-                <a:prstClr val="black">
-                  <a:alpha val="40000"/>
-                </a:prstClr>
-              </a:outerShdw>
-            </a:effectLst>
-          </p:spPr>
-          <p:txBody>
-            <a:bodyPr rtlCol="0" anchor="ctr"/>
-            <a:lstStyle/>
-            <a:p>
-              <a:pPr marL="0" marR="0" lvl="0" indent="0" algn="ctr" defTabSz="914400" eaLnBrk="1" fontAlgn="auto" latinLnBrk="0" hangingPunct="1">
-                <a:lnSpc>
-                  <a:spcPct val="100000"/>
-                </a:lnSpc>
-                <a:spcBef>
-                  <a:spcPts val="0"/>
-                </a:spcBef>
-                <a:spcAft>
-                  <a:spcPts val="0"/>
-                </a:spcAft>
-                <a:buClrTx/>
-                <a:buSzTx/>
-                <a:buFontTx/>
-                <a:buNone/>
-                <a:tabLst/>
-                <a:defRPr/>
-              </a:pPr>
-              <a:endParaRPr kumimoji="0" lang="zh-CN" altLang="en-US" sz="1800" b="0" i="0" u="none" strike="noStrike" kern="0" cap="none" spc="0" normalizeH="0" baseline="0" noProof="0">
-                <a:ln>
-                  <a:noFill/>
-                </a:ln>
-                <a:solidFill>
-                  <a:sysClr val="window" lastClr="FFFFFF"/>
-                </a:solidFill>
-                <a:effectLst/>
-                <a:uLnTx/>
-                <a:uFillTx/>
-                <a:latin typeface="Calibri"/>
-                <a:ea typeface="微软雅黑"/>
-                <a:cs typeface="+mn-cs"/>
-              </a:endParaRPr>
-            </a:p>
-          </p:txBody>
-        </p:sp>
-        <p:sp>
-          <p:nvSpPr>
-            <p:cNvPr id="37" name="矩形 36"/>
-            <p:cNvSpPr/>
-            <p:nvPr/>
-          </p:nvSpPr>
-          <p:spPr>
-            <a:xfrm>
-              <a:off x="3779912" y="1777380"/>
-              <a:ext cx="432048" cy="432048"/>
-            </a:xfrm>
-            <a:prstGeom prst="rect">
-              <a:avLst/>
-            </a:prstGeom>
-            <a:solidFill>
-              <a:srgbClr val="F05425"/>
-            </a:solidFill>
-            <a:ln w="12700" cap="flat" cmpd="sng" algn="ctr">
-              <a:solidFill>
-                <a:srgbClr val="F05425"/>
-              </a:solidFill>
-              <a:prstDash val="solid"/>
-            </a:ln>
-            <a:effectLst/>
-          </p:spPr>
-          <p:txBody>
-            <a:bodyPr rtlCol="0" anchor="ctr"/>
-            <a:lstStyle/>
-            <a:p>
-              <a:pPr marL="0" marR="0" lvl="0" indent="0" algn="ctr" defTabSz="914400" eaLnBrk="1" fontAlgn="auto" latinLnBrk="0" hangingPunct="1">
-                <a:lnSpc>
-                  <a:spcPct val="100000"/>
-                </a:lnSpc>
-                <a:spcBef>
-                  <a:spcPts val="0"/>
-                </a:spcBef>
-                <a:spcAft>
-                  <a:spcPts val="0"/>
-                </a:spcAft>
-                <a:buClrTx/>
-                <a:buSzTx/>
-                <a:buFontTx/>
-                <a:buNone/>
-                <a:tabLst/>
-                <a:defRPr/>
-              </a:pPr>
-              <a:r>
-                <a:rPr kumimoji="0" lang="en-US" altLang="zh-CN" sz="2400" b="0" i="0" u="none" strike="noStrike" kern="0" cap="none" spc="0" normalizeH="0" baseline="0" noProof="0" dirty="0">
-                  <a:ln>
-                    <a:noFill/>
-                  </a:ln>
-                  <a:solidFill>
-                    <a:sysClr val="window" lastClr="FFFFFF"/>
-                  </a:solidFill>
-                  <a:effectLst/>
-                  <a:uLnTx/>
-                  <a:uFillTx/>
-                  <a:latin typeface="Broadway" pitchFamily="82" charset="0"/>
-                  <a:ea typeface="微软雅黑"/>
-                </a:rPr>
-                <a:t>1</a:t>
-              </a:r>
-              <a:endParaRPr kumimoji="0" lang="zh-CN" altLang="en-US" sz="2400" b="0" i="0" u="none" strike="noStrike" kern="0" cap="none" spc="0" normalizeH="0" baseline="0" noProof="0" dirty="0">
-                <a:ln>
-                  <a:noFill/>
-                </a:ln>
-                <a:solidFill>
-                  <a:sysClr val="window" lastClr="FFFFFF"/>
-                </a:solidFill>
-                <a:effectLst/>
-                <a:uLnTx/>
-                <a:uFillTx/>
-                <a:latin typeface="Broadway" pitchFamily="82" charset="0"/>
-                <a:ea typeface="微软雅黑"/>
-              </a:endParaRPr>
-            </a:p>
-          </p:txBody>
-        </p:sp>
-        <p:sp>
-          <p:nvSpPr>
-            <p:cNvPr id="38" name="TextBox 37"/>
-            <p:cNvSpPr txBox="1"/>
-            <p:nvPr/>
-          </p:nvSpPr>
-          <p:spPr>
-            <a:xfrm>
-              <a:off x="4382368" y="1824127"/>
-              <a:ext cx="4078064" cy="369332"/>
-            </a:xfrm>
-            <a:prstGeom prst="rect">
-              <a:avLst/>
-            </a:prstGeom>
-            <a:noFill/>
-          </p:spPr>
-          <p:txBody>
-            <a:bodyPr wrap="square" rtlCol="0">
-              <a:spAutoFit/>
-            </a:bodyPr>
-            <a:lstStyle/>
-            <a:p>
-              <a:pPr marL="0" marR="0" lvl="0" indent="0" algn="ctr" defTabSz="914400" eaLnBrk="1" fontAlgn="auto" latinLnBrk="0" hangingPunct="1">
-                <a:lnSpc>
-                  <a:spcPct val="100000"/>
-                </a:lnSpc>
-                <a:spcBef>
-                  <a:spcPts val="0"/>
-                </a:spcBef>
-                <a:spcAft>
-                  <a:spcPts val="0"/>
-                </a:spcAft>
-                <a:buClrTx/>
-                <a:buSzTx/>
-                <a:buFontTx/>
-                <a:buNone/>
-                <a:tabLst/>
-                <a:defRPr/>
-              </a:pPr>
-              <a:r>
-                <a:rPr kumimoji="0" lang="zh-CN" altLang="en-US" b="0" i="0" u="none" strike="noStrike" kern="0" cap="none" spc="0" normalizeH="0" baseline="0" noProof="0" dirty="0">
-                  <a:ln>
-                    <a:noFill/>
-                  </a:ln>
-                  <a:solidFill>
-                    <a:schemeClr val="bg1">
-                      <a:lumMod val="50000"/>
-                    </a:schemeClr>
-                  </a:solidFill>
-                  <a:effectLst/>
-                  <a:uLnTx/>
-                  <a:uFillTx/>
-                  <a:latin typeface="微软雅黑" pitchFamily="34" charset="-122"/>
-                  <a:ea typeface="微软雅黑" pitchFamily="34" charset="-122"/>
-                </a:rPr>
-                <a:t>积极心理学发展</a:t>
-              </a:r>
-            </a:p>
-          </p:txBody>
-        </p:sp>
-      </p:grpSp>
-      <p:grpSp>
-        <p:nvGrpSpPr>
-          <p:cNvPr id="39" name="组合 38"/>
-          <p:cNvGrpSpPr/>
-          <p:nvPr/>
-        </p:nvGrpSpPr>
-        <p:grpSpPr>
-          <a:xfrm>
-            <a:off x="1774726" y="2900619"/>
-            <a:ext cx="4896544" cy="432048"/>
-            <a:chOff x="3779912" y="1777380"/>
-            <a:chExt cx="4896544" cy="432048"/>
-          </a:xfrm>
-        </p:grpSpPr>
-        <p:sp>
-          <p:nvSpPr>
-            <p:cNvPr id="40" name="矩形 39"/>
-            <p:cNvSpPr/>
-            <p:nvPr/>
-          </p:nvSpPr>
-          <p:spPr>
-            <a:xfrm>
-              <a:off x="3779912" y="1777380"/>
-              <a:ext cx="4896544" cy="432048"/>
-            </a:xfrm>
-            <a:prstGeom prst="rect">
-              <a:avLst/>
-            </a:prstGeom>
-            <a:noFill/>
-            <a:ln w="12700" cap="flat" cmpd="sng" algn="ctr">
-              <a:solidFill>
-                <a:srgbClr val="F05425"/>
-              </a:solidFill>
-              <a:prstDash val="solid"/>
-            </a:ln>
-            <a:effectLst>
-              <a:outerShdw blurRad="50800" dist="38100" dir="5400000" algn="t" rotWithShape="0">
-                <a:prstClr val="black">
-                  <a:alpha val="40000"/>
-                </a:prstClr>
-              </a:outerShdw>
-            </a:effectLst>
-          </p:spPr>
-          <p:txBody>
-            <a:bodyPr rtlCol="0" anchor="ctr"/>
-            <a:lstStyle/>
-            <a:p>
-              <a:pPr marL="0" marR="0" lvl="0" indent="0" algn="ctr" defTabSz="914400" eaLnBrk="1" fontAlgn="auto" latinLnBrk="0" hangingPunct="1">
-                <a:lnSpc>
-                  <a:spcPct val="100000"/>
-                </a:lnSpc>
-                <a:spcBef>
-                  <a:spcPts val="0"/>
-                </a:spcBef>
-                <a:spcAft>
-                  <a:spcPts val="0"/>
-                </a:spcAft>
-                <a:buClrTx/>
-                <a:buSzTx/>
-                <a:buFontTx/>
-                <a:buNone/>
-                <a:tabLst/>
-                <a:defRPr/>
-              </a:pPr>
-              <a:endParaRPr kumimoji="0" lang="zh-CN" altLang="en-US" sz="1800" b="0" i="0" u="none" strike="noStrike" kern="0" cap="none" spc="0" normalizeH="0" baseline="0" noProof="0">
-                <a:ln>
-                  <a:noFill/>
-                </a:ln>
-                <a:solidFill>
-                  <a:sysClr val="window" lastClr="FFFFFF"/>
-                </a:solidFill>
-                <a:effectLst/>
-                <a:uLnTx/>
-                <a:uFillTx/>
-                <a:latin typeface="Calibri"/>
-                <a:ea typeface="微软雅黑"/>
-                <a:cs typeface="+mn-cs"/>
-              </a:endParaRPr>
-            </a:p>
-          </p:txBody>
-        </p:sp>
-        <p:sp>
-          <p:nvSpPr>
-            <p:cNvPr id="41" name="矩形 40"/>
-            <p:cNvSpPr/>
-            <p:nvPr/>
-          </p:nvSpPr>
-          <p:spPr>
-            <a:xfrm>
-              <a:off x="3779912" y="1777380"/>
-              <a:ext cx="432048" cy="432048"/>
-            </a:xfrm>
-            <a:prstGeom prst="rect">
-              <a:avLst/>
-            </a:prstGeom>
-            <a:solidFill>
-              <a:srgbClr val="F05425"/>
-            </a:solidFill>
-            <a:ln w="12700" cap="flat" cmpd="sng" algn="ctr">
-              <a:solidFill>
-                <a:srgbClr val="F05425"/>
-              </a:solidFill>
-              <a:prstDash val="solid"/>
-            </a:ln>
-            <a:effectLst/>
-          </p:spPr>
-          <p:txBody>
-            <a:bodyPr rtlCol="0" anchor="ctr"/>
-            <a:lstStyle/>
-            <a:p>
-              <a:pPr algn="ctr"/>
-              <a:r>
-                <a:rPr lang="en-US" altLang="zh-CN" sz="2400" kern="0" dirty="0">
-                  <a:solidFill>
-                    <a:sysClr val="window" lastClr="FFFFFF"/>
-                  </a:solidFill>
-                  <a:latin typeface="Broadway" pitchFamily="82" charset="0"/>
-                  <a:ea typeface="微软雅黑"/>
-                </a:rPr>
-                <a:t>2</a:t>
-              </a:r>
-              <a:endParaRPr lang="zh-CN" altLang="en-US" sz="2400" kern="0" dirty="0">
-                <a:solidFill>
-                  <a:sysClr val="window" lastClr="FFFFFF"/>
-                </a:solidFill>
-                <a:latin typeface="Broadway" pitchFamily="82" charset="0"/>
-                <a:ea typeface="微软雅黑"/>
-              </a:endParaRPr>
-            </a:p>
-          </p:txBody>
-        </p:sp>
-        <p:sp>
-          <p:nvSpPr>
-            <p:cNvPr id="42" name="TextBox 41"/>
-            <p:cNvSpPr txBox="1"/>
-            <p:nvPr/>
-          </p:nvSpPr>
-          <p:spPr>
-            <a:xfrm>
-              <a:off x="4382368" y="1824127"/>
-              <a:ext cx="4078064" cy="369332"/>
-            </a:xfrm>
-            <a:prstGeom prst="rect">
-              <a:avLst/>
-            </a:prstGeom>
-            <a:noFill/>
-          </p:spPr>
-          <p:txBody>
-            <a:bodyPr wrap="square" rtlCol="0">
-              <a:spAutoFit/>
-            </a:bodyPr>
-            <a:lstStyle/>
-            <a:p>
-              <a:pPr marL="0" marR="0" lvl="0" indent="0" algn="ctr" defTabSz="914400" eaLnBrk="1" fontAlgn="auto" latinLnBrk="0" hangingPunct="1">
-                <a:lnSpc>
-                  <a:spcPct val="100000"/>
-                </a:lnSpc>
-                <a:spcBef>
-                  <a:spcPts val="0"/>
-                </a:spcBef>
-                <a:spcAft>
-                  <a:spcPts val="0"/>
-                </a:spcAft>
-                <a:buClrTx/>
-                <a:buSzTx/>
-                <a:buFontTx/>
-                <a:buNone/>
-                <a:tabLst/>
-                <a:defRPr/>
-              </a:pPr>
-              <a:r>
-                <a:rPr kumimoji="0" lang="zh-CN" altLang="en-US" b="0" i="0" u="none" strike="noStrike" kern="0" cap="none" spc="0" normalizeH="0" baseline="0" noProof="0" dirty="0">
-                  <a:ln>
-                    <a:noFill/>
-                  </a:ln>
-                  <a:solidFill>
-                    <a:schemeClr val="bg1">
-                      <a:lumMod val="50000"/>
-                    </a:schemeClr>
-                  </a:solidFill>
-                  <a:effectLst/>
-                  <a:uLnTx/>
-                  <a:uFillTx/>
-                  <a:latin typeface="微软雅黑" pitchFamily="34" charset="-122"/>
-                  <a:ea typeface="微软雅黑" pitchFamily="34" charset="-122"/>
-                </a:rPr>
-                <a:t>国内外积极心理学研究</a:t>
-              </a:r>
-            </a:p>
-          </p:txBody>
-        </p:sp>
-      </p:grpSp>
-      <p:grpSp>
-        <p:nvGrpSpPr>
-          <p:cNvPr id="43" name="组合 42"/>
-          <p:cNvGrpSpPr/>
-          <p:nvPr/>
-        </p:nvGrpSpPr>
-        <p:grpSpPr>
-          <a:xfrm>
-            <a:off x="1774726" y="3704870"/>
-            <a:ext cx="4896544" cy="432048"/>
-            <a:chOff x="3779912" y="1777380"/>
-            <a:chExt cx="4896544" cy="432048"/>
-          </a:xfrm>
-        </p:grpSpPr>
-        <p:sp>
-          <p:nvSpPr>
-            <p:cNvPr id="44" name="矩形 43"/>
-            <p:cNvSpPr/>
-            <p:nvPr/>
-          </p:nvSpPr>
-          <p:spPr>
-            <a:xfrm>
-              <a:off x="3779912" y="1777380"/>
-              <a:ext cx="4896544" cy="432048"/>
-            </a:xfrm>
-            <a:prstGeom prst="rect">
-              <a:avLst/>
-            </a:prstGeom>
-            <a:noFill/>
-            <a:ln w="12700" cap="flat" cmpd="sng" algn="ctr">
-              <a:solidFill>
-                <a:srgbClr val="F05425"/>
-              </a:solidFill>
-              <a:prstDash val="solid"/>
-            </a:ln>
-            <a:effectLst>
-              <a:outerShdw blurRad="50800" dist="38100" dir="5400000" algn="t" rotWithShape="0">
-                <a:prstClr val="black">
-                  <a:alpha val="40000"/>
-                </a:prstClr>
-              </a:outerShdw>
-            </a:effectLst>
-          </p:spPr>
-          <p:txBody>
-            <a:bodyPr rtlCol="0" anchor="ctr"/>
-            <a:lstStyle/>
-            <a:p>
-              <a:pPr marL="0" marR="0" lvl="0" indent="0" algn="ctr" defTabSz="914400" eaLnBrk="1" fontAlgn="auto" latinLnBrk="0" hangingPunct="1">
-                <a:lnSpc>
-                  <a:spcPct val="100000"/>
-                </a:lnSpc>
-                <a:spcBef>
-                  <a:spcPts val="0"/>
-                </a:spcBef>
-                <a:spcAft>
-                  <a:spcPts val="0"/>
-                </a:spcAft>
-                <a:buClrTx/>
-                <a:buSzTx/>
-                <a:buFontTx/>
-                <a:buNone/>
-                <a:tabLst/>
-                <a:defRPr/>
-              </a:pPr>
-              <a:endParaRPr kumimoji="0" lang="zh-CN" altLang="en-US" sz="1800" b="0" i="0" u="none" strike="noStrike" kern="0" cap="none" spc="0" normalizeH="0" baseline="0" noProof="0">
-                <a:ln>
-                  <a:noFill/>
-                </a:ln>
-                <a:solidFill>
-                  <a:sysClr val="window" lastClr="FFFFFF"/>
-                </a:solidFill>
-                <a:effectLst/>
-                <a:uLnTx/>
-                <a:uFillTx/>
-                <a:latin typeface="Calibri"/>
-                <a:ea typeface="微软雅黑"/>
-                <a:cs typeface="+mn-cs"/>
-              </a:endParaRPr>
-            </a:p>
-          </p:txBody>
-        </p:sp>
-        <p:sp>
-          <p:nvSpPr>
-            <p:cNvPr id="45" name="矩形 44"/>
-            <p:cNvSpPr/>
-            <p:nvPr/>
-          </p:nvSpPr>
-          <p:spPr>
-            <a:xfrm>
-              <a:off x="3779912" y="1777380"/>
-              <a:ext cx="432048" cy="432048"/>
-            </a:xfrm>
-            <a:prstGeom prst="rect">
-              <a:avLst/>
-            </a:prstGeom>
-            <a:solidFill>
-              <a:srgbClr val="F05425"/>
-            </a:solidFill>
-            <a:ln w="12700" cap="flat" cmpd="sng" algn="ctr">
-              <a:solidFill>
-                <a:srgbClr val="F05425"/>
-              </a:solidFill>
-              <a:prstDash val="solid"/>
-            </a:ln>
-            <a:effectLst/>
-          </p:spPr>
-          <p:txBody>
-            <a:bodyPr rtlCol="0" anchor="ctr"/>
-            <a:lstStyle/>
-            <a:p>
-              <a:pPr marR="0" lvl="0" indent="0" algn="ctr" fontAlgn="auto">
-                <a:lnSpc>
-                  <a:spcPct val="100000"/>
-                </a:lnSpc>
-                <a:spcBef>
-                  <a:spcPts val="0"/>
-                </a:spcBef>
-                <a:spcAft>
-                  <a:spcPts val="0"/>
-                </a:spcAft>
-                <a:buClrTx/>
-                <a:buSzTx/>
-                <a:buFontTx/>
-                <a:buNone/>
-                <a:tabLst/>
-                <a:defRPr/>
-              </a:pPr>
-              <a:r>
-                <a:rPr lang="en-US" altLang="zh-CN" sz="2400" kern="0" dirty="0">
-                  <a:solidFill>
-                    <a:sysClr val="window" lastClr="FFFFFF"/>
-                  </a:solidFill>
-                  <a:latin typeface="Broadway" pitchFamily="82" charset="0"/>
-                  <a:ea typeface="微软雅黑"/>
-                </a:rPr>
-                <a:t>3</a:t>
-              </a:r>
-              <a:endParaRPr lang="zh-CN" altLang="en-US" sz="2400" kern="0" dirty="0">
-                <a:solidFill>
-                  <a:sysClr val="window" lastClr="FFFFFF"/>
-                </a:solidFill>
-                <a:latin typeface="Broadway" pitchFamily="82" charset="0"/>
-                <a:ea typeface="微软雅黑"/>
-              </a:endParaRPr>
-            </a:p>
-          </p:txBody>
-        </p:sp>
-        <p:sp>
-          <p:nvSpPr>
-            <p:cNvPr id="46" name="TextBox 45"/>
-            <p:cNvSpPr txBox="1"/>
-            <p:nvPr/>
-          </p:nvSpPr>
-          <p:spPr>
-            <a:xfrm>
-              <a:off x="4382368" y="1824127"/>
-              <a:ext cx="4078064" cy="369332"/>
-            </a:xfrm>
-            <a:prstGeom prst="rect">
-              <a:avLst/>
-            </a:prstGeom>
-            <a:noFill/>
-          </p:spPr>
-          <p:txBody>
-            <a:bodyPr wrap="square" rtlCol="0">
-              <a:spAutoFit/>
-            </a:bodyPr>
-            <a:lstStyle/>
-            <a:p>
-              <a:pPr marL="0" marR="0" lvl="0" indent="0" algn="ctr" defTabSz="914400" eaLnBrk="1" fontAlgn="auto" latinLnBrk="0" hangingPunct="1">
-                <a:lnSpc>
-                  <a:spcPct val="100000"/>
-                </a:lnSpc>
-                <a:spcBef>
-                  <a:spcPts val="0"/>
-                </a:spcBef>
-                <a:spcAft>
-                  <a:spcPts val="0"/>
-                </a:spcAft>
-                <a:buClrTx/>
-                <a:buSzTx/>
-                <a:buFontTx/>
-                <a:buNone/>
-                <a:tabLst/>
-                <a:defRPr/>
-              </a:pPr>
-              <a:r>
-                <a:rPr kumimoji="0" lang="zh-CN" altLang="en-US" b="0" i="0" u="none" strike="noStrike" kern="0" cap="none" spc="0" normalizeH="0" baseline="0" noProof="0" dirty="0">
-                  <a:ln>
-                    <a:noFill/>
-                  </a:ln>
-                  <a:solidFill>
-                    <a:schemeClr val="bg1">
-                      <a:lumMod val="50000"/>
-                    </a:schemeClr>
-                  </a:solidFill>
-                  <a:effectLst/>
-                  <a:uLnTx/>
-                  <a:uFillTx/>
-                  <a:latin typeface="微软雅黑" pitchFamily="34" charset="-122"/>
-                  <a:ea typeface="微软雅黑" pitchFamily="34" charset="-122"/>
-                </a:rPr>
-                <a:t>积极心理学主要内容</a:t>
-              </a:r>
-            </a:p>
-          </p:txBody>
-        </p:sp>
-      </p:grpSp>
-      <p:grpSp>
-        <p:nvGrpSpPr>
-          <p:cNvPr id="49" name="组合 48"/>
-          <p:cNvGrpSpPr/>
-          <p:nvPr/>
-        </p:nvGrpSpPr>
-        <p:grpSpPr>
-          <a:xfrm>
-            <a:off x="1774726" y="4509120"/>
-            <a:ext cx="4896544" cy="432048"/>
-            <a:chOff x="3779912" y="1777380"/>
-            <a:chExt cx="4896544" cy="432048"/>
-          </a:xfrm>
-        </p:grpSpPr>
-        <p:sp>
-          <p:nvSpPr>
-            <p:cNvPr id="50" name="矩形 49"/>
-            <p:cNvSpPr/>
-            <p:nvPr/>
-          </p:nvSpPr>
-          <p:spPr>
-            <a:xfrm>
-              <a:off x="3779912" y="1777380"/>
-              <a:ext cx="4896544" cy="432048"/>
-            </a:xfrm>
-            <a:prstGeom prst="rect">
-              <a:avLst/>
-            </a:prstGeom>
-            <a:noFill/>
-            <a:ln w="12700" cap="flat" cmpd="sng" algn="ctr">
-              <a:solidFill>
-                <a:srgbClr val="F05425"/>
-              </a:solidFill>
-              <a:prstDash val="solid"/>
-            </a:ln>
-            <a:effectLst>
-              <a:outerShdw blurRad="50800" dist="38100" dir="5400000" algn="t" rotWithShape="0">
-                <a:prstClr val="black">
-                  <a:alpha val="40000"/>
-                </a:prstClr>
-              </a:outerShdw>
-            </a:effectLst>
-          </p:spPr>
-          <p:txBody>
-            <a:bodyPr rtlCol="0" anchor="ctr"/>
-            <a:lstStyle/>
-            <a:p>
-              <a:pPr marL="0" marR="0" lvl="0" indent="0" algn="ctr" defTabSz="914400" eaLnBrk="1" fontAlgn="auto" latinLnBrk="0" hangingPunct="1">
-                <a:lnSpc>
-                  <a:spcPct val="100000"/>
-                </a:lnSpc>
-                <a:spcBef>
-                  <a:spcPts val="0"/>
-                </a:spcBef>
-                <a:spcAft>
-                  <a:spcPts val="0"/>
-                </a:spcAft>
-                <a:buClrTx/>
-                <a:buSzTx/>
-                <a:buFontTx/>
-                <a:buNone/>
-                <a:tabLst/>
-                <a:defRPr/>
-              </a:pPr>
-              <a:endParaRPr kumimoji="0" lang="zh-CN" altLang="en-US" sz="1800" b="0" i="0" u="none" strike="noStrike" kern="0" cap="none" spc="0" normalizeH="0" baseline="0" noProof="0">
-                <a:ln>
-                  <a:noFill/>
-                </a:ln>
-                <a:solidFill>
-                  <a:sysClr val="window" lastClr="FFFFFF"/>
-                </a:solidFill>
-                <a:effectLst/>
-                <a:uLnTx/>
-                <a:uFillTx/>
-                <a:latin typeface="Calibri"/>
-                <a:ea typeface="微软雅黑"/>
-                <a:cs typeface="+mn-cs"/>
-              </a:endParaRPr>
-            </a:p>
-          </p:txBody>
-        </p:sp>
-        <p:sp>
-          <p:nvSpPr>
-            <p:cNvPr id="51" name="矩形 50"/>
-            <p:cNvSpPr/>
-            <p:nvPr/>
-          </p:nvSpPr>
-          <p:spPr>
-            <a:xfrm>
-              <a:off x="3779912" y="1777380"/>
-              <a:ext cx="432048" cy="432048"/>
-            </a:xfrm>
-            <a:prstGeom prst="rect">
-              <a:avLst/>
-            </a:prstGeom>
-            <a:solidFill>
-              <a:srgbClr val="F05425"/>
-            </a:solidFill>
-            <a:ln w="12700" cap="flat" cmpd="sng" algn="ctr">
-              <a:solidFill>
-                <a:srgbClr val="F05425"/>
-              </a:solidFill>
-              <a:prstDash val="solid"/>
-            </a:ln>
-            <a:effectLst/>
-          </p:spPr>
-          <p:txBody>
-            <a:bodyPr rtlCol="0" anchor="ctr"/>
-            <a:lstStyle/>
-            <a:p>
-              <a:pPr marR="0" lvl="0" indent="0" algn="ctr" fontAlgn="auto">
-                <a:lnSpc>
-                  <a:spcPct val="100000"/>
-                </a:lnSpc>
-                <a:spcBef>
-                  <a:spcPts val="0"/>
-                </a:spcBef>
-                <a:spcAft>
-                  <a:spcPts val="0"/>
-                </a:spcAft>
-                <a:buClrTx/>
-                <a:buSzTx/>
-                <a:buFontTx/>
-                <a:buNone/>
-                <a:tabLst/>
-                <a:defRPr/>
-              </a:pPr>
-              <a:r>
-                <a:rPr lang="en-US" altLang="zh-CN" sz="2400" kern="0" dirty="0">
-                  <a:solidFill>
-                    <a:sysClr val="window" lastClr="FFFFFF"/>
-                  </a:solidFill>
-                  <a:latin typeface="Broadway" pitchFamily="82" charset="0"/>
-                  <a:ea typeface="微软雅黑"/>
-                </a:rPr>
-                <a:t>4</a:t>
-              </a:r>
-              <a:endParaRPr lang="zh-CN" altLang="en-US" sz="2400" kern="0" dirty="0">
-                <a:solidFill>
-                  <a:sysClr val="window" lastClr="FFFFFF"/>
-                </a:solidFill>
-                <a:latin typeface="Broadway" pitchFamily="82" charset="0"/>
-                <a:ea typeface="微软雅黑"/>
-              </a:endParaRPr>
-            </a:p>
-          </p:txBody>
-        </p:sp>
-        <p:sp>
-          <p:nvSpPr>
-            <p:cNvPr id="52" name="TextBox 51"/>
-            <p:cNvSpPr txBox="1"/>
-            <p:nvPr/>
-          </p:nvSpPr>
-          <p:spPr>
-            <a:xfrm>
-              <a:off x="4382368" y="1824127"/>
-              <a:ext cx="4078064" cy="338554"/>
-            </a:xfrm>
-            <a:prstGeom prst="rect">
-              <a:avLst/>
-            </a:prstGeom>
-            <a:noFill/>
-          </p:spPr>
-          <p:txBody>
-            <a:bodyPr wrap="square" rtlCol="0">
-              <a:spAutoFit/>
-            </a:bodyPr>
-            <a:lstStyle/>
-            <a:p>
-              <a:pPr marL="0" marR="0" lvl="0" indent="0" algn="ctr" defTabSz="914400" eaLnBrk="1" fontAlgn="auto" latinLnBrk="0" hangingPunct="1">
-                <a:lnSpc>
-                  <a:spcPct val="100000"/>
-                </a:lnSpc>
-                <a:spcBef>
-                  <a:spcPts val="0"/>
-                </a:spcBef>
-                <a:spcAft>
-                  <a:spcPts val="0"/>
-                </a:spcAft>
-                <a:buClrTx/>
-                <a:buSzTx/>
-                <a:buFontTx/>
-                <a:buNone/>
-                <a:tabLst/>
-                <a:defRPr/>
-              </a:pPr>
-              <a:r>
-                <a:rPr kumimoji="0" lang="zh-CN" altLang="en-US" sz="1600" b="0" i="0" u="none" strike="noStrike" kern="0" cap="none" spc="0" normalizeH="0" baseline="0" noProof="0" dirty="0">
-                  <a:ln>
-                    <a:noFill/>
-                  </a:ln>
-                  <a:solidFill>
-                    <a:schemeClr val="bg1">
-                      <a:lumMod val="50000"/>
-                    </a:schemeClr>
-                  </a:solidFill>
-                  <a:effectLst/>
-                  <a:uLnTx/>
-                  <a:uFillTx/>
-                  <a:latin typeface="微软雅黑" pitchFamily="34" charset="-122"/>
-                  <a:ea typeface="微软雅黑" pitchFamily="34" charset="-122"/>
-                </a:rPr>
-                <a:t>运用</a:t>
-              </a:r>
-            </a:p>
-          </p:txBody>
-        </p:sp>
-      </p:grpSp>
     </p:spTree>
     <p:extLst>
       <p:ext uri="{BB962C8B-B14F-4D97-AF65-F5344CB8AC3E}">
-        <p14:creationId xmlns:p14="http://schemas.microsoft.com/office/powerpoint/2010/main" val="114511685"/>
+        <p14:creationId xmlns:p14="http://schemas.microsoft.com/office/powerpoint/2010/main" val="3565154816"/>
       </p:ext>
     </p:extLst>
   </p:cSld>
   <p:clrMapOvr>
     <a:masterClrMapping/>
   </p:clrMapOvr>
-  <mc:AlternateContent xmlns:mc="http://schemas.openxmlformats.org/markup-compatibility/2006" xmlns:p14="http://schemas.microsoft.com/office/powerpoint/2010/main">
-    <mc:Choice Requires="p14">
-      <p:transition spd="slow" p14:dur="900">
-        <p14:flythrough hasBounce="1"/>
-      </p:transition>
-    </mc:Choice>
-    <mc:Fallback xmlns="">
-      <p:transition spd="slow">
-        <p:fade/>
-      </p:transition>
-    </mc:Fallback>
-  </mc:AlternateContent>
 </p:sld>
 </file>
 
-<file path=ppt/slides/slide20.xml><?xml version="1.0" encoding="utf-8"?>
+<file path=ppt/slides/slide22.xml><?xml version="1.0" encoding="utf-8"?>
 <p:sld xmlns:a="http://schemas.openxmlformats.org/drawingml/2006/main" xmlns:r="http://schemas.openxmlformats.org/officeDocument/2006/relationships" xmlns:p="http://schemas.openxmlformats.org/presentationml/2006/main">
   <p:cSld>
     <p:spTree>
@@ -17272,7 +17935,7 @@
           <p:cNvPr id="2" name="TextBox 40">
             <a:extLst>
               <a:ext uri="{FF2B5EF4-FFF2-40B4-BE49-F238E27FC236}">
-                <a16:creationId xmlns:a16="http://schemas.microsoft.com/office/drawing/2014/main" id="{7E7DE16C-4E8C-4DB0-AF69-B4728EA80598}"/>
+                <a16:creationId xmlns:a16="http://schemas.microsoft.com/office/drawing/2014/main" id="{7D272B7D-0B4F-7F40-B1AD-95D25B371086}"/>
               </a:ext>
             </a:extLst>
           </p:cNvPr>
@@ -17283,8 +17946,8 @@
         </p:nvSpPr>
         <p:spPr bwMode="auto">
           <a:xfrm>
-            <a:off x="2278782" y="3068960"/>
-            <a:ext cx="7200800" cy="1815882"/>
+            <a:off x="2134766" y="2420888"/>
+            <a:ext cx="8136904" cy="1569660"/>
           </a:xfrm>
           <a:prstGeom prst="rect">
             <a:avLst/>
@@ -17641,7 +18304,7 @@
     </p:spTree>
     <p:extLst>
       <p:ext uri="{BB962C8B-B14F-4D97-AF65-F5344CB8AC3E}">
-        <p14:creationId xmlns:p14="http://schemas.microsoft.com/office/powerpoint/2010/main" val="3565154816"/>
+        <p14:creationId xmlns:p14="http://schemas.microsoft.com/office/powerpoint/2010/main" val="3377370892"/>
       </p:ext>
     </p:extLst>
   </p:cSld>
@@ -17740,7 +18403,7 @@
 </p:sld>
 </file>
 
-<file path=ppt/slides/slide21.xml><?xml version="1.0" encoding="utf-8"?>
+<file path=ppt/slides/slide23.xml><?xml version="1.0" encoding="utf-8"?>
 <p:sld xmlns:a="http://schemas.openxmlformats.org/drawingml/2006/main" xmlns:r="http://schemas.openxmlformats.org/officeDocument/2006/relationships" xmlns:p="http://schemas.openxmlformats.org/presentationml/2006/main">
   <p:cSld>
     <p:spTree>
@@ -18923,8 +19586,8 @@
         </p:nvSpPr>
         <p:spPr bwMode="auto">
           <a:xfrm>
-            <a:off x="2881489" y="1700808"/>
-            <a:ext cx="5544616" cy="722827"/>
+            <a:off x="2854846" y="1196752"/>
+            <a:ext cx="5544616" cy="1387688"/>
           </a:xfrm>
           <a:prstGeom prst="rect">
             <a:avLst/>
@@ -19071,23 +19734,19 @@
                   <a:srgbClr val="F26A40"/>
                 </a:solidFill>
               </a:rPr>
-              <a:t>研究人的优势</a:t>
-            </a:r>
-            <a:r>
-              <a:rPr lang="zh-CN" altLang="en-US">
-                <a:solidFill>
-                  <a:srgbClr val="F26A40"/>
-                </a:solidFill>
-              </a:rPr>
-              <a:t>与幸福</a:t>
-            </a:r>
-            <a:r>
-              <a:rPr lang="zh-CN" altLang="en-US"/>
-              <a:t>，把握</a:t>
+              <a:t>研究人的优势与幸福</a:t>
             </a:r>
             <a:r>
               <a:rPr lang="zh-CN" altLang="en-US" dirty="0"/>
-              <a:t>人生的科学</a:t>
+              <a:t>，把握人生的科学。积极心理学是一个新兴的心理学研究领域</a:t>
+            </a:r>
+            <a:r>
+              <a:rPr lang="en-US" altLang="zh-CN" dirty="0"/>
+              <a:t>,</a:t>
+            </a:r>
+            <a:r>
+              <a:rPr lang="zh-CN" altLang="en-US" dirty="0"/>
+              <a:t>它对二战后心理学中存在以病理学研究为重点的倾向提出了异议。</a:t>
             </a:r>
           </a:p>
           <a:p>
@@ -19095,6 +19754,42 @@
           </a:p>
         </p:txBody>
       </p:sp>
+      <p:pic>
+        <p:nvPicPr>
+          <p:cNvPr id="6" name="图片 5">
+            <a:extLst>
+              <a:ext uri="{FF2B5EF4-FFF2-40B4-BE49-F238E27FC236}">
+                <a16:creationId xmlns:a16="http://schemas.microsoft.com/office/drawing/2014/main" id="{4DC369DF-8C65-0646-859A-33E8707C3872}"/>
+              </a:ext>
+            </a:extLst>
+          </p:cNvPr>
+          <p:cNvPicPr>
+            <a:picLocks noChangeAspect="1"/>
+          </p:cNvPicPr>
+          <p:nvPr/>
+        </p:nvPicPr>
+        <p:blipFill>
+          <a:blip r:embed="rId2">
+            <a:extLst>
+              <a:ext uri="{28A0092B-C50C-407E-A947-70E740481C1C}">
+                <a14:useLocalDpi xmlns:a14="http://schemas.microsoft.com/office/drawing/2010/main" val="0"/>
+              </a:ext>
+            </a:extLst>
+          </a:blip>
+          <a:stretch>
+            <a:fillRect/>
+          </a:stretch>
+        </p:blipFill>
+        <p:spPr>
+          <a:xfrm>
+            <a:off x="1881237" y="2225320"/>
+            <a:ext cx="7851874" cy="4084000"/>
+          </a:xfrm>
+          <a:prstGeom prst="rect">
+            <a:avLst/>
+          </a:prstGeom>
+        </p:spPr>
+      </p:pic>
     </p:spTree>
     <p:extLst>
       <p:ext uri="{BB962C8B-B14F-4D97-AF65-F5344CB8AC3E}">
@@ -19577,49 +20272,6 @@
       </p:sp>
       <p:sp>
         <p:nvSpPr>
-          <p:cNvPr id="2" name="TextBox 1"/>
-          <p:cNvSpPr txBox="1"/>
-          <p:nvPr/>
-        </p:nvSpPr>
-        <p:spPr>
-          <a:xfrm>
-            <a:off x="9727138" y="548680"/>
-            <a:ext cx="450764" cy="584775"/>
-          </a:xfrm>
-          <a:prstGeom prst="rect">
-            <a:avLst/>
-          </a:prstGeom>
-          <a:noFill/>
-        </p:spPr>
-        <p:txBody>
-          <a:bodyPr wrap="none" rtlCol="0">
-            <a:spAutoFit/>
-          </a:bodyPr>
-          <a:lstStyle/>
-          <a:p>
-            <a:pPr fontAlgn="auto">
-              <a:spcBef>
-                <a:spcPts val="0"/>
-              </a:spcBef>
-              <a:spcAft>
-                <a:spcPts val="0"/>
-              </a:spcAft>
-            </a:pPr>
-            <a:r>
-              <a:rPr lang="en-US" sz="3200" dirty="0">
-                <a:solidFill>
-                  <a:srgbClr val="FC6204"/>
-                </a:solidFill>
-                <a:latin typeface="Broadway" pitchFamily="82" charset="0"/>
-                <a:ea typeface="DFPYeaSong-B5" pitchFamily="18" charset="-120"/>
-              </a:rPr>
-              <a:t>1</a:t>
-            </a:r>
-          </a:p>
-        </p:txBody>
-      </p:sp>
-      <p:sp>
-        <p:nvSpPr>
           <p:cNvPr id="3" name="圆角矩形 2">
             <a:extLst>
               <a:ext uri="{FF2B5EF4-FFF2-40B4-BE49-F238E27FC236}">
@@ -19764,6 +20416,36 @@
           </a:fontRef>
         </p:style>
       </p:cxnSp>
+      <p:pic>
+        <p:nvPicPr>
+          <p:cNvPr id="8" name="图片 7">
+            <a:extLst>
+              <a:ext uri="{FF2B5EF4-FFF2-40B4-BE49-F238E27FC236}">
+                <a16:creationId xmlns:a16="http://schemas.microsoft.com/office/drawing/2014/main" id="{631B37DD-744E-A64D-8491-17375CB3EA57}"/>
+              </a:ext>
+            </a:extLst>
+          </p:cNvPr>
+          <p:cNvPicPr>
+            <a:picLocks noChangeAspect="1"/>
+          </p:cNvPicPr>
+          <p:nvPr/>
+        </p:nvPicPr>
+        <p:blipFill>
+          <a:blip r:embed="rId2"/>
+          <a:stretch>
+            <a:fillRect/>
+          </a:stretch>
+        </p:blipFill>
+        <p:spPr>
+          <a:xfrm>
+            <a:off x="2062758" y="1556792"/>
+            <a:ext cx="8080602" cy="4628804"/>
+          </a:xfrm>
+          <a:prstGeom prst="rect">
+            <a:avLst/>
+          </a:prstGeom>
+        </p:spPr>
+      </p:pic>
     </p:spTree>
     <p:extLst>
       <p:ext uri="{BB962C8B-B14F-4D97-AF65-F5344CB8AC3E}">
@@ -21117,49 +21799,6 @@
       </p:sp>
       <p:sp>
         <p:nvSpPr>
-          <p:cNvPr id="2" name="TextBox 1"/>
-          <p:cNvSpPr txBox="1"/>
-          <p:nvPr/>
-        </p:nvSpPr>
-        <p:spPr>
-          <a:xfrm>
-            <a:off x="9727138" y="548680"/>
-            <a:ext cx="450764" cy="584775"/>
-          </a:xfrm>
-          <a:prstGeom prst="rect">
-            <a:avLst/>
-          </a:prstGeom>
-          <a:noFill/>
-        </p:spPr>
-        <p:txBody>
-          <a:bodyPr wrap="none" rtlCol="0">
-            <a:spAutoFit/>
-          </a:bodyPr>
-          <a:lstStyle/>
-          <a:p>
-            <a:pPr fontAlgn="auto">
-              <a:spcBef>
-                <a:spcPts val="0"/>
-              </a:spcBef>
-              <a:spcAft>
-                <a:spcPts val="0"/>
-              </a:spcAft>
-            </a:pPr>
-            <a:r>
-              <a:rPr lang="en-US" sz="3200" dirty="0">
-                <a:solidFill>
-                  <a:srgbClr val="FC6204"/>
-                </a:solidFill>
-                <a:latin typeface="Broadway" pitchFamily="82" charset="0"/>
-                <a:ea typeface="DFPYeaSong-B5" pitchFamily="18" charset="-120"/>
-              </a:rPr>
-              <a:t>1</a:t>
-            </a:r>
-          </a:p>
-        </p:txBody>
-      </p:sp>
-      <p:sp>
-        <p:nvSpPr>
           <p:cNvPr id="7" name="矩形 6">
             <a:extLst>
               <a:ext uri="{FF2B5EF4-FFF2-40B4-BE49-F238E27FC236}">
@@ -21241,6 +21880,42 @@
           <a:xfrm>
             <a:off x="815375" y="1777653"/>
             <a:ext cx="4022598" cy="4022598"/>
+          </a:xfrm>
+          <a:prstGeom prst="rect">
+            <a:avLst/>
+          </a:prstGeom>
+        </p:spPr>
+      </p:pic>
+      <p:pic>
+        <p:nvPicPr>
+          <p:cNvPr id="6" name="图片 5">
+            <a:extLst>
+              <a:ext uri="{FF2B5EF4-FFF2-40B4-BE49-F238E27FC236}">
+                <a16:creationId xmlns:a16="http://schemas.microsoft.com/office/drawing/2014/main" id="{4872E199-73DE-F94D-AAEE-E22A282E4E8E}"/>
+              </a:ext>
+            </a:extLst>
+          </p:cNvPr>
+          <p:cNvPicPr>
+            <a:picLocks noChangeAspect="1"/>
+          </p:cNvPicPr>
+          <p:nvPr/>
+        </p:nvPicPr>
+        <p:blipFill>
+          <a:blip r:embed="rId3">
+            <a:extLst>
+              <a:ext uri="{28A0092B-C50C-407E-A947-70E740481C1C}">
+                <a14:useLocalDpi xmlns:a14="http://schemas.microsoft.com/office/drawing/2010/main" val="0"/>
+              </a:ext>
+            </a:extLst>
+          </a:blip>
+          <a:stretch>
+            <a:fillRect/>
+          </a:stretch>
+        </p:blipFill>
+        <p:spPr>
+          <a:xfrm>
+            <a:off x="5159102" y="1805778"/>
+            <a:ext cx="5314838" cy="3325614"/>
           </a:xfrm>
           <a:prstGeom prst="rect">
             <a:avLst/>
@@ -21679,8 +22354,8 @@
         </p:nvSpPr>
         <p:spPr bwMode="auto">
           <a:xfrm>
-            <a:off x="3214886" y="1772816"/>
-            <a:ext cx="4104456" cy="390492"/>
+            <a:off x="3070870" y="5157192"/>
+            <a:ext cx="4104456" cy="1387624"/>
           </a:xfrm>
           <a:prstGeom prst="rect">
             <a:avLst/>
@@ -21819,12 +22494,69 @@
           <a:p>
             <a:r>
               <a:rPr lang="zh-CN" altLang="en-US" dirty="0"/>
-              <a:t>待补充</a:t>
+              <a:t>结论：</a:t>
             </a:r>
-            <a:endParaRPr lang="en-US" dirty="0"/>
+            <a:endParaRPr lang="en-US" altLang="zh-CN" dirty="0"/>
+          </a:p>
+          <a:p>
+            <a:r>
+              <a:rPr lang="zh-CN" altLang="en-US" dirty="0"/>
+              <a:t>国内文献中发现更偏向于教育</a:t>
+            </a:r>
+            <a:endParaRPr lang="en-US" altLang="zh-CN" dirty="0"/>
+          </a:p>
+          <a:p>
+            <a:r>
+              <a:rPr lang="zh-CN" altLang="en-US" dirty="0"/>
+              <a:t>国外更多提到积极的反面抑郁</a:t>
+            </a:r>
+            <a:endParaRPr lang="en-US" altLang="zh-CN" dirty="0"/>
+          </a:p>
+          <a:p>
+            <a:r>
+              <a:rPr lang="zh-CN" altLang="en-US" dirty="0"/>
+              <a:t>国内高频提到心理资本</a:t>
+            </a:r>
+            <a:endParaRPr lang="en-US" altLang="zh-CN" dirty="0"/>
           </a:p>
         </p:txBody>
       </p:sp>
+      <p:pic>
+        <p:nvPicPr>
+          <p:cNvPr id="5" name="图片 4">
+            <a:extLst>
+              <a:ext uri="{FF2B5EF4-FFF2-40B4-BE49-F238E27FC236}">
+                <a16:creationId xmlns:a16="http://schemas.microsoft.com/office/drawing/2014/main" id="{C516269A-73A9-1A41-BB38-7FC0F9E46F0F}"/>
+              </a:ext>
+            </a:extLst>
+          </p:cNvPr>
+          <p:cNvPicPr>
+            <a:picLocks noChangeAspect="1"/>
+          </p:cNvPicPr>
+          <p:nvPr/>
+        </p:nvPicPr>
+        <p:blipFill>
+          <a:blip r:embed="rId2">
+            <a:extLst>
+              <a:ext uri="{28A0092B-C50C-407E-A947-70E740481C1C}">
+                <a14:useLocalDpi xmlns:a14="http://schemas.microsoft.com/office/drawing/2010/main" val="0"/>
+              </a:ext>
+            </a:extLst>
+          </a:blip>
+          <a:stretch>
+            <a:fillRect/>
+          </a:stretch>
+        </p:blipFill>
+        <p:spPr>
+          <a:xfrm>
+            <a:off x="1774726" y="1340768"/>
+            <a:ext cx="7131794" cy="3709464"/>
+          </a:xfrm>
+          <a:prstGeom prst="rect">
+            <a:avLst/>
+          </a:prstGeom>
+        </p:spPr>
+      </p:pic>
     </p:spTree>
     <p:extLst>
       <p:ext uri="{BB962C8B-B14F-4D97-AF65-F5344CB8AC3E}">
@@ -22104,697 +22836,251 @@
       </p:grpSpPr>
       <p:pic>
         <p:nvPicPr>
-          <p:cNvPr id="7" name="Picture 4" descr="C:\Documents and Settings\huxiya\桌面\未标题-2.png"/>
+          <p:cNvPr id="3" name="图片 2">
+            <a:extLst>
+              <a:ext uri="{FF2B5EF4-FFF2-40B4-BE49-F238E27FC236}">
+                <a16:creationId xmlns:a16="http://schemas.microsoft.com/office/drawing/2014/main" id="{5E932ED4-BA36-BC4A-BBD7-9801C2431AE5}"/>
+              </a:ext>
+            </a:extLst>
+          </p:cNvPr>
           <p:cNvPicPr>
-            <a:picLocks noChangeAspect="1" noChangeArrowheads="1"/>
+            <a:picLocks noChangeAspect="1"/>
           </p:cNvPicPr>
           <p:nvPr/>
         </p:nvPicPr>
-        <p:blipFill rotWithShape="1">
-          <a:blip r:embed="rId2" cstate="screen">
+        <p:blipFill>
+          <a:blip r:embed="rId2">
             <a:extLst>
               <a:ext uri="{28A0092B-C50C-407E-A947-70E740481C1C}">
-                <a14:useLocalDpi xmlns:a14="http://schemas.microsoft.com/office/drawing/2010/main"/>
+                <a14:useLocalDpi xmlns:a14="http://schemas.microsoft.com/office/drawing/2010/main" val="0"/>
               </a:ext>
             </a:extLst>
           </a:blip>
-          <a:srcRect t="-1" b="505"/>
-          <a:stretch/>
+          <a:stretch>
+            <a:fillRect/>
+          </a:stretch>
         </p:blipFill>
-        <p:spPr bwMode="auto">
+        <p:spPr>
           <a:xfrm>
-            <a:off x="7391069" y="2702618"/>
-            <a:ext cx="4799344" cy="4155382"/>
+            <a:off x="1342678" y="1844824"/>
+            <a:ext cx="8759503" cy="4156654"/>
           </a:xfrm>
           <a:prstGeom prst="rect">
             <a:avLst/>
           </a:prstGeom>
-          <a:noFill/>
-          <a:extLst>
-            <a:ext uri="{909E8E84-426E-40DD-AFC4-6F175D3DCCD1}">
-              <a14:hiddenFill xmlns:a14="http://schemas.microsoft.com/office/drawing/2010/main">
-                <a:solidFill>
-                  <a:srgbClr val="FFFFFF"/>
-                </a:solidFill>
-              </a14:hiddenFill>
-            </a:ext>
-          </a:extLst>
         </p:spPr>
       </p:pic>
       <p:sp>
         <p:nvSpPr>
-          <p:cNvPr id="27" name="文本占位符 3"/>
-          <p:cNvSpPr txBox="1">
-            <a:spLocks/>
-          </p:cNvSpPr>
+          <p:cNvPr id="4" name="矩形 3">
+            <a:extLst>
+              <a:ext uri="{FF2B5EF4-FFF2-40B4-BE49-F238E27FC236}">
+                <a16:creationId xmlns:a16="http://schemas.microsoft.com/office/drawing/2014/main" id="{8611FCB1-C344-C645-9F30-A3CF1686F9E6}"/>
+              </a:ext>
+            </a:extLst>
+          </p:cNvPr>
+          <p:cNvSpPr/>
           <p:nvPr/>
         </p:nvSpPr>
         <p:spPr>
           <a:xfrm>
-            <a:off x="3563888" y="2780928"/>
-            <a:ext cx="4187502" cy="432047"/>
+            <a:off x="2854846" y="548680"/>
+            <a:ext cx="5904656" cy="471796"/>
           </a:xfrm>
           <a:prstGeom prst="rect">
             <a:avLst/>
           </a:prstGeom>
         </p:spPr>
         <p:txBody>
-          <a:bodyPr vert="horz" lIns="91440" tIns="45720" rIns="91440" bIns="45720" rtlCol="0" anchor="ctr">
-            <a:noAutofit/>
+          <a:bodyPr wrap="square">
+            <a:spAutoFit/>
           </a:bodyPr>
-          <a:lstStyle>
-            <a:lvl1pPr marL="0" indent="0" algn="l" defTabSz="914400" rtl="0" eaLnBrk="1" latinLnBrk="0" hangingPunct="1">
-              <a:spcBef>
-                <a:spcPct val="20000"/>
-              </a:spcBef>
-              <a:buFont typeface="Arial" pitchFamily="34" charset="0"/>
-              <a:buNone/>
-              <a:defRPr sz="2800" b="1" kern="1200">
-                <a:solidFill>
-                  <a:srgbClr val="56762C"/>
-                </a:solidFill>
-                <a:latin typeface="+mn-lt"/>
-                <a:ea typeface="+mn-ea"/>
-                <a:cs typeface="+mn-cs"/>
-              </a:defRPr>
-            </a:lvl1pPr>
-            <a:lvl2pPr marL="457200" indent="0" algn="l" defTabSz="914400" rtl="0" eaLnBrk="1" latinLnBrk="0" hangingPunct="1">
-              <a:spcBef>
-                <a:spcPct val="20000"/>
-              </a:spcBef>
-              <a:buFont typeface="Arial" pitchFamily="34" charset="0"/>
-              <a:buNone/>
-              <a:defRPr sz="1800" kern="1200">
-                <a:solidFill>
-                  <a:schemeClr val="tx1">
-                    <a:tint val="75000"/>
-                  </a:schemeClr>
-                </a:solidFill>
-                <a:latin typeface="+mn-lt"/>
-                <a:ea typeface="+mn-ea"/>
-                <a:cs typeface="+mn-cs"/>
-              </a:defRPr>
-            </a:lvl2pPr>
-            <a:lvl3pPr marL="914400" indent="0" algn="l" defTabSz="914400" rtl="0" eaLnBrk="1" latinLnBrk="0" hangingPunct="1">
-              <a:spcBef>
-                <a:spcPct val="20000"/>
-              </a:spcBef>
-              <a:buFont typeface="Arial" pitchFamily="34" charset="0"/>
-              <a:buNone/>
-              <a:defRPr sz="1600" kern="1200">
-                <a:solidFill>
-                  <a:schemeClr val="tx1">
-                    <a:tint val="75000"/>
-                  </a:schemeClr>
-                </a:solidFill>
-                <a:latin typeface="+mn-lt"/>
-                <a:ea typeface="+mn-ea"/>
-                <a:cs typeface="+mn-cs"/>
-              </a:defRPr>
-            </a:lvl3pPr>
-            <a:lvl4pPr marL="1371600" indent="0" algn="l" defTabSz="914400" rtl="0" eaLnBrk="1" latinLnBrk="0" hangingPunct="1">
-              <a:spcBef>
-                <a:spcPct val="20000"/>
-              </a:spcBef>
-              <a:buFont typeface="Arial" pitchFamily="34" charset="0"/>
-              <a:buNone/>
-              <a:defRPr sz="1400" kern="1200">
-                <a:solidFill>
-                  <a:schemeClr val="tx1">
-                    <a:tint val="75000"/>
-                  </a:schemeClr>
-                </a:solidFill>
-                <a:latin typeface="+mn-lt"/>
-                <a:ea typeface="+mn-ea"/>
-                <a:cs typeface="+mn-cs"/>
-              </a:defRPr>
-            </a:lvl4pPr>
-            <a:lvl5pPr marL="1828800" indent="0" algn="l" defTabSz="914400" rtl="0" eaLnBrk="1" latinLnBrk="0" hangingPunct="1">
-              <a:spcBef>
-                <a:spcPct val="20000"/>
-              </a:spcBef>
-              <a:buFont typeface="Arial" pitchFamily="34" charset="0"/>
-              <a:buNone/>
-              <a:defRPr sz="1400" kern="1200">
-                <a:solidFill>
-                  <a:schemeClr val="tx1">
-                    <a:tint val="75000"/>
-                  </a:schemeClr>
-                </a:solidFill>
-                <a:latin typeface="+mn-lt"/>
-                <a:ea typeface="+mn-ea"/>
-                <a:cs typeface="+mn-cs"/>
-              </a:defRPr>
-            </a:lvl5pPr>
-            <a:lvl6pPr marL="2286000" indent="0" algn="l" defTabSz="914400" rtl="0" eaLnBrk="1" latinLnBrk="0" hangingPunct="1">
-              <a:spcBef>
-                <a:spcPct val="20000"/>
-              </a:spcBef>
-              <a:buFont typeface="Arial" pitchFamily="34" charset="0"/>
-              <a:buNone/>
-              <a:defRPr sz="1400" kern="1200">
-                <a:solidFill>
-                  <a:schemeClr val="tx1">
-                    <a:tint val="75000"/>
-                  </a:schemeClr>
-                </a:solidFill>
-                <a:latin typeface="+mn-lt"/>
-                <a:ea typeface="+mn-ea"/>
-                <a:cs typeface="+mn-cs"/>
-              </a:defRPr>
-            </a:lvl6pPr>
-            <a:lvl7pPr marL="2743200" indent="0" algn="l" defTabSz="914400" rtl="0" eaLnBrk="1" latinLnBrk="0" hangingPunct="1">
-              <a:spcBef>
-                <a:spcPct val="20000"/>
-              </a:spcBef>
-              <a:buFont typeface="Arial" pitchFamily="34" charset="0"/>
-              <a:buNone/>
-              <a:defRPr sz="1400" kern="1200">
-                <a:solidFill>
-                  <a:schemeClr val="tx1">
-                    <a:tint val="75000"/>
-                  </a:schemeClr>
-                </a:solidFill>
-                <a:latin typeface="+mn-lt"/>
-                <a:ea typeface="+mn-ea"/>
-                <a:cs typeface="+mn-cs"/>
-              </a:defRPr>
-            </a:lvl7pPr>
-            <a:lvl8pPr marL="3200400" indent="0" algn="l" defTabSz="914400" rtl="0" eaLnBrk="1" latinLnBrk="0" hangingPunct="1">
-              <a:spcBef>
-                <a:spcPct val="20000"/>
-              </a:spcBef>
-              <a:buFont typeface="Arial" pitchFamily="34" charset="0"/>
-              <a:buNone/>
-              <a:defRPr sz="1400" kern="1200">
-                <a:solidFill>
-                  <a:schemeClr val="tx1">
-                    <a:tint val="75000"/>
-                  </a:schemeClr>
-                </a:solidFill>
-                <a:latin typeface="+mn-lt"/>
-                <a:ea typeface="+mn-ea"/>
-                <a:cs typeface="+mn-cs"/>
-              </a:defRPr>
-            </a:lvl8pPr>
-            <a:lvl9pPr marL="3657600" indent="0" algn="l" defTabSz="914400" rtl="0" eaLnBrk="1" latinLnBrk="0" hangingPunct="1">
-              <a:spcBef>
-                <a:spcPct val="20000"/>
-              </a:spcBef>
-              <a:buFont typeface="Arial" pitchFamily="34" charset="0"/>
-              <a:buNone/>
-              <a:defRPr sz="1400" kern="1200">
-                <a:solidFill>
-                  <a:schemeClr val="tx1">
-                    <a:tint val="75000"/>
-                  </a:schemeClr>
-                </a:solidFill>
-                <a:latin typeface="+mn-lt"/>
-                <a:ea typeface="+mn-ea"/>
-                <a:cs typeface="+mn-cs"/>
-              </a:defRPr>
-            </a:lvl9pPr>
-          </a:lstStyle>
-          <a:p>
+          <a:lstStyle/>
+          <a:p>
+            <a:pPr algn="ctr">
+              <a:lnSpc>
+                <a:spcPct val="123000"/>
+              </a:lnSpc>
+            </a:pPr>
             <a:r>
-              <a:rPr lang="zh-CN" altLang="en-US" sz="3200" b="0" dirty="0">
+              <a:rPr lang="zh-CN" altLang="en-US" sz="2200" dirty="0">
                 <a:solidFill>
                   <a:srgbClr val="F05425"/>
                 </a:solidFill>
+                <a:latin typeface="微软雅黑" pitchFamily="34" charset="-122"/>
                 <a:ea typeface="微软雅黑" pitchFamily="34" charset="-122"/>
               </a:rPr>
-              <a:t>积极心理学主要内容</a:t>
+              <a:t>国内外研究机构</a:t>
             </a:r>
-          </a:p>
-        </p:txBody>
-      </p:sp>
-      <p:sp>
-        <p:nvSpPr>
-          <p:cNvPr id="28" name="文本占位符 4"/>
-          <p:cNvSpPr txBox="1">
-            <a:spLocks/>
-          </p:cNvSpPr>
-          <p:nvPr/>
-        </p:nvSpPr>
-        <p:spPr>
-          <a:xfrm>
-            <a:off x="2255095" y="2564904"/>
-            <a:ext cx="2100881" cy="1584176"/>
-          </a:xfrm>
-          <a:prstGeom prst="rect">
-            <a:avLst/>
-          </a:prstGeom>
-        </p:spPr>
-        <p:txBody>
-          <a:bodyPr vert="horz" lIns="91440" tIns="45720" rIns="91440" bIns="45720" rtlCol="0" anchor="ctr">
-            <a:normAutofit fontScale="55000" lnSpcReduction="20000"/>
-          </a:bodyPr>
-          <a:lstStyle>
-            <a:lvl1pPr marL="0" indent="0" algn="l" defTabSz="914400" rtl="0" eaLnBrk="1" latinLnBrk="0" hangingPunct="1">
-              <a:spcBef>
-                <a:spcPct val="20000"/>
-              </a:spcBef>
-              <a:buFont typeface="Arial" pitchFamily="34" charset="0"/>
-              <a:buNone/>
-              <a:defRPr sz="11500" b="1" kern="1200">
-                <a:solidFill>
-                  <a:srgbClr val="56762C"/>
-                </a:solidFill>
-                <a:latin typeface="Bell MT" pitchFamily="18" charset="0"/>
-                <a:ea typeface="+mn-ea"/>
-                <a:cs typeface="+mn-cs"/>
-              </a:defRPr>
-            </a:lvl1pPr>
-            <a:lvl2pPr marL="457200" indent="0" algn="l" defTabSz="914400" rtl="0" eaLnBrk="1" latinLnBrk="0" hangingPunct="1">
-              <a:spcBef>
-                <a:spcPct val="20000"/>
-              </a:spcBef>
-              <a:buFont typeface="Arial" pitchFamily="34" charset="0"/>
-              <a:buNone/>
-              <a:defRPr sz="1800" kern="1200">
-                <a:solidFill>
-                  <a:schemeClr val="tx1">
-                    <a:tint val="75000"/>
-                  </a:schemeClr>
-                </a:solidFill>
-                <a:latin typeface="+mn-lt"/>
-                <a:ea typeface="+mn-ea"/>
-                <a:cs typeface="+mn-cs"/>
-              </a:defRPr>
-            </a:lvl2pPr>
-            <a:lvl3pPr marL="914400" indent="0" algn="l" defTabSz="914400" rtl="0" eaLnBrk="1" latinLnBrk="0" hangingPunct="1">
-              <a:spcBef>
-                <a:spcPct val="20000"/>
-              </a:spcBef>
-              <a:buFont typeface="Arial" pitchFamily="34" charset="0"/>
-              <a:buNone/>
-              <a:defRPr sz="1600" kern="1200">
-                <a:solidFill>
-                  <a:schemeClr val="tx1">
-                    <a:tint val="75000"/>
-                  </a:schemeClr>
-                </a:solidFill>
-                <a:latin typeface="+mn-lt"/>
-                <a:ea typeface="+mn-ea"/>
-                <a:cs typeface="+mn-cs"/>
-              </a:defRPr>
-            </a:lvl3pPr>
-            <a:lvl4pPr marL="1371600" indent="0" algn="l" defTabSz="914400" rtl="0" eaLnBrk="1" latinLnBrk="0" hangingPunct="1">
-              <a:spcBef>
-                <a:spcPct val="20000"/>
-              </a:spcBef>
-              <a:buFont typeface="Arial" pitchFamily="34" charset="0"/>
-              <a:buNone/>
-              <a:defRPr sz="1400" kern="1200">
-                <a:solidFill>
-                  <a:schemeClr val="tx1">
-                    <a:tint val="75000"/>
-                  </a:schemeClr>
-                </a:solidFill>
-                <a:latin typeface="+mn-lt"/>
-                <a:ea typeface="+mn-ea"/>
-                <a:cs typeface="+mn-cs"/>
-              </a:defRPr>
-            </a:lvl4pPr>
-            <a:lvl5pPr marL="1828800" indent="0" algn="l" defTabSz="914400" rtl="0" eaLnBrk="1" latinLnBrk="0" hangingPunct="1">
-              <a:spcBef>
-                <a:spcPct val="20000"/>
-              </a:spcBef>
-              <a:buFont typeface="Arial" pitchFamily="34" charset="0"/>
-              <a:buNone/>
-              <a:defRPr sz="1400" kern="1200">
-                <a:solidFill>
-                  <a:schemeClr val="tx1">
-                    <a:tint val="75000"/>
-                  </a:schemeClr>
-                </a:solidFill>
-                <a:latin typeface="+mn-lt"/>
-                <a:ea typeface="+mn-ea"/>
-                <a:cs typeface="+mn-cs"/>
-              </a:defRPr>
-            </a:lvl5pPr>
-            <a:lvl6pPr marL="2286000" indent="0" algn="l" defTabSz="914400" rtl="0" eaLnBrk="1" latinLnBrk="0" hangingPunct="1">
-              <a:spcBef>
-                <a:spcPct val="20000"/>
-              </a:spcBef>
-              <a:buFont typeface="Arial" pitchFamily="34" charset="0"/>
-              <a:buNone/>
-              <a:defRPr sz="1400" kern="1200">
-                <a:solidFill>
-                  <a:schemeClr val="tx1">
-                    <a:tint val="75000"/>
-                  </a:schemeClr>
-                </a:solidFill>
-                <a:latin typeface="+mn-lt"/>
-                <a:ea typeface="+mn-ea"/>
-                <a:cs typeface="+mn-cs"/>
-              </a:defRPr>
-            </a:lvl6pPr>
-            <a:lvl7pPr marL="2743200" indent="0" algn="l" defTabSz="914400" rtl="0" eaLnBrk="1" latinLnBrk="0" hangingPunct="1">
-              <a:spcBef>
-                <a:spcPct val="20000"/>
-              </a:spcBef>
-              <a:buFont typeface="Arial" pitchFamily="34" charset="0"/>
-              <a:buNone/>
-              <a:defRPr sz="1400" kern="1200">
-                <a:solidFill>
-                  <a:schemeClr val="tx1">
-                    <a:tint val="75000"/>
-                  </a:schemeClr>
-                </a:solidFill>
-                <a:latin typeface="+mn-lt"/>
-                <a:ea typeface="+mn-ea"/>
-                <a:cs typeface="+mn-cs"/>
-              </a:defRPr>
-            </a:lvl7pPr>
-            <a:lvl8pPr marL="3200400" indent="0" algn="l" defTabSz="914400" rtl="0" eaLnBrk="1" latinLnBrk="0" hangingPunct="1">
-              <a:spcBef>
-                <a:spcPct val="20000"/>
-              </a:spcBef>
-              <a:buFont typeface="Arial" pitchFamily="34" charset="0"/>
-              <a:buNone/>
-              <a:defRPr sz="1400" kern="1200">
-                <a:solidFill>
-                  <a:schemeClr val="tx1">
-                    <a:tint val="75000"/>
-                  </a:schemeClr>
-                </a:solidFill>
-                <a:latin typeface="+mn-lt"/>
-                <a:ea typeface="+mn-ea"/>
-                <a:cs typeface="+mn-cs"/>
-              </a:defRPr>
-            </a:lvl8pPr>
-            <a:lvl9pPr marL="3657600" indent="0" algn="l" defTabSz="914400" rtl="0" eaLnBrk="1" latinLnBrk="0" hangingPunct="1">
-              <a:spcBef>
-                <a:spcPct val="20000"/>
-              </a:spcBef>
-              <a:buFont typeface="Arial" pitchFamily="34" charset="0"/>
-              <a:buNone/>
-              <a:defRPr sz="1400" kern="1200">
-                <a:solidFill>
-                  <a:schemeClr val="tx1">
-                    <a:tint val="75000"/>
-                  </a:schemeClr>
-                </a:solidFill>
-                <a:latin typeface="+mn-lt"/>
-                <a:ea typeface="+mn-ea"/>
-                <a:cs typeface="+mn-cs"/>
-              </a:defRPr>
-            </a:lvl9pPr>
-          </a:lstStyle>
-          <a:p>
-            <a:pPr marL="0" marR="0" lvl="0" indent="0" algn="l" defTabSz="914400" rtl="0" eaLnBrk="1" fontAlgn="auto" latinLnBrk="0" hangingPunct="1">
-              <a:lnSpc>
-                <a:spcPct val="100000"/>
-              </a:lnSpc>
-              <a:spcBef>
-                <a:spcPct val="20000"/>
-              </a:spcBef>
-              <a:spcAft>
-                <a:spcPts val="0"/>
-              </a:spcAft>
-              <a:buClrTx/>
-              <a:buSzTx/>
-              <a:buFont typeface="Arial" pitchFamily="34" charset="0"/>
-              <a:buNone/>
-              <a:tabLst/>
-              <a:defRPr/>
-            </a:pPr>
-            <a:r>
-              <a:rPr lang="en-US" altLang="zh-CN" sz="20200" noProof="0" dirty="0">
-                <a:solidFill>
-                  <a:srgbClr val="F05425"/>
-                </a:solidFill>
-                <a:latin typeface="Broadway" pitchFamily="82" charset="0"/>
-                <a:ea typeface="微软雅黑"/>
-              </a:rPr>
-              <a:t>3</a:t>
-            </a:r>
-            <a:endParaRPr kumimoji="0" lang="zh-CN" altLang="en-US" sz="20200" b="1" i="0" u="none" strike="noStrike" kern="1200" cap="none" spc="0" normalizeH="0" baseline="0" noProof="0" dirty="0">
-              <a:ln>
-                <a:noFill/>
-              </a:ln>
-              <a:solidFill>
-                <a:srgbClr val="F05425"/>
-              </a:solidFill>
-              <a:effectLst/>
-              <a:uLnTx/>
-              <a:uFillTx/>
-              <a:latin typeface="Broadway" pitchFamily="82" charset="0"/>
-              <a:ea typeface="微软雅黑"/>
-            </a:endParaRPr>
-          </a:p>
-        </p:txBody>
-      </p:sp>
-      <p:sp>
-        <p:nvSpPr>
-          <p:cNvPr id="29" name="文本占位符 5"/>
-          <p:cNvSpPr txBox="1">
-            <a:spLocks/>
-          </p:cNvSpPr>
-          <p:nvPr/>
-        </p:nvSpPr>
-        <p:spPr>
-          <a:xfrm>
-            <a:off x="3563888" y="3501009"/>
-            <a:ext cx="4979590" cy="432047"/>
-          </a:xfrm>
-          <a:prstGeom prst="rect">
-            <a:avLst/>
-          </a:prstGeom>
-        </p:spPr>
-        <p:txBody>
-          <a:bodyPr vert="horz" lIns="91440" tIns="45720" rIns="91440" bIns="45720" rtlCol="0" anchor="ctr">
-            <a:noAutofit/>
-          </a:bodyPr>
-          <a:lstStyle>
-            <a:lvl1pPr marL="0" indent="0" algn="l" defTabSz="914400" rtl="0" eaLnBrk="1" latinLnBrk="0" hangingPunct="1">
-              <a:spcBef>
-                <a:spcPct val="20000"/>
-              </a:spcBef>
-              <a:buFont typeface="Arial" pitchFamily="34" charset="0"/>
-              <a:buNone/>
-              <a:defRPr sz="1400" b="1" kern="1200">
-                <a:solidFill>
-                  <a:srgbClr val="56762C"/>
-                </a:solidFill>
-                <a:latin typeface="+mn-lt"/>
-                <a:ea typeface="+mn-ea"/>
-                <a:cs typeface="+mn-cs"/>
-              </a:defRPr>
-            </a:lvl1pPr>
-            <a:lvl2pPr marL="457200" indent="0" algn="l" defTabSz="914400" rtl="0" eaLnBrk="1" latinLnBrk="0" hangingPunct="1">
-              <a:spcBef>
-                <a:spcPct val="20000"/>
-              </a:spcBef>
-              <a:buFont typeface="Arial" pitchFamily="34" charset="0"/>
-              <a:buNone/>
-              <a:defRPr sz="1800" kern="1200">
-                <a:solidFill>
-                  <a:schemeClr val="tx1">
-                    <a:tint val="75000"/>
-                  </a:schemeClr>
-                </a:solidFill>
-                <a:latin typeface="+mn-lt"/>
-                <a:ea typeface="+mn-ea"/>
-                <a:cs typeface="+mn-cs"/>
-              </a:defRPr>
-            </a:lvl2pPr>
-            <a:lvl3pPr marL="914400" indent="0" algn="l" defTabSz="914400" rtl="0" eaLnBrk="1" latinLnBrk="0" hangingPunct="1">
-              <a:spcBef>
-                <a:spcPct val="20000"/>
-              </a:spcBef>
-              <a:buFont typeface="Arial" pitchFamily="34" charset="0"/>
-              <a:buNone/>
-              <a:defRPr sz="1600" kern="1200">
-                <a:solidFill>
-                  <a:schemeClr val="tx1">
-                    <a:tint val="75000"/>
-                  </a:schemeClr>
-                </a:solidFill>
-                <a:latin typeface="+mn-lt"/>
-                <a:ea typeface="+mn-ea"/>
-                <a:cs typeface="+mn-cs"/>
-              </a:defRPr>
-            </a:lvl3pPr>
-            <a:lvl4pPr marL="1371600" indent="0" algn="l" defTabSz="914400" rtl="0" eaLnBrk="1" latinLnBrk="0" hangingPunct="1">
-              <a:spcBef>
-                <a:spcPct val="20000"/>
-              </a:spcBef>
-              <a:buFont typeface="Arial" pitchFamily="34" charset="0"/>
-              <a:buNone/>
-              <a:defRPr sz="1400" kern="1200">
-                <a:solidFill>
-                  <a:schemeClr val="tx1">
-                    <a:tint val="75000"/>
-                  </a:schemeClr>
-                </a:solidFill>
-                <a:latin typeface="+mn-lt"/>
-                <a:ea typeface="+mn-ea"/>
-                <a:cs typeface="+mn-cs"/>
-              </a:defRPr>
-            </a:lvl4pPr>
-            <a:lvl5pPr marL="1828800" indent="0" algn="l" defTabSz="914400" rtl="0" eaLnBrk="1" latinLnBrk="0" hangingPunct="1">
-              <a:spcBef>
-                <a:spcPct val="20000"/>
-              </a:spcBef>
-              <a:buFont typeface="Arial" pitchFamily="34" charset="0"/>
-              <a:buNone/>
-              <a:defRPr sz="1400" kern="1200">
-                <a:solidFill>
-                  <a:schemeClr val="tx1">
-                    <a:tint val="75000"/>
-                  </a:schemeClr>
-                </a:solidFill>
-                <a:latin typeface="+mn-lt"/>
-                <a:ea typeface="+mn-ea"/>
-                <a:cs typeface="+mn-cs"/>
-              </a:defRPr>
-            </a:lvl5pPr>
-            <a:lvl6pPr marL="2286000" indent="0" algn="l" defTabSz="914400" rtl="0" eaLnBrk="1" latinLnBrk="0" hangingPunct="1">
-              <a:spcBef>
-                <a:spcPct val="20000"/>
-              </a:spcBef>
-              <a:buFont typeface="Arial" pitchFamily="34" charset="0"/>
-              <a:buNone/>
-              <a:defRPr sz="1400" kern="1200">
-                <a:solidFill>
-                  <a:schemeClr val="tx1">
-                    <a:tint val="75000"/>
-                  </a:schemeClr>
-                </a:solidFill>
-                <a:latin typeface="+mn-lt"/>
-                <a:ea typeface="+mn-ea"/>
-                <a:cs typeface="+mn-cs"/>
-              </a:defRPr>
-            </a:lvl6pPr>
-            <a:lvl7pPr marL="2743200" indent="0" algn="l" defTabSz="914400" rtl="0" eaLnBrk="1" latinLnBrk="0" hangingPunct="1">
-              <a:spcBef>
-                <a:spcPct val="20000"/>
-              </a:spcBef>
-              <a:buFont typeface="Arial" pitchFamily="34" charset="0"/>
-              <a:buNone/>
-              <a:defRPr sz="1400" kern="1200">
-                <a:solidFill>
-                  <a:schemeClr val="tx1">
-                    <a:tint val="75000"/>
-                  </a:schemeClr>
-                </a:solidFill>
-                <a:latin typeface="+mn-lt"/>
-                <a:ea typeface="+mn-ea"/>
-                <a:cs typeface="+mn-cs"/>
-              </a:defRPr>
-            </a:lvl7pPr>
-            <a:lvl8pPr marL="3200400" indent="0" algn="l" defTabSz="914400" rtl="0" eaLnBrk="1" latinLnBrk="0" hangingPunct="1">
-              <a:spcBef>
-                <a:spcPct val="20000"/>
-              </a:spcBef>
-              <a:buFont typeface="Arial" pitchFamily="34" charset="0"/>
-              <a:buNone/>
-              <a:defRPr sz="1400" kern="1200">
-                <a:solidFill>
-                  <a:schemeClr val="tx1">
-                    <a:tint val="75000"/>
-                  </a:schemeClr>
-                </a:solidFill>
-                <a:latin typeface="+mn-lt"/>
-                <a:ea typeface="+mn-ea"/>
-                <a:cs typeface="+mn-cs"/>
-              </a:defRPr>
-            </a:lvl8pPr>
-            <a:lvl9pPr marL="3657600" indent="0" algn="l" defTabSz="914400" rtl="0" eaLnBrk="1" latinLnBrk="0" hangingPunct="1">
-              <a:spcBef>
-                <a:spcPct val="20000"/>
-              </a:spcBef>
-              <a:buFont typeface="Arial" pitchFamily="34" charset="0"/>
-              <a:buNone/>
-              <a:defRPr sz="1400" kern="1200">
-                <a:solidFill>
-                  <a:schemeClr val="tx1">
-                    <a:tint val="75000"/>
-                  </a:schemeClr>
-                </a:solidFill>
-                <a:latin typeface="+mn-lt"/>
-                <a:ea typeface="+mn-ea"/>
-                <a:cs typeface="+mn-cs"/>
-              </a:defRPr>
-            </a:lvl9pPr>
-          </a:lstStyle>
-          <a:p>
-            <a:r>
-              <a:rPr lang="zh-CN" altLang="en-US" sz="1600" b="0" dirty="0">
-                <a:solidFill>
-                  <a:schemeClr val="bg1">
-                    <a:lumMod val="50000"/>
-                  </a:schemeClr>
-                </a:solidFill>
-                <a:ea typeface="微软雅黑" pitchFamily="34" charset="-122"/>
-              </a:rPr>
-              <a:t>内容框架</a:t>
-            </a:r>
-            <a:endParaRPr lang="en-US" altLang="zh-CN" sz="1600" b="0" dirty="0">
-              <a:solidFill>
-                <a:schemeClr val="bg1">
-                  <a:lumMod val="50000"/>
-                </a:schemeClr>
-              </a:solidFill>
-              <a:ea typeface="微软雅黑" pitchFamily="34" charset="-122"/>
-            </a:endParaRPr>
-          </a:p>
-        </p:txBody>
-      </p:sp>
-      <p:sp>
-        <p:nvSpPr>
-          <p:cNvPr id="30" name="矩形 29"/>
-          <p:cNvSpPr/>
-          <p:nvPr/>
-        </p:nvSpPr>
-        <p:spPr>
-          <a:xfrm>
-            <a:off x="3563888" y="3406140"/>
-            <a:ext cx="4536504" cy="21600"/>
-          </a:xfrm>
-          <a:prstGeom prst="rect">
-            <a:avLst/>
-          </a:prstGeom>
-          <a:effectLst/>
-        </p:spPr>
-        <p:style>
-          <a:lnRef idx="1">
-            <a:schemeClr val="accent6"/>
-          </a:lnRef>
-          <a:fillRef idx="3">
-            <a:schemeClr val="accent6"/>
-          </a:fillRef>
-          <a:effectRef idx="2">
-            <a:schemeClr val="accent6"/>
-          </a:effectRef>
-          <a:fontRef idx="minor">
-            <a:schemeClr val="lt1"/>
-          </a:fontRef>
-        </p:style>
-        <p:txBody>
-          <a:bodyPr rtlCol="0" anchor="ctr"/>
-          <a:lstStyle/>
-          <a:p>
-            <a:pPr algn="ctr"/>
-            <a:endParaRPr lang="en-US"/>
           </a:p>
         </p:txBody>
       </p:sp>
     </p:spTree>
     <p:extLst>
       <p:ext uri="{BB962C8B-B14F-4D97-AF65-F5344CB8AC3E}">
-        <p14:creationId xmlns:p14="http://schemas.microsoft.com/office/powerpoint/2010/main" val="4141350557"/>
+        <p14:creationId xmlns:p14="http://schemas.microsoft.com/office/powerpoint/2010/main" val="4221403604"/>
       </p:ext>
     </p:extLst>
   </p:cSld>
   <p:clrMapOvr>
     <a:masterClrMapping/>
   </p:clrMapOvr>
-  <p:transition spd="slow">
-    <p:pull/>
-  </p:transition>
+  <p:timing>
+    <p:tnLst>
+      <p:par>
+        <p:cTn id="1" dur="indefinite" restart="never" nodeType="tmRoot">
+          <p:childTnLst>
+            <p:seq concurrent="1" nextAc="seek">
+              <p:cTn id="2" dur="indefinite" nodeType="mainSeq">
+                <p:childTnLst>
+                  <p:par>
+                    <p:cTn id="3" fill="hold">
+                      <p:stCondLst>
+                        <p:cond delay="indefinite"/>
+                        <p:cond evt="onBegin" delay="0">
+                          <p:tn val="2"/>
+                        </p:cond>
+                      </p:stCondLst>
+                      <p:childTnLst>
+                        <p:par>
+                          <p:cTn id="4" fill="hold">
+                            <p:stCondLst>
+                              <p:cond delay="0"/>
+                            </p:stCondLst>
+                            <p:childTnLst>
+                              <p:par>
+                                <p:cTn id="5" presetID="53" presetClass="entr" presetSubtype="16" fill="hold" grpId="0" nodeType="afterEffect">
+                                  <p:stCondLst>
+                                    <p:cond delay="0"/>
+                                  </p:stCondLst>
+                                  <p:childTnLst>
+                                    <p:set>
+                                      <p:cBhvr>
+                                        <p:cTn id="6" dur="1" fill="hold">
+                                          <p:stCondLst>
+                                            <p:cond delay="0"/>
+                                          </p:stCondLst>
+                                        </p:cTn>
+                                        <p:tgtEl>
+                                          <p:spTgt spid="4"/>
+                                        </p:tgtEl>
+                                        <p:attrNameLst>
+                                          <p:attrName>style.visibility</p:attrName>
+                                        </p:attrNameLst>
+                                      </p:cBhvr>
+                                      <p:to>
+                                        <p:strVal val="visible"/>
+                                      </p:to>
+                                    </p:set>
+                                    <p:anim calcmode="lin" valueType="num">
+                                      <p:cBhvr>
+                                        <p:cTn id="7" dur="500" fill="hold"/>
+                                        <p:tgtEl>
+                                          <p:spTgt spid="4"/>
+                                        </p:tgtEl>
+                                        <p:attrNameLst>
+                                          <p:attrName>ppt_w</p:attrName>
+                                        </p:attrNameLst>
+                                      </p:cBhvr>
+                                      <p:tavLst>
+                                        <p:tav tm="0">
+                                          <p:val>
+                                            <p:fltVal val="0"/>
+                                          </p:val>
+                                        </p:tav>
+                                        <p:tav tm="100000">
+                                          <p:val>
+                                            <p:strVal val="#ppt_w"/>
+                                          </p:val>
+                                        </p:tav>
+                                      </p:tavLst>
+                                    </p:anim>
+                                    <p:anim calcmode="lin" valueType="num">
+                                      <p:cBhvr>
+                                        <p:cTn id="8" dur="500" fill="hold"/>
+                                        <p:tgtEl>
+                                          <p:spTgt spid="4"/>
+                                        </p:tgtEl>
+                                        <p:attrNameLst>
+                                          <p:attrName>ppt_h</p:attrName>
+                                        </p:attrNameLst>
+                                      </p:cBhvr>
+                                      <p:tavLst>
+                                        <p:tav tm="0">
+                                          <p:val>
+                                            <p:fltVal val="0"/>
+                                          </p:val>
+                                        </p:tav>
+                                        <p:tav tm="100000">
+                                          <p:val>
+                                            <p:strVal val="#ppt_h"/>
+                                          </p:val>
+                                        </p:tav>
+                                      </p:tavLst>
+                                    </p:anim>
+                                    <p:animEffect transition="in" filter="fade">
+                                      <p:cBhvr>
+                                        <p:cTn id="9" dur="500"/>
+                                        <p:tgtEl>
+                                          <p:spTgt spid="4"/>
+                                        </p:tgtEl>
+                                      </p:cBhvr>
+                                    </p:animEffect>
+                                  </p:childTnLst>
+                                </p:cTn>
+                              </p:par>
+                              <p:par>
+                                <p:cTn id="10" presetID="8" presetClass="emph" presetSubtype="0" fill="hold" grpId="1" nodeType="withEffect">
+                                  <p:stCondLst>
+                                    <p:cond delay="0"/>
+                                  </p:stCondLst>
+                                  <p:childTnLst>
+                                    <p:animRot by="21600000">
+                                      <p:cBhvr>
+                                        <p:cTn id="11" dur="500" fill="hold"/>
+                                        <p:tgtEl>
+                                          <p:spTgt spid="4"/>
+                                        </p:tgtEl>
+                                        <p:attrNameLst>
+                                          <p:attrName>r</p:attrName>
+                                        </p:attrNameLst>
+                                      </p:cBhvr>
+                                    </p:animRot>
+                                  </p:childTnLst>
+                                </p:cTn>
+                              </p:par>
+                            </p:childTnLst>
+                          </p:cTn>
+                        </p:par>
+                      </p:childTnLst>
+                    </p:cTn>
+                  </p:par>
+                </p:childTnLst>
+              </p:cTn>
+              <p:prevCondLst>
+                <p:cond evt="onPrev" delay="0">
+                  <p:tgtEl>
+                    <p:sldTgt/>
+                  </p:tgtEl>
+                </p:cond>
+              </p:prevCondLst>
+              <p:nextCondLst>
+                <p:cond evt="onNext" delay="0">
+                  <p:tgtEl>
+                    <p:sldTgt/>
+                  </p:tgtEl>
+                </p:cond>
+              </p:nextCondLst>
+            </p:seq>
+          </p:childTnLst>
+        </p:cTn>
+      </p:par>
+    </p:tnLst>
+    <p:bldLst>
+      <p:bldP spid="4" grpId="0"/>
+      <p:bldP spid="4" grpId="1"/>
+    </p:bldLst>
+  </p:timing>
 </p:sld>
 </file>
 

--- a/积极心理学探索.pptx
+++ b/积极心理学探索.pptx
@@ -247,7 +247,7 @@
           <a:p>
             <a:fld id="{FC7C3D7E-DECD-40A8-83A4-F76C1F255BF3}" type="datetimeFigureOut">
               <a:rPr lang="en-US" smtClean="0"/>
-              <a:t>5/13/20</a:t>
+              <a:t>5/14/20</a:t>
             </a:fld>
             <a:endParaRPr lang="en-US"/>
           </a:p>
@@ -412,7 +412,7 @@
           <a:p>
             <a:fld id="{66FC44DC-17B1-4BD0-9959-2723B1C0D4AF}" type="datetimeFigureOut">
               <a:rPr lang="zh-CN" altLang="en-US" smtClean="0"/>
-              <a:t>2020/5/13</a:t>
+              <a:t>2020/5/14</a:t>
             </a:fld>
             <a:endParaRPr lang="zh-CN" altLang="en-US"/>
           </a:p>
@@ -1315,7 +1315,7 @@
           <a:p>
             <a:fld id="{530820CF-B880-4189-942D-D702A7CBA730}" type="datetimeFigureOut">
               <a:rPr lang="zh-CN" altLang="en-US" smtClean="0"/>
-              <a:t>2020/5/13</a:t>
+              <a:t>2020/5/14</a:t>
             </a:fld>
             <a:endParaRPr lang="zh-CN" altLang="en-US"/>
           </a:p>
@@ -1405,7 +1405,7 @@
           <a:p>
             <a:fld id="{530820CF-B880-4189-942D-D702A7CBA730}" type="datetimeFigureOut">
               <a:rPr lang="zh-CN" altLang="en-US" smtClean="0"/>
-              <a:t>2020/5/13</a:t>
+              <a:t>2020/5/14</a:t>
             </a:fld>
             <a:endParaRPr lang="zh-CN" altLang="en-US"/>
           </a:p>
@@ -1675,7 +1675,7 @@
           <a:p>
             <a:fld id="{530820CF-B880-4189-942D-D702A7CBA730}" type="datetimeFigureOut">
               <a:rPr lang="zh-CN" altLang="en-US" smtClean="0"/>
-              <a:t>2020/5/13</a:t>
+              <a:t>2020/5/14</a:t>
             </a:fld>
             <a:endParaRPr lang="zh-CN" altLang="en-US"/>
           </a:p>
@@ -1922,7 +1922,7 @@
           <a:p>
             <a:fld id="{530820CF-B880-4189-942D-D702A7CBA730}" type="datetimeFigureOut">
               <a:rPr lang="zh-CN" altLang="en-US" smtClean="0"/>
-              <a:t>2020/5/13</a:t>
+              <a:t>2020/5/14</a:t>
             </a:fld>
             <a:endParaRPr lang="zh-CN" altLang="en-US"/>
           </a:p>
@@ -2085,7 +2085,7 @@
           <a:p>
             <a:fld id="{530820CF-B880-4189-942D-D702A7CBA730}" type="datetimeFigureOut">
               <a:rPr lang="zh-CN" altLang="en-US" smtClean="0"/>
-              <a:t>2020/5/13</a:t>
+              <a:t>2020/5/14</a:t>
             </a:fld>
             <a:endParaRPr lang="zh-CN" altLang="en-US"/>
           </a:p>
@@ -2258,7 +2258,7 @@
           <a:p>
             <a:fld id="{530820CF-B880-4189-942D-D702A7CBA730}" type="datetimeFigureOut">
               <a:rPr lang="zh-CN" altLang="en-US" smtClean="0"/>
-              <a:t>2020/5/13</a:t>
+              <a:t>2020/5/14</a:t>
             </a:fld>
             <a:endParaRPr lang="zh-CN" altLang="en-US"/>
           </a:p>
@@ -8954,7 +8954,7 @@
           <a:p>
             <a:fld id="{530820CF-B880-4189-942D-D702A7CBA730}" type="datetimeFigureOut">
               <a:rPr lang="zh-CN" altLang="en-US" smtClean="0"/>
-              <a:t>2020/5/13</a:t>
+              <a:t>2020/5/14</a:t>
             </a:fld>
             <a:endParaRPr lang="zh-CN" altLang="en-US"/>
           </a:p>
@@ -9160,7 +9160,7 @@
           <a:p>
             <a:fld id="{530820CF-B880-4189-942D-D702A7CBA730}" type="datetimeFigureOut">
               <a:rPr lang="zh-CN" altLang="en-US" smtClean="0"/>
-              <a:t>2020/5/13</a:t>
+              <a:t>2020/5/14</a:t>
             </a:fld>
             <a:endParaRPr lang="zh-CN" altLang="en-US"/>
           </a:p>
@@ -10407,44 +10407,28 @@
             <a:r>
               <a:rPr lang="zh-CN" altLang="en-US" sz="1600" i="1" dirty="0">
                 <a:solidFill>
-                  <a:srgbClr val="A6A6A6"/>
+                  <a:srgbClr val="F26A40"/>
                 </a:solidFill>
                 <a:latin typeface="微软雅黑" pitchFamily="34" charset="-122"/>
                 <a:ea typeface="微软雅黑" pitchFamily="34" charset="-122"/>
               </a:rPr>
-              <a:t>心</a:t>
-            </a:r>
-            <a:r>
-              <a:rPr lang="zh-CN" altLang="en-US" sz="1600" i="1">
-                <a:solidFill>
-                  <a:srgbClr val="A6A6A6"/>
-                </a:solidFill>
-                <a:latin typeface="微软雅黑" pitchFamily="34" charset="-122"/>
-                <a:ea typeface="微软雅黑" pitchFamily="34" charset="-122"/>
-              </a:rPr>
-              <a:t>向阳光，幸福</a:t>
-            </a:r>
-            <a:r>
-              <a:rPr lang="zh-CN" altLang="en-US" sz="1600" i="1" dirty="0">
-                <a:solidFill>
-                  <a:srgbClr val="A6A6A6"/>
-                </a:solidFill>
-                <a:latin typeface="微软雅黑" pitchFamily="34" charset="-122"/>
-                <a:ea typeface="微软雅黑" pitchFamily="34" charset="-122"/>
-              </a:rPr>
-              <a:t>常在</a:t>
+              <a:t>心向阳光，幸福常在</a:t>
             </a:r>
             <a:r>
               <a:rPr lang="en-US" altLang="zh-CN" sz="1600" i="1" dirty="0">
                 <a:solidFill>
-                  <a:srgbClr val="A6A6A6"/>
+                  <a:srgbClr val="F26A40"/>
                 </a:solidFill>
                 <a:latin typeface="微软雅黑" pitchFamily="34" charset="-122"/>
                 <a:ea typeface="微软雅黑" pitchFamily="34" charset="-122"/>
               </a:rPr>
               <a:t>——</a:t>
             </a:r>
-            <a:endParaRPr lang="zh-CN" altLang="en-US" sz="1600" i="1" dirty="0"/>
+            <a:endParaRPr lang="zh-CN" altLang="en-US" sz="1600" i="1" dirty="0">
+              <a:solidFill>
+                <a:srgbClr val="F26A40"/>
+              </a:solidFill>
+            </a:endParaRPr>
           </a:p>
         </p:txBody>
       </p:sp>

--- a/积极心理学探索.pptx
+++ b/积极心理学探索.pptx
@@ -26,12 +26,12 @@
     <p:sldId id="380" r:id="rId14"/>
     <p:sldId id="378" r:id="rId15"/>
     <p:sldId id="379" r:id="rId16"/>
-    <p:sldId id="377" r:id="rId17"/>
-    <p:sldId id="376" r:id="rId18"/>
-    <p:sldId id="374" r:id="rId19"/>
-    <p:sldId id="359" r:id="rId20"/>
-    <p:sldId id="381" r:id="rId21"/>
-    <p:sldId id="382" r:id="rId22"/>
+    <p:sldId id="385" r:id="rId17"/>
+    <p:sldId id="377" r:id="rId18"/>
+    <p:sldId id="376" r:id="rId19"/>
+    <p:sldId id="374" r:id="rId20"/>
+    <p:sldId id="359" r:id="rId21"/>
+    <p:sldId id="381" r:id="rId22"/>
     <p:sldId id="384" r:id="rId23"/>
     <p:sldId id="322" r:id="rId24"/>
   </p:sldIdLst>
@@ -15162,6 +15162,514 @@
       </p:grpSpPr>
       <p:sp>
         <p:nvSpPr>
+          <p:cNvPr id="2" name="Text Box 44">
+            <a:extLst>
+              <a:ext uri="{FF2B5EF4-FFF2-40B4-BE49-F238E27FC236}">
+                <a16:creationId xmlns:a16="http://schemas.microsoft.com/office/drawing/2014/main" id="{7DBD6130-E5E1-CA4B-A315-5B6CB3161A1C}"/>
+              </a:ext>
+            </a:extLst>
+          </p:cNvPr>
+          <p:cNvSpPr txBox="1">
+            <a:spLocks noChangeArrowheads="1"/>
+          </p:cNvSpPr>
+          <p:nvPr/>
+        </p:nvSpPr>
+        <p:spPr bwMode="auto">
+          <a:xfrm>
+            <a:off x="2881489" y="1700808"/>
+            <a:ext cx="5544616" cy="390428"/>
+          </a:xfrm>
+          <a:prstGeom prst="rect">
+            <a:avLst/>
+          </a:prstGeom>
+          <a:noFill/>
+          <a:ln>
+            <a:noFill/>
+          </a:ln>
+          <a:effectLst/>
+          <a:extLst>
+            <a:ext uri="{909E8E84-426E-40DD-AFC4-6F175D3DCCD1}">
+              <a14:hiddenFill xmlns:a14="http://schemas.microsoft.com/office/drawing/2010/main">
+                <a:solidFill>
+                  <a:srgbClr val="FFFFFF">
+                    <a:alpha val="30000"/>
+                  </a:srgbClr>
+                </a:solidFill>
+              </a14:hiddenFill>
+            </a:ext>
+            <a:ext uri="{91240B29-F687-4F45-9708-019B960494DF}">
+              <a14:hiddenLine xmlns:a14="http://schemas.microsoft.com/office/drawing/2010/main" w="9525">
+                <a:solidFill>
+                  <a:schemeClr val="tx1"/>
+                </a:solidFill>
+                <a:miter lim="800000"/>
+                <a:headEnd/>
+                <a:tailEnd/>
+              </a14:hiddenLine>
+            </a:ext>
+            <a:ext uri="{AF507438-7753-43E0-B8FC-AC1667EBCBE1}">
+              <a14:hiddenEffects xmlns:a14="http://schemas.microsoft.com/office/drawing/2010/main">
+                <a:effectLst>
+                  <a:outerShdw dist="35921" dir="2700000" algn="ctr" rotWithShape="0">
+                    <a:schemeClr val="bg2"/>
+                  </a:outerShdw>
+                </a:effectLst>
+              </a14:hiddenEffects>
+            </a:ext>
+          </a:extLst>
+        </p:spPr>
+        <p:txBody>
+          <a:bodyPr wrap="square">
+            <a:spAutoFit/>
+          </a:bodyPr>
+          <a:lstStyle>
+            <a:defPPr>
+              <a:defRPr lang="en-US"/>
+            </a:defPPr>
+            <a:lvl1pPr indent="457200" defTabSz="720725">
+              <a:lnSpc>
+                <a:spcPct val="135000"/>
+              </a:lnSpc>
+              <a:defRPr sz="1600">
+                <a:solidFill>
+                  <a:schemeClr val="bg1">
+                    <a:lumMod val="50000"/>
+                  </a:schemeClr>
+                </a:solidFill>
+                <a:latin typeface="微软雅黑" pitchFamily="34" charset="-122"/>
+                <a:ea typeface="微软雅黑" pitchFamily="34" charset="-122"/>
+              </a:defRPr>
+            </a:lvl1pPr>
+            <a:lvl2pPr defTabSz="720725" eaLnBrk="0" hangingPunct="0">
+              <a:defRPr sz="1600">
+                <a:latin typeface="Arial" pitchFamily="34" charset="0"/>
+                <a:ea typeface="宋体" pitchFamily="2" charset="-122"/>
+              </a:defRPr>
+            </a:lvl2pPr>
+            <a:lvl3pPr defTabSz="720725" eaLnBrk="0" hangingPunct="0">
+              <a:defRPr sz="1600">
+                <a:latin typeface="Arial" pitchFamily="34" charset="0"/>
+                <a:ea typeface="宋体" pitchFamily="2" charset="-122"/>
+              </a:defRPr>
+            </a:lvl3pPr>
+            <a:lvl4pPr defTabSz="720725" eaLnBrk="0" hangingPunct="0">
+              <a:defRPr sz="1600">
+                <a:latin typeface="Arial" pitchFamily="34" charset="0"/>
+                <a:ea typeface="宋体" pitchFamily="2" charset="-122"/>
+              </a:defRPr>
+            </a:lvl4pPr>
+            <a:lvl5pPr defTabSz="720725" eaLnBrk="0" hangingPunct="0">
+              <a:defRPr sz="1600">
+                <a:latin typeface="Arial" pitchFamily="34" charset="0"/>
+                <a:ea typeface="宋体" pitchFamily="2" charset="-122"/>
+              </a:defRPr>
+            </a:lvl5pPr>
+            <a:lvl6pPr defTabSz="720725" eaLnBrk="0" fontAlgn="base" hangingPunct="0">
+              <a:spcBef>
+                <a:spcPct val="0"/>
+              </a:spcBef>
+              <a:spcAft>
+                <a:spcPct val="0"/>
+              </a:spcAft>
+              <a:defRPr sz="1600">
+                <a:latin typeface="Arial" pitchFamily="34" charset="0"/>
+                <a:ea typeface="宋体" pitchFamily="2" charset="-122"/>
+              </a:defRPr>
+            </a:lvl6pPr>
+            <a:lvl7pPr defTabSz="720725" eaLnBrk="0" fontAlgn="base" hangingPunct="0">
+              <a:spcBef>
+                <a:spcPct val="0"/>
+              </a:spcBef>
+              <a:spcAft>
+                <a:spcPct val="0"/>
+              </a:spcAft>
+              <a:defRPr sz="1600">
+                <a:latin typeface="Arial" pitchFamily="34" charset="0"/>
+                <a:ea typeface="宋体" pitchFamily="2" charset="-122"/>
+              </a:defRPr>
+            </a:lvl7pPr>
+            <a:lvl8pPr defTabSz="720725" eaLnBrk="0" fontAlgn="base" hangingPunct="0">
+              <a:spcBef>
+                <a:spcPct val="0"/>
+              </a:spcBef>
+              <a:spcAft>
+                <a:spcPct val="0"/>
+              </a:spcAft>
+              <a:defRPr sz="1600">
+                <a:latin typeface="Arial" pitchFamily="34" charset="0"/>
+                <a:ea typeface="宋体" pitchFamily="2" charset="-122"/>
+              </a:defRPr>
+            </a:lvl8pPr>
+            <a:lvl9pPr defTabSz="720725" eaLnBrk="0" fontAlgn="base" hangingPunct="0">
+              <a:spcBef>
+                <a:spcPct val="0"/>
+              </a:spcBef>
+              <a:spcAft>
+                <a:spcPct val="0"/>
+              </a:spcAft>
+              <a:defRPr sz="1600">
+                <a:latin typeface="Arial" pitchFamily="34" charset="0"/>
+                <a:ea typeface="宋体" pitchFamily="2" charset="-122"/>
+              </a:defRPr>
+            </a:lvl9pPr>
+          </a:lstStyle>
+          <a:p>
+            <a:r>
+              <a:rPr lang="en-US" dirty="0" err="1"/>
+              <a:t>解释风格</a:t>
+            </a:r>
+            <a:endParaRPr lang="en-US" dirty="0">
+              <a:solidFill>
+                <a:srgbClr val="F05425"/>
+              </a:solidFill>
+            </a:endParaRPr>
+          </a:p>
+        </p:txBody>
+      </p:sp>
+      <p:sp>
+        <p:nvSpPr>
+          <p:cNvPr id="3" name="矩形 2">
+            <a:extLst>
+              <a:ext uri="{FF2B5EF4-FFF2-40B4-BE49-F238E27FC236}">
+                <a16:creationId xmlns:a16="http://schemas.microsoft.com/office/drawing/2014/main" id="{CB8E942A-2F71-F742-9815-24CC9370999B}"/>
+              </a:ext>
+            </a:extLst>
+          </p:cNvPr>
+          <p:cNvSpPr/>
+          <p:nvPr/>
+        </p:nvSpPr>
+        <p:spPr>
+          <a:xfrm>
+            <a:off x="2854846" y="548680"/>
+            <a:ext cx="5904656" cy="471796"/>
+          </a:xfrm>
+          <a:prstGeom prst="rect">
+            <a:avLst/>
+          </a:prstGeom>
+        </p:spPr>
+        <p:txBody>
+          <a:bodyPr wrap="square">
+            <a:spAutoFit/>
+          </a:bodyPr>
+          <a:lstStyle/>
+          <a:p>
+            <a:pPr algn="ctr">
+              <a:lnSpc>
+                <a:spcPct val="123000"/>
+              </a:lnSpc>
+            </a:pPr>
+            <a:r>
+              <a:rPr lang="zh-CN" altLang="en-US" sz="2200" dirty="0">
+                <a:solidFill>
+                  <a:srgbClr val="F05425"/>
+                </a:solidFill>
+                <a:latin typeface="微软雅黑" pitchFamily="34" charset="-122"/>
+                <a:ea typeface="微软雅黑" pitchFamily="34" charset="-122"/>
+              </a:rPr>
+              <a:t>乐观</a:t>
+            </a:r>
+            <a:r>
+              <a:rPr lang="en-US" altLang="zh-CN" sz="2200" dirty="0">
+                <a:solidFill>
+                  <a:srgbClr val="F05425"/>
+                </a:solidFill>
+                <a:latin typeface="微软雅黑" pitchFamily="34" charset="-122"/>
+                <a:ea typeface="微软雅黑" pitchFamily="34" charset="-122"/>
+              </a:rPr>
+              <a:t>-</a:t>
+            </a:r>
+            <a:r>
+              <a:rPr lang="zh-CN" altLang="en-US" sz="2200" dirty="0">
+                <a:solidFill>
+                  <a:srgbClr val="F05425"/>
+                </a:solidFill>
+                <a:latin typeface="微软雅黑" pitchFamily="34" charset="-122"/>
+                <a:ea typeface="微软雅黑" pitchFamily="34" charset="-122"/>
+              </a:rPr>
+              <a:t>未来的幸福</a:t>
+            </a:r>
+          </a:p>
+        </p:txBody>
+      </p:sp>
+    </p:spTree>
+    <p:extLst>
+      <p:ext uri="{BB962C8B-B14F-4D97-AF65-F5344CB8AC3E}">
+        <p14:creationId xmlns:p14="http://schemas.microsoft.com/office/powerpoint/2010/main" val="357684454"/>
+      </p:ext>
+    </p:extLst>
+  </p:cSld>
+  <p:clrMapOvr>
+    <a:masterClrMapping/>
+  </p:clrMapOvr>
+  <p:timing>
+    <p:tnLst>
+      <p:par>
+        <p:cTn id="1" dur="indefinite" restart="never" nodeType="tmRoot">
+          <p:childTnLst>
+            <p:seq concurrent="1" nextAc="seek">
+              <p:cTn id="2" dur="indefinite" nodeType="mainSeq">
+                <p:childTnLst>
+                  <p:par>
+                    <p:cTn id="3" fill="hold">
+                      <p:stCondLst>
+                        <p:cond delay="indefinite"/>
+                        <p:cond evt="onBegin" delay="0">
+                          <p:tn val="2"/>
+                        </p:cond>
+                      </p:stCondLst>
+                      <p:childTnLst>
+                        <p:par>
+                          <p:cTn id="4" fill="hold">
+                            <p:stCondLst>
+                              <p:cond delay="0"/>
+                            </p:stCondLst>
+                            <p:childTnLst>
+                              <p:par>
+                                <p:cTn id="5" presetID="42" presetClass="entr" presetSubtype="0" fill="hold" grpId="0" nodeType="afterEffect">
+                                  <p:stCondLst>
+                                    <p:cond delay="0"/>
+                                  </p:stCondLst>
+                                  <p:childTnLst>
+                                    <p:set>
+                                      <p:cBhvr>
+                                        <p:cTn id="6" dur="1" fill="hold">
+                                          <p:stCondLst>
+                                            <p:cond delay="0"/>
+                                          </p:stCondLst>
+                                        </p:cTn>
+                                        <p:tgtEl>
+                                          <p:spTgt spid="2"/>
+                                        </p:tgtEl>
+                                        <p:attrNameLst>
+                                          <p:attrName>style.visibility</p:attrName>
+                                        </p:attrNameLst>
+                                      </p:cBhvr>
+                                      <p:to>
+                                        <p:strVal val="visible"/>
+                                      </p:to>
+                                    </p:set>
+                                    <p:animEffect transition="in" filter="fade">
+                                      <p:cBhvr>
+                                        <p:cTn id="7" dur="1000"/>
+                                        <p:tgtEl>
+                                          <p:spTgt spid="2"/>
+                                        </p:tgtEl>
+                                      </p:cBhvr>
+                                    </p:animEffect>
+                                    <p:anim calcmode="lin" valueType="num">
+                                      <p:cBhvr>
+                                        <p:cTn id="8" dur="1000" fill="hold"/>
+                                        <p:tgtEl>
+                                          <p:spTgt spid="2"/>
+                                        </p:tgtEl>
+                                        <p:attrNameLst>
+                                          <p:attrName>ppt_x</p:attrName>
+                                        </p:attrNameLst>
+                                      </p:cBhvr>
+                                      <p:tavLst>
+                                        <p:tav tm="0">
+                                          <p:val>
+                                            <p:strVal val="#ppt_x"/>
+                                          </p:val>
+                                        </p:tav>
+                                        <p:tav tm="100000">
+                                          <p:val>
+                                            <p:strVal val="#ppt_x"/>
+                                          </p:val>
+                                        </p:tav>
+                                      </p:tavLst>
+                                    </p:anim>
+                                    <p:anim calcmode="lin" valueType="num">
+                                      <p:cBhvr>
+                                        <p:cTn id="9" dur="1000" fill="hold"/>
+                                        <p:tgtEl>
+                                          <p:spTgt spid="2"/>
+                                        </p:tgtEl>
+                                        <p:attrNameLst>
+                                          <p:attrName>ppt_y</p:attrName>
+                                        </p:attrNameLst>
+                                      </p:cBhvr>
+                                      <p:tavLst>
+                                        <p:tav tm="0">
+                                          <p:val>
+                                            <p:strVal val="#ppt_y+.1"/>
+                                          </p:val>
+                                        </p:tav>
+                                        <p:tav tm="100000">
+                                          <p:val>
+                                            <p:strVal val="#ppt_y"/>
+                                          </p:val>
+                                        </p:tav>
+                                      </p:tavLst>
+                                    </p:anim>
+                                  </p:childTnLst>
+                                </p:cTn>
+                              </p:par>
+                            </p:childTnLst>
+                          </p:cTn>
+                        </p:par>
+                        <p:par>
+                          <p:cTn id="10" fill="hold">
+                            <p:stCondLst>
+                              <p:cond delay="1000"/>
+                            </p:stCondLst>
+                            <p:childTnLst>
+                              <p:par>
+                                <p:cTn id="11" presetID="53" presetClass="entr" presetSubtype="16" fill="hold" grpId="0" nodeType="afterEffect">
+                                  <p:stCondLst>
+                                    <p:cond delay="0"/>
+                                  </p:stCondLst>
+                                  <p:childTnLst>
+                                    <p:set>
+                                      <p:cBhvr>
+                                        <p:cTn id="12" dur="1" fill="hold">
+                                          <p:stCondLst>
+                                            <p:cond delay="0"/>
+                                          </p:stCondLst>
+                                        </p:cTn>
+                                        <p:tgtEl>
+                                          <p:spTgt spid="3"/>
+                                        </p:tgtEl>
+                                        <p:attrNameLst>
+                                          <p:attrName>style.visibility</p:attrName>
+                                        </p:attrNameLst>
+                                      </p:cBhvr>
+                                      <p:to>
+                                        <p:strVal val="visible"/>
+                                      </p:to>
+                                    </p:set>
+                                    <p:anim calcmode="lin" valueType="num">
+                                      <p:cBhvr>
+                                        <p:cTn id="13" dur="500" fill="hold"/>
+                                        <p:tgtEl>
+                                          <p:spTgt spid="3"/>
+                                        </p:tgtEl>
+                                        <p:attrNameLst>
+                                          <p:attrName>ppt_w</p:attrName>
+                                        </p:attrNameLst>
+                                      </p:cBhvr>
+                                      <p:tavLst>
+                                        <p:tav tm="0">
+                                          <p:val>
+                                            <p:fltVal val="0"/>
+                                          </p:val>
+                                        </p:tav>
+                                        <p:tav tm="100000">
+                                          <p:val>
+                                            <p:strVal val="#ppt_w"/>
+                                          </p:val>
+                                        </p:tav>
+                                      </p:tavLst>
+                                    </p:anim>
+                                    <p:anim calcmode="lin" valueType="num">
+                                      <p:cBhvr>
+                                        <p:cTn id="14" dur="500" fill="hold"/>
+                                        <p:tgtEl>
+                                          <p:spTgt spid="3"/>
+                                        </p:tgtEl>
+                                        <p:attrNameLst>
+                                          <p:attrName>ppt_h</p:attrName>
+                                        </p:attrNameLst>
+                                      </p:cBhvr>
+                                      <p:tavLst>
+                                        <p:tav tm="0">
+                                          <p:val>
+                                            <p:fltVal val="0"/>
+                                          </p:val>
+                                        </p:tav>
+                                        <p:tav tm="100000">
+                                          <p:val>
+                                            <p:strVal val="#ppt_h"/>
+                                          </p:val>
+                                        </p:tav>
+                                      </p:tavLst>
+                                    </p:anim>
+                                    <p:animEffect transition="in" filter="fade">
+                                      <p:cBhvr>
+                                        <p:cTn id="15" dur="500"/>
+                                        <p:tgtEl>
+                                          <p:spTgt spid="3"/>
+                                        </p:tgtEl>
+                                      </p:cBhvr>
+                                    </p:animEffect>
+                                  </p:childTnLst>
+                                </p:cTn>
+                              </p:par>
+                              <p:par>
+                                <p:cTn id="16" presetID="8" presetClass="emph" presetSubtype="0" fill="hold" grpId="1" nodeType="withEffect">
+                                  <p:stCondLst>
+                                    <p:cond delay="0"/>
+                                  </p:stCondLst>
+                                  <p:childTnLst>
+                                    <p:animRot by="21600000">
+                                      <p:cBhvr>
+                                        <p:cTn id="17" dur="500" fill="hold"/>
+                                        <p:tgtEl>
+                                          <p:spTgt spid="3"/>
+                                        </p:tgtEl>
+                                        <p:attrNameLst>
+                                          <p:attrName>r</p:attrName>
+                                        </p:attrNameLst>
+                                      </p:cBhvr>
+                                    </p:animRot>
+                                  </p:childTnLst>
+                                </p:cTn>
+                              </p:par>
+                            </p:childTnLst>
+                          </p:cTn>
+                        </p:par>
+                      </p:childTnLst>
+                    </p:cTn>
+                  </p:par>
+                </p:childTnLst>
+              </p:cTn>
+              <p:prevCondLst>
+                <p:cond evt="onPrev" delay="0">
+                  <p:tgtEl>
+                    <p:sldTgt/>
+                  </p:tgtEl>
+                </p:cond>
+              </p:prevCondLst>
+              <p:nextCondLst>
+                <p:cond evt="onNext" delay="0">
+                  <p:tgtEl>
+                    <p:sldTgt/>
+                  </p:tgtEl>
+                </p:cond>
+              </p:nextCondLst>
+            </p:seq>
+          </p:childTnLst>
+        </p:cTn>
+      </p:par>
+    </p:tnLst>
+    <p:bldLst>
+      <p:bldP spid="2" grpId="0"/>
+      <p:bldP spid="3" grpId="0"/>
+      <p:bldP spid="3" grpId="1"/>
+    </p:bldLst>
+  </p:timing>
+</p:sld>
+</file>
+
+<file path=ppt/slides/slide17.xml><?xml version="1.0" encoding="utf-8"?>
+<p:sld xmlns:a="http://schemas.openxmlformats.org/drawingml/2006/main" xmlns:r="http://schemas.openxmlformats.org/officeDocument/2006/relationships" xmlns:p="http://schemas.openxmlformats.org/presentationml/2006/main">
+  <p:cSld>
+    <p:spTree>
+      <p:nvGrpSpPr>
+        <p:cNvPr id="1" name=""/>
+        <p:cNvGrpSpPr/>
+        <p:nvPr/>
+      </p:nvGrpSpPr>
+      <p:grpSpPr>
+        <a:xfrm>
+          <a:off x="0" y="0"/>
+          <a:ext cx="0" cy="0"/>
+          <a:chOff x="0" y="0"/>
+          <a:chExt cx="0" cy="0"/>
+        </a:xfrm>
+      </p:grpSpPr>
+      <p:sp>
+        <p:nvSpPr>
           <p:cNvPr id="2" name="矩形 1">
             <a:extLst>
               <a:ext uri="{FF2B5EF4-FFF2-40B4-BE49-F238E27FC236}">
@@ -15446,7 +15954,7 @@
 </p:sld>
 </file>
 
-<file path=ppt/slides/slide17.xml><?xml version="1.0" encoding="utf-8"?>
+<file path=ppt/slides/slide18.xml><?xml version="1.0" encoding="utf-8"?>
 <p:sld xmlns:a="http://schemas.openxmlformats.org/drawingml/2006/main" xmlns:r="http://schemas.openxmlformats.org/officeDocument/2006/relationships" xmlns:p="http://schemas.openxmlformats.org/presentationml/2006/main">
   <p:cSld>
     <p:spTree>
@@ -15557,7 +16065,7 @@
 </p:sld>
 </file>
 
-<file path=ppt/slides/slide18.xml><?xml version="1.0" encoding="utf-8"?>
+<file path=ppt/slides/slide19.xml><?xml version="1.0" encoding="utf-8"?>
 <p:sld xmlns:a="http://schemas.openxmlformats.org/drawingml/2006/main" xmlns:r="http://schemas.openxmlformats.org/officeDocument/2006/relationships" xmlns:p="http://schemas.openxmlformats.org/presentationml/2006/main">
   <p:cSld>
     <p:spTree>
@@ -15665,672 +16173,6 @@
   <p:clrMapOvr>
     <a:masterClrMapping/>
   </p:clrMapOvr>
-</p:sld>
-</file>
-
-<file path=ppt/slides/slide19.xml><?xml version="1.0" encoding="utf-8"?>
-<p:sld xmlns:a="http://schemas.openxmlformats.org/drawingml/2006/main" xmlns:r="http://schemas.openxmlformats.org/officeDocument/2006/relationships" xmlns:p="http://schemas.openxmlformats.org/presentationml/2006/main">
-  <p:cSld>
-    <p:spTree>
-      <p:nvGrpSpPr>
-        <p:cNvPr id="1" name=""/>
-        <p:cNvGrpSpPr/>
-        <p:nvPr/>
-      </p:nvGrpSpPr>
-      <p:grpSpPr>
-        <a:xfrm>
-          <a:off x="0" y="0"/>
-          <a:ext cx="0" cy="0"/>
-          <a:chOff x="0" y="0"/>
-          <a:chExt cx="0" cy="0"/>
-        </a:xfrm>
-      </p:grpSpPr>
-      <p:sp>
-        <p:nvSpPr>
-          <p:cNvPr id="27" name="文本占位符 3"/>
-          <p:cNvSpPr txBox="1">
-            <a:spLocks/>
-          </p:cNvSpPr>
-          <p:nvPr/>
-        </p:nvSpPr>
-        <p:spPr>
-          <a:xfrm>
-            <a:off x="3563888" y="2780928"/>
-            <a:ext cx="4187502" cy="432047"/>
-          </a:xfrm>
-          <a:prstGeom prst="rect">
-            <a:avLst/>
-          </a:prstGeom>
-        </p:spPr>
-        <p:txBody>
-          <a:bodyPr vert="horz" lIns="91440" tIns="45720" rIns="91440" bIns="45720" rtlCol="0" anchor="ctr">
-            <a:noAutofit/>
-          </a:bodyPr>
-          <a:lstStyle>
-            <a:lvl1pPr marL="0" indent="0" algn="l" defTabSz="914400" rtl="0" eaLnBrk="1" latinLnBrk="0" hangingPunct="1">
-              <a:spcBef>
-                <a:spcPct val="20000"/>
-              </a:spcBef>
-              <a:buFont typeface="Arial" pitchFamily="34" charset="0"/>
-              <a:buNone/>
-              <a:defRPr sz="2800" b="1" kern="1200">
-                <a:solidFill>
-                  <a:srgbClr val="56762C"/>
-                </a:solidFill>
-                <a:latin typeface="+mn-lt"/>
-                <a:ea typeface="+mn-ea"/>
-                <a:cs typeface="+mn-cs"/>
-              </a:defRPr>
-            </a:lvl1pPr>
-            <a:lvl2pPr marL="457200" indent="0" algn="l" defTabSz="914400" rtl="0" eaLnBrk="1" latinLnBrk="0" hangingPunct="1">
-              <a:spcBef>
-                <a:spcPct val="20000"/>
-              </a:spcBef>
-              <a:buFont typeface="Arial" pitchFamily="34" charset="0"/>
-              <a:buNone/>
-              <a:defRPr sz="1800" kern="1200">
-                <a:solidFill>
-                  <a:schemeClr val="tx1">
-                    <a:tint val="75000"/>
-                  </a:schemeClr>
-                </a:solidFill>
-                <a:latin typeface="+mn-lt"/>
-                <a:ea typeface="+mn-ea"/>
-                <a:cs typeface="+mn-cs"/>
-              </a:defRPr>
-            </a:lvl2pPr>
-            <a:lvl3pPr marL="914400" indent="0" algn="l" defTabSz="914400" rtl="0" eaLnBrk="1" latinLnBrk="0" hangingPunct="1">
-              <a:spcBef>
-                <a:spcPct val="20000"/>
-              </a:spcBef>
-              <a:buFont typeface="Arial" pitchFamily="34" charset="0"/>
-              <a:buNone/>
-              <a:defRPr sz="1600" kern="1200">
-                <a:solidFill>
-                  <a:schemeClr val="tx1">
-                    <a:tint val="75000"/>
-                  </a:schemeClr>
-                </a:solidFill>
-                <a:latin typeface="+mn-lt"/>
-                <a:ea typeface="+mn-ea"/>
-                <a:cs typeface="+mn-cs"/>
-              </a:defRPr>
-            </a:lvl3pPr>
-            <a:lvl4pPr marL="1371600" indent="0" algn="l" defTabSz="914400" rtl="0" eaLnBrk="1" latinLnBrk="0" hangingPunct="1">
-              <a:spcBef>
-                <a:spcPct val="20000"/>
-              </a:spcBef>
-              <a:buFont typeface="Arial" pitchFamily="34" charset="0"/>
-              <a:buNone/>
-              <a:defRPr sz="1400" kern="1200">
-                <a:solidFill>
-                  <a:schemeClr val="tx1">
-                    <a:tint val="75000"/>
-                  </a:schemeClr>
-                </a:solidFill>
-                <a:latin typeface="+mn-lt"/>
-                <a:ea typeface="+mn-ea"/>
-                <a:cs typeface="+mn-cs"/>
-              </a:defRPr>
-            </a:lvl4pPr>
-            <a:lvl5pPr marL="1828800" indent="0" algn="l" defTabSz="914400" rtl="0" eaLnBrk="1" latinLnBrk="0" hangingPunct="1">
-              <a:spcBef>
-                <a:spcPct val="20000"/>
-              </a:spcBef>
-              <a:buFont typeface="Arial" pitchFamily="34" charset="0"/>
-              <a:buNone/>
-              <a:defRPr sz="1400" kern="1200">
-                <a:solidFill>
-                  <a:schemeClr val="tx1">
-                    <a:tint val="75000"/>
-                  </a:schemeClr>
-                </a:solidFill>
-                <a:latin typeface="+mn-lt"/>
-                <a:ea typeface="+mn-ea"/>
-                <a:cs typeface="+mn-cs"/>
-              </a:defRPr>
-            </a:lvl5pPr>
-            <a:lvl6pPr marL="2286000" indent="0" algn="l" defTabSz="914400" rtl="0" eaLnBrk="1" latinLnBrk="0" hangingPunct="1">
-              <a:spcBef>
-                <a:spcPct val="20000"/>
-              </a:spcBef>
-              <a:buFont typeface="Arial" pitchFamily="34" charset="0"/>
-              <a:buNone/>
-              <a:defRPr sz="1400" kern="1200">
-                <a:solidFill>
-                  <a:schemeClr val="tx1">
-                    <a:tint val="75000"/>
-                  </a:schemeClr>
-                </a:solidFill>
-                <a:latin typeface="+mn-lt"/>
-                <a:ea typeface="+mn-ea"/>
-                <a:cs typeface="+mn-cs"/>
-              </a:defRPr>
-            </a:lvl6pPr>
-            <a:lvl7pPr marL="2743200" indent="0" algn="l" defTabSz="914400" rtl="0" eaLnBrk="1" latinLnBrk="0" hangingPunct="1">
-              <a:spcBef>
-                <a:spcPct val="20000"/>
-              </a:spcBef>
-              <a:buFont typeface="Arial" pitchFamily="34" charset="0"/>
-              <a:buNone/>
-              <a:defRPr sz="1400" kern="1200">
-                <a:solidFill>
-                  <a:schemeClr val="tx1">
-                    <a:tint val="75000"/>
-                  </a:schemeClr>
-                </a:solidFill>
-                <a:latin typeface="+mn-lt"/>
-                <a:ea typeface="+mn-ea"/>
-                <a:cs typeface="+mn-cs"/>
-              </a:defRPr>
-            </a:lvl7pPr>
-            <a:lvl8pPr marL="3200400" indent="0" algn="l" defTabSz="914400" rtl="0" eaLnBrk="1" latinLnBrk="0" hangingPunct="1">
-              <a:spcBef>
-                <a:spcPct val="20000"/>
-              </a:spcBef>
-              <a:buFont typeface="Arial" pitchFamily="34" charset="0"/>
-              <a:buNone/>
-              <a:defRPr sz="1400" kern="1200">
-                <a:solidFill>
-                  <a:schemeClr val="tx1">
-                    <a:tint val="75000"/>
-                  </a:schemeClr>
-                </a:solidFill>
-                <a:latin typeface="+mn-lt"/>
-                <a:ea typeface="+mn-ea"/>
-                <a:cs typeface="+mn-cs"/>
-              </a:defRPr>
-            </a:lvl8pPr>
-            <a:lvl9pPr marL="3657600" indent="0" algn="l" defTabSz="914400" rtl="0" eaLnBrk="1" latinLnBrk="0" hangingPunct="1">
-              <a:spcBef>
-                <a:spcPct val="20000"/>
-              </a:spcBef>
-              <a:buFont typeface="Arial" pitchFamily="34" charset="0"/>
-              <a:buNone/>
-              <a:defRPr sz="1400" kern="1200">
-                <a:solidFill>
-                  <a:schemeClr val="tx1">
-                    <a:tint val="75000"/>
-                  </a:schemeClr>
-                </a:solidFill>
-                <a:latin typeface="+mn-lt"/>
-                <a:ea typeface="+mn-ea"/>
-                <a:cs typeface="+mn-cs"/>
-              </a:defRPr>
-            </a:lvl9pPr>
-          </a:lstStyle>
-          <a:p>
-            <a:r>
-              <a:rPr lang="zh-CN" altLang="en-US" sz="3200" b="0" dirty="0">
-                <a:solidFill>
-                  <a:srgbClr val="F05425"/>
-                </a:solidFill>
-                <a:ea typeface="微软雅黑" pitchFamily="34" charset="-122"/>
-              </a:rPr>
-              <a:t>运用情景</a:t>
-            </a:r>
-          </a:p>
-        </p:txBody>
-      </p:sp>
-      <p:sp>
-        <p:nvSpPr>
-          <p:cNvPr id="28" name="文本占位符 4"/>
-          <p:cNvSpPr txBox="1">
-            <a:spLocks/>
-          </p:cNvSpPr>
-          <p:nvPr/>
-        </p:nvSpPr>
-        <p:spPr>
-          <a:xfrm>
-            <a:off x="2255095" y="2564904"/>
-            <a:ext cx="2100881" cy="1584176"/>
-          </a:xfrm>
-          <a:prstGeom prst="rect">
-            <a:avLst/>
-          </a:prstGeom>
-        </p:spPr>
-        <p:txBody>
-          <a:bodyPr vert="horz" lIns="91440" tIns="45720" rIns="91440" bIns="45720" rtlCol="0" anchor="ctr">
-            <a:normAutofit fontScale="55000" lnSpcReduction="20000"/>
-          </a:bodyPr>
-          <a:lstStyle>
-            <a:lvl1pPr marL="0" indent="0" algn="l" defTabSz="914400" rtl="0" eaLnBrk="1" latinLnBrk="0" hangingPunct="1">
-              <a:spcBef>
-                <a:spcPct val="20000"/>
-              </a:spcBef>
-              <a:buFont typeface="Arial" pitchFamily="34" charset="0"/>
-              <a:buNone/>
-              <a:defRPr sz="11500" b="1" kern="1200">
-                <a:solidFill>
-                  <a:srgbClr val="56762C"/>
-                </a:solidFill>
-                <a:latin typeface="Bell MT" pitchFamily="18" charset="0"/>
-                <a:ea typeface="+mn-ea"/>
-                <a:cs typeface="+mn-cs"/>
-              </a:defRPr>
-            </a:lvl1pPr>
-            <a:lvl2pPr marL="457200" indent="0" algn="l" defTabSz="914400" rtl="0" eaLnBrk="1" latinLnBrk="0" hangingPunct="1">
-              <a:spcBef>
-                <a:spcPct val="20000"/>
-              </a:spcBef>
-              <a:buFont typeface="Arial" pitchFamily="34" charset="0"/>
-              <a:buNone/>
-              <a:defRPr sz="1800" kern="1200">
-                <a:solidFill>
-                  <a:schemeClr val="tx1">
-                    <a:tint val="75000"/>
-                  </a:schemeClr>
-                </a:solidFill>
-                <a:latin typeface="+mn-lt"/>
-                <a:ea typeface="+mn-ea"/>
-                <a:cs typeface="+mn-cs"/>
-              </a:defRPr>
-            </a:lvl2pPr>
-            <a:lvl3pPr marL="914400" indent="0" algn="l" defTabSz="914400" rtl="0" eaLnBrk="1" latinLnBrk="0" hangingPunct="1">
-              <a:spcBef>
-                <a:spcPct val="20000"/>
-              </a:spcBef>
-              <a:buFont typeface="Arial" pitchFamily="34" charset="0"/>
-              <a:buNone/>
-              <a:defRPr sz="1600" kern="1200">
-                <a:solidFill>
-                  <a:schemeClr val="tx1">
-                    <a:tint val="75000"/>
-                  </a:schemeClr>
-                </a:solidFill>
-                <a:latin typeface="+mn-lt"/>
-                <a:ea typeface="+mn-ea"/>
-                <a:cs typeface="+mn-cs"/>
-              </a:defRPr>
-            </a:lvl3pPr>
-            <a:lvl4pPr marL="1371600" indent="0" algn="l" defTabSz="914400" rtl="0" eaLnBrk="1" latinLnBrk="0" hangingPunct="1">
-              <a:spcBef>
-                <a:spcPct val="20000"/>
-              </a:spcBef>
-              <a:buFont typeface="Arial" pitchFamily="34" charset="0"/>
-              <a:buNone/>
-              <a:defRPr sz="1400" kern="1200">
-                <a:solidFill>
-                  <a:schemeClr val="tx1">
-                    <a:tint val="75000"/>
-                  </a:schemeClr>
-                </a:solidFill>
-                <a:latin typeface="+mn-lt"/>
-                <a:ea typeface="+mn-ea"/>
-                <a:cs typeface="+mn-cs"/>
-              </a:defRPr>
-            </a:lvl4pPr>
-            <a:lvl5pPr marL="1828800" indent="0" algn="l" defTabSz="914400" rtl="0" eaLnBrk="1" latinLnBrk="0" hangingPunct="1">
-              <a:spcBef>
-                <a:spcPct val="20000"/>
-              </a:spcBef>
-              <a:buFont typeface="Arial" pitchFamily="34" charset="0"/>
-              <a:buNone/>
-              <a:defRPr sz="1400" kern="1200">
-                <a:solidFill>
-                  <a:schemeClr val="tx1">
-                    <a:tint val="75000"/>
-                  </a:schemeClr>
-                </a:solidFill>
-                <a:latin typeface="+mn-lt"/>
-                <a:ea typeface="+mn-ea"/>
-                <a:cs typeface="+mn-cs"/>
-              </a:defRPr>
-            </a:lvl5pPr>
-            <a:lvl6pPr marL="2286000" indent="0" algn="l" defTabSz="914400" rtl="0" eaLnBrk="1" latinLnBrk="0" hangingPunct="1">
-              <a:spcBef>
-                <a:spcPct val="20000"/>
-              </a:spcBef>
-              <a:buFont typeface="Arial" pitchFamily="34" charset="0"/>
-              <a:buNone/>
-              <a:defRPr sz="1400" kern="1200">
-                <a:solidFill>
-                  <a:schemeClr val="tx1">
-                    <a:tint val="75000"/>
-                  </a:schemeClr>
-                </a:solidFill>
-                <a:latin typeface="+mn-lt"/>
-                <a:ea typeface="+mn-ea"/>
-                <a:cs typeface="+mn-cs"/>
-              </a:defRPr>
-            </a:lvl6pPr>
-            <a:lvl7pPr marL="2743200" indent="0" algn="l" defTabSz="914400" rtl="0" eaLnBrk="1" latinLnBrk="0" hangingPunct="1">
-              <a:spcBef>
-                <a:spcPct val="20000"/>
-              </a:spcBef>
-              <a:buFont typeface="Arial" pitchFamily="34" charset="0"/>
-              <a:buNone/>
-              <a:defRPr sz="1400" kern="1200">
-                <a:solidFill>
-                  <a:schemeClr val="tx1">
-                    <a:tint val="75000"/>
-                  </a:schemeClr>
-                </a:solidFill>
-                <a:latin typeface="+mn-lt"/>
-                <a:ea typeface="+mn-ea"/>
-                <a:cs typeface="+mn-cs"/>
-              </a:defRPr>
-            </a:lvl7pPr>
-            <a:lvl8pPr marL="3200400" indent="0" algn="l" defTabSz="914400" rtl="0" eaLnBrk="1" latinLnBrk="0" hangingPunct="1">
-              <a:spcBef>
-                <a:spcPct val="20000"/>
-              </a:spcBef>
-              <a:buFont typeface="Arial" pitchFamily="34" charset="0"/>
-              <a:buNone/>
-              <a:defRPr sz="1400" kern="1200">
-                <a:solidFill>
-                  <a:schemeClr val="tx1">
-                    <a:tint val="75000"/>
-                  </a:schemeClr>
-                </a:solidFill>
-                <a:latin typeface="+mn-lt"/>
-                <a:ea typeface="+mn-ea"/>
-                <a:cs typeface="+mn-cs"/>
-              </a:defRPr>
-            </a:lvl8pPr>
-            <a:lvl9pPr marL="3657600" indent="0" algn="l" defTabSz="914400" rtl="0" eaLnBrk="1" latinLnBrk="0" hangingPunct="1">
-              <a:spcBef>
-                <a:spcPct val="20000"/>
-              </a:spcBef>
-              <a:buFont typeface="Arial" pitchFamily="34" charset="0"/>
-              <a:buNone/>
-              <a:defRPr sz="1400" kern="1200">
-                <a:solidFill>
-                  <a:schemeClr val="tx1">
-                    <a:tint val="75000"/>
-                  </a:schemeClr>
-                </a:solidFill>
-                <a:latin typeface="+mn-lt"/>
-                <a:ea typeface="+mn-ea"/>
-                <a:cs typeface="+mn-cs"/>
-              </a:defRPr>
-            </a:lvl9pPr>
-          </a:lstStyle>
-          <a:p>
-            <a:pPr marL="0" marR="0" lvl="0" indent="0" algn="l" defTabSz="914400" rtl="0" eaLnBrk="1" fontAlgn="auto" latinLnBrk="0" hangingPunct="1">
-              <a:lnSpc>
-                <a:spcPct val="100000"/>
-              </a:lnSpc>
-              <a:spcBef>
-                <a:spcPct val="20000"/>
-              </a:spcBef>
-              <a:spcAft>
-                <a:spcPts val="0"/>
-              </a:spcAft>
-              <a:buClrTx/>
-              <a:buSzTx/>
-              <a:buFont typeface="Arial" pitchFamily="34" charset="0"/>
-              <a:buNone/>
-              <a:tabLst/>
-              <a:defRPr/>
-            </a:pPr>
-            <a:r>
-              <a:rPr lang="en-US" altLang="zh-CN" sz="20200" dirty="0">
-                <a:solidFill>
-                  <a:srgbClr val="F05425"/>
-                </a:solidFill>
-                <a:latin typeface="Broadway" pitchFamily="82" charset="0"/>
-                <a:ea typeface="微软雅黑"/>
-              </a:rPr>
-              <a:t>4</a:t>
-            </a:r>
-            <a:endParaRPr kumimoji="0" lang="zh-CN" altLang="en-US" sz="20200" b="1" i="0" u="none" strike="noStrike" kern="1200" cap="none" spc="0" normalizeH="0" baseline="0" noProof="0" dirty="0">
-              <a:ln>
-                <a:noFill/>
-              </a:ln>
-              <a:solidFill>
-                <a:srgbClr val="F05425"/>
-              </a:solidFill>
-              <a:effectLst/>
-              <a:uLnTx/>
-              <a:uFillTx/>
-              <a:latin typeface="Broadway" pitchFamily="82" charset="0"/>
-              <a:ea typeface="微软雅黑"/>
-            </a:endParaRPr>
-          </a:p>
-        </p:txBody>
-      </p:sp>
-      <p:sp>
-        <p:nvSpPr>
-          <p:cNvPr id="29" name="文本占位符 5"/>
-          <p:cNvSpPr txBox="1">
-            <a:spLocks/>
-          </p:cNvSpPr>
-          <p:nvPr/>
-        </p:nvSpPr>
-        <p:spPr>
-          <a:xfrm>
-            <a:off x="3563888" y="3501009"/>
-            <a:ext cx="4979590" cy="432047"/>
-          </a:xfrm>
-          <a:prstGeom prst="rect">
-            <a:avLst/>
-          </a:prstGeom>
-        </p:spPr>
-        <p:txBody>
-          <a:bodyPr vert="horz" lIns="91440" tIns="45720" rIns="91440" bIns="45720" rtlCol="0" anchor="ctr">
-            <a:noAutofit/>
-          </a:bodyPr>
-          <a:lstStyle>
-            <a:lvl1pPr marL="0" indent="0" algn="l" defTabSz="914400" rtl="0" eaLnBrk="1" latinLnBrk="0" hangingPunct="1">
-              <a:spcBef>
-                <a:spcPct val="20000"/>
-              </a:spcBef>
-              <a:buFont typeface="Arial" pitchFamily="34" charset="0"/>
-              <a:buNone/>
-              <a:defRPr sz="1400" b="1" kern="1200">
-                <a:solidFill>
-                  <a:srgbClr val="56762C"/>
-                </a:solidFill>
-                <a:latin typeface="+mn-lt"/>
-                <a:ea typeface="+mn-ea"/>
-                <a:cs typeface="+mn-cs"/>
-              </a:defRPr>
-            </a:lvl1pPr>
-            <a:lvl2pPr marL="457200" indent="0" algn="l" defTabSz="914400" rtl="0" eaLnBrk="1" latinLnBrk="0" hangingPunct="1">
-              <a:spcBef>
-                <a:spcPct val="20000"/>
-              </a:spcBef>
-              <a:buFont typeface="Arial" pitchFamily="34" charset="0"/>
-              <a:buNone/>
-              <a:defRPr sz="1800" kern="1200">
-                <a:solidFill>
-                  <a:schemeClr val="tx1">
-                    <a:tint val="75000"/>
-                  </a:schemeClr>
-                </a:solidFill>
-                <a:latin typeface="+mn-lt"/>
-                <a:ea typeface="+mn-ea"/>
-                <a:cs typeface="+mn-cs"/>
-              </a:defRPr>
-            </a:lvl2pPr>
-            <a:lvl3pPr marL="914400" indent="0" algn="l" defTabSz="914400" rtl="0" eaLnBrk="1" latinLnBrk="0" hangingPunct="1">
-              <a:spcBef>
-                <a:spcPct val="20000"/>
-              </a:spcBef>
-              <a:buFont typeface="Arial" pitchFamily="34" charset="0"/>
-              <a:buNone/>
-              <a:defRPr sz="1600" kern="1200">
-                <a:solidFill>
-                  <a:schemeClr val="tx1">
-                    <a:tint val="75000"/>
-                  </a:schemeClr>
-                </a:solidFill>
-                <a:latin typeface="+mn-lt"/>
-                <a:ea typeface="+mn-ea"/>
-                <a:cs typeface="+mn-cs"/>
-              </a:defRPr>
-            </a:lvl3pPr>
-            <a:lvl4pPr marL="1371600" indent="0" algn="l" defTabSz="914400" rtl="0" eaLnBrk="1" latinLnBrk="0" hangingPunct="1">
-              <a:spcBef>
-                <a:spcPct val="20000"/>
-              </a:spcBef>
-              <a:buFont typeface="Arial" pitchFamily="34" charset="0"/>
-              <a:buNone/>
-              <a:defRPr sz="1400" kern="1200">
-                <a:solidFill>
-                  <a:schemeClr val="tx1">
-                    <a:tint val="75000"/>
-                  </a:schemeClr>
-                </a:solidFill>
-                <a:latin typeface="+mn-lt"/>
-                <a:ea typeface="+mn-ea"/>
-                <a:cs typeface="+mn-cs"/>
-              </a:defRPr>
-            </a:lvl4pPr>
-            <a:lvl5pPr marL="1828800" indent="0" algn="l" defTabSz="914400" rtl="0" eaLnBrk="1" latinLnBrk="0" hangingPunct="1">
-              <a:spcBef>
-                <a:spcPct val="20000"/>
-              </a:spcBef>
-              <a:buFont typeface="Arial" pitchFamily="34" charset="0"/>
-              <a:buNone/>
-              <a:defRPr sz="1400" kern="1200">
-                <a:solidFill>
-                  <a:schemeClr val="tx1">
-                    <a:tint val="75000"/>
-                  </a:schemeClr>
-                </a:solidFill>
-                <a:latin typeface="+mn-lt"/>
-                <a:ea typeface="+mn-ea"/>
-                <a:cs typeface="+mn-cs"/>
-              </a:defRPr>
-            </a:lvl5pPr>
-            <a:lvl6pPr marL="2286000" indent="0" algn="l" defTabSz="914400" rtl="0" eaLnBrk="1" latinLnBrk="0" hangingPunct="1">
-              <a:spcBef>
-                <a:spcPct val="20000"/>
-              </a:spcBef>
-              <a:buFont typeface="Arial" pitchFamily="34" charset="0"/>
-              <a:buNone/>
-              <a:defRPr sz="1400" kern="1200">
-                <a:solidFill>
-                  <a:schemeClr val="tx1">
-                    <a:tint val="75000"/>
-                  </a:schemeClr>
-                </a:solidFill>
-                <a:latin typeface="+mn-lt"/>
-                <a:ea typeface="+mn-ea"/>
-                <a:cs typeface="+mn-cs"/>
-              </a:defRPr>
-            </a:lvl6pPr>
-            <a:lvl7pPr marL="2743200" indent="0" algn="l" defTabSz="914400" rtl="0" eaLnBrk="1" latinLnBrk="0" hangingPunct="1">
-              <a:spcBef>
-                <a:spcPct val="20000"/>
-              </a:spcBef>
-              <a:buFont typeface="Arial" pitchFamily="34" charset="0"/>
-              <a:buNone/>
-              <a:defRPr sz="1400" kern="1200">
-                <a:solidFill>
-                  <a:schemeClr val="tx1">
-                    <a:tint val="75000"/>
-                  </a:schemeClr>
-                </a:solidFill>
-                <a:latin typeface="+mn-lt"/>
-                <a:ea typeface="+mn-ea"/>
-                <a:cs typeface="+mn-cs"/>
-              </a:defRPr>
-            </a:lvl7pPr>
-            <a:lvl8pPr marL="3200400" indent="0" algn="l" defTabSz="914400" rtl="0" eaLnBrk="1" latinLnBrk="0" hangingPunct="1">
-              <a:spcBef>
-                <a:spcPct val="20000"/>
-              </a:spcBef>
-              <a:buFont typeface="Arial" pitchFamily="34" charset="0"/>
-              <a:buNone/>
-              <a:defRPr sz="1400" kern="1200">
-                <a:solidFill>
-                  <a:schemeClr val="tx1">
-                    <a:tint val="75000"/>
-                  </a:schemeClr>
-                </a:solidFill>
-                <a:latin typeface="+mn-lt"/>
-                <a:ea typeface="+mn-ea"/>
-                <a:cs typeface="+mn-cs"/>
-              </a:defRPr>
-            </a:lvl8pPr>
-            <a:lvl9pPr marL="3657600" indent="0" algn="l" defTabSz="914400" rtl="0" eaLnBrk="1" latinLnBrk="0" hangingPunct="1">
-              <a:spcBef>
-                <a:spcPct val="20000"/>
-              </a:spcBef>
-              <a:buFont typeface="Arial" pitchFamily="34" charset="0"/>
-              <a:buNone/>
-              <a:defRPr sz="1400" kern="1200">
-                <a:solidFill>
-                  <a:schemeClr val="tx1">
-                    <a:tint val="75000"/>
-                  </a:schemeClr>
-                </a:solidFill>
-                <a:latin typeface="+mn-lt"/>
-                <a:ea typeface="+mn-ea"/>
-                <a:cs typeface="+mn-cs"/>
-              </a:defRPr>
-            </a:lvl9pPr>
-          </a:lstStyle>
-          <a:p>
-            <a:r>
-              <a:rPr lang="zh-CN" altLang="en-US" sz="1600" b="0" dirty="0">
-                <a:solidFill>
-                  <a:schemeClr val="bg1">
-                    <a:lumMod val="50000"/>
-                  </a:schemeClr>
-                </a:solidFill>
-                <a:ea typeface="微软雅黑" pitchFamily="34" charset="-122"/>
-              </a:rPr>
-              <a:t>请思考：我们如何把积极心理学应用于生活？</a:t>
-            </a:r>
-          </a:p>
-        </p:txBody>
-      </p:sp>
-      <p:sp>
-        <p:nvSpPr>
-          <p:cNvPr id="30" name="矩形 29"/>
-          <p:cNvSpPr/>
-          <p:nvPr/>
-        </p:nvSpPr>
-        <p:spPr>
-          <a:xfrm>
-            <a:off x="3563888" y="3406140"/>
-            <a:ext cx="4536504" cy="21600"/>
-          </a:xfrm>
-          <a:prstGeom prst="rect">
-            <a:avLst/>
-          </a:prstGeom>
-          <a:effectLst/>
-        </p:spPr>
-        <p:style>
-          <a:lnRef idx="1">
-            <a:schemeClr val="accent6"/>
-          </a:lnRef>
-          <a:fillRef idx="3">
-            <a:schemeClr val="accent6"/>
-          </a:fillRef>
-          <a:effectRef idx="2">
-            <a:schemeClr val="accent6"/>
-          </a:effectRef>
-          <a:fontRef idx="minor">
-            <a:schemeClr val="lt1"/>
-          </a:fontRef>
-        </p:style>
-        <p:txBody>
-          <a:bodyPr rtlCol="0" anchor="ctr"/>
-          <a:lstStyle/>
-          <a:p>
-            <a:pPr algn="ctr"/>
-            <a:endParaRPr lang="en-US"/>
-          </a:p>
-        </p:txBody>
-      </p:sp>
-    </p:spTree>
-    <p:extLst>
-      <p:ext uri="{BB962C8B-B14F-4D97-AF65-F5344CB8AC3E}">
-        <p14:creationId xmlns:p14="http://schemas.microsoft.com/office/powerpoint/2010/main" val="1519573002"/>
-      </p:ext>
-    </p:extLst>
-  </p:cSld>
-  <p:clrMapOvr>
-    <a:masterClrMapping/>
-  </p:clrMapOvr>
-  <p:transition spd="slow">
-    <p:pull/>
-  </p:transition>
 </p:sld>
 </file>
 
@@ -17345,6 +17187,672 @@
 </file>
 
 <file path=ppt/slides/slide20.xml><?xml version="1.0" encoding="utf-8"?>
+<p:sld xmlns:a="http://schemas.openxmlformats.org/drawingml/2006/main" xmlns:r="http://schemas.openxmlformats.org/officeDocument/2006/relationships" xmlns:p="http://schemas.openxmlformats.org/presentationml/2006/main">
+  <p:cSld>
+    <p:spTree>
+      <p:nvGrpSpPr>
+        <p:cNvPr id="1" name=""/>
+        <p:cNvGrpSpPr/>
+        <p:nvPr/>
+      </p:nvGrpSpPr>
+      <p:grpSpPr>
+        <a:xfrm>
+          <a:off x="0" y="0"/>
+          <a:ext cx="0" cy="0"/>
+          <a:chOff x="0" y="0"/>
+          <a:chExt cx="0" cy="0"/>
+        </a:xfrm>
+      </p:grpSpPr>
+      <p:sp>
+        <p:nvSpPr>
+          <p:cNvPr id="27" name="文本占位符 3"/>
+          <p:cNvSpPr txBox="1">
+            <a:spLocks/>
+          </p:cNvSpPr>
+          <p:nvPr/>
+        </p:nvSpPr>
+        <p:spPr>
+          <a:xfrm>
+            <a:off x="3563888" y="2780928"/>
+            <a:ext cx="4187502" cy="432047"/>
+          </a:xfrm>
+          <a:prstGeom prst="rect">
+            <a:avLst/>
+          </a:prstGeom>
+        </p:spPr>
+        <p:txBody>
+          <a:bodyPr vert="horz" lIns="91440" tIns="45720" rIns="91440" bIns="45720" rtlCol="0" anchor="ctr">
+            <a:noAutofit/>
+          </a:bodyPr>
+          <a:lstStyle>
+            <a:lvl1pPr marL="0" indent="0" algn="l" defTabSz="914400" rtl="0" eaLnBrk="1" latinLnBrk="0" hangingPunct="1">
+              <a:spcBef>
+                <a:spcPct val="20000"/>
+              </a:spcBef>
+              <a:buFont typeface="Arial" pitchFamily="34" charset="0"/>
+              <a:buNone/>
+              <a:defRPr sz="2800" b="1" kern="1200">
+                <a:solidFill>
+                  <a:srgbClr val="56762C"/>
+                </a:solidFill>
+                <a:latin typeface="+mn-lt"/>
+                <a:ea typeface="+mn-ea"/>
+                <a:cs typeface="+mn-cs"/>
+              </a:defRPr>
+            </a:lvl1pPr>
+            <a:lvl2pPr marL="457200" indent="0" algn="l" defTabSz="914400" rtl="0" eaLnBrk="1" latinLnBrk="0" hangingPunct="1">
+              <a:spcBef>
+                <a:spcPct val="20000"/>
+              </a:spcBef>
+              <a:buFont typeface="Arial" pitchFamily="34" charset="0"/>
+              <a:buNone/>
+              <a:defRPr sz="1800" kern="1200">
+                <a:solidFill>
+                  <a:schemeClr val="tx1">
+                    <a:tint val="75000"/>
+                  </a:schemeClr>
+                </a:solidFill>
+                <a:latin typeface="+mn-lt"/>
+                <a:ea typeface="+mn-ea"/>
+                <a:cs typeface="+mn-cs"/>
+              </a:defRPr>
+            </a:lvl2pPr>
+            <a:lvl3pPr marL="914400" indent="0" algn="l" defTabSz="914400" rtl="0" eaLnBrk="1" latinLnBrk="0" hangingPunct="1">
+              <a:spcBef>
+                <a:spcPct val="20000"/>
+              </a:spcBef>
+              <a:buFont typeface="Arial" pitchFamily="34" charset="0"/>
+              <a:buNone/>
+              <a:defRPr sz="1600" kern="1200">
+                <a:solidFill>
+                  <a:schemeClr val="tx1">
+                    <a:tint val="75000"/>
+                  </a:schemeClr>
+                </a:solidFill>
+                <a:latin typeface="+mn-lt"/>
+                <a:ea typeface="+mn-ea"/>
+                <a:cs typeface="+mn-cs"/>
+              </a:defRPr>
+            </a:lvl3pPr>
+            <a:lvl4pPr marL="1371600" indent="0" algn="l" defTabSz="914400" rtl="0" eaLnBrk="1" latinLnBrk="0" hangingPunct="1">
+              <a:spcBef>
+                <a:spcPct val="20000"/>
+              </a:spcBef>
+              <a:buFont typeface="Arial" pitchFamily="34" charset="0"/>
+              <a:buNone/>
+              <a:defRPr sz="1400" kern="1200">
+                <a:solidFill>
+                  <a:schemeClr val="tx1">
+                    <a:tint val="75000"/>
+                  </a:schemeClr>
+                </a:solidFill>
+                <a:latin typeface="+mn-lt"/>
+                <a:ea typeface="+mn-ea"/>
+                <a:cs typeface="+mn-cs"/>
+              </a:defRPr>
+            </a:lvl4pPr>
+            <a:lvl5pPr marL="1828800" indent="0" algn="l" defTabSz="914400" rtl="0" eaLnBrk="1" latinLnBrk="0" hangingPunct="1">
+              <a:spcBef>
+                <a:spcPct val="20000"/>
+              </a:spcBef>
+              <a:buFont typeface="Arial" pitchFamily="34" charset="0"/>
+              <a:buNone/>
+              <a:defRPr sz="1400" kern="1200">
+                <a:solidFill>
+                  <a:schemeClr val="tx1">
+                    <a:tint val="75000"/>
+                  </a:schemeClr>
+                </a:solidFill>
+                <a:latin typeface="+mn-lt"/>
+                <a:ea typeface="+mn-ea"/>
+                <a:cs typeface="+mn-cs"/>
+              </a:defRPr>
+            </a:lvl5pPr>
+            <a:lvl6pPr marL="2286000" indent="0" algn="l" defTabSz="914400" rtl="0" eaLnBrk="1" latinLnBrk="0" hangingPunct="1">
+              <a:spcBef>
+                <a:spcPct val="20000"/>
+              </a:spcBef>
+              <a:buFont typeface="Arial" pitchFamily="34" charset="0"/>
+              <a:buNone/>
+              <a:defRPr sz="1400" kern="1200">
+                <a:solidFill>
+                  <a:schemeClr val="tx1">
+                    <a:tint val="75000"/>
+                  </a:schemeClr>
+                </a:solidFill>
+                <a:latin typeface="+mn-lt"/>
+                <a:ea typeface="+mn-ea"/>
+                <a:cs typeface="+mn-cs"/>
+              </a:defRPr>
+            </a:lvl6pPr>
+            <a:lvl7pPr marL="2743200" indent="0" algn="l" defTabSz="914400" rtl="0" eaLnBrk="1" latinLnBrk="0" hangingPunct="1">
+              <a:spcBef>
+                <a:spcPct val="20000"/>
+              </a:spcBef>
+              <a:buFont typeface="Arial" pitchFamily="34" charset="0"/>
+              <a:buNone/>
+              <a:defRPr sz="1400" kern="1200">
+                <a:solidFill>
+                  <a:schemeClr val="tx1">
+                    <a:tint val="75000"/>
+                  </a:schemeClr>
+                </a:solidFill>
+                <a:latin typeface="+mn-lt"/>
+                <a:ea typeface="+mn-ea"/>
+                <a:cs typeface="+mn-cs"/>
+              </a:defRPr>
+            </a:lvl7pPr>
+            <a:lvl8pPr marL="3200400" indent="0" algn="l" defTabSz="914400" rtl="0" eaLnBrk="1" latinLnBrk="0" hangingPunct="1">
+              <a:spcBef>
+                <a:spcPct val="20000"/>
+              </a:spcBef>
+              <a:buFont typeface="Arial" pitchFamily="34" charset="0"/>
+              <a:buNone/>
+              <a:defRPr sz="1400" kern="1200">
+                <a:solidFill>
+                  <a:schemeClr val="tx1">
+                    <a:tint val="75000"/>
+                  </a:schemeClr>
+                </a:solidFill>
+                <a:latin typeface="+mn-lt"/>
+                <a:ea typeface="+mn-ea"/>
+                <a:cs typeface="+mn-cs"/>
+              </a:defRPr>
+            </a:lvl8pPr>
+            <a:lvl9pPr marL="3657600" indent="0" algn="l" defTabSz="914400" rtl="0" eaLnBrk="1" latinLnBrk="0" hangingPunct="1">
+              <a:spcBef>
+                <a:spcPct val="20000"/>
+              </a:spcBef>
+              <a:buFont typeface="Arial" pitchFamily="34" charset="0"/>
+              <a:buNone/>
+              <a:defRPr sz="1400" kern="1200">
+                <a:solidFill>
+                  <a:schemeClr val="tx1">
+                    <a:tint val="75000"/>
+                  </a:schemeClr>
+                </a:solidFill>
+                <a:latin typeface="+mn-lt"/>
+                <a:ea typeface="+mn-ea"/>
+                <a:cs typeface="+mn-cs"/>
+              </a:defRPr>
+            </a:lvl9pPr>
+          </a:lstStyle>
+          <a:p>
+            <a:r>
+              <a:rPr lang="zh-CN" altLang="en-US" sz="3200" b="0" dirty="0">
+                <a:solidFill>
+                  <a:srgbClr val="F05425"/>
+                </a:solidFill>
+                <a:ea typeface="微软雅黑" pitchFamily="34" charset="-122"/>
+              </a:rPr>
+              <a:t>运用情景</a:t>
+            </a:r>
+          </a:p>
+        </p:txBody>
+      </p:sp>
+      <p:sp>
+        <p:nvSpPr>
+          <p:cNvPr id="28" name="文本占位符 4"/>
+          <p:cNvSpPr txBox="1">
+            <a:spLocks/>
+          </p:cNvSpPr>
+          <p:nvPr/>
+        </p:nvSpPr>
+        <p:spPr>
+          <a:xfrm>
+            <a:off x="2255095" y="2564904"/>
+            <a:ext cx="2100881" cy="1584176"/>
+          </a:xfrm>
+          <a:prstGeom prst="rect">
+            <a:avLst/>
+          </a:prstGeom>
+        </p:spPr>
+        <p:txBody>
+          <a:bodyPr vert="horz" lIns="91440" tIns="45720" rIns="91440" bIns="45720" rtlCol="0" anchor="ctr">
+            <a:normAutofit fontScale="55000" lnSpcReduction="20000"/>
+          </a:bodyPr>
+          <a:lstStyle>
+            <a:lvl1pPr marL="0" indent="0" algn="l" defTabSz="914400" rtl="0" eaLnBrk="1" latinLnBrk="0" hangingPunct="1">
+              <a:spcBef>
+                <a:spcPct val="20000"/>
+              </a:spcBef>
+              <a:buFont typeface="Arial" pitchFamily="34" charset="0"/>
+              <a:buNone/>
+              <a:defRPr sz="11500" b="1" kern="1200">
+                <a:solidFill>
+                  <a:srgbClr val="56762C"/>
+                </a:solidFill>
+                <a:latin typeface="Bell MT" pitchFamily="18" charset="0"/>
+                <a:ea typeface="+mn-ea"/>
+                <a:cs typeface="+mn-cs"/>
+              </a:defRPr>
+            </a:lvl1pPr>
+            <a:lvl2pPr marL="457200" indent="0" algn="l" defTabSz="914400" rtl="0" eaLnBrk="1" latinLnBrk="0" hangingPunct="1">
+              <a:spcBef>
+                <a:spcPct val="20000"/>
+              </a:spcBef>
+              <a:buFont typeface="Arial" pitchFamily="34" charset="0"/>
+              <a:buNone/>
+              <a:defRPr sz="1800" kern="1200">
+                <a:solidFill>
+                  <a:schemeClr val="tx1">
+                    <a:tint val="75000"/>
+                  </a:schemeClr>
+                </a:solidFill>
+                <a:latin typeface="+mn-lt"/>
+                <a:ea typeface="+mn-ea"/>
+                <a:cs typeface="+mn-cs"/>
+              </a:defRPr>
+            </a:lvl2pPr>
+            <a:lvl3pPr marL="914400" indent="0" algn="l" defTabSz="914400" rtl="0" eaLnBrk="1" latinLnBrk="0" hangingPunct="1">
+              <a:spcBef>
+                <a:spcPct val="20000"/>
+              </a:spcBef>
+              <a:buFont typeface="Arial" pitchFamily="34" charset="0"/>
+              <a:buNone/>
+              <a:defRPr sz="1600" kern="1200">
+                <a:solidFill>
+                  <a:schemeClr val="tx1">
+                    <a:tint val="75000"/>
+                  </a:schemeClr>
+                </a:solidFill>
+                <a:latin typeface="+mn-lt"/>
+                <a:ea typeface="+mn-ea"/>
+                <a:cs typeface="+mn-cs"/>
+              </a:defRPr>
+            </a:lvl3pPr>
+            <a:lvl4pPr marL="1371600" indent="0" algn="l" defTabSz="914400" rtl="0" eaLnBrk="1" latinLnBrk="0" hangingPunct="1">
+              <a:spcBef>
+                <a:spcPct val="20000"/>
+              </a:spcBef>
+              <a:buFont typeface="Arial" pitchFamily="34" charset="0"/>
+              <a:buNone/>
+              <a:defRPr sz="1400" kern="1200">
+                <a:solidFill>
+                  <a:schemeClr val="tx1">
+                    <a:tint val="75000"/>
+                  </a:schemeClr>
+                </a:solidFill>
+                <a:latin typeface="+mn-lt"/>
+                <a:ea typeface="+mn-ea"/>
+                <a:cs typeface="+mn-cs"/>
+              </a:defRPr>
+            </a:lvl4pPr>
+            <a:lvl5pPr marL="1828800" indent="0" algn="l" defTabSz="914400" rtl="0" eaLnBrk="1" latinLnBrk="0" hangingPunct="1">
+              <a:spcBef>
+                <a:spcPct val="20000"/>
+              </a:spcBef>
+              <a:buFont typeface="Arial" pitchFamily="34" charset="0"/>
+              <a:buNone/>
+              <a:defRPr sz="1400" kern="1200">
+                <a:solidFill>
+                  <a:schemeClr val="tx1">
+                    <a:tint val="75000"/>
+                  </a:schemeClr>
+                </a:solidFill>
+                <a:latin typeface="+mn-lt"/>
+                <a:ea typeface="+mn-ea"/>
+                <a:cs typeface="+mn-cs"/>
+              </a:defRPr>
+            </a:lvl5pPr>
+            <a:lvl6pPr marL="2286000" indent="0" algn="l" defTabSz="914400" rtl="0" eaLnBrk="1" latinLnBrk="0" hangingPunct="1">
+              <a:spcBef>
+                <a:spcPct val="20000"/>
+              </a:spcBef>
+              <a:buFont typeface="Arial" pitchFamily="34" charset="0"/>
+              <a:buNone/>
+              <a:defRPr sz="1400" kern="1200">
+                <a:solidFill>
+                  <a:schemeClr val="tx1">
+                    <a:tint val="75000"/>
+                  </a:schemeClr>
+                </a:solidFill>
+                <a:latin typeface="+mn-lt"/>
+                <a:ea typeface="+mn-ea"/>
+                <a:cs typeface="+mn-cs"/>
+              </a:defRPr>
+            </a:lvl6pPr>
+            <a:lvl7pPr marL="2743200" indent="0" algn="l" defTabSz="914400" rtl="0" eaLnBrk="1" latinLnBrk="0" hangingPunct="1">
+              <a:spcBef>
+                <a:spcPct val="20000"/>
+              </a:spcBef>
+              <a:buFont typeface="Arial" pitchFamily="34" charset="0"/>
+              <a:buNone/>
+              <a:defRPr sz="1400" kern="1200">
+                <a:solidFill>
+                  <a:schemeClr val="tx1">
+                    <a:tint val="75000"/>
+                  </a:schemeClr>
+                </a:solidFill>
+                <a:latin typeface="+mn-lt"/>
+                <a:ea typeface="+mn-ea"/>
+                <a:cs typeface="+mn-cs"/>
+              </a:defRPr>
+            </a:lvl7pPr>
+            <a:lvl8pPr marL="3200400" indent="0" algn="l" defTabSz="914400" rtl="0" eaLnBrk="1" latinLnBrk="0" hangingPunct="1">
+              <a:spcBef>
+                <a:spcPct val="20000"/>
+              </a:spcBef>
+              <a:buFont typeface="Arial" pitchFamily="34" charset="0"/>
+              <a:buNone/>
+              <a:defRPr sz="1400" kern="1200">
+                <a:solidFill>
+                  <a:schemeClr val="tx1">
+                    <a:tint val="75000"/>
+                  </a:schemeClr>
+                </a:solidFill>
+                <a:latin typeface="+mn-lt"/>
+                <a:ea typeface="+mn-ea"/>
+                <a:cs typeface="+mn-cs"/>
+              </a:defRPr>
+            </a:lvl8pPr>
+            <a:lvl9pPr marL="3657600" indent="0" algn="l" defTabSz="914400" rtl="0" eaLnBrk="1" latinLnBrk="0" hangingPunct="1">
+              <a:spcBef>
+                <a:spcPct val="20000"/>
+              </a:spcBef>
+              <a:buFont typeface="Arial" pitchFamily="34" charset="0"/>
+              <a:buNone/>
+              <a:defRPr sz="1400" kern="1200">
+                <a:solidFill>
+                  <a:schemeClr val="tx1">
+                    <a:tint val="75000"/>
+                  </a:schemeClr>
+                </a:solidFill>
+                <a:latin typeface="+mn-lt"/>
+                <a:ea typeface="+mn-ea"/>
+                <a:cs typeface="+mn-cs"/>
+              </a:defRPr>
+            </a:lvl9pPr>
+          </a:lstStyle>
+          <a:p>
+            <a:pPr marL="0" marR="0" lvl="0" indent="0" algn="l" defTabSz="914400" rtl="0" eaLnBrk="1" fontAlgn="auto" latinLnBrk="0" hangingPunct="1">
+              <a:lnSpc>
+                <a:spcPct val="100000"/>
+              </a:lnSpc>
+              <a:spcBef>
+                <a:spcPct val="20000"/>
+              </a:spcBef>
+              <a:spcAft>
+                <a:spcPts val="0"/>
+              </a:spcAft>
+              <a:buClrTx/>
+              <a:buSzTx/>
+              <a:buFont typeface="Arial" pitchFamily="34" charset="0"/>
+              <a:buNone/>
+              <a:tabLst/>
+              <a:defRPr/>
+            </a:pPr>
+            <a:r>
+              <a:rPr lang="en-US" altLang="zh-CN" sz="20200" dirty="0">
+                <a:solidFill>
+                  <a:srgbClr val="F05425"/>
+                </a:solidFill>
+                <a:latin typeface="Broadway" pitchFamily="82" charset="0"/>
+                <a:ea typeface="微软雅黑"/>
+              </a:rPr>
+              <a:t>4</a:t>
+            </a:r>
+            <a:endParaRPr kumimoji="0" lang="zh-CN" altLang="en-US" sz="20200" b="1" i="0" u="none" strike="noStrike" kern="1200" cap="none" spc="0" normalizeH="0" baseline="0" noProof="0" dirty="0">
+              <a:ln>
+                <a:noFill/>
+              </a:ln>
+              <a:solidFill>
+                <a:srgbClr val="F05425"/>
+              </a:solidFill>
+              <a:effectLst/>
+              <a:uLnTx/>
+              <a:uFillTx/>
+              <a:latin typeface="Broadway" pitchFamily="82" charset="0"/>
+              <a:ea typeface="微软雅黑"/>
+            </a:endParaRPr>
+          </a:p>
+        </p:txBody>
+      </p:sp>
+      <p:sp>
+        <p:nvSpPr>
+          <p:cNvPr id="29" name="文本占位符 5"/>
+          <p:cNvSpPr txBox="1">
+            <a:spLocks/>
+          </p:cNvSpPr>
+          <p:nvPr/>
+        </p:nvSpPr>
+        <p:spPr>
+          <a:xfrm>
+            <a:off x="3563888" y="3501009"/>
+            <a:ext cx="4979590" cy="432047"/>
+          </a:xfrm>
+          <a:prstGeom prst="rect">
+            <a:avLst/>
+          </a:prstGeom>
+        </p:spPr>
+        <p:txBody>
+          <a:bodyPr vert="horz" lIns="91440" tIns="45720" rIns="91440" bIns="45720" rtlCol="0" anchor="ctr">
+            <a:noAutofit/>
+          </a:bodyPr>
+          <a:lstStyle>
+            <a:lvl1pPr marL="0" indent="0" algn="l" defTabSz="914400" rtl="0" eaLnBrk="1" latinLnBrk="0" hangingPunct="1">
+              <a:spcBef>
+                <a:spcPct val="20000"/>
+              </a:spcBef>
+              <a:buFont typeface="Arial" pitchFamily="34" charset="0"/>
+              <a:buNone/>
+              <a:defRPr sz="1400" b="1" kern="1200">
+                <a:solidFill>
+                  <a:srgbClr val="56762C"/>
+                </a:solidFill>
+                <a:latin typeface="+mn-lt"/>
+                <a:ea typeface="+mn-ea"/>
+                <a:cs typeface="+mn-cs"/>
+              </a:defRPr>
+            </a:lvl1pPr>
+            <a:lvl2pPr marL="457200" indent="0" algn="l" defTabSz="914400" rtl="0" eaLnBrk="1" latinLnBrk="0" hangingPunct="1">
+              <a:spcBef>
+                <a:spcPct val="20000"/>
+              </a:spcBef>
+              <a:buFont typeface="Arial" pitchFamily="34" charset="0"/>
+              <a:buNone/>
+              <a:defRPr sz="1800" kern="1200">
+                <a:solidFill>
+                  <a:schemeClr val="tx1">
+                    <a:tint val="75000"/>
+                  </a:schemeClr>
+                </a:solidFill>
+                <a:latin typeface="+mn-lt"/>
+                <a:ea typeface="+mn-ea"/>
+                <a:cs typeface="+mn-cs"/>
+              </a:defRPr>
+            </a:lvl2pPr>
+            <a:lvl3pPr marL="914400" indent="0" algn="l" defTabSz="914400" rtl="0" eaLnBrk="1" latinLnBrk="0" hangingPunct="1">
+              <a:spcBef>
+                <a:spcPct val="20000"/>
+              </a:spcBef>
+              <a:buFont typeface="Arial" pitchFamily="34" charset="0"/>
+              <a:buNone/>
+              <a:defRPr sz="1600" kern="1200">
+                <a:solidFill>
+                  <a:schemeClr val="tx1">
+                    <a:tint val="75000"/>
+                  </a:schemeClr>
+                </a:solidFill>
+                <a:latin typeface="+mn-lt"/>
+                <a:ea typeface="+mn-ea"/>
+                <a:cs typeface="+mn-cs"/>
+              </a:defRPr>
+            </a:lvl3pPr>
+            <a:lvl4pPr marL="1371600" indent="0" algn="l" defTabSz="914400" rtl="0" eaLnBrk="1" latinLnBrk="0" hangingPunct="1">
+              <a:spcBef>
+                <a:spcPct val="20000"/>
+              </a:spcBef>
+              <a:buFont typeface="Arial" pitchFamily="34" charset="0"/>
+              <a:buNone/>
+              <a:defRPr sz="1400" kern="1200">
+                <a:solidFill>
+                  <a:schemeClr val="tx1">
+                    <a:tint val="75000"/>
+                  </a:schemeClr>
+                </a:solidFill>
+                <a:latin typeface="+mn-lt"/>
+                <a:ea typeface="+mn-ea"/>
+                <a:cs typeface="+mn-cs"/>
+              </a:defRPr>
+            </a:lvl4pPr>
+            <a:lvl5pPr marL="1828800" indent="0" algn="l" defTabSz="914400" rtl="0" eaLnBrk="1" latinLnBrk="0" hangingPunct="1">
+              <a:spcBef>
+                <a:spcPct val="20000"/>
+              </a:spcBef>
+              <a:buFont typeface="Arial" pitchFamily="34" charset="0"/>
+              <a:buNone/>
+              <a:defRPr sz="1400" kern="1200">
+                <a:solidFill>
+                  <a:schemeClr val="tx1">
+                    <a:tint val="75000"/>
+                  </a:schemeClr>
+                </a:solidFill>
+                <a:latin typeface="+mn-lt"/>
+                <a:ea typeface="+mn-ea"/>
+                <a:cs typeface="+mn-cs"/>
+              </a:defRPr>
+            </a:lvl5pPr>
+            <a:lvl6pPr marL="2286000" indent="0" algn="l" defTabSz="914400" rtl="0" eaLnBrk="1" latinLnBrk="0" hangingPunct="1">
+              <a:spcBef>
+                <a:spcPct val="20000"/>
+              </a:spcBef>
+              <a:buFont typeface="Arial" pitchFamily="34" charset="0"/>
+              <a:buNone/>
+              <a:defRPr sz="1400" kern="1200">
+                <a:solidFill>
+                  <a:schemeClr val="tx1">
+                    <a:tint val="75000"/>
+                  </a:schemeClr>
+                </a:solidFill>
+                <a:latin typeface="+mn-lt"/>
+                <a:ea typeface="+mn-ea"/>
+                <a:cs typeface="+mn-cs"/>
+              </a:defRPr>
+            </a:lvl6pPr>
+            <a:lvl7pPr marL="2743200" indent="0" algn="l" defTabSz="914400" rtl="0" eaLnBrk="1" latinLnBrk="0" hangingPunct="1">
+              <a:spcBef>
+                <a:spcPct val="20000"/>
+              </a:spcBef>
+              <a:buFont typeface="Arial" pitchFamily="34" charset="0"/>
+              <a:buNone/>
+              <a:defRPr sz="1400" kern="1200">
+                <a:solidFill>
+                  <a:schemeClr val="tx1">
+                    <a:tint val="75000"/>
+                  </a:schemeClr>
+                </a:solidFill>
+                <a:latin typeface="+mn-lt"/>
+                <a:ea typeface="+mn-ea"/>
+                <a:cs typeface="+mn-cs"/>
+              </a:defRPr>
+            </a:lvl7pPr>
+            <a:lvl8pPr marL="3200400" indent="0" algn="l" defTabSz="914400" rtl="0" eaLnBrk="1" latinLnBrk="0" hangingPunct="1">
+              <a:spcBef>
+                <a:spcPct val="20000"/>
+              </a:spcBef>
+              <a:buFont typeface="Arial" pitchFamily="34" charset="0"/>
+              <a:buNone/>
+              <a:defRPr sz="1400" kern="1200">
+                <a:solidFill>
+                  <a:schemeClr val="tx1">
+                    <a:tint val="75000"/>
+                  </a:schemeClr>
+                </a:solidFill>
+                <a:latin typeface="+mn-lt"/>
+                <a:ea typeface="+mn-ea"/>
+                <a:cs typeface="+mn-cs"/>
+              </a:defRPr>
+            </a:lvl8pPr>
+            <a:lvl9pPr marL="3657600" indent="0" algn="l" defTabSz="914400" rtl="0" eaLnBrk="1" latinLnBrk="0" hangingPunct="1">
+              <a:spcBef>
+                <a:spcPct val="20000"/>
+              </a:spcBef>
+              <a:buFont typeface="Arial" pitchFamily="34" charset="0"/>
+              <a:buNone/>
+              <a:defRPr sz="1400" kern="1200">
+                <a:solidFill>
+                  <a:schemeClr val="tx1">
+                    <a:tint val="75000"/>
+                  </a:schemeClr>
+                </a:solidFill>
+                <a:latin typeface="+mn-lt"/>
+                <a:ea typeface="+mn-ea"/>
+                <a:cs typeface="+mn-cs"/>
+              </a:defRPr>
+            </a:lvl9pPr>
+          </a:lstStyle>
+          <a:p>
+            <a:r>
+              <a:rPr lang="zh-CN" altLang="en-US" sz="1600" b="0" dirty="0">
+                <a:solidFill>
+                  <a:schemeClr val="bg1">
+                    <a:lumMod val="50000"/>
+                  </a:schemeClr>
+                </a:solidFill>
+                <a:ea typeface="微软雅黑" pitchFamily="34" charset="-122"/>
+              </a:rPr>
+              <a:t>请思考：我们如何把积极心理学应用于生活？</a:t>
+            </a:r>
+          </a:p>
+        </p:txBody>
+      </p:sp>
+      <p:sp>
+        <p:nvSpPr>
+          <p:cNvPr id="30" name="矩形 29"/>
+          <p:cNvSpPr/>
+          <p:nvPr/>
+        </p:nvSpPr>
+        <p:spPr>
+          <a:xfrm>
+            <a:off x="3563888" y="3406140"/>
+            <a:ext cx="4536504" cy="21600"/>
+          </a:xfrm>
+          <a:prstGeom prst="rect">
+            <a:avLst/>
+          </a:prstGeom>
+          <a:effectLst/>
+        </p:spPr>
+        <p:style>
+          <a:lnRef idx="1">
+            <a:schemeClr val="accent6"/>
+          </a:lnRef>
+          <a:fillRef idx="3">
+            <a:schemeClr val="accent6"/>
+          </a:fillRef>
+          <a:effectRef idx="2">
+            <a:schemeClr val="accent6"/>
+          </a:effectRef>
+          <a:fontRef idx="minor">
+            <a:schemeClr val="lt1"/>
+          </a:fontRef>
+        </p:style>
+        <p:txBody>
+          <a:bodyPr rtlCol="0" anchor="ctr"/>
+          <a:lstStyle/>
+          <a:p>
+            <a:pPr algn="ctr"/>
+            <a:endParaRPr lang="en-US"/>
+          </a:p>
+        </p:txBody>
+      </p:sp>
+    </p:spTree>
+    <p:extLst>
+      <p:ext uri="{BB962C8B-B14F-4D97-AF65-F5344CB8AC3E}">
+        <p14:creationId xmlns:p14="http://schemas.microsoft.com/office/powerpoint/2010/main" val="1519573002"/>
+      </p:ext>
+    </p:extLst>
+  </p:cSld>
+  <p:clrMapOvr>
+    <a:masterClrMapping/>
+  </p:clrMapOvr>
+  <p:transition spd="slow">
+    <p:pull/>
+  </p:transition>
+</p:sld>
+</file>
+
+<file path=ppt/slides/slide21.xml><?xml version="1.0" encoding="utf-8"?>
 <p:sld xmlns:a="http://schemas.openxmlformats.org/drawingml/2006/main" xmlns:r="http://schemas.openxmlformats.org/officeDocument/2006/relationships" xmlns:p="http://schemas.openxmlformats.org/presentationml/2006/main">
   <p:cSld>
     <p:spTree>
@@ -17867,36 +18375,6 @@
 </p:sld>
 </file>
 
-<file path=ppt/slides/slide21.xml><?xml version="1.0" encoding="utf-8"?>
-<p:sld xmlns:a="http://schemas.openxmlformats.org/drawingml/2006/main" xmlns:r="http://schemas.openxmlformats.org/officeDocument/2006/relationships" xmlns:p="http://schemas.openxmlformats.org/presentationml/2006/main">
-  <p:cSld>
-    <p:spTree>
-      <p:nvGrpSpPr>
-        <p:cNvPr id="1" name=""/>
-        <p:cNvGrpSpPr/>
-        <p:nvPr/>
-      </p:nvGrpSpPr>
-      <p:grpSpPr>
-        <a:xfrm>
-          <a:off x="0" y="0"/>
-          <a:ext cx="0" cy="0"/>
-          <a:chOff x="0" y="0"/>
-          <a:chExt cx="0" cy="0"/>
-        </a:xfrm>
-      </p:grpSpPr>
-    </p:spTree>
-    <p:extLst>
-      <p:ext uri="{BB962C8B-B14F-4D97-AF65-F5344CB8AC3E}">
-        <p14:creationId xmlns:p14="http://schemas.microsoft.com/office/powerpoint/2010/main" val="3565154816"/>
-      </p:ext>
-    </p:extLst>
-  </p:cSld>
-  <p:clrMapOvr>
-    <a:masterClrMapping/>
-  </p:clrMapOvr>
-</p:sld>
-</file>
-
 <file path=ppt/slides/slide22.xml><?xml version="1.0" encoding="utf-8"?>
 <p:sld xmlns:a="http://schemas.openxmlformats.org/drawingml/2006/main" xmlns:r="http://schemas.openxmlformats.org/officeDocument/2006/relationships" xmlns:p="http://schemas.openxmlformats.org/presentationml/2006/main">
   <p:cSld>
@@ -19570,8 +20048,8 @@
         </p:nvSpPr>
         <p:spPr bwMode="auto">
           <a:xfrm>
-            <a:off x="2854846" y="1196752"/>
-            <a:ext cx="5544616" cy="1387688"/>
+            <a:off x="2854846" y="1340768"/>
+            <a:ext cx="5544616" cy="390428"/>
           </a:xfrm>
           <a:prstGeom prst="rect">
             <a:avLst/>
@@ -19722,18 +20200,8 @@
             </a:r>
             <a:r>
               <a:rPr lang="zh-CN" altLang="en-US" dirty="0"/>
-              <a:t>，把握人生的科学。积极心理学是一个新兴的心理学研究领域</a:t>
+              <a:t>，把握人生的科学。</a:t>
             </a:r>
-            <a:r>
-              <a:rPr lang="en-US" altLang="zh-CN" dirty="0"/>
-              <a:t>,</a:t>
-            </a:r>
-            <a:r>
-              <a:rPr lang="zh-CN" altLang="en-US" dirty="0"/>
-              <a:t>它对二战后心理学中存在以病理学研究为重点的倾向提出了异议。</a:t>
-            </a:r>
-          </a:p>
-          <a:p>
             <a:endParaRPr lang="en-US" dirty="0"/>
           </a:p>
         </p:txBody>

--- a/积极心理学探索.pptx
+++ b/积极心理学探索.pptx
@@ -247,7 +247,7 @@
           <a:p>
             <a:fld id="{FC7C3D7E-DECD-40A8-83A4-F76C1F255BF3}" type="datetimeFigureOut">
               <a:rPr lang="en-US" smtClean="0"/>
-              <a:t>5/14/20</a:t>
+              <a:t>5/14/2020</a:t>
             </a:fld>
             <a:endParaRPr lang="en-US"/>
           </a:p>
@@ -412,7 +412,7 @@
           <a:p>
             <a:fld id="{66FC44DC-17B1-4BD0-9959-2723B1C0D4AF}" type="datetimeFigureOut">
               <a:rPr lang="zh-CN" altLang="en-US" smtClean="0"/>
-              <a:t>2020/5/14</a:t>
+              <a:t>2020-05-14</a:t>
             </a:fld>
             <a:endParaRPr lang="zh-CN" altLang="en-US"/>
           </a:p>
@@ -1315,7 +1315,7 @@
           <a:p>
             <a:fld id="{530820CF-B880-4189-942D-D702A7CBA730}" type="datetimeFigureOut">
               <a:rPr lang="zh-CN" altLang="en-US" smtClean="0"/>
-              <a:t>2020/5/14</a:t>
+              <a:t>2020-05-14</a:t>
             </a:fld>
             <a:endParaRPr lang="zh-CN" altLang="en-US"/>
           </a:p>
@@ -1405,7 +1405,7 @@
           <a:p>
             <a:fld id="{530820CF-B880-4189-942D-D702A7CBA730}" type="datetimeFigureOut">
               <a:rPr lang="zh-CN" altLang="en-US" smtClean="0"/>
-              <a:t>2020/5/14</a:t>
+              <a:t>2020-05-14</a:t>
             </a:fld>
             <a:endParaRPr lang="zh-CN" altLang="en-US"/>
           </a:p>
@@ -1675,7 +1675,7 @@
           <a:p>
             <a:fld id="{530820CF-B880-4189-942D-D702A7CBA730}" type="datetimeFigureOut">
               <a:rPr lang="zh-CN" altLang="en-US" smtClean="0"/>
-              <a:t>2020/5/14</a:t>
+              <a:t>2020-05-14</a:t>
             </a:fld>
             <a:endParaRPr lang="zh-CN" altLang="en-US"/>
           </a:p>
@@ -1922,7 +1922,7 @@
           <a:p>
             <a:fld id="{530820CF-B880-4189-942D-D702A7CBA730}" type="datetimeFigureOut">
               <a:rPr lang="zh-CN" altLang="en-US" smtClean="0"/>
-              <a:t>2020/5/14</a:t>
+              <a:t>2020-05-14</a:t>
             </a:fld>
             <a:endParaRPr lang="zh-CN" altLang="en-US"/>
           </a:p>
@@ -2085,7 +2085,7 @@
           <a:p>
             <a:fld id="{530820CF-B880-4189-942D-D702A7CBA730}" type="datetimeFigureOut">
               <a:rPr lang="zh-CN" altLang="en-US" smtClean="0"/>
-              <a:t>2020/5/14</a:t>
+              <a:t>2020-05-14</a:t>
             </a:fld>
             <a:endParaRPr lang="zh-CN" altLang="en-US"/>
           </a:p>
@@ -2258,7 +2258,7 @@
           <a:p>
             <a:fld id="{530820CF-B880-4189-942D-D702A7CBA730}" type="datetimeFigureOut">
               <a:rPr lang="zh-CN" altLang="en-US" smtClean="0"/>
-              <a:t>2020/5/14</a:t>
+              <a:t>2020-05-14</a:t>
             </a:fld>
             <a:endParaRPr lang="zh-CN" altLang="en-US"/>
           </a:p>
@@ -8954,7 +8954,7 @@
           <a:p>
             <a:fld id="{530820CF-B880-4189-942D-D702A7CBA730}" type="datetimeFigureOut">
               <a:rPr lang="zh-CN" altLang="en-US" smtClean="0"/>
-              <a:t>2020/5/14</a:t>
+              <a:t>2020-05-14</a:t>
             </a:fld>
             <a:endParaRPr lang="zh-CN" altLang="en-US"/>
           </a:p>
@@ -9160,7 +9160,7 @@
           <a:p>
             <a:fld id="{530820CF-B880-4189-942D-D702A7CBA730}" type="datetimeFigureOut">
               <a:rPr lang="zh-CN" altLang="en-US" smtClean="0"/>
-              <a:t>2020/5/14</a:t>
+              <a:t>2020-05-14</a:t>
             </a:fld>
             <a:endParaRPr lang="zh-CN" altLang="en-US"/>
           </a:p>
@@ -11862,7 +11862,7 @@
         </p:nvSpPr>
         <p:spPr>
           <a:xfrm>
-            <a:off x="2494590" y="2277304"/>
+            <a:off x="2422798" y="1772816"/>
             <a:ext cx="7683312" cy="3888000"/>
           </a:xfrm>
           <a:prstGeom prst="rect">
@@ -11902,207 +11902,6 @@
           </a:p>
         </p:txBody>
       </p:sp>
-      <p:sp>
-        <p:nvSpPr>
-          <p:cNvPr id="11" name="Text Box 44"/>
-          <p:cNvSpPr txBox="1">
-            <a:spLocks noChangeArrowheads="1"/>
-          </p:cNvSpPr>
-          <p:nvPr/>
-        </p:nvSpPr>
-        <p:spPr bwMode="auto">
-          <a:xfrm>
-            <a:off x="3702513" y="2901355"/>
-            <a:ext cx="5072092" cy="1055289"/>
-          </a:xfrm>
-          <a:prstGeom prst="rect">
-            <a:avLst/>
-          </a:prstGeom>
-          <a:noFill/>
-          <a:ln>
-            <a:noFill/>
-          </a:ln>
-          <a:effectLst/>
-          <a:extLst>
-            <a:ext uri="{909E8E84-426E-40DD-AFC4-6F175D3DCCD1}">
-              <a14:hiddenFill xmlns:a14="http://schemas.microsoft.com/office/drawing/2010/main">
-                <a:solidFill>
-                  <a:srgbClr val="FFFFFF">
-                    <a:alpha val="30000"/>
-                  </a:srgbClr>
-                </a:solidFill>
-              </a14:hiddenFill>
-            </a:ext>
-            <a:ext uri="{91240B29-F687-4F45-9708-019B960494DF}">
-              <a14:hiddenLine xmlns:a14="http://schemas.microsoft.com/office/drawing/2010/main" w="9525">
-                <a:solidFill>
-                  <a:schemeClr val="tx1"/>
-                </a:solidFill>
-                <a:miter lim="800000"/>
-                <a:headEnd/>
-                <a:tailEnd/>
-              </a14:hiddenLine>
-            </a:ext>
-            <a:ext uri="{AF507438-7753-43E0-B8FC-AC1667EBCBE1}">
-              <a14:hiddenEffects xmlns:a14="http://schemas.microsoft.com/office/drawing/2010/main">
-                <a:effectLst>
-                  <a:outerShdw dist="35921" dir="2700000" algn="ctr" rotWithShape="0">
-                    <a:schemeClr val="bg2"/>
-                  </a:outerShdw>
-                </a:effectLst>
-              </a14:hiddenEffects>
-            </a:ext>
-          </a:extLst>
-        </p:spPr>
-        <p:txBody>
-          <a:bodyPr wrap="square">
-            <a:spAutoFit/>
-          </a:bodyPr>
-          <a:lstStyle>
-            <a:defPPr>
-              <a:defRPr lang="en-US"/>
-            </a:defPPr>
-            <a:lvl1pPr indent="457200" defTabSz="720725">
-              <a:lnSpc>
-                <a:spcPct val="135000"/>
-              </a:lnSpc>
-              <a:defRPr sz="1600">
-                <a:solidFill>
-                  <a:schemeClr val="bg1">
-                    <a:lumMod val="50000"/>
-                  </a:schemeClr>
-                </a:solidFill>
-                <a:latin typeface="微软雅黑" pitchFamily="34" charset="-122"/>
-                <a:ea typeface="微软雅黑" pitchFamily="34" charset="-122"/>
-              </a:defRPr>
-            </a:lvl1pPr>
-            <a:lvl2pPr defTabSz="720725" eaLnBrk="0" hangingPunct="0">
-              <a:defRPr sz="1600">
-                <a:latin typeface="Arial" pitchFamily="34" charset="0"/>
-                <a:ea typeface="宋体" pitchFamily="2" charset="-122"/>
-              </a:defRPr>
-            </a:lvl2pPr>
-            <a:lvl3pPr defTabSz="720725" eaLnBrk="0" hangingPunct="0">
-              <a:defRPr sz="1600">
-                <a:latin typeface="Arial" pitchFamily="34" charset="0"/>
-                <a:ea typeface="宋体" pitchFamily="2" charset="-122"/>
-              </a:defRPr>
-            </a:lvl3pPr>
-            <a:lvl4pPr defTabSz="720725" eaLnBrk="0" hangingPunct="0">
-              <a:defRPr sz="1600">
-                <a:latin typeface="Arial" pitchFamily="34" charset="0"/>
-                <a:ea typeface="宋体" pitchFamily="2" charset="-122"/>
-              </a:defRPr>
-            </a:lvl4pPr>
-            <a:lvl5pPr defTabSz="720725" eaLnBrk="0" hangingPunct="0">
-              <a:defRPr sz="1600">
-                <a:latin typeface="Arial" pitchFamily="34" charset="0"/>
-                <a:ea typeface="宋体" pitchFamily="2" charset="-122"/>
-              </a:defRPr>
-            </a:lvl5pPr>
-            <a:lvl6pPr defTabSz="720725" eaLnBrk="0" fontAlgn="base" hangingPunct="0">
-              <a:spcBef>
-                <a:spcPct val="0"/>
-              </a:spcBef>
-              <a:spcAft>
-                <a:spcPct val="0"/>
-              </a:spcAft>
-              <a:defRPr sz="1600">
-                <a:latin typeface="Arial" pitchFamily="34" charset="0"/>
-                <a:ea typeface="宋体" pitchFamily="2" charset="-122"/>
-              </a:defRPr>
-            </a:lvl6pPr>
-            <a:lvl7pPr defTabSz="720725" eaLnBrk="0" fontAlgn="base" hangingPunct="0">
-              <a:spcBef>
-                <a:spcPct val="0"/>
-              </a:spcBef>
-              <a:spcAft>
-                <a:spcPct val="0"/>
-              </a:spcAft>
-              <a:defRPr sz="1600">
-                <a:latin typeface="Arial" pitchFamily="34" charset="0"/>
-                <a:ea typeface="宋体" pitchFamily="2" charset="-122"/>
-              </a:defRPr>
-            </a:lvl7pPr>
-            <a:lvl8pPr defTabSz="720725" eaLnBrk="0" fontAlgn="base" hangingPunct="0">
-              <a:spcBef>
-                <a:spcPct val="0"/>
-              </a:spcBef>
-              <a:spcAft>
-                <a:spcPct val="0"/>
-              </a:spcAft>
-              <a:defRPr sz="1600">
-                <a:latin typeface="Arial" pitchFamily="34" charset="0"/>
-                <a:ea typeface="宋体" pitchFamily="2" charset="-122"/>
-              </a:defRPr>
-            </a:lvl8pPr>
-            <a:lvl9pPr defTabSz="720725" eaLnBrk="0" fontAlgn="base" hangingPunct="0">
-              <a:spcBef>
-                <a:spcPct val="0"/>
-              </a:spcBef>
-              <a:spcAft>
-                <a:spcPct val="0"/>
-              </a:spcAft>
-              <a:defRPr sz="1600">
-                <a:latin typeface="Arial" pitchFamily="34" charset="0"/>
-                <a:ea typeface="宋体" pitchFamily="2" charset="-122"/>
-              </a:defRPr>
-            </a:lvl9pPr>
-          </a:lstStyle>
-          <a:p>
-            <a:r>
-              <a:rPr lang="zh-CN" altLang="en-US" dirty="0"/>
-              <a:t>愿上帝赐予我力量，去改变我所能改变的；赐予我勇气，去接受我不能改变的；并赐予我智慧，去分辨这两者。</a:t>
-            </a:r>
-            <a:endParaRPr lang="en-US" b="1" dirty="0">
-              <a:solidFill>
-                <a:schemeClr val="accent6"/>
-              </a:solidFill>
-            </a:endParaRPr>
-          </a:p>
-        </p:txBody>
-      </p:sp>
-      <p:pic>
-        <p:nvPicPr>
-          <p:cNvPr id="6147" name="Picture 3" descr="D:\Teliss_Tong\Copy\定期备份\工作备份\！PPT图片及版面资源\06-PPT精选插图\12-标签\右边角-黄1.png"/>
-          <p:cNvPicPr>
-            <a:picLocks noChangeAspect="1" noChangeArrowheads="1"/>
-          </p:cNvPicPr>
-          <p:nvPr/>
-        </p:nvPicPr>
-        <p:blipFill>
-          <a:blip r:embed="rId2">
-            <a:extLst>
-              <a:ext uri="{28A0092B-C50C-407E-A947-70E740481C1C}">
-                <a14:useLocalDpi xmlns:a14="http://schemas.microsoft.com/office/drawing/2010/main"/>
-              </a:ext>
-            </a:extLst>
-          </a:blip>
-          <a:srcRect/>
-          <a:stretch>
-            <a:fillRect/>
-          </a:stretch>
-        </p:blipFill>
-        <p:spPr bwMode="auto">
-          <a:xfrm>
-            <a:off x="8719388" y="2149481"/>
-            <a:ext cx="1607665" cy="1600324"/>
-          </a:xfrm>
-          <a:prstGeom prst="rect">
-            <a:avLst/>
-          </a:prstGeom>
-          <a:noFill/>
-          <a:extLst>
-            <a:ext uri="{909E8E84-426E-40DD-AFC4-6F175D3DCCD1}">
-              <a14:hiddenFill xmlns:a14="http://schemas.microsoft.com/office/drawing/2010/main">
-                <a:solidFill>
-                  <a:srgbClr val="FFFFFF"/>
-                </a:solidFill>
-              </a14:hiddenFill>
-            </a:ext>
-          </a:extLst>
-        </p:spPr>
-      </p:pic>
       <p:sp>
         <p:nvSpPr>
           <p:cNvPr id="14" name="TextBox 13"/>
@@ -12177,6 +11976,1517 @@
                 </a:solidFill>
                 <a:latin typeface="微软雅黑" pitchFamily="34" charset="-122"/>
                 <a:ea typeface="微软雅黑" pitchFamily="34" charset="-122"/>
+              </a:rPr>
+              <a:t>积极情绪</a:t>
+            </a:r>
+          </a:p>
+        </p:txBody>
+      </p:sp>
+      <p:sp>
+        <p:nvSpPr>
+          <p:cNvPr id="7" name="任意多边形 18">
+            <a:extLst>
+              <a:ext uri="{FF2B5EF4-FFF2-40B4-BE49-F238E27FC236}">
+                <a16:creationId xmlns:a16="http://schemas.microsoft.com/office/drawing/2014/main" id="{A886A84F-A3C2-4E73-A1E1-98B40D0B87DE}"/>
+              </a:ext>
+            </a:extLst>
+          </p:cNvPr>
+          <p:cNvSpPr/>
+          <p:nvPr/>
+        </p:nvSpPr>
+        <p:spPr>
+          <a:xfrm>
+            <a:off x="2926854" y="2944152"/>
+            <a:ext cx="1952830" cy="1853000"/>
+          </a:xfrm>
+          <a:custGeom>
+            <a:avLst/>
+            <a:gdLst>
+              <a:gd name="connsiteX0" fmla="*/ 1085445 w 3312000"/>
+              <a:gd name="connsiteY0" fmla="*/ 0 h 3312000"/>
+              <a:gd name="connsiteX1" fmla="*/ 1113277 w 3312000"/>
+              <a:gd name="connsiteY1" fmla="*/ 0 h 3312000"/>
+              <a:gd name="connsiteX2" fmla="*/ 1252437 w 3312000"/>
+              <a:gd name="connsiteY2" fmla="*/ 0 h 3312000"/>
+              <a:gd name="connsiteX3" fmla="*/ 1278901 w 3312000"/>
+              <a:gd name="connsiteY3" fmla="*/ 0 h 3312000"/>
+              <a:gd name="connsiteX4" fmla="*/ 1311417 w 3312000"/>
+              <a:gd name="connsiteY4" fmla="*/ 0 h 3312000"/>
+              <a:gd name="connsiteX5" fmla="*/ 1385074 w 3312000"/>
+              <a:gd name="connsiteY5" fmla="*/ 0 h 3312000"/>
+              <a:gd name="connsiteX6" fmla="*/ 1475038 w 3312000"/>
+              <a:gd name="connsiteY6" fmla="*/ 0 h 3312000"/>
+              <a:gd name="connsiteX7" fmla="*/ 1582941 w 3312000"/>
+              <a:gd name="connsiteY7" fmla="*/ 0 h 3312000"/>
+              <a:gd name="connsiteX8" fmla="*/ 1710414 w 3312000"/>
+              <a:gd name="connsiteY8" fmla="*/ 0 h 3312000"/>
+              <a:gd name="connsiteX9" fmla="*/ 1859086 w 3312000"/>
+              <a:gd name="connsiteY9" fmla="*/ 0 h 3312000"/>
+              <a:gd name="connsiteX10" fmla="*/ 2030590 w 3312000"/>
+              <a:gd name="connsiteY10" fmla="*/ 0 h 3312000"/>
+              <a:gd name="connsiteX11" fmla="*/ 2226555 w 3312000"/>
+              <a:gd name="connsiteY11" fmla="*/ 0 h 3312000"/>
+              <a:gd name="connsiteX12" fmla="*/ 3312000 w 3312000"/>
+              <a:gd name="connsiteY12" fmla="*/ 0 h 3312000"/>
+              <a:gd name="connsiteX13" fmla="*/ 3312000 w 3312000"/>
+              <a:gd name="connsiteY13" fmla="*/ 2085 h 3312000"/>
+              <a:gd name="connsiteX14" fmla="*/ 3312000 w 3312000"/>
+              <a:gd name="connsiteY14" fmla="*/ 16680 h 3312000"/>
+              <a:gd name="connsiteX15" fmla="*/ 3312000 w 3312000"/>
+              <a:gd name="connsiteY15" fmla="*/ 32578 h 3312000"/>
+              <a:gd name="connsiteX16" fmla="*/ 3312000 w 3312000"/>
+              <a:gd name="connsiteY16" fmla="*/ 56294 h 3312000"/>
+              <a:gd name="connsiteX17" fmla="*/ 3312000 w 3312000"/>
+              <a:gd name="connsiteY17" fmla="*/ 89393 h 3312000"/>
+              <a:gd name="connsiteX18" fmla="*/ 3312000 w 3312000"/>
+              <a:gd name="connsiteY18" fmla="*/ 133438 h 3312000"/>
+              <a:gd name="connsiteX19" fmla="*/ 3312000 w 3312000"/>
+              <a:gd name="connsiteY19" fmla="*/ 189993 h 3312000"/>
+              <a:gd name="connsiteX20" fmla="*/ 3312000 w 3312000"/>
+              <a:gd name="connsiteY20" fmla="*/ 260621 h 3312000"/>
+              <a:gd name="connsiteX21" fmla="*/ 3312000 w 3312000"/>
+              <a:gd name="connsiteY21" fmla="*/ 346887 h 3312000"/>
+              <a:gd name="connsiteX22" fmla="*/ 3312000 w 3312000"/>
+              <a:gd name="connsiteY22" fmla="*/ 450353 h 3312000"/>
+              <a:gd name="connsiteX23" fmla="*/ 3312000 w 3312000"/>
+              <a:gd name="connsiteY23" fmla="*/ 572585 h 3312000"/>
+              <a:gd name="connsiteX24" fmla="*/ 3312000 w 3312000"/>
+              <a:gd name="connsiteY24" fmla="*/ 715144 h 3312000"/>
+              <a:gd name="connsiteX25" fmla="*/ 3312000 w 3312000"/>
+              <a:gd name="connsiteY25" fmla="*/ 879596 h 3312000"/>
+              <a:gd name="connsiteX26" fmla="*/ 3312000 w 3312000"/>
+              <a:gd name="connsiteY26" fmla="*/ 1067504 h 3312000"/>
+              <a:gd name="connsiteX27" fmla="*/ 3312000 w 3312000"/>
+              <a:gd name="connsiteY27" fmla="*/ 1068413 h 3312000"/>
+              <a:gd name="connsiteX28" fmla="*/ 3312000 w 3312000"/>
+              <a:gd name="connsiteY28" fmla="*/ 1074775 h 3312000"/>
+              <a:gd name="connsiteX29" fmla="*/ 3312000 w 3312000"/>
+              <a:gd name="connsiteY29" fmla="*/ 1092043 h 3312000"/>
+              <a:gd name="connsiteX30" fmla="*/ 3312000 w 3312000"/>
+              <a:gd name="connsiteY30" fmla="*/ 1125669 h 3312000"/>
+              <a:gd name="connsiteX31" fmla="*/ 3312000 w 3312000"/>
+              <a:gd name="connsiteY31" fmla="*/ 1181108 h 3312000"/>
+              <a:gd name="connsiteX32" fmla="*/ 3312000 w 3312000"/>
+              <a:gd name="connsiteY32" fmla="*/ 1218711 h 3312000"/>
+              <a:gd name="connsiteX33" fmla="*/ 3312000 w 3312000"/>
+              <a:gd name="connsiteY33" fmla="*/ 1263812 h 3312000"/>
+              <a:gd name="connsiteX34" fmla="*/ 3312000 w 3312000"/>
+              <a:gd name="connsiteY34" fmla="*/ 1317092 h 3312000"/>
+              <a:gd name="connsiteX35" fmla="*/ 3312000 w 3312000"/>
+              <a:gd name="connsiteY35" fmla="*/ 1379234 h 3312000"/>
+              <a:gd name="connsiteX36" fmla="*/ 3312000 w 3312000"/>
+              <a:gd name="connsiteY36" fmla="*/ 1450918 h 3312000"/>
+              <a:gd name="connsiteX37" fmla="*/ 3312000 w 3312000"/>
+              <a:gd name="connsiteY37" fmla="*/ 1532827 h 3312000"/>
+              <a:gd name="connsiteX38" fmla="*/ 3312000 w 3312000"/>
+              <a:gd name="connsiteY38" fmla="*/ 1534217 h 3312000"/>
+              <a:gd name="connsiteX39" fmla="*/ 3312000 w 3312000"/>
+              <a:gd name="connsiteY39" fmla="*/ 1543947 h 3312000"/>
+              <a:gd name="connsiteX40" fmla="*/ 3312000 w 3312000"/>
+              <a:gd name="connsiteY40" fmla="*/ 1570356 h 3312000"/>
+              <a:gd name="connsiteX41" fmla="*/ 3312000 w 3312000"/>
+              <a:gd name="connsiteY41" fmla="*/ 1592422 h 3312000"/>
+              <a:gd name="connsiteX42" fmla="*/ 3312000 w 3312000"/>
+              <a:gd name="connsiteY42" fmla="*/ 1621786 h 3312000"/>
+              <a:gd name="connsiteX43" fmla="*/ 3312000 w 3312000"/>
+              <a:gd name="connsiteY43" fmla="*/ 1659489 h 3312000"/>
+              <a:gd name="connsiteX44" fmla="*/ 3312000 w 3312000"/>
+              <a:gd name="connsiteY44" fmla="*/ 1706574 h 3312000"/>
+              <a:gd name="connsiteX45" fmla="*/ 3312000 w 3312000"/>
+              <a:gd name="connsiteY45" fmla="*/ 1764085 h 3312000"/>
+              <a:gd name="connsiteX46" fmla="*/ 3312000 w 3312000"/>
+              <a:gd name="connsiteY46" fmla="*/ 1833062 h 3312000"/>
+              <a:gd name="connsiteX47" fmla="*/ 3312000 w 3312000"/>
+              <a:gd name="connsiteY47" fmla="*/ 1914550 h 3312000"/>
+              <a:gd name="connsiteX48" fmla="*/ 3312000 w 3312000"/>
+              <a:gd name="connsiteY48" fmla="*/ 2009590 h 3312000"/>
+              <a:gd name="connsiteX49" fmla="*/ 3312000 w 3312000"/>
+              <a:gd name="connsiteY49" fmla="*/ 2119224 h 3312000"/>
+              <a:gd name="connsiteX50" fmla="*/ 3312000 w 3312000"/>
+              <a:gd name="connsiteY50" fmla="*/ 2244496 h 3312000"/>
+              <a:gd name="connsiteX51" fmla="*/ 3312000 w 3312000"/>
+              <a:gd name="connsiteY51" fmla="*/ 3312000 h 3312000"/>
+              <a:gd name="connsiteX52" fmla="*/ 2226555 w 3312000"/>
+              <a:gd name="connsiteY52" fmla="*/ 3312000 h 3312000"/>
+              <a:gd name="connsiteX53" fmla="*/ 2225685 w 3312000"/>
+              <a:gd name="connsiteY53" fmla="*/ 3312000 h 3312000"/>
+              <a:gd name="connsiteX54" fmla="*/ 2219597 w 3312000"/>
+              <a:gd name="connsiteY54" fmla="*/ 3312000 h 3312000"/>
+              <a:gd name="connsiteX55" fmla="*/ 2203071 w 3312000"/>
+              <a:gd name="connsiteY55" fmla="*/ 3312000 h 3312000"/>
+              <a:gd name="connsiteX56" fmla="*/ 2170891 w 3312000"/>
+              <a:gd name="connsiteY56" fmla="*/ 3312000 h 3312000"/>
+              <a:gd name="connsiteX57" fmla="*/ 2168771 w 3312000"/>
+              <a:gd name="connsiteY57" fmla="*/ 3312000 h 3312000"/>
+              <a:gd name="connsiteX58" fmla="*/ 2153931 w 3312000"/>
+              <a:gd name="connsiteY58" fmla="*/ 3312000 h 3312000"/>
+              <a:gd name="connsiteX59" fmla="*/ 2137766 w 3312000"/>
+              <a:gd name="connsiteY59" fmla="*/ 3312000 h 3312000"/>
+              <a:gd name="connsiteX60" fmla="*/ 2113651 w 3312000"/>
+              <a:gd name="connsiteY60" fmla="*/ 3312000 h 3312000"/>
+              <a:gd name="connsiteX61" fmla="*/ 2079995 w 3312000"/>
+              <a:gd name="connsiteY61" fmla="*/ 3312000 h 3312000"/>
+              <a:gd name="connsiteX62" fmla="*/ 2035210 w 3312000"/>
+              <a:gd name="connsiteY62" fmla="*/ 3312000 h 3312000"/>
+              <a:gd name="connsiteX63" fmla="*/ 1977705 w 3312000"/>
+              <a:gd name="connsiteY63" fmla="*/ 3312000 h 3312000"/>
+              <a:gd name="connsiteX64" fmla="*/ 1905890 w 3312000"/>
+              <a:gd name="connsiteY64" fmla="*/ 3312000 h 3312000"/>
+              <a:gd name="connsiteX65" fmla="*/ 1818174 w 3312000"/>
+              <a:gd name="connsiteY65" fmla="*/ 3312000 h 3312000"/>
+              <a:gd name="connsiteX66" fmla="*/ 1712969 w 3312000"/>
+              <a:gd name="connsiteY66" fmla="*/ 3312000 h 3312000"/>
+              <a:gd name="connsiteX67" fmla="*/ 1588683 w 3312000"/>
+              <a:gd name="connsiteY67" fmla="*/ 3312000 h 3312000"/>
+              <a:gd name="connsiteX68" fmla="*/ 1443727 w 3312000"/>
+              <a:gd name="connsiteY68" fmla="*/ 3312000 h 3312000"/>
+              <a:gd name="connsiteX69" fmla="*/ 1278901 w 3312000"/>
+              <a:gd name="connsiteY69" fmla="*/ 3312000 h 3312000"/>
+              <a:gd name="connsiteX70" fmla="*/ 1276511 w 3312000"/>
+              <a:gd name="connsiteY70" fmla="*/ 3312000 h 3312000"/>
+              <a:gd name="connsiteX71" fmla="*/ 1085445 w 3312000"/>
+              <a:gd name="connsiteY71" fmla="*/ 3312000 h 3312000"/>
+              <a:gd name="connsiteX72" fmla="*/ 0 w 3312000"/>
+              <a:gd name="connsiteY72" fmla="*/ 3312000 h 3312000"/>
+              <a:gd name="connsiteX73" fmla="*/ 0 w 3312000"/>
+              <a:gd name="connsiteY73" fmla="*/ 2244496 h 3312000"/>
+              <a:gd name="connsiteX74" fmla="*/ 0 w 3312000"/>
+              <a:gd name="connsiteY74" fmla="*/ 1779174 h 3312000"/>
+              <a:gd name="connsiteX75" fmla="*/ 0 w 3312000"/>
+              <a:gd name="connsiteY75" fmla="*/ 1067504 h 3312000"/>
+              <a:gd name="connsiteX76" fmla="*/ 1085445 w 3312000"/>
+              <a:gd name="connsiteY76" fmla="*/ 0 h 3312000"/>
+            </a:gdLst>
+            <a:ahLst/>
+            <a:cxnLst>
+              <a:cxn ang="0">
+                <a:pos x="connsiteX0" y="connsiteY0"/>
+              </a:cxn>
+              <a:cxn ang="0">
+                <a:pos x="connsiteX1" y="connsiteY1"/>
+              </a:cxn>
+              <a:cxn ang="0">
+                <a:pos x="connsiteX2" y="connsiteY2"/>
+              </a:cxn>
+              <a:cxn ang="0">
+                <a:pos x="connsiteX3" y="connsiteY3"/>
+              </a:cxn>
+              <a:cxn ang="0">
+                <a:pos x="connsiteX4" y="connsiteY4"/>
+              </a:cxn>
+              <a:cxn ang="0">
+                <a:pos x="connsiteX5" y="connsiteY5"/>
+              </a:cxn>
+              <a:cxn ang="0">
+                <a:pos x="connsiteX6" y="connsiteY6"/>
+              </a:cxn>
+              <a:cxn ang="0">
+                <a:pos x="connsiteX7" y="connsiteY7"/>
+              </a:cxn>
+              <a:cxn ang="0">
+                <a:pos x="connsiteX8" y="connsiteY8"/>
+              </a:cxn>
+              <a:cxn ang="0">
+                <a:pos x="connsiteX9" y="connsiteY9"/>
+              </a:cxn>
+              <a:cxn ang="0">
+                <a:pos x="connsiteX10" y="connsiteY10"/>
+              </a:cxn>
+              <a:cxn ang="0">
+                <a:pos x="connsiteX11" y="connsiteY11"/>
+              </a:cxn>
+              <a:cxn ang="0">
+                <a:pos x="connsiteX12" y="connsiteY12"/>
+              </a:cxn>
+              <a:cxn ang="0">
+                <a:pos x="connsiteX13" y="connsiteY13"/>
+              </a:cxn>
+              <a:cxn ang="0">
+                <a:pos x="connsiteX14" y="connsiteY14"/>
+              </a:cxn>
+              <a:cxn ang="0">
+                <a:pos x="connsiteX15" y="connsiteY15"/>
+              </a:cxn>
+              <a:cxn ang="0">
+                <a:pos x="connsiteX16" y="connsiteY16"/>
+              </a:cxn>
+              <a:cxn ang="0">
+                <a:pos x="connsiteX17" y="connsiteY17"/>
+              </a:cxn>
+              <a:cxn ang="0">
+                <a:pos x="connsiteX18" y="connsiteY18"/>
+              </a:cxn>
+              <a:cxn ang="0">
+                <a:pos x="connsiteX19" y="connsiteY19"/>
+              </a:cxn>
+              <a:cxn ang="0">
+                <a:pos x="connsiteX20" y="connsiteY20"/>
+              </a:cxn>
+              <a:cxn ang="0">
+                <a:pos x="connsiteX21" y="connsiteY21"/>
+              </a:cxn>
+              <a:cxn ang="0">
+                <a:pos x="connsiteX22" y="connsiteY22"/>
+              </a:cxn>
+              <a:cxn ang="0">
+                <a:pos x="connsiteX23" y="connsiteY23"/>
+              </a:cxn>
+              <a:cxn ang="0">
+                <a:pos x="connsiteX24" y="connsiteY24"/>
+              </a:cxn>
+              <a:cxn ang="0">
+                <a:pos x="connsiteX25" y="connsiteY25"/>
+              </a:cxn>
+              <a:cxn ang="0">
+                <a:pos x="connsiteX26" y="connsiteY26"/>
+              </a:cxn>
+              <a:cxn ang="0">
+                <a:pos x="connsiteX27" y="connsiteY27"/>
+              </a:cxn>
+              <a:cxn ang="0">
+                <a:pos x="connsiteX28" y="connsiteY28"/>
+              </a:cxn>
+              <a:cxn ang="0">
+                <a:pos x="connsiteX29" y="connsiteY29"/>
+              </a:cxn>
+              <a:cxn ang="0">
+                <a:pos x="connsiteX30" y="connsiteY30"/>
+              </a:cxn>
+              <a:cxn ang="0">
+                <a:pos x="connsiteX31" y="connsiteY31"/>
+              </a:cxn>
+              <a:cxn ang="0">
+                <a:pos x="connsiteX32" y="connsiteY32"/>
+              </a:cxn>
+              <a:cxn ang="0">
+                <a:pos x="connsiteX33" y="connsiteY33"/>
+              </a:cxn>
+              <a:cxn ang="0">
+                <a:pos x="connsiteX34" y="connsiteY34"/>
+              </a:cxn>
+              <a:cxn ang="0">
+                <a:pos x="connsiteX35" y="connsiteY35"/>
+              </a:cxn>
+              <a:cxn ang="0">
+                <a:pos x="connsiteX36" y="connsiteY36"/>
+              </a:cxn>
+              <a:cxn ang="0">
+                <a:pos x="connsiteX37" y="connsiteY37"/>
+              </a:cxn>
+              <a:cxn ang="0">
+                <a:pos x="connsiteX38" y="connsiteY38"/>
+              </a:cxn>
+              <a:cxn ang="0">
+                <a:pos x="connsiteX39" y="connsiteY39"/>
+              </a:cxn>
+              <a:cxn ang="0">
+                <a:pos x="connsiteX40" y="connsiteY40"/>
+              </a:cxn>
+              <a:cxn ang="0">
+                <a:pos x="connsiteX41" y="connsiteY41"/>
+              </a:cxn>
+              <a:cxn ang="0">
+                <a:pos x="connsiteX42" y="connsiteY42"/>
+              </a:cxn>
+              <a:cxn ang="0">
+                <a:pos x="connsiteX43" y="connsiteY43"/>
+              </a:cxn>
+              <a:cxn ang="0">
+                <a:pos x="connsiteX44" y="connsiteY44"/>
+              </a:cxn>
+              <a:cxn ang="0">
+                <a:pos x="connsiteX45" y="connsiteY45"/>
+              </a:cxn>
+              <a:cxn ang="0">
+                <a:pos x="connsiteX46" y="connsiteY46"/>
+              </a:cxn>
+              <a:cxn ang="0">
+                <a:pos x="connsiteX47" y="connsiteY47"/>
+              </a:cxn>
+              <a:cxn ang="0">
+                <a:pos x="connsiteX48" y="connsiteY48"/>
+              </a:cxn>
+              <a:cxn ang="0">
+                <a:pos x="connsiteX49" y="connsiteY49"/>
+              </a:cxn>
+              <a:cxn ang="0">
+                <a:pos x="connsiteX50" y="connsiteY50"/>
+              </a:cxn>
+              <a:cxn ang="0">
+                <a:pos x="connsiteX51" y="connsiteY51"/>
+              </a:cxn>
+              <a:cxn ang="0">
+                <a:pos x="connsiteX52" y="connsiteY52"/>
+              </a:cxn>
+              <a:cxn ang="0">
+                <a:pos x="connsiteX53" y="connsiteY53"/>
+              </a:cxn>
+              <a:cxn ang="0">
+                <a:pos x="connsiteX54" y="connsiteY54"/>
+              </a:cxn>
+              <a:cxn ang="0">
+                <a:pos x="connsiteX55" y="connsiteY55"/>
+              </a:cxn>
+              <a:cxn ang="0">
+                <a:pos x="connsiteX56" y="connsiteY56"/>
+              </a:cxn>
+              <a:cxn ang="0">
+                <a:pos x="connsiteX57" y="connsiteY57"/>
+              </a:cxn>
+              <a:cxn ang="0">
+                <a:pos x="connsiteX58" y="connsiteY58"/>
+              </a:cxn>
+              <a:cxn ang="0">
+                <a:pos x="connsiteX59" y="connsiteY59"/>
+              </a:cxn>
+              <a:cxn ang="0">
+                <a:pos x="connsiteX60" y="connsiteY60"/>
+              </a:cxn>
+              <a:cxn ang="0">
+                <a:pos x="connsiteX61" y="connsiteY61"/>
+              </a:cxn>
+              <a:cxn ang="0">
+                <a:pos x="connsiteX62" y="connsiteY62"/>
+              </a:cxn>
+              <a:cxn ang="0">
+                <a:pos x="connsiteX63" y="connsiteY63"/>
+              </a:cxn>
+              <a:cxn ang="0">
+                <a:pos x="connsiteX64" y="connsiteY64"/>
+              </a:cxn>
+              <a:cxn ang="0">
+                <a:pos x="connsiteX65" y="connsiteY65"/>
+              </a:cxn>
+              <a:cxn ang="0">
+                <a:pos x="connsiteX66" y="connsiteY66"/>
+              </a:cxn>
+              <a:cxn ang="0">
+                <a:pos x="connsiteX67" y="connsiteY67"/>
+              </a:cxn>
+              <a:cxn ang="0">
+                <a:pos x="connsiteX68" y="connsiteY68"/>
+              </a:cxn>
+              <a:cxn ang="0">
+                <a:pos x="connsiteX69" y="connsiteY69"/>
+              </a:cxn>
+              <a:cxn ang="0">
+                <a:pos x="connsiteX70" y="connsiteY70"/>
+              </a:cxn>
+              <a:cxn ang="0">
+                <a:pos x="connsiteX71" y="connsiteY71"/>
+              </a:cxn>
+              <a:cxn ang="0">
+                <a:pos x="connsiteX72" y="connsiteY72"/>
+              </a:cxn>
+              <a:cxn ang="0">
+                <a:pos x="connsiteX73" y="connsiteY73"/>
+              </a:cxn>
+              <a:cxn ang="0">
+                <a:pos x="connsiteX74" y="connsiteY74"/>
+              </a:cxn>
+              <a:cxn ang="0">
+                <a:pos x="connsiteX75" y="connsiteY75"/>
+              </a:cxn>
+              <a:cxn ang="0">
+                <a:pos x="connsiteX76" y="connsiteY76"/>
+              </a:cxn>
+            </a:cxnLst>
+            <a:rect l="l" t="t" r="r" b="b"/>
+            <a:pathLst>
+              <a:path w="3312000" h="3312000">
+                <a:moveTo>
+                  <a:pt x="1085445" y="0"/>
+                </a:moveTo>
+                <a:cubicBezTo>
+                  <a:pt x="1085445" y="0"/>
+                  <a:pt x="1085445" y="0"/>
+                  <a:pt x="1113277" y="0"/>
+                </a:cubicBezTo>
+                <a:cubicBezTo>
+                  <a:pt x="1113277" y="0"/>
+                  <a:pt x="1113277" y="0"/>
+                  <a:pt x="1252437" y="0"/>
+                </a:cubicBezTo>
+                <a:lnTo>
+                  <a:pt x="1278901" y="0"/>
+                </a:lnTo>
+                <a:lnTo>
+                  <a:pt x="1311417" y="0"/>
+                </a:lnTo>
+                <a:lnTo>
+                  <a:pt x="1385074" y="0"/>
+                </a:lnTo>
+                <a:lnTo>
+                  <a:pt x="1475038" y="0"/>
+                </a:lnTo>
+                <a:lnTo>
+                  <a:pt x="1582941" y="0"/>
+                </a:lnTo>
+                <a:lnTo>
+                  <a:pt x="1710414" y="0"/>
+                </a:lnTo>
+                <a:lnTo>
+                  <a:pt x="1859086" y="0"/>
+                </a:lnTo>
+                <a:lnTo>
+                  <a:pt x="2030590" y="0"/>
+                </a:lnTo>
+                <a:lnTo>
+                  <a:pt x="2226555" y="0"/>
+                </a:lnTo>
+                <a:lnTo>
+                  <a:pt x="3312000" y="0"/>
+                </a:lnTo>
+                <a:lnTo>
+                  <a:pt x="3312000" y="2085"/>
+                </a:lnTo>
+                <a:lnTo>
+                  <a:pt x="3312000" y="16680"/>
+                </a:lnTo>
+                <a:lnTo>
+                  <a:pt x="3312000" y="32578"/>
+                </a:lnTo>
+                <a:lnTo>
+                  <a:pt x="3312000" y="56294"/>
+                </a:lnTo>
+                <a:lnTo>
+                  <a:pt x="3312000" y="89393"/>
+                </a:lnTo>
+                <a:lnTo>
+                  <a:pt x="3312000" y="133438"/>
+                </a:lnTo>
+                <a:lnTo>
+                  <a:pt x="3312000" y="189993"/>
+                </a:lnTo>
+                <a:lnTo>
+                  <a:pt x="3312000" y="260621"/>
+                </a:lnTo>
+                <a:lnTo>
+                  <a:pt x="3312000" y="346887"/>
+                </a:lnTo>
+                <a:lnTo>
+                  <a:pt x="3312000" y="450353"/>
+                </a:lnTo>
+                <a:lnTo>
+                  <a:pt x="3312000" y="572585"/>
+                </a:lnTo>
+                <a:lnTo>
+                  <a:pt x="3312000" y="715144"/>
+                </a:lnTo>
+                <a:lnTo>
+                  <a:pt x="3312000" y="879596"/>
+                </a:lnTo>
+                <a:lnTo>
+                  <a:pt x="3312000" y="1067504"/>
+                </a:lnTo>
+                <a:lnTo>
+                  <a:pt x="3312000" y="1068413"/>
+                </a:lnTo>
+                <a:lnTo>
+                  <a:pt x="3312000" y="1074775"/>
+                </a:lnTo>
+                <a:lnTo>
+                  <a:pt x="3312000" y="1092043"/>
+                </a:lnTo>
+                <a:lnTo>
+                  <a:pt x="3312000" y="1125669"/>
+                </a:lnTo>
+                <a:lnTo>
+                  <a:pt x="3312000" y="1181108"/>
+                </a:lnTo>
+                <a:lnTo>
+                  <a:pt x="3312000" y="1218711"/>
+                </a:lnTo>
+                <a:lnTo>
+                  <a:pt x="3312000" y="1263812"/>
+                </a:lnTo>
+                <a:lnTo>
+                  <a:pt x="3312000" y="1317092"/>
+                </a:lnTo>
+                <a:lnTo>
+                  <a:pt x="3312000" y="1379234"/>
+                </a:lnTo>
+                <a:lnTo>
+                  <a:pt x="3312000" y="1450918"/>
+                </a:lnTo>
+                <a:lnTo>
+                  <a:pt x="3312000" y="1532827"/>
+                </a:lnTo>
+                <a:lnTo>
+                  <a:pt x="3312000" y="1534217"/>
+                </a:lnTo>
+                <a:lnTo>
+                  <a:pt x="3312000" y="1543947"/>
+                </a:lnTo>
+                <a:lnTo>
+                  <a:pt x="3312000" y="1570356"/>
+                </a:lnTo>
+                <a:lnTo>
+                  <a:pt x="3312000" y="1592422"/>
+                </a:lnTo>
+                <a:lnTo>
+                  <a:pt x="3312000" y="1621786"/>
+                </a:lnTo>
+                <a:lnTo>
+                  <a:pt x="3312000" y="1659489"/>
+                </a:lnTo>
+                <a:lnTo>
+                  <a:pt x="3312000" y="1706574"/>
+                </a:lnTo>
+                <a:lnTo>
+                  <a:pt x="3312000" y="1764085"/>
+                </a:lnTo>
+                <a:lnTo>
+                  <a:pt x="3312000" y="1833062"/>
+                </a:lnTo>
+                <a:lnTo>
+                  <a:pt x="3312000" y="1914550"/>
+                </a:lnTo>
+                <a:lnTo>
+                  <a:pt x="3312000" y="2009590"/>
+                </a:lnTo>
+                <a:lnTo>
+                  <a:pt x="3312000" y="2119224"/>
+                </a:lnTo>
+                <a:lnTo>
+                  <a:pt x="3312000" y="2244496"/>
+                </a:lnTo>
+                <a:lnTo>
+                  <a:pt x="3312000" y="3312000"/>
+                </a:lnTo>
+                <a:lnTo>
+                  <a:pt x="2226555" y="3312000"/>
+                </a:lnTo>
+                <a:lnTo>
+                  <a:pt x="2225685" y="3312000"/>
+                </a:lnTo>
+                <a:lnTo>
+                  <a:pt x="2219597" y="3312000"/>
+                </a:lnTo>
+                <a:lnTo>
+                  <a:pt x="2203071" y="3312000"/>
+                </a:lnTo>
+                <a:lnTo>
+                  <a:pt x="2170891" y="3312000"/>
+                </a:lnTo>
+                <a:lnTo>
+                  <a:pt x="2168771" y="3312000"/>
+                </a:lnTo>
+                <a:lnTo>
+                  <a:pt x="2153931" y="3312000"/>
+                </a:lnTo>
+                <a:lnTo>
+                  <a:pt x="2137766" y="3312000"/>
+                </a:lnTo>
+                <a:lnTo>
+                  <a:pt x="2113651" y="3312000"/>
+                </a:lnTo>
+                <a:lnTo>
+                  <a:pt x="2079995" y="3312000"/>
+                </a:lnTo>
+                <a:lnTo>
+                  <a:pt x="2035210" y="3312000"/>
+                </a:lnTo>
+                <a:lnTo>
+                  <a:pt x="1977705" y="3312000"/>
+                </a:lnTo>
+                <a:lnTo>
+                  <a:pt x="1905890" y="3312000"/>
+                </a:lnTo>
+                <a:lnTo>
+                  <a:pt x="1818174" y="3312000"/>
+                </a:lnTo>
+                <a:lnTo>
+                  <a:pt x="1712969" y="3312000"/>
+                </a:lnTo>
+                <a:lnTo>
+                  <a:pt x="1588683" y="3312000"/>
+                </a:lnTo>
+                <a:lnTo>
+                  <a:pt x="1443727" y="3312000"/>
+                </a:lnTo>
+                <a:lnTo>
+                  <a:pt x="1278901" y="3312000"/>
+                </a:lnTo>
+                <a:lnTo>
+                  <a:pt x="1276511" y="3312000"/>
+                </a:lnTo>
+                <a:cubicBezTo>
+                  <a:pt x="1216886" y="3312000"/>
+                  <a:pt x="1153286" y="3312000"/>
+                  <a:pt x="1085445" y="3312000"/>
+                </a:cubicBezTo>
+                <a:cubicBezTo>
+                  <a:pt x="1085445" y="3312000"/>
+                  <a:pt x="1085445" y="3312000"/>
+                  <a:pt x="0" y="3312000"/>
+                </a:cubicBezTo>
+                <a:cubicBezTo>
+                  <a:pt x="0" y="3312000"/>
+                  <a:pt x="0" y="3312000"/>
+                  <a:pt x="0" y="2244496"/>
+                </a:cubicBezTo>
+                <a:cubicBezTo>
+                  <a:pt x="0" y="2244496"/>
+                  <a:pt x="0" y="2244496"/>
+                  <a:pt x="0" y="1779174"/>
+                </a:cubicBezTo>
+                <a:cubicBezTo>
+                  <a:pt x="0" y="1779174"/>
+                  <a:pt x="0" y="1779174"/>
+                  <a:pt x="0" y="1067504"/>
+                </a:cubicBezTo>
+                <a:cubicBezTo>
+                  <a:pt x="0" y="465322"/>
+                  <a:pt x="473143" y="0"/>
+                  <a:pt x="1085445" y="0"/>
+                </a:cubicBezTo>
+                <a:close/>
+              </a:path>
+            </a:pathLst>
+          </a:custGeom>
+          <a:pattFill prst="ltUpDiag">
+            <a:fgClr>
+              <a:srgbClr val="FFA62F"/>
+            </a:fgClr>
+            <a:bgClr>
+              <a:srgbClr val="FF9300"/>
+            </a:bgClr>
+          </a:pattFill>
+          <a:ln>
+            <a:noFill/>
+          </a:ln>
+        </p:spPr>
+        <p:style>
+          <a:lnRef idx="2">
+            <a:schemeClr val="accent1">
+              <a:shade val="50000"/>
+            </a:schemeClr>
+          </a:lnRef>
+          <a:fillRef idx="1">
+            <a:schemeClr val="accent1"/>
+          </a:fillRef>
+          <a:effectRef idx="0">
+            <a:schemeClr val="accent1"/>
+          </a:effectRef>
+          <a:fontRef idx="minor">
+            <a:schemeClr val="lt1"/>
+          </a:fontRef>
+        </p:style>
+        <p:txBody>
+          <a:bodyPr rtlCol="0" anchor="ctr"/>
+          <a:lstStyle/>
+          <a:p>
+            <a:pPr algn="ctr"/>
+            <a:r>
+              <a:rPr lang="zh-CN" altLang="en-US" sz="6000" b="1" dirty="0">
+                <a:latin typeface="+mn-ea"/>
+              </a:rPr>
+              <a:t>幸福</a:t>
+            </a:r>
+          </a:p>
+        </p:txBody>
+      </p:sp>
+      <p:sp>
+        <p:nvSpPr>
+          <p:cNvPr id="9" name="任意多边形 19">
+            <a:extLst>
+              <a:ext uri="{FF2B5EF4-FFF2-40B4-BE49-F238E27FC236}">
+                <a16:creationId xmlns:a16="http://schemas.microsoft.com/office/drawing/2014/main" id="{3EA5360B-0B9B-4B1C-BFEE-873BB5840E0B}"/>
+              </a:ext>
+            </a:extLst>
+          </p:cNvPr>
+          <p:cNvSpPr/>
+          <p:nvPr/>
+        </p:nvSpPr>
+        <p:spPr>
+          <a:xfrm flipH="1">
+            <a:off x="7758022" y="2944153"/>
+            <a:ext cx="1812602" cy="1852999"/>
+          </a:xfrm>
+          <a:custGeom>
+            <a:avLst/>
+            <a:gdLst>
+              <a:gd name="connsiteX0" fmla="*/ 1085445 w 3312000"/>
+              <a:gd name="connsiteY0" fmla="*/ 0 h 3312000"/>
+              <a:gd name="connsiteX1" fmla="*/ 1113277 w 3312000"/>
+              <a:gd name="connsiteY1" fmla="*/ 0 h 3312000"/>
+              <a:gd name="connsiteX2" fmla="*/ 1252437 w 3312000"/>
+              <a:gd name="connsiteY2" fmla="*/ 0 h 3312000"/>
+              <a:gd name="connsiteX3" fmla="*/ 1278901 w 3312000"/>
+              <a:gd name="connsiteY3" fmla="*/ 0 h 3312000"/>
+              <a:gd name="connsiteX4" fmla="*/ 1311417 w 3312000"/>
+              <a:gd name="connsiteY4" fmla="*/ 0 h 3312000"/>
+              <a:gd name="connsiteX5" fmla="*/ 1385074 w 3312000"/>
+              <a:gd name="connsiteY5" fmla="*/ 0 h 3312000"/>
+              <a:gd name="connsiteX6" fmla="*/ 1475038 w 3312000"/>
+              <a:gd name="connsiteY6" fmla="*/ 0 h 3312000"/>
+              <a:gd name="connsiteX7" fmla="*/ 1582941 w 3312000"/>
+              <a:gd name="connsiteY7" fmla="*/ 0 h 3312000"/>
+              <a:gd name="connsiteX8" fmla="*/ 1710414 w 3312000"/>
+              <a:gd name="connsiteY8" fmla="*/ 0 h 3312000"/>
+              <a:gd name="connsiteX9" fmla="*/ 1859086 w 3312000"/>
+              <a:gd name="connsiteY9" fmla="*/ 0 h 3312000"/>
+              <a:gd name="connsiteX10" fmla="*/ 2030590 w 3312000"/>
+              <a:gd name="connsiteY10" fmla="*/ 0 h 3312000"/>
+              <a:gd name="connsiteX11" fmla="*/ 2226555 w 3312000"/>
+              <a:gd name="connsiteY11" fmla="*/ 0 h 3312000"/>
+              <a:gd name="connsiteX12" fmla="*/ 3312000 w 3312000"/>
+              <a:gd name="connsiteY12" fmla="*/ 0 h 3312000"/>
+              <a:gd name="connsiteX13" fmla="*/ 3312000 w 3312000"/>
+              <a:gd name="connsiteY13" fmla="*/ 2085 h 3312000"/>
+              <a:gd name="connsiteX14" fmla="*/ 3312000 w 3312000"/>
+              <a:gd name="connsiteY14" fmla="*/ 16680 h 3312000"/>
+              <a:gd name="connsiteX15" fmla="*/ 3312000 w 3312000"/>
+              <a:gd name="connsiteY15" fmla="*/ 32578 h 3312000"/>
+              <a:gd name="connsiteX16" fmla="*/ 3312000 w 3312000"/>
+              <a:gd name="connsiteY16" fmla="*/ 56294 h 3312000"/>
+              <a:gd name="connsiteX17" fmla="*/ 3312000 w 3312000"/>
+              <a:gd name="connsiteY17" fmla="*/ 89393 h 3312000"/>
+              <a:gd name="connsiteX18" fmla="*/ 3312000 w 3312000"/>
+              <a:gd name="connsiteY18" fmla="*/ 133438 h 3312000"/>
+              <a:gd name="connsiteX19" fmla="*/ 3312000 w 3312000"/>
+              <a:gd name="connsiteY19" fmla="*/ 189993 h 3312000"/>
+              <a:gd name="connsiteX20" fmla="*/ 3312000 w 3312000"/>
+              <a:gd name="connsiteY20" fmla="*/ 260621 h 3312000"/>
+              <a:gd name="connsiteX21" fmla="*/ 3312000 w 3312000"/>
+              <a:gd name="connsiteY21" fmla="*/ 346887 h 3312000"/>
+              <a:gd name="connsiteX22" fmla="*/ 3312000 w 3312000"/>
+              <a:gd name="connsiteY22" fmla="*/ 450353 h 3312000"/>
+              <a:gd name="connsiteX23" fmla="*/ 3312000 w 3312000"/>
+              <a:gd name="connsiteY23" fmla="*/ 572585 h 3312000"/>
+              <a:gd name="connsiteX24" fmla="*/ 3312000 w 3312000"/>
+              <a:gd name="connsiteY24" fmla="*/ 715144 h 3312000"/>
+              <a:gd name="connsiteX25" fmla="*/ 3312000 w 3312000"/>
+              <a:gd name="connsiteY25" fmla="*/ 879596 h 3312000"/>
+              <a:gd name="connsiteX26" fmla="*/ 3312000 w 3312000"/>
+              <a:gd name="connsiteY26" fmla="*/ 1067504 h 3312000"/>
+              <a:gd name="connsiteX27" fmla="*/ 3312000 w 3312000"/>
+              <a:gd name="connsiteY27" fmla="*/ 1068413 h 3312000"/>
+              <a:gd name="connsiteX28" fmla="*/ 3312000 w 3312000"/>
+              <a:gd name="connsiteY28" fmla="*/ 1074775 h 3312000"/>
+              <a:gd name="connsiteX29" fmla="*/ 3312000 w 3312000"/>
+              <a:gd name="connsiteY29" fmla="*/ 1092043 h 3312000"/>
+              <a:gd name="connsiteX30" fmla="*/ 3312000 w 3312000"/>
+              <a:gd name="connsiteY30" fmla="*/ 1125669 h 3312000"/>
+              <a:gd name="connsiteX31" fmla="*/ 3312000 w 3312000"/>
+              <a:gd name="connsiteY31" fmla="*/ 1181108 h 3312000"/>
+              <a:gd name="connsiteX32" fmla="*/ 3312000 w 3312000"/>
+              <a:gd name="connsiteY32" fmla="*/ 1218711 h 3312000"/>
+              <a:gd name="connsiteX33" fmla="*/ 3312000 w 3312000"/>
+              <a:gd name="connsiteY33" fmla="*/ 1263812 h 3312000"/>
+              <a:gd name="connsiteX34" fmla="*/ 3312000 w 3312000"/>
+              <a:gd name="connsiteY34" fmla="*/ 1317092 h 3312000"/>
+              <a:gd name="connsiteX35" fmla="*/ 3312000 w 3312000"/>
+              <a:gd name="connsiteY35" fmla="*/ 1379234 h 3312000"/>
+              <a:gd name="connsiteX36" fmla="*/ 3312000 w 3312000"/>
+              <a:gd name="connsiteY36" fmla="*/ 1450918 h 3312000"/>
+              <a:gd name="connsiteX37" fmla="*/ 3312000 w 3312000"/>
+              <a:gd name="connsiteY37" fmla="*/ 1532827 h 3312000"/>
+              <a:gd name="connsiteX38" fmla="*/ 3312000 w 3312000"/>
+              <a:gd name="connsiteY38" fmla="*/ 1534217 h 3312000"/>
+              <a:gd name="connsiteX39" fmla="*/ 3312000 w 3312000"/>
+              <a:gd name="connsiteY39" fmla="*/ 1543947 h 3312000"/>
+              <a:gd name="connsiteX40" fmla="*/ 3312000 w 3312000"/>
+              <a:gd name="connsiteY40" fmla="*/ 1570356 h 3312000"/>
+              <a:gd name="connsiteX41" fmla="*/ 3312000 w 3312000"/>
+              <a:gd name="connsiteY41" fmla="*/ 1592422 h 3312000"/>
+              <a:gd name="connsiteX42" fmla="*/ 3312000 w 3312000"/>
+              <a:gd name="connsiteY42" fmla="*/ 1621786 h 3312000"/>
+              <a:gd name="connsiteX43" fmla="*/ 3312000 w 3312000"/>
+              <a:gd name="connsiteY43" fmla="*/ 1659489 h 3312000"/>
+              <a:gd name="connsiteX44" fmla="*/ 3312000 w 3312000"/>
+              <a:gd name="connsiteY44" fmla="*/ 1706574 h 3312000"/>
+              <a:gd name="connsiteX45" fmla="*/ 3312000 w 3312000"/>
+              <a:gd name="connsiteY45" fmla="*/ 1764085 h 3312000"/>
+              <a:gd name="connsiteX46" fmla="*/ 3312000 w 3312000"/>
+              <a:gd name="connsiteY46" fmla="*/ 1833062 h 3312000"/>
+              <a:gd name="connsiteX47" fmla="*/ 3312000 w 3312000"/>
+              <a:gd name="connsiteY47" fmla="*/ 1914550 h 3312000"/>
+              <a:gd name="connsiteX48" fmla="*/ 3312000 w 3312000"/>
+              <a:gd name="connsiteY48" fmla="*/ 2009590 h 3312000"/>
+              <a:gd name="connsiteX49" fmla="*/ 3312000 w 3312000"/>
+              <a:gd name="connsiteY49" fmla="*/ 2119224 h 3312000"/>
+              <a:gd name="connsiteX50" fmla="*/ 3312000 w 3312000"/>
+              <a:gd name="connsiteY50" fmla="*/ 2244496 h 3312000"/>
+              <a:gd name="connsiteX51" fmla="*/ 3312000 w 3312000"/>
+              <a:gd name="connsiteY51" fmla="*/ 3312000 h 3312000"/>
+              <a:gd name="connsiteX52" fmla="*/ 2226555 w 3312000"/>
+              <a:gd name="connsiteY52" fmla="*/ 3312000 h 3312000"/>
+              <a:gd name="connsiteX53" fmla="*/ 2225685 w 3312000"/>
+              <a:gd name="connsiteY53" fmla="*/ 3312000 h 3312000"/>
+              <a:gd name="connsiteX54" fmla="*/ 2219597 w 3312000"/>
+              <a:gd name="connsiteY54" fmla="*/ 3312000 h 3312000"/>
+              <a:gd name="connsiteX55" fmla="*/ 2203071 w 3312000"/>
+              <a:gd name="connsiteY55" fmla="*/ 3312000 h 3312000"/>
+              <a:gd name="connsiteX56" fmla="*/ 2170891 w 3312000"/>
+              <a:gd name="connsiteY56" fmla="*/ 3312000 h 3312000"/>
+              <a:gd name="connsiteX57" fmla="*/ 2168771 w 3312000"/>
+              <a:gd name="connsiteY57" fmla="*/ 3312000 h 3312000"/>
+              <a:gd name="connsiteX58" fmla="*/ 2153931 w 3312000"/>
+              <a:gd name="connsiteY58" fmla="*/ 3312000 h 3312000"/>
+              <a:gd name="connsiteX59" fmla="*/ 2137766 w 3312000"/>
+              <a:gd name="connsiteY59" fmla="*/ 3312000 h 3312000"/>
+              <a:gd name="connsiteX60" fmla="*/ 2113651 w 3312000"/>
+              <a:gd name="connsiteY60" fmla="*/ 3312000 h 3312000"/>
+              <a:gd name="connsiteX61" fmla="*/ 2079995 w 3312000"/>
+              <a:gd name="connsiteY61" fmla="*/ 3312000 h 3312000"/>
+              <a:gd name="connsiteX62" fmla="*/ 2035210 w 3312000"/>
+              <a:gd name="connsiteY62" fmla="*/ 3312000 h 3312000"/>
+              <a:gd name="connsiteX63" fmla="*/ 1977705 w 3312000"/>
+              <a:gd name="connsiteY63" fmla="*/ 3312000 h 3312000"/>
+              <a:gd name="connsiteX64" fmla="*/ 1905890 w 3312000"/>
+              <a:gd name="connsiteY64" fmla="*/ 3312000 h 3312000"/>
+              <a:gd name="connsiteX65" fmla="*/ 1818174 w 3312000"/>
+              <a:gd name="connsiteY65" fmla="*/ 3312000 h 3312000"/>
+              <a:gd name="connsiteX66" fmla="*/ 1712969 w 3312000"/>
+              <a:gd name="connsiteY66" fmla="*/ 3312000 h 3312000"/>
+              <a:gd name="connsiteX67" fmla="*/ 1588683 w 3312000"/>
+              <a:gd name="connsiteY67" fmla="*/ 3312000 h 3312000"/>
+              <a:gd name="connsiteX68" fmla="*/ 1443727 w 3312000"/>
+              <a:gd name="connsiteY68" fmla="*/ 3312000 h 3312000"/>
+              <a:gd name="connsiteX69" fmla="*/ 1278901 w 3312000"/>
+              <a:gd name="connsiteY69" fmla="*/ 3312000 h 3312000"/>
+              <a:gd name="connsiteX70" fmla="*/ 1276511 w 3312000"/>
+              <a:gd name="connsiteY70" fmla="*/ 3312000 h 3312000"/>
+              <a:gd name="connsiteX71" fmla="*/ 1085445 w 3312000"/>
+              <a:gd name="connsiteY71" fmla="*/ 3312000 h 3312000"/>
+              <a:gd name="connsiteX72" fmla="*/ 0 w 3312000"/>
+              <a:gd name="connsiteY72" fmla="*/ 3312000 h 3312000"/>
+              <a:gd name="connsiteX73" fmla="*/ 0 w 3312000"/>
+              <a:gd name="connsiteY73" fmla="*/ 2244496 h 3312000"/>
+              <a:gd name="connsiteX74" fmla="*/ 0 w 3312000"/>
+              <a:gd name="connsiteY74" fmla="*/ 1779174 h 3312000"/>
+              <a:gd name="connsiteX75" fmla="*/ 0 w 3312000"/>
+              <a:gd name="connsiteY75" fmla="*/ 1067504 h 3312000"/>
+              <a:gd name="connsiteX76" fmla="*/ 1085445 w 3312000"/>
+              <a:gd name="connsiteY76" fmla="*/ 0 h 3312000"/>
+            </a:gdLst>
+            <a:ahLst/>
+            <a:cxnLst>
+              <a:cxn ang="0">
+                <a:pos x="connsiteX0" y="connsiteY0"/>
+              </a:cxn>
+              <a:cxn ang="0">
+                <a:pos x="connsiteX1" y="connsiteY1"/>
+              </a:cxn>
+              <a:cxn ang="0">
+                <a:pos x="connsiteX2" y="connsiteY2"/>
+              </a:cxn>
+              <a:cxn ang="0">
+                <a:pos x="connsiteX3" y="connsiteY3"/>
+              </a:cxn>
+              <a:cxn ang="0">
+                <a:pos x="connsiteX4" y="connsiteY4"/>
+              </a:cxn>
+              <a:cxn ang="0">
+                <a:pos x="connsiteX5" y="connsiteY5"/>
+              </a:cxn>
+              <a:cxn ang="0">
+                <a:pos x="connsiteX6" y="connsiteY6"/>
+              </a:cxn>
+              <a:cxn ang="0">
+                <a:pos x="connsiteX7" y="connsiteY7"/>
+              </a:cxn>
+              <a:cxn ang="0">
+                <a:pos x="connsiteX8" y="connsiteY8"/>
+              </a:cxn>
+              <a:cxn ang="0">
+                <a:pos x="connsiteX9" y="connsiteY9"/>
+              </a:cxn>
+              <a:cxn ang="0">
+                <a:pos x="connsiteX10" y="connsiteY10"/>
+              </a:cxn>
+              <a:cxn ang="0">
+                <a:pos x="connsiteX11" y="connsiteY11"/>
+              </a:cxn>
+              <a:cxn ang="0">
+                <a:pos x="connsiteX12" y="connsiteY12"/>
+              </a:cxn>
+              <a:cxn ang="0">
+                <a:pos x="connsiteX13" y="connsiteY13"/>
+              </a:cxn>
+              <a:cxn ang="0">
+                <a:pos x="connsiteX14" y="connsiteY14"/>
+              </a:cxn>
+              <a:cxn ang="0">
+                <a:pos x="connsiteX15" y="connsiteY15"/>
+              </a:cxn>
+              <a:cxn ang="0">
+                <a:pos x="connsiteX16" y="connsiteY16"/>
+              </a:cxn>
+              <a:cxn ang="0">
+                <a:pos x="connsiteX17" y="connsiteY17"/>
+              </a:cxn>
+              <a:cxn ang="0">
+                <a:pos x="connsiteX18" y="connsiteY18"/>
+              </a:cxn>
+              <a:cxn ang="0">
+                <a:pos x="connsiteX19" y="connsiteY19"/>
+              </a:cxn>
+              <a:cxn ang="0">
+                <a:pos x="connsiteX20" y="connsiteY20"/>
+              </a:cxn>
+              <a:cxn ang="0">
+                <a:pos x="connsiteX21" y="connsiteY21"/>
+              </a:cxn>
+              <a:cxn ang="0">
+                <a:pos x="connsiteX22" y="connsiteY22"/>
+              </a:cxn>
+              <a:cxn ang="0">
+                <a:pos x="connsiteX23" y="connsiteY23"/>
+              </a:cxn>
+              <a:cxn ang="0">
+                <a:pos x="connsiteX24" y="connsiteY24"/>
+              </a:cxn>
+              <a:cxn ang="0">
+                <a:pos x="connsiteX25" y="connsiteY25"/>
+              </a:cxn>
+              <a:cxn ang="0">
+                <a:pos x="connsiteX26" y="connsiteY26"/>
+              </a:cxn>
+              <a:cxn ang="0">
+                <a:pos x="connsiteX27" y="connsiteY27"/>
+              </a:cxn>
+              <a:cxn ang="0">
+                <a:pos x="connsiteX28" y="connsiteY28"/>
+              </a:cxn>
+              <a:cxn ang="0">
+                <a:pos x="connsiteX29" y="connsiteY29"/>
+              </a:cxn>
+              <a:cxn ang="0">
+                <a:pos x="connsiteX30" y="connsiteY30"/>
+              </a:cxn>
+              <a:cxn ang="0">
+                <a:pos x="connsiteX31" y="connsiteY31"/>
+              </a:cxn>
+              <a:cxn ang="0">
+                <a:pos x="connsiteX32" y="connsiteY32"/>
+              </a:cxn>
+              <a:cxn ang="0">
+                <a:pos x="connsiteX33" y="connsiteY33"/>
+              </a:cxn>
+              <a:cxn ang="0">
+                <a:pos x="connsiteX34" y="connsiteY34"/>
+              </a:cxn>
+              <a:cxn ang="0">
+                <a:pos x="connsiteX35" y="connsiteY35"/>
+              </a:cxn>
+              <a:cxn ang="0">
+                <a:pos x="connsiteX36" y="connsiteY36"/>
+              </a:cxn>
+              <a:cxn ang="0">
+                <a:pos x="connsiteX37" y="connsiteY37"/>
+              </a:cxn>
+              <a:cxn ang="0">
+                <a:pos x="connsiteX38" y="connsiteY38"/>
+              </a:cxn>
+              <a:cxn ang="0">
+                <a:pos x="connsiteX39" y="connsiteY39"/>
+              </a:cxn>
+              <a:cxn ang="0">
+                <a:pos x="connsiteX40" y="connsiteY40"/>
+              </a:cxn>
+              <a:cxn ang="0">
+                <a:pos x="connsiteX41" y="connsiteY41"/>
+              </a:cxn>
+              <a:cxn ang="0">
+                <a:pos x="connsiteX42" y="connsiteY42"/>
+              </a:cxn>
+              <a:cxn ang="0">
+                <a:pos x="connsiteX43" y="connsiteY43"/>
+              </a:cxn>
+              <a:cxn ang="0">
+                <a:pos x="connsiteX44" y="connsiteY44"/>
+              </a:cxn>
+              <a:cxn ang="0">
+                <a:pos x="connsiteX45" y="connsiteY45"/>
+              </a:cxn>
+              <a:cxn ang="0">
+                <a:pos x="connsiteX46" y="connsiteY46"/>
+              </a:cxn>
+              <a:cxn ang="0">
+                <a:pos x="connsiteX47" y="connsiteY47"/>
+              </a:cxn>
+              <a:cxn ang="0">
+                <a:pos x="connsiteX48" y="connsiteY48"/>
+              </a:cxn>
+              <a:cxn ang="0">
+                <a:pos x="connsiteX49" y="connsiteY49"/>
+              </a:cxn>
+              <a:cxn ang="0">
+                <a:pos x="connsiteX50" y="connsiteY50"/>
+              </a:cxn>
+              <a:cxn ang="0">
+                <a:pos x="connsiteX51" y="connsiteY51"/>
+              </a:cxn>
+              <a:cxn ang="0">
+                <a:pos x="connsiteX52" y="connsiteY52"/>
+              </a:cxn>
+              <a:cxn ang="0">
+                <a:pos x="connsiteX53" y="connsiteY53"/>
+              </a:cxn>
+              <a:cxn ang="0">
+                <a:pos x="connsiteX54" y="connsiteY54"/>
+              </a:cxn>
+              <a:cxn ang="0">
+                <a:pos x="connsiteX55" y="connsiteY55"/>
+              </a:cxn>
+              <a:cxn ang="0">
+                <a:pos x="connsiteX56" y="connsiteY56"/>
+              </a:cxn>
+              <a:cxn ang="0">
+                <a:pos x="connsiteX57" y="connsiteY57"/>
+              </a:cxn>
+              <a:cxn ang="0">
+                <a:pos x="connsiteX58" y="connsiteY58"/>
+              </a:cxn>
+              <a:cxn ang="0">
+                <a:pos x="connsiteX59" y="connsiteY59"/>
+              </a:cxn>
+              <a:cxn ang="0">
+                <a:pos x="connsiteX60" y="connsiteY60"/>
+              </a:cxn>
+              <a:cxn ang="0">
+                <a:pos x="connsiteX61" y="connsiteY61"/>
+              </a:cxn>
+              <a:cxn ang="0">
+                <a:pos x="connsiteX62" y="connsiteY62"/>
+              </a:cxn>
+              <a:cxn ang="0">
+                <a:pos x="connsiteX63" y="connsiteY63"/>
+              </a:cxn>
+              <a:cxn ang="0">
+                <a:pos x="connsiteX64" y="connsiteY64"/>
+              </a:cxn>
+              <a:cxn ang="0">
+                <a:pos x="connsiteX65" y="connsiteY65"/>
+              </a:cxn>
+              <a:cxn ang="0">
+                <a:pos x="connsiteX66" y="connsiteY66"/>
+              </a:cxn>
+              <a:cxn ang="0">
+                <a:pos x="connsiteX67" y="connsiteY67"/>
+              </a:cxn>
+              <a:cxn ang="0">
+                <a:pos x="connsiteX68" y="connsiteY68"/>
+              </a:cxn>
+              <a:cxn ang="0">
+                <a:pos x="connsiteX69" y="connsiteY69"/>
+              </a:cxn>
+              <a:cxn ang="0">
+                <a:pos x="connsiteX70" y="connsiteY70"/>
+              </a:cxn>
+              <a:cxn ang="0">
+                <a:pos x="connsiteX71" y="connsiteY71"/>
+              </a:cxn>
+              <a:cxn ang="0">
+                <a:pos x="connsiteX72" y="connsiteY72"/>
+              </a:cxn>
+              <a:cxn ang="0">
+                <a:pos x="connsiteX73" y="connsiteY73"/>
+              </a:cxn>
+              <a:cxn ang="0">
+                <a:pos x="connsiteX74" y="connsiteY74"/>
+              </a:cxn>
+              <a:cxn ang="0">
+                <a:pos x="connsiteX75" y="connsiteY75"/>
+              </a:cxn>
+              <a:cxn ang="0">
+                <a:pos x="connsiteX76" y="connsiteY76"/>
+              </a:cxn>
+            </a:cxnLst>
+            <a:rect l="l" t="t" r="r" b="b"/>
+            <a:pathLst>
+              <a:path w="3312000" h="3312000">
+                <a:moveTo>
+                  <a:pt x="1085445" y="0"/>
+                </a:moveTo>
+                <a:cubicBezTo>
+                  <a:pt x="1085445" y="0"/>
+                  <a:pt x="1085445" y="0"/>
+                  <a:pt x="1113277" y="0"/>
+                </a:cubicBezTo>
+                <a:cubicBezTo>
+                  <a:pt x="1113277" y="0"/>
+                  <a:pt x="1113277" y="0"/>
+                  <a:pt x="1252437" y="0"/>
+                </a:cubicBezTo>
+                <a:lnTo>
+                  <a:pt x="1278901" y="0"/>
+                </a:lnTo>
+                <a:lnTo>
+                  <a:pt x="1311417" y="0"/>
+                </a:lnTo>
+                <a:lnTo>
+                  <a:pt x="1385074" y="0"/>
+                </a:lnTo>
+                <a:lnTo>
+                  <a:pt x="1475038" y="0"/>
+                </a:lnTo>
+                <a:lnTo>
+                  <a:pt x="1582941" y="0"/>
+                </a:lnTo>
+                <a:lnTo>
+                  <a:pt x="1710414" y="0"/>
+                </a:lnTo>
+                <a:lnTo>
+                  <a:pt x="1859086" y="0"/>
+                </a:lnTo>
+                <a:lnTo>
+                  <a:pt x="2030590" y="0"/>
+                </a:lnTo>
+                <a:lnTo>
+                  <a:pt x="2226555" y="0"/>
+                </a:lnTo>
+                <a:lnTo>
+                  <a:pt x="3312000" y="0"/>
+                </a:lnTo>
+                <a:lnTo>
+                  <a:pt x="3312000" y="2085"/>
+                </a:lnTo>
+                <a:lnTo>
+                  <a:pt x="3312000" y="16680"/>
+                </a:lnTo>
+                <a:lnTo>
+                  <a:pt x="3312000" y="32578"/>
+                </a:lnTo>
+                <a:lnTo>
+                  <a:pt x="3312000" y="56294"/>
+                </a:lnTo>
+                <a:lnTo>
+                  <a:pt x="3312000" y="89393"/>
+                </a:lnTo>
+                <a:lnTo>
+                  <a:pt x="3312000" y="133438"/>
+                </a:lnTo>
+                <a:lnTo>
+                  <a:pt x="3312000" y="189993"/>
+                </a:lnTo>
+                <a:lnTo>
+                  <a:pt x="3312000" y="260621"/>
+                </a:lnTo>
+                <a:lnTo>
+                  <a:pt x="3312000" y="346887"/>
+                </a:lnTo>
+                <a:lnTo>
+                  <a:pt x="3312000" y="450353"/>
+                </a:lnTo>
+                <a:lnTo>
+                  <a:pt x="3312000" y="572585"/>
+                </a:lnTo>
+                <a:lnTo>
+                  <a:pt x="3312000" y="715144"/>
+                </a:lnTo>
+                <a:lnTo>
+                  <a:pt x="3312000" y="879596"/>
+                </a:lnTo>
+                <a:lnTo>
+                  <a:pt x="3312000" y="1067504"/>
+                </a:lnTo>
+                <a:lnTo>
+                  <a:pt x="3312000" y="1068413"/>
+                </a:lnTo>
+                <a:lnTo>
+                  <a:pt x="3312000" y="1074775"/>
+                </a:lnTo>
+                <a:lnTo>
+                  <a:pt x="3312000" y="1092043"/>
+                </a:lnTo>
+                <a:lnTo>
+                  <a:pt x="3312000" y="1125669"/>
+                </a:lnTo>
+                <a:lnTo>
+                  <a:pt x="3312000" y="1181108"/>
+                </a:lnTo>
+                <a:lnTo>
+                  <a:pt x="3312000" y="1218711"/>
+                </a:lnTo>
+                <a:lnTo>
+                  <a:pt x="3312000" y="1263812"/>
+                </a:lnTo>
+                <a:lnTo>
+                  <a:pt x="3312000" y="1317092"/>
+                </a:lnTo>
+                <a:lnTo>
+                  <a:pt x="3312000" y="1379234"/>
+                </a:lnTo>
+                <a:lnTo>
+                  <a:pt x="3312000" y="1450918"/>
+                </a:lnTo>
+                <a:lnTo>
+                  <a:pt x="3312000" y="1532827"/>
+                </a:lnTo>
+                <a:lnTo>
+                  <a:pt x="3312000" y="1534217"/>
+                </a:lnTo>
+                <a:lnTo>
+                  <a:pt x="3312000" y="1543947"/>
+                </a:lnTo>
+                <a:lnTo>
+                  <a:pt x="3312000" y="1570356"/>
+                </a:lnTo>
+                <a:lnTo>
+                  <a:pt x="3312000" y="1592422"/>
+                </a:lnTo>
+                <a:lnTo>
+                  <a:pt x="3312000" y="1621786"/>
+                </a:lnTo>
+                <a:lnTo>
+                  <a:pt x="3312000" y="1659489"/>
+                </a:lnTo>
+                <a:lnTo>
+                  <a:pt x="3312000" y="1706574"/>
+                </a:lnTo>
+                <a:lnTo>
+                  <a:pt x="3312000" y="1764085"/>
+                </a:lnTo>
+                <a:lnTo>
+                  <a:pt x="3312000" y="1833062"/>
+                </a:lnTo>
+                <a:lnTo>
+                  <a:pt x="3312000" y="1914550"/>
+                </a:lnTo>
+                <a:lnTo>
+                  <a:pt x="3312000" y="2009590"/>
+                </a:lnTo>
+                <a:lnTo>
+                  <a:pt x="3312000" y="2119224"/>
+                </a:lnTo>
+                <a:lnTo>
+                  <a:pt x="3312000" y="2244496"/>
+                </a:lnTo>
+                <a:lnTo>
+                  <a:pt x="3312000" y="3312000"/>
+                </a:lnTo>
+                <a:lnTo>
+                  <a:pt x="2226555" y="3312000"/>
+                </a:lnTo>
+                <a:lnTo>
+                  <a:pt x="2225685" y="3312000"/>
+                </a:lnTo>
+                <a:lnTo>
+                  <a:pt x="2219597" y="3312000"/>
+                </a:lnTo>
+                <a:lnTo>
+                  <a:pt x="2203071" y="3312000"/>
+                </a:lnTo>
+                <a:lnTo>
+                  <a:pt x="2170891" y="3312000"/>
+                </a:lnTo>
+                <a:lnTo>
+                  <a:pt x="2168771" y="3312000"/>
+                </a:lnTo>
+                <a:lnTo>
+                  <a:pt x="2153931" y="3312000"/>
+                </a:lnTo>
+                <a:lnTo>
+                  <a:pt x="2137766" y="3312000"/>
+                </a:lnTo>
+                <a:lnTo>
+                  <a:pt x="2113651" y="3312000"/>
+                </a:lnTo>
+                <a:lnTo>
+                  <a:pt x="2079995" y="3312000"/>
+                </a:lnTo>
+                <a:lnTo>
+                  <a:pt x="2035210" y="3312000"/>
+                </a:lnTo>
+                <a:lnTo>
+                  <a:pt x="1977705" y="3312000"/>
+                </a:lnTo>
+                <a:lnTo>
+                  <a:pt x="1905890" y="3312000"/>
+                </a:lnTo>
+                <a:lnTo>
+                  <a:pt x="1818174" y="3312000"/>
+                </a:lnTo>
+                <a:lnTo>
+                  <a:pt x="1712969" y="3312000"/>
+                </a:lnTo>
+                <a:lnTo>
+                  <a:pt x="1588683" y="3312000"/>
+                </a:lnTo>
+                <a:lnTo>
+                  <a:pt x="1443727" y="3312000"/>
+                </a:lnTo>
+                <a:lnTo>
+                  <a:pt x="1278901" y="3312000"/>
+                </a:lnTo>
+                <a:lnTo>
+                  <a:pt x="1276511" y="3312000"/>
+                </a:lnTo>
+                <a:cubicBezTo>
+                  <a:pt x="1216886" y="3312000"/>
+                  <a:pt x="1153286" y="3312000"/>
+                  <a:pt x="1085445" y="3312000"/>
+                </a:cubicBezTo>
+                <a:cubicBezTo>
+                  <a:pt x="1085445" y="3312000"/>
+                  <a:pt x="1085445" y="3312000"/>
+                  <a:pt x="0" y="3312000"/>
+                </a:cubicBezTo>
+                <a:cubicBezTo>
+                  <a:pt x="0" y="3312000"/>
+                  <a:pt x="0" y="3312000"/>
+                  <a:pt x="0" y="2244496"/>
+                </a:cubicBezTo>
+                <a:cubicBezTo>
+                  <a:pt x="0" y="2244496"/>
+                  <a:pt x="0" y="2244496"/>
+                  <a:pt x="0" y="1779174"/>
+                </a:cubicBezTo>
+                <a:cubicBezTo>
+                  <a:pt x="0" y="1779174"/>
+                  <a:pt x="0" y="1779174"/>
+                  <a:pt x="0" y="1067504"/>
+                </a:cubicBezTo>
+                <a:cubicBezTo>
+                  <a:pt x="0" y="465322"/>
+                  <a:pt x="473143" y="0"/>
+                  <a:pt x="1085445" y="0"/>
+                </a:cubicBezTo>
+                <a:close/>
+              </a:path>
+            </a:pathLst>
+          </a:custGeom>
+          <a:pattFill prst="ltUpDiag">
+            <a:fgClr>
+              <a:srgbClr val="FFA62F"/>
+            </a:fgClr>
+            <a:bgClr>
+              <a:srgbClr val="FF9300"/>
+            </a:bgClr>
+          </a:pattFill>
+          <a:ln>
+            <a:noFill/>
+          </a:ln>
+        </p:spPr>
+        <p:style>
+          <a:lnRef idx="2">
+            <a:schemeClr val="accent1">
+              <a:shade val="50000"/>
+            </a:schemeClr>
+          </a:lnRef>
+          <a:fillRef idx="1">
+            <a:schemeClr val="accent1"/>
+          </a:fillRef>
+          <a:effectRef idx="0">
+            <a:schemeClr val="accent1"/>
+          </a:effectRef>
+          <a:fontRef idx="minor">
+            <a:schemeClr val="lt1"/>
+          </a:fontRef>
+        </p:style>
+        <p:txBody>
+          <a:bodyPr rtlCol="0" anchor="ctr"/>
+          <a:lstStyle/>
+          <a:p>
+            <a:pPr algn="ctr"/>
+            <a:r>
+              <a:rPr lang="zh-CN" altLang="en-US" sz="6000" b="1" dirty="0">
+                <a:latin typeface="+mn-ea"/>
+              </a:rPr>
+              <a:t>乐观</a:t>
+            </a:r>
+          </a:p>
+        </p:txBody>
+      </p:sp>
+      <p:sp>
+        <p:nvSpPr>
+          <p:cNvPr id="10" name="矩形 9">
+            <a:extLst>
+              <a:ext uri="{FF2B5EF4-FFF2-40B4-BE49-F238E27FC236}">
+                <a16:creationId xmlns:a16="http://schemas.microsoft.com/office/drawing/2014/main" id="{DD2088A8-8656-4222-A517-8977797050A5}"/>
+              </a:ext>
+            </a:extLst>
+          </p:cNvPr>
+          <p:cNvSpPr/>
+          <p:nvPr/>
+        </p:nvSpPr>
+        <p:spPr>
+          <a:xfrm>
+            <a:off x="5239804" y="3661890"/>
+            <a:ext cx="2244650" cy="1135262"/>
+          </a:xfrm>
+          <a:prstGeom prst="rect">
+            <a:avLst/>
+          </a:prstGeom>
+          <a:pattFill prst="ltUpDiag">
+            <a:fgClr>
+              <a:srgbClr val="FFA62F"/>
+            </a:fgClr>
+            <a:bgClr>
+              <a:srgbClr val="FF9300"/>
+            </a:bgClr>
+          </a:pattFill>
+          <a:ln>
+            <a:noFill/>
+          </a:ln>
+        </p:spPr>
+        <p:style>
+          <a:lnRef idx="2">
+            <a:schemeClr val="accent1">
+              <a:shade val="50000"/>
+            </a:schemeClr>
+          </a:lnRef>
+          <a:fillRef idx="1">
+            <a:schemeClr val="accent1"/>
+          </a:fillRef>
+          <a:effectRef idx="0">
+            <a:schemeClr val="accent1"/>
+          </a:effectRef>
+          <a:fontRef idx="minor">
+            <a:schemeClr val="lt1"/>
+          </a:fontRef>
+        </p:style>
+        <p:txBody>
+          <a:bodyPr rtlCol="0" anchor="ctr"/>
+          <a:lstStyle/>
+          <a:p>
+            <a:pPr algn="ctr"/>
+            <a:r>
+              <a:rPr lang="zh-CN" altLang="en-US" sz="6000" b="1" dirty="0">
+                <a:latin typeface="+mn-ea"/>
+              </a:rPr>
+              <a:t>心流</a:t>
+            </a:r>
+          </a:p>
+        </p:txBody>
+      </p:sp>
+      <p:sp>
+        <p:nvSpPr>
+          <p:cNvPr id="15" name="矩形 14">
+            <a:extLst>
+              <a:ext uri="{FF2B5EF4-FFF2-40B4-BE49-F238E27FC236}">
+                <a16:creationId xmlns:a16="http://schemas.microsoft.com/office/drawing/2014/main" id="{FDBC6E87-BFDC-4D94-97E8-1C43C703F87D}"/>
+              </a:ext>
+            </a:extLst>
+          </p:cNvPr>
+          <p:cNvSpPr/>
+          <p:nvPr/>
+        </p:nvSpPr>
+        <p:spPr>
+          <a:xfrm>
+            <a:off x="5584859" y="2924944"/>
+            <a:ext cx="1723549" cy="553998"/>
+          </a:xfrm>
+          <a:prstGeom prst="rect">
+            <a:avLst/>
+          </a:prstGeom>
+        </p:spPr>
+        <p:txBody>
+          <a:bodyPr wrap="none">
+            <a:spAutoFit/>
+          </a:bodyPr>
+          <a:lstStyle/>
+          <a:p>
+            <a:pPr algn="ctr"/>
+            <a:r>
+              <a:rPr lang="zh-CN" altLang="en-US" sz="3000" dirty="0">
+                <a:solidFill>
+                  <a:srgbClr val="F05425"/>
+                </a:solidFill>
               </a:rPr>
               <a:t>积极情绪</a:t>
             </a:r>
@@ -12229,7 +13539,7 @@
                             </p:stCondLst>
                             <p:childTnLst>
                               <p:par>
-                                <p:cTn id="5" presetID="47" presetClass="entr" presetSubtype="0" fill="hold" grpId="0" nodeType="withEffect">
+                                <p:cTn id="5" presetID="53" presetClass="entr" presetSubtype="16" fill="hold" grpId="0" nodeType="afterEffect">
                                   <p:stCondLst>
                                     <p:cond delay="0"/>
                                   </p:stCondLst>
@@ -12237,96 +13547,6 @@
                                     <p:set>
                                       <p:cBhvr>
                                         <p:cTn id="6" dur="1" fill="hold">
-                                          <p:stCondLst>
-                                            <p:cond delay="0"/>
-                                          </p:stCondLst>
-                                        </p:cTn>
-                                        <p:tgtEl>
-                                          <p:spTgt spid="11"/>
-                                        </p:tgtEl>
-                                        <p:attrNameLst>
-                                          <p:attrName>style.visibility</p:attrName>
-                                        </p:attrNameLst>
-                                      </p:cBhvr>
-                                      <p:to>
-                                        <p:strVal val="visible"/>
-                                      </p:to>
-                                    </p:set>
-                                    <p:animEffect transition="in" filter="fade">
-                                      <p:cBhvr>
-                                        <p:cTn id="7" dur="1000"/>
-                                        <p:tgtEl>
-                                          <p:spTgt spid="11"/>
-                                        </p:tgtEl>
-                                      </p:cBhvr>
-                                    </p:animEffect>
-                                    <p:anim calcmode="lin" valueType="num">
-                                      <p:cBhvr>
-                                        <p:cTn id="8" dur="1000" fill="hold"/>
-                                        <p:tgtEl>
-                                          <p:spTgt spid="11"/>
-                                        </p:tgtEl>
-                                        <p:attrNameLst>
-                                          <p:attrName>ppt_x</p:attrName>
-                                        </p:attrNameLst>
-                                      </p:cBhvr>
-                                      <p:tavLst>
-                                        <p:tav tm="0">
-                                          <p:val>
-                                            <p:strVal val="#ppt_x"/>
-                                          </p:val>
-                                        </p:tav>
-                                        <p:tav tm="100000">
-                                          <p:val>
-                                            <p:strVal val="#ppt_x"/>
-                                          </p:val>
-                                        </p:tav>
-                                      </p:tavLst>
-                                    </p:anim>
-                                    <p:anim calcmode="lin" valueType="num">
-                                      <p:cBhvr>
-                                        <p:cTn id="9" dur="1000" fill="hold"/>
-                                        <p:tgtEl>
-                                          <p:spTgt spid="11"/>
-                                        </p:tgtEl>
-                                        <p:attrNameLst>
-                                          <p:attrName>ppt_y</p:attrName>
-                                        </p:attrNameLst>
-                                      </p:cBhvr>
-                                      <p:tavLst>
-                                        <p:tav tm="0">
-                                          <p:val>
-                                            <p:strVal val="#ppt_y-.1"/>
-                                          </p:val>
-                                        </p:tav>
-                                        <p:tav tm="100000">
-                                          <p:val>
-                                            <p:strVal val="#ppt_y"/>
-                                          </p:val>
-                                        </p:tav>
-                                      </p:tavLst>
-                                    </p:anim>
-                                  </p:childTnLst>
-                                </p:cTn>
-                              </p:par>
-                            </p:childTnLst>
-                          </p:cTn>
-                        </p:par>
-                        <p:par>
-                          <p:cTn id="10" fill="hold">
-                            <p:stCondLst>
-                              <p:cond delay="1000"/>
-                            </p:stCondLst>
-                            <p:childTnLst>
-                              <p:par>
-                                <p:cTn id="11" presetID="53" presetClass="entr" presetSubtype="16" fill="hold" grpId="0" nodeType="afterEffect">
-                                  <p:stCondLst>
-                                    <p:cond delay="0"/>
-                                  </p:stCondLst>
-                                  <p:childTnLst>
-                                    <p:set>
-                                      <p:cBhvr>
-                                        <p:cTn id="12" dur="1" fill="hold">
                                           <p:stCondLst>
                                             <p:cond delay="0"/>
                                           </p:stCondLst>
@@ -12344,7 +13564,7 @@
                                     </p:set>
                                     <p:anim calcmode="lin" valueType="num">
                                       <p:cBhvr>
-                                        <p:cTn id="13" dur="500" fill="hold"/>
+                                        <p:cTn id="7" dur="500" fill="hold"/>
                                         <p:tgtEl>
                                           <p:spTgt spid="13"/>
                                         </p:tgtEl>
@@ -12367,7 +13587,7 @@
                                     </p:anim>
                                     <p:anim calcmode="lin" valueType="num">
                                       <p:cBhvr>
-                                        <p:cTn id="14" dur="500" fill="hold"/>
+                                        <p:cTn id="8" dur="500" fill="hold"/>
                                         <p:tgtEl>
                                           <p:spTgt spid="13"/>
                                         </p:tgtEl>
@@ -12390,7 +13610,7 @@
                                     </p:anim>
                                     <p:animEffect transition="in" filter="fade">
                                       <p:cBhvr>
-                                        <p:cTn id="15" dur="500"/>
+                                        <p:cTn id="9" dur="500"/>
                                         <p:tgtEl>
                                           <p:spTgt spid="13"/>
                                         </p:tgtEl>
@@ -12400,14 +13620,14 @@
                                 </p:cTn>
                               </p:par>
                               <p:par>
-                                <p:cTn id="16" presetID="8" presetClass="emph" presetSubtype="0" fill="hold" grpId="1" nodeType="withEffect">
+                                <p:cTn id="10" presetID="8" presetClass="emph" presetSubtype="0" fill="hold" grpId="1" nodeType="withEffect">
                                   <p:stCondLst>
                                     <p:cond delay="0"/>
                                   </p:stCondLst>
                                   <p:childTnLst>
                                     <p:animRot by="21600000">
                                       <p:cBhvr>
-                                        <p:cTn id="17" dur="500" fill="hold"/>
+                                        <p:cTn id="11" dur="500" fill="hold"/>
                                         <p:tgtEl>
                                           <p:spTgt spid="13"/>
                                         </p:tgtEl>
@@ -12447,7 +13667,6 @@
       </p:par>
     </p:tnLst>
     <p:bldLst>
-      <p:bldP spid="11" grpId="0"/>
       <p:bldP spid="13" grpId="0"/>
       <p:bldP spid="13" grpId="1"/>
     </p:bldLst>
@@ -14862,7 +16081,7 @@
           <p:nvPr/>
         </p:nvPicPr>
         <p:blipFill>
-          <a:blip r:embed="rId2">
+          <a:blip r:embed="rId2" cstate="print">
             <a:extLst>
               <a:ext uri="{28A0092B-C50C-407E-A947-70E740481C1C}">
                 <a14:useLocalDpi xmlns:a14="http://schemas.microsoft.com/office/drawing/2010/main" val="0"/>
@@ -20048,7 +21267,7 @@
         </p:nvSpPr>
         <p:spPr bwMode="auto">
           <a:xfrm>
-            <a:off x="2854846" y="1340768"/>
+            <a:off x="3147805" y="4149080"/>
             <a:ext cx="5544616" cy="390428"/>
           </a:xfrm>
           <a:prstGeom prst="rect">
@@ -20206,42 +21425,80 @@
           </a:p>
         </p:txBody>
       </p:sp>
-      <p:pic>
-        <p:nvPicPr>
-          <p:cNvPr id="6" name="图片 5">
+      <p:sp>
+        <p:nvSpPr>
+          <p:cNvPr id="10" name="矩形 9">
             <a:extLst>
               <a:ext uri="{FF2B5EF4-FFF2-40B4-BE49-F238E27FC236}">
-                <a16:creationId xmlns:a16="http://schemas.microsoft.com/office/drawing/2014/main" id="{4DC369DF-8C65-0646-859A-33E8707C3872}"/>
+                <a16:creationId xmlns:a16="http://schemas.microsoft.com/office/drawing/2014/main" id="{03FE7F0E-92C9-4E6C-922D-18C2B959B085}"/>
               </a:ext>
             </a:extLst>
           </p:cNvPr>
-          <p:cNvPicPr>
-            <a:picLocks noChangeAspect="1"/>
-          </p:cNvPicPr>
+          <p:cNvSpPr/>
           <p:nvPr/>
-        </p:nvPicPr>
-        <p:blipFill>
-          <a:blip r:embed="rId2">
-            <a:extLst>
-              <a:ext uri="{28A0092B-C50C-407E-A947-70E740481C1C}">
-                <a14:useLocalDpi xmlns:a14="http://schemas.microsoft.com/office/drawing/2010/main" val="0"/>
-              </a:ext>
-            </a:extLst>
-          </a:blip>
-          <a:stretch>
-            <a:fillRect/>
-          </a:stretch>
-        </p:blipFill>
+        </p:nvSpPr>
         <p:spPr>
           <a:xfrm>
-            <a:off x="1881237" y="2225320"/>
-            <a:ext cx="7851874" cy="4084000"/>
+            <a:off x="2350790" y="2051488"/>
+            <a:ext cx="7138647" cy="1569660"/>
           </a:xfrm>
           <a:prstGeom prst="rect">
             <a:avLst/>
           </a:prstGeom>
         </p:spPr>
-      </p:pic>
+        <p:txBody>
+          <a:bodyPr wrap="square">
+            <a:spAutoFit/>
+          </a:bodyPr>
+          <a:lstStyle/>
+          <a:p>
+            <a:r>
+              <a:rPr lang="zh-CN" altLang="en-US" sz="4800" b="1" dirty="0">
+                <a:solidFill>
+                  <a:srgbClr val="F05425"/>
+                </a:solidFill>
+                <a:effectLst>
+                  <a:outerShdw blurRad="38100" dist="38100" dir="2700000" algn="tl">
+                    <a:srgbClr val="000000">
+                      <a:alpha val="43137"/>
+                    </a:srgbClr>
+                  </a:outerShdw>
+                </a:effectLst>
+              </a:rPr>
+              <a:t>积极心理学</a:t>
+            </a:r>
+            <a:endParaRPr lang="en-US" altLang="zh-CN" sz="4800" b="1" dirty="0">
+              <a:solidFill>
+                <a:srgbClr val="F05425"/>
+              </a:solidFill>
+              <a:effectLst>
+                <a:outerShdw blurRad="38100" dist="38100" dir="2700000" algn="tl">
+                  <a:srgbClr val="000000">
+                    <a:alpha val="43137"/>
+                  </a:srgbClr>
+                </a:outerShdw>
+              </a:effectLst>
+            </a:endParaRPr>
+          </a:p>
+          <a:p>
+            <a:r>
+              <a:rPr lang="zh-CN" altLang="en-US" sz="4800" b="1" dirty="0">
+                <a:solidFill>
+                  <a:srgbClr val="F05425"/>
+                </a:solidFill>
+                <a:effectLst>
+                  <a:outerShdw blurRad="38100" dist="38100" dir="2700000" algn="tl">
+                    <a:srgbClr val="000000">
+                      <a:alpha val="43137"/>
+                    </a:srgbClr>
+                  </a:outerShdw>
+                </a:effectLst>
+              </a:rPr>
+              <a:t>是心理学领域的一场革命</a:t>
+            </a:r>
+          </a:p>
+        </p:txBody>
+      </p:sp>
     </p:spTree>
     <p:extLst>
       <p:ext uri="{BB962C8B-B14F-4D97-AF65-F5344CB8AC3E}">
@@ -22353,7 +23610,7 @@
           <p:nvPr/>
         </p:nvPicPr>
         <p:blipFill>
-          <a:blip r:embed="rId3">
+          <a:blip r:embed="rId3" cstate="print">
             <a:extLst>
               <a:ext uri="{28A0092B-C50C-407E-A947-70E740481C1C}">
                 <a14:useLocalDpi xmlns:a14="http://schemas.microsoft.com/office/drawing/2010/main" val="0"/>
@@ -22988,7 +24245,7 @@
           <p:nvPr/>
         </p:nvPicPr>
         <p:blipFill>
-          <a:blip r:embed="rId2">
+          <a:blip r:embed="rId2" cstate="print">
             <a:extLst>
               <a:ext uri="{28A0092B-C50C-407E-A947-70E740481C1C}">
                 <a14:useLocalDpi xmlns:a14="http://schemas.microsoft.com/office/drawing/2010/main" val="0"/>
@@ -23301,7 +24558,7 @@
           <p:nvPr/>
         </p:nvPicPr>
         <p:blipFill>
-          <a:blip r:embed="rId2">
+          <a:blip r:embed="rId2" cstate="print">
             <a:extLst>
               <a:ext uri="{28A0092B-C50C-407E-A947-70E740481C1C}">
                 <a14:useLocalDpi xmlns:a14="http://schemas.microsoft.com/office/drawing/2010/main" val="0"/>

--- a/积极心理学探索.pptx
+++ b/积极心理学探索.pptx
@@ -247,7 +247,7 @@
           <a:p>
             <a:fld id="{FC7C3D7E-DECD-40A8-83A4-F76C1F255BF3}" type="datetimeFigureOut">
               <a:rPr lang="en-US" smtClean="0"/>
-              <a:t>5/14/2020</a:t>
+              <a:t>5/14/20</a:t>
             </a:fld>
             <a:endParaRPr lang="en-US"/>
           </a:p>
@@ -412,7 +412,7 @@
           <a:p>
             <a:fld id="{66FC44DC-17B1-4BD0-9959-2723B1C0D4AF}" type="datetimeFigureOut">
               <a:rPr lang="zh-CN" altLang="en-US" smtClean="0"/>
-              <a:t>2020-05-14</a:t>
+              <a:t>2020/5/14</a:t>
             </a:fld>
             <a:endParaRPr lang="zh-CN" altLang="en-US"/>
           </a:p>
@@ -1315,7 +1315,7 @@
           <a:p>
             <a:fld id="{530820CF-B880-4189-942D-D702A7CBA730}" type="datetimeFigureOut">
               <a:rPr lang="zh-CN" altLang="en-US" smtClean="0"/>
-              <a:t>2020-05-14</a:t>
+              <a:t>2020/5/14</a:t>
             </a:fld>
             <a:endParaRPr lang="zh-CN" altLang="en-US"/>
           </a:p>
@@ -1405,7 +1405,7 @@
           <a:p>
             <a:fld id="{530820CF-B880-4189-942D-D702A7CBA730}" type="datetimeFigureOut">
               <a:rPr lang="zh-CN" altLang="en-US" smtClean="0"/>
-              <a:t>2020-05-14</a:t>
+              <a:t>2020/5/14</a:t>
             </a:fld>
             <a:endParaRPr lang="zh-CN" altLang="en-US"/>
           </a:p>
@@ -1675,7 +1675,7 @@
           <a:p>
             <a:fld id="{530820CF-B880-4189-942D-D702A7CBA730}" type="datetimeFigureOut">
               <a:rPr lang="zh-CN" altLang="en-US" smtClean="0"/>
-              <a:t>2020-05-14</a:t>
+              <a:t>2020/5/14</a:t>
             </a:fld>
             <a:endParaRPr lang="zh-CN" altLang="en-US"/>
           </a:p>
@@ -1922,7 +1922,7 @@
           <a:p>
             <a:fld id="{530820CF-B880-4189-942D-D702A7CBA730}" type="datetimeFigureOut">
               <a:rPr lang="zh-CN" altLang="en-US" smtClean="0"/>
-              <a:t>2020-05-14</a:t>
+              <a:t>2020/5/14</a:t>
             </a:fld>
             <a:endParaRPr lang="zh-CN" altLang="en-US"/>
           </a:p>
@@ -2085,7 +2085,7 @@
           <a:p>
             <a:fld id="{530820CF-B880-4189-942D-D702A7CBA730}" type="datetimeFigureOut">
               <a:rPr lang="zh-CN" altLang="en-US" smtClean="0"/>
-              <a:t>2020-05-14</a:t>
+              <a:t>2020/5/14</a:t>
             </a:fld>
             <a:endParaRPr lang="zh-CN" altLang="en-US"/>
           </a:p>
@@ -2258,7 +2258,7 @@
           <a:p>
             <a:fld id="{530820CF-B880-4189-942D-D702A7CBA730}" type="datetimeFigureOut">
               <a:rPr lang="zh-CN" altLang="en-US" smtClean="0"/>
-              <a:t>2020-05-14</a:t>
+              <a:t>2020/5/14</a:t>
             </a:fld>
             <a:endParaRPr lang="zh-CN" altLang="en-US"/>
           </a:p>
@@ -8954,7 +8954,7 @@
           <a:p>
             <a:fld id="{530820CF-B880-4189-942D-D702A7CBA730}" type="datetimeFigureOut">
               <a:rPr lang="zh-CN" altLang="en-US" smtClean="0"/>
-              <a:t>2020-05-14</a:t>
+              <a:t>2020/5/14</a:t>
             </a:fld>
             <a:endParaRPr lang="zh-CN" altLang="en-US"/>
           </a:p>
@@ -9160,7 +9160,7 @@
           <a:p>
             <a:fld id="{530820CF-B880-4189-942D-D702A7CBA730}" type="datetimeFigureOut">
               <a:rPr lang="zh-CN" altLang="en-US" smtClean="0"/>
-              <a:t>2020-05-14</a:t>
+              <a:t>2020/5/14</a:t>
             </a:fld>
             <a:endParaRPr lang="zh-CN" altLang="en-US"/>
           </a:p>
@@ -14049,6 +14049,176 @@
           </a:p>
         </p:txBody>
       </p:sp>
+      <p:sp>
+        <p:nvSpPr>
+          <p:cNvPr id="7" name="Text Box 44">
+            <a:extLst>
+              <a:ext uri="{FF2B5EF4-FFF2-40B4-BE49-F238E27FC236}">
+                <a16:creationId xmlns:a16="http://schemas.microsoft.com/office/drawing/2014/main" id="{560EA5B3-09DB-6241-B400-5F6061BA5F2F}"/>
+              </a:ext>
+            </a:extLst>
+          </p:cNvPr>
+          <p:cNvSpPr txBox="1">
+            <a:spLocks noChangeArrowheads="1"/>
+          </p:cNvSpPr>
+          <p:nvPr/>
+        </p:nvSpPr>
+        <p:spPr bwMode="auto">
+          <a:xfrm>
+            <a:off x="3214886" y="1670304"/>
+            <a:ext cx="5544616" cy="390428"/>
+          </a:xfrm>
+          <a:prstGeom prst="rect">
+            <a:avLst/>
+          </a:prstGeom>
+          <a:noFill/>
+          <a:ln>
+            <a:noFill/>
+          </a:ln>
+          <a:effectLst/>
+          <a:extLst>
+            <a:ext uri="{909E8E84-426E-40DD-AFC4-6F175D3DCCD1}">
+              <a14:hiddenFill xmlns:a14="http://schemas.microsoft.com/office/drawing/2010/main">
+                <a:solidFill>
+                  <a:srgbClr val="FFFFFF">
+                    <a:alpha val="30000"/>
+                  </a:srgbClr>
+                </a:solidFill>
+              </a14:hiddenFill>
+            </a:ext>
+            <a:ext uri="{91240B29-F687-4F45-9708-019B960494DF}">
+              <a14:hiddenLine xmlns:a14="http://schemas.microsoft.com/office/drawing/2010/main" w="9525">
+                <a:solidFill>
+                  <a:schemeClr val="tx1"/>
+                </a:solidFill>
+                <a:miter lim="800000"/>
+                <a:headEnd/>
+                <a:tailEnd/>
+              </a14:hiddenLine>
+            </a:ext>
+            <a:ext uri="{AF507438-7753-43E0-B8FC-AC1667EBCBE1}">
+              <a14:hiddenEffects xmlns:a14="http://schemas.microsoft.com/office/drawing/2010/main">
+                <a:effectLst>
+                  <a:outerShdw dist="35921" dir="2700000" algn="ctr" rotWithShape="0">
+                    <a:schemeClr val="bg2"/>
+                  </a:outerShdw>
+                </a:effectLst>
+              </a14:hiddenEffects>
+            </a:ext>
+          </a:extLst>
+        </p:spPr>
+        <p:txBody>
+          <a:bodyPr wrap="square">
+            <a:spAutoFit/>
+          </a:bodyPr>
+          <a:lstStyle>
+            <a:defPPr>
+              <a:defRPr lang="en-US"/>
+            </a:defPPr>
+            <a:lvl1pPr indent="457200" defTabSz="720725">
+              <a:lnSpc>
+                <a:spcPct val="135000"/>
+              </a:lnSpc>
+              <a:defRPr sz="1600">
+                <a:solidFill>
+                  <a:schemeClr val="bg1">
+                    <a:lumMod val="50000"/>
+                  </a:schemeClr>
+                </a:solidFill>
+                <a:latin typeface="微软雅黑" pitchFamily="34" charset="-122"/>
+                <a:ea typeface="微软雅黑" pitchFamily="34" charset="-122"/>
+              </a:defRPr>
+            </a:lvl1pPr>
+            <a:lvl2pPr defTabSz="720725" eaLnBrk="0" hangingPunct="0">
+              <a:defRPr sz="1600">
+                <a:latin typeface="Arial" pitchFamily="34" charset="0"/>
+                <a:ea typeface="宋体" pitchFamily="2" charset="-122"/>
+              </a:defRPr>
+            </a:lvl2pPr>
+            <a:lvl3pPr defTabSz="720725" eaLnBrk="0" hangingPunct="0">
+              <a:defRPr sz="1600">
+                <a:latin typeface="Arial" pitchFamily="34" charset="0"/>
+                <a:ea typeface="宋体" pitchFamily="2" charset="-122"/>
+              </a:defRPr>
+            </a:lvl3pPr>
+            <a:lvl4pPr defTabSz="720725" eaLnBrk="0" hangingPunct="0">
+              <a:defRPr sz="1600">
+                <a:latin typeface="Arial" pitchFamily="34" charset="0"/>
+                <a:ea typeface="宋体" pitchFamily="2" charset="-122"/>
+              </a:defRPr>
+            </a:lvl4pPr>
+            <a:lvl5pPr defTabSz="720725" eaLnBrk="0" hangingPunct="0">
+              <a:defRPr sz="1600">
+                <a:latin typeface="Arial" pitchFamily="34" charset="0"/>
+                <a:ea typeface="宋体" pitchFamily="2" charset="-122"/>
+              </a:defRPr>
+            </a:lvl5pPr>
+            <a:lvl6pPr defTabSz="720725" eaLnBrk="0" fontAlgn="base" hangingPunct="0">
+              <a:spcBef>
+                <a:spcPct val="0"/>
+              </a:spcBef>
+              <a:spcAft>
+                <a:spcPct val="0"/>
+              </a:spcAft>
+              <a:defRPr sz="1600">
+                <a:latin typeface="Arial" pitchFamily="34" charset="0"/>
+                <a:ea typeface="宋体" pitchFamily="2" charset="-122"/>
+              </a:defRPr>
+            </a:lvl6pPr>
+            <a:lvl7pPr defTabSz="720725" eaLnBrk="0" fontAlgn="base" hangingPunct="0">
+              <a:spcBef>
+                <a:spcPct val="0"/>
+              </a:spcBef>
+              <a:spcAft>
+                <a:spcPct val="0"/>
+              </a:spcAft>
+              <a:defRPr sz="1600">
+                <a:latin typeface="Arial" pitchFamily="34" charset="0"/>
+                <a:ea typeface="宋体" pitchFamily="2" charset="-122"/>
+              </a:defRPr>
+            </a:lvl7pPr>
+            <a:lvl8pPr defTabSz="720725" eaLnBrk="0" fontAlgn="base" hangingPunct="0">
+              <a:spcBef>
+                <a:spcPct val="0"/>
+              </a:spcBef>
+              <a:spcAft>
+                <a:spcPct val="0"/>
+              </a:spcAft>
+              <a:defRPr sz="1600">
+                <a:latin typeface="Arial" pitchFamily="34" charset="0"/>
+                <a:ea typeface="宋体" pitchFamily="2" charset="-122"/>
+              </a:defRPr>
+            </a:lvl8pPr>
+            <a:lvl9pPr defTabSz="720725" eaLnBrk="0" fontAlgn="base" hangingPunct="0">
+              <a:spcBef>
+                <a:spcPct val="0"/>
+              </a:spcBef>
+              <a:spcAft>
+                <a:spcPct val="0"/>
+              </a:spcAft>
+              <a:defRPr sz="1600">
+                <a:latin typeface="Arial" pitchFamily="34" charset="0"/>
+                <a:ea typeface="宋体" pitchFamily="2" charset="-122"/>
+              </a:defRPr>
+            </a:lvl9pPr>
+          </a:lstStyle>
+          <a:p>
+            <a:r>
+              <a:rPr lang="zh-CN" altLang="en-US" dirty="0"/>
+              <a:t>幸福是</a:t>
+            </a:r>
+            <a:r>
+              <a:rPr lang="zh-CN" altLang="en-US" dirty="0">
+                <a:solidFill>
+                  <a:srgbClr val="F26A40"/>
+                </a:solidFill>
+              </a:rPr>
+              <a:t>主观界定的积极情绪状态</a:t>
+            </a:r>
+            <a:endParaRPr lang="en-US" dirty="0"/>
+          </a:p>
+        </p:txBody>
+      </p:sp>
     </p:spTree>
     <p:extLst>
       <p:ext uri="{BB962C8B-B14F-4D97-AF65-F5344CB8AC3E}">
@@ -14288,6 +14458,96 @@
                             </p:childTnLst>
                           </p:cTn>
                         </p:par>
+                        <p:par>
+                          <p:cTn id="18" fill="hold">
+                            <p:stCondLst>
+                              <p:cond delay="1500"/>
+                            </p:stCondLst>
+                            <p:childTnLst>
+                              <p:par>
+                                <p:cTn id="19" presetID="42" presetClass="entr" presetSubtype="0" fill="hold" grpId="0" nodeType="afterEffect">
+                                  <p:stCondLst>
+                                    <p:cond delay="0"/>
+                                  </p:stCondLst>
+                                  <p:childTnLst>
+                                    <p:set>
+                                      <p:cBhvr>
+                                        <p:cTn id="20" dur="1" fill="hold">
+                                          <p:stCondLst>
+                                            <p:cond delay="0"/>
+                                          </p:stCondLst>
+                                        </p:cTn>
+                                        <p:tgtEl>
+                                          <p:spTgt spid="7"/>
+                                        </p:tgtEl>
+                                        <p:attrNameLst>
+                                          <p:attrName>style.visibility</p:attrName>
+                                        </p:attrNameLst>
+                                      </p:cBhvr>
+                                      <p:to>
+                                        <p:strVal val="visible"/>
+                                      </p:to>
+                                    </p:set>
+                                    <p:animEffect transition="in" filter="fade">
+                                      <p:cBhvr>
+                                        <p:cTn id="21" dur="1000"/>
+                                        <p:tgtEl>
+                                          <p:spTgt spid="7"/>
+                                        </p:tgtEl>
+                                      </p:cBhvr>
+                                    </p:animEffect>
+                                    <p:anim calcmode="lin" valueType="num">
+                                      <p:cBhvr>
+                                        <p:cTn id="22" dur="1000" fill="hold"/>
+                                        <p:tgtEl>
+                                          <p:spTgt spid="7"/>
+                                        </p:tgtEl>
+                                        <p:attrNameLst>
+                                          <p:attrName>ppt_x</p:attrName>
+                                        </p:attrNameLst>
+                                      </p:cBhvr>
+                                      <p:tavLst>
+                                        <p:tav tm="0">
+                                          <p:val>
+                                            <p:strVal val="#ppt_x"/>
+                                          </p:val>
+                                        </p:tav>
+                                        <p:tav tm="100000">
+                                          <p:val>
+                                            <p:strVal val="#ppt_x"/>
+                                          </p:val>
+                                        </p:tav>
+                                      </p:tavLst>
+                                    </p:anim>
+                                    <p:anim calcmode="lin" valueType="num">
+                                      <p:cBhvr>
+                                        <p:cTn id="23" dur="1000" fill="hold"/>
+                                        <p:tgtEl>
+                                          <p:spTgt spid="7"/>
+                                        </p:tgtEl>
+                                        <p:attrNameLst>
+                                          <p:attrName>ppt_y</p:attrName>
+                                        </p:attrNameLst>
+                                      </p:cBhvr>
+                                      <p:tavLst>
+                                        <p:tav tm="0">
+                                          <p:val>
+                                            <p:strVal val="#ppt_y+.1"/>
+                                          </p:val>
+                                        </p:tav>
+                                        <p:tav tm="100000">
+                                          <p:val>
+                                            <p:strVal val="#ppt_y"/>
+                                          </p:val>
+                                        </p:tav>
+                                      </p:tavLst>
+                                    </p:anim>
+                                  </p:childTnLst>
+                                </p:cTn>
+                              </p:par>
+                            </p:childTnLst>
+                          </p:cTn>
+                        </p:par>
                       </p:childTnLst>
                     </p:cTn>
                   </p:par>
@@ -14316,13 +14576,14 @@
       <p:bldP spid="18" grpId="0"/>
       <p:bldP spid="18" grpId="1"/>
       <p:bldP spid="4" grpId="0"/>
+      <p:bldP spid="7" grpId="0"/>
     </p:bldLst>
   </p:timing>
 </p:sld>
 </file>
 
 <file path=ppt/slides/slide13.xml><?xml version="1.0" encoding="utf-8"?>
-<p:sld xmlns:a="http://schemas.openxmlformats.org/drawingml/2006/main" xmlns:r="http://schemas.openxmlformats.org/officeDocument/2006/relationships" xmlns:p="http://schemas.openxmlformats.org/presentationml/2006/main">
+<p:sld xmlns:a="http://schemas.openxmlformats.org/drawingml/2006/main" xmlns:r="http://schemas.openxmlformats.org/officeDocument/2006/relationships" xmlns:p="http://schemas.openxmlformats.org/presentationml/2006/main" show="0">
   <p:cSld>
     <p:spTree>
       <p:nvGrpSpPr>
@@ -16363,7 +16624,7 @@
 </file>
 
 <file path=ppt/slides/slide16.xml><?xml version="1.0" encoding="utf-8"?>
-<p:sld xmlns:a="http://schemas.openxmlformats.org/drawingml/2006/main" xmlns:r="http://schemas.openxmlformats.org/officeDocument/2006/relationships" xmlns:p="http://schemas.openxmlformats.org/presentationml/2006/main">
+<p:sld xmlns:a="http://schemas.openxmlformats.org/drawingml/2006/main" xmlns:r="http://schemas.openxmlformats.org/officeDocument/2006/relationships" xmlns:p="http://schemas.openxmlformats.org/presentationml/2006/main" show="0">
   <p:cSld>
     <p:spTree>
       <p:nvGrpSpPr>
@@ -16536,6 +16797,10 @@
             <a:r>
               <a:rPr lang="en-US" dirty="0" err="1"/>
               <a:t>解释风格</a:t>
+            </a:r>
+            <a:r>
+              <a:rPr lang="zh-CN" altLang="en-US" dirty="0"/>
+              <a:t>：个体如何解释坏事的原因</a:t>
             </a:r>
             <a:endParaRPr lang="en-US" dirty="0">
               <a:solidFill>
@@ -17218,7 +17483,7 @@
         </p:blipFill>
         <p:spPr>
           <a:xfrm>
-            <a:off x="1198663" y="2826998"/>
+            <a:off x="1558702" y="1949534"/>
             <a:ext cx="8064896" cy="2958932"/>
           </a:xfrm>
           <a:prstGeom prst="rect">
@@ -20085,7 +20350,7 @@
 </file>
 
 <file path=ppt/slides/slide23.xml><?xml version="1.0" encoding="utf-8"?>
-<p:sld xmlns:a="http://schemas.openxmlformats.org/drawingml/2006/main" xmlns:r="http://schemas.openxmlformats.org/officeDocument/2006/relationships" xmlns:p="http://schemas.openxmlformats.org/presentationml/2006/main">
+<p:sld xmlns:a="http://schemas.openxmlformats.org/drawingml/2006/main" xmlns:r="http://schemas.openxmlformats.org/officeDocument/2006/relationships" xmlns:p="http://schemas.openxmlformats.org/presentationml/2006/main" show="0">
   <p:cSld>
     <p:spTree>
       <p:nvGrpSpPr>
@@ -20290,13 +20555,13 @@
   <p:clrMapOvr>
     <a:masterClrMapping/>
   </p:clrMapOvr>
-  <mc:AlternateContent xmlns:mc="http://schemas.openxmlformats.org/markup-compatibility/2006" xmlns:p14="http://schemas.microsoft.com/office/powerpoint/2010/main">
-    <mc:Choice Requires="p14">
+  <mc:AlternateContent xmlns:mc="http://schemas.openxmlformats.org/markup-compatibility/2006">
+    <mc:Choice xmlns:p14="http://schemas.microsoft.com/office/powerpoint/2010/main" Requires="p14">
       <p:transition spd="med" p14:dur="700">
         <p:fade/>
       </p:transition>
     </mc:Choice>
-    <mc:Fallback xmlns="">
+    <mc:Fallback>
       <p:transition spd="med">
         <p:fade/>
       </p:transition>
